--- a/diagrams.pptx
+++ b/diagrams.pptx
@@ -291,7 +291,7 @@
           <a:p>
             <a:fld id="{A158B014-3023-2543-8984-7EAE69C1CC0E}" type="datetimeFigureOut">
               <a:rPr lang="en-US" smtClean="0"/>
-              <a:t>7/24/16</a:t>
+              <a:t>7/26/16</a:t>
             </a:fld>
             <a:endParaRPr lang="en-US"/>
           </a:p>
@@ -461,7 +461,7 @@
           <a:p>
             <a:fld id="{A158B014-3023-2543-8984-7EAE69C1CC0E}" type="datetimeFigureOut">
               <a:rPr lang="en-US" smtClean="0"/>
-              <a:t>7/24/16</a:t>
+              <a:t>7/26/16</a:t>
             </a:fld>
             <a:endParaRPr lang="en-US"/>
           </a:p>
@@ -641,7 +641,7 @@
           <a:p>
             <a:fld id="{A158B014-3023-2543-8984-7EAE69C1CC0E}" type="datetimeFigureOut">
               <a:rPr lang="en-US" smtClean="0"/>
-              <a:t>7/24/16</a:t>
+              <a:t>7/26/16</a:t>
             </a:fld>
             <a:endParaRPr lang="en-US"/>
           </a:p>
@@ -811,7 +811,7 @@
           <a:p>
             <a:fld id="{A158B014-3023-2543-8984-7EAE69C1CC0E}" type="datetimeFigureOut">
               <a:rPr lang="en-US" smtClean="0"/>
-              <a:t>7/24/16</a:t>
+              <a:t>7/26/16</a:t>
             </a:fld>
             <a:endParaRPr lang="en-US"/>
           </a:p>
@@ -1057,7 +1057,7 @@
           <a:p>
             <a:fld id="{A158B014-3023-2543-8984-7EAE69C1CC0E}" type="datetimeFigureOut">
               <a:rPr lang="en-US" smtClean="0"/>
-              <a:t>7/24/16</a:t>
+              <a:t>7/26/16</a:t>
             </a:fld>
             <a:endParaRPr lang="en-US"/>
           </a:p>
@@ -1345,7 +1345,7 @@
           <a:p>
             <a:fld id="{A158B014-3023-2543-8984-7EAE69C1CC0E}" type="datetimeFigureOut">
               <a:rPr lang="en-US" smtClean="0"/>
-              <a:t>7/24/16</a:t>
+              <a:t>7/26/16</a:t>
             </a:fld>
             <a:endParaRPr lang="en-US"/>
           </a:p>
@@ -1767,7 +1767,7 @@
           <a:p>
             <a:fld id="{A158B014-3023-2543-8984-7EAE69C1CC0E}" type="datetimeFigureOut">
               <a:rPr lang="en-US" smtClean="0"/>
-              <a:t>7/24/16</a:t>
+              <a:t>7/26/16</a:t>
             </a:fld>
             <a:endParaRPr lang="en-US"/>
           </a:p>
@@ -1885,7 +1885,7 @@
           <a:p>
             <a:fld id="{A158B014-3023-2543-8984-7EAE69C1CC0E}" type="datetimeFigureOut">
               <a:rPr lang="en-US" smtClean="0"/>
-              <a:t>7/24/16</a:t>
+              <a:t>7/26/16</a:t>
             </a:fld>
             <a:endParaRPr lang="en-US"/>
           </a:p>
@@ -1980,7 +1980,7 @@
           <a:p>
             <a:fld id="{A158B014-3023-2543-8984-7EAE69C1CC0E}" type="datetimeFigureOut">
               <a:rPr lang="en-US" smtClean="0"/>
-              <a:t>7/24/16</a:t>
+              <a:t>7/26/16</a:t>
             </a:fld>
             <a:endParaRPr lang="en-US"/>
           </a:p>
@@ -2257,7 +2257,7 @@
           <a:p>
             <a:fld id="{A158B014-3023-2543-8984-7EAE69C1CC0E}" type="datetimeFigureOut">
               <a:rPr lang="en-US" smtClean="0"/>
-              <a:t>7/24/16</a:t>
+              <a:t>7/26/16</a:t>
             </a:fld>
             <a:endParaRPr lang="en-US"/>
           </a:p>
@@ -2510,7 +2510,7 @@
           <a:p>
             <a:fld id="{A158B014-3023-2543-8984-7EAE69C1CC0E}" type="datetimeFigureOut">
               <a:rPr lang="en-US" smtClean="0"/>
-              <a:t>7/24/16</a:t>
+              <a:t>7/26/16</a:t>
             </a:fld>
             <a:endParaRPr lang="en-US"/>
           </a:p>
@@ -2723,7 +2723,7 @@
           <a:p>
             <a:fld id="{A158B014-3023-2543-8984-7EAE69C1CC0E}" type="datetimeFigureOut">
               <a:rPr lang="en-US" smtClean="0"/>
-              <a:t>7/24/16</a:t>
+              <a:t>7/26/16</a:t>
             </a:fld>
             <a:endParaRPr lang="en-US"/>
           </a:p>
@@ -4470,8 +4470,8 @@
         </p:nvSpPr>
         <p:spPr>
           <a:xfrm>
-            <a:off x="3312765" y="1473805"/>
-            <a:ext cx="2098388" cy="369332"/>
+            <a:off x="3036574" y="1473805"/>
+            <a:ext cx="2650786" cy="369332"/>
           </a:xfrm>
           <a:prstGeom prst="rect">
             <a:avLst/>
@@ -4487,7 +4487,7 @@
             <a:pPr algn="ctr"/>
             <a:r>
               <a:rPr lang="en-US" dirty="0" smtClean="0"/>
-              <a:t>WTH &gt; 4 – no access</a:t>
+              <a:t>WTH&gt;4: Packaging: Purple </a:t>
             </a:r>
             <a:endParaRPr lang="en-US" dirty="0"/>
           </a:p>
@@ -4501,8 +4501,8 @@
         </p:nvSpPr>
         <p:spPr>
           <a:xfrm>
-            <a:off x="3595783" y="1920831"/>
-            <a:ext cx="1532353" cy="369332"/>
+            <a:off x="3235957" y="1920831"/>
+            <a:ext cx="2252014" cy="369332"/>
           </a:xfrm>
           <a:prstGeom prst="rect">
             <a:avLst/>
@@ -4518,7 +4518,11 @@
             <a:pPr algn="ctr"/>
             <a:r>
               <a:rPr lang="en-US" dirty="0" smtClean="0"/>
-              <a:t>&gt;4 – no access</a:t>
+              <a:t>&gt;</a:t>
+            </a:r>
+            <a:r>
+              <a:rPr lang="en-US" dirty="0" smtClean="0"/>
+              <a:t>4: Processing: Purple</a:t>
             </a:r>
             <a:endParaRPr lang="en-US" dirty="0"/>
           </a:p>
@@ -4532,8 +4536,8 @@
         </p:nvSpPr>
         <p:spPr>
           <a:xfrm>
-            <a:off x="3954937" y="2389992"/>
-            <a:ext cx="814045" cy="369332"/>
+            <a:off x="3466957" y="2389992"/>
+            <a:ext cx="1790011" cy="369332"/>
           </a:xfrm>
           <a:prstGeom prst="rect">
             <a:avLst/>
@@ -4549,7 +4553,7 @@
             <a:pPr algn="ctr"/>
             <a:r>
               <a:rPr lang="en-US" dirty="0" smtClean="0"/>
-              <a:t>4: Pink</a:t>
+              <a:t>4: Infirmary: Pink</a:t>
             </a:r>
             <a:endParaRPr lang="en-US" dirty="0"/>
           </a:p>
@@ -4563,8 +4567,8 @@
         </p:nvSpPr>
         <p:spPr>
           <a:xfrm>
-            <a:off x="3359121" y="2719900"/>
-            <a:ext cx="2005677" cy="369332"/>
+            <a:off x="3384340" y="2719900"/>
+            <a:ext cx="1955245" cy="369332"/>
           </a:xfrm>
           <a:prstGeom prst="rect">
             <a:avLst/>
@@ -4580,7 +4584,11 @@
             <a:pPr algn="ctr"/>
             <a:r>
               <a:rPr lang="en-US" dirty="0" smtClean="0"/>
-              <a:t>3: Black - managers</a:t>
+              <a:t>3: </a:t>
+            </a:r>
+            <a:r>
+              <a:rPr lang="en-US" dirty="0" smtClean="0"/>
+              <a:t>Managers: Black</a:t>
             </a:r>
             <a:endParaRPr lang="en-US" dirty="0"/>
           </a:p>
@@ -4594,8 +4602,8 @@
         </p:nvSpPr>
         <p:spPr>
           <a:xfrm>
-            <a:off x="3359121" y="3058752"/>
-            <a:ext cx="2005677" cy="369332"/>
+            <a:off x="3391185" y="3058752"/>
+            <a:ext cx="1941557" cy="369332"/>
           </a:xfrm>
           <a:prstGeom prst="rect">
             <a:avLst/>
@@ -4611,7 +4619,11 @@
             <a:pPr algn="ctr"/>
             <a:r>
               <a:rPr lang="en-US" dirty="0" smtClean="0"/>
-              <a:t>2: Black - engineers </a:t>
+              <a:t>2: </a:t>
+            </a:r>
+            <a:r>
+              <a:rPr lang="en-US" dirty="0" smtClean="0"/>
+              <a:t>Engineers: Black</a:t>
             </a:r>
             <a:endParaRPr lang="en-US" dirty="0"/>
           </a:p>
@@ -4625,8 +4637,8 @@
         </p:nvSpPr>
         <p:spPr>
           <a:xfrm>
-            <a:off x="3491581" y="3379094"/>
-            <a:ext cx="1740756" cy="369332"/>
+            <a:off x="3519423" y="3379094"/>
+            <a:ext cx="1685077" cy="369332"/>
           </a:xfrm>
           <a:prstGeom prst="rect">
             <a:avLst/>
@@ -4642,7 +4654,11 @@
             <a:pPr algn="ctr"/>
             <a:r>
               <a:rPr lang="en-US" dirty="0" smtClean="0"/>
-              <a:t>1: Black - interns</a:t>
+              <a:t>1: </a:t>
+            </a:r>
+            <a:r>
+              <a:rPr lang="en-US" dirty="0" smtClean="0"/>
+              <a:t>Interns: Black</a:t>
             </a:r>
             <a:endParaRPr lang="en-US" dirty="0"/>
           </a:p>

--- a/diagrams.pptx
+++ b/diagrams.pptx
@@ -5,10 +5,12 @@
     <p:sldMasterId id="2147483648" r:id="rId1"/>
   </p:sldMasterIdLst>
   <p:sldIdLst>
-    <p:sldId id="259" r:id="rId2"/>
-    <p:sldId id="256" r:id="rId3"/>
-    <p:sldId id="257" r:id="rId4"/>
-    <p:sldId id="258" r:id="rId5"/>
+    <p:sldId id="256" r:id="rId2"/>
+    <p:sldId id="257" r:id="rId3"/>
+    <p:sldId id="258" r:id="rId4"/>
+    <p:sldId id="259" r:id="rId5"/>
+    <p:sldId id="261" r:id="rId6"/>
+    <p:sldId id="260" r:id="rId7"/>
   </p:sldIdLst>
   <p:sldSz cx="9144000" cy="6858000" type="screen4x3"/>
   <p:notesSz cx="6858000" cy="9144000"/>
@@ -3100,19 +3102,21 @@
       </p:grpSpPr>
       <p:sp>
         <p:nvSpPr>
-          <p:cNvPr id="4" name="Rectangle 3"/>
+          <p:cNvPr id="12" name="Oval 11"/>
           <p:cNvSpPr/>
           <p:nvPr/>
         </p:nvSpPr>
         <p:spPr>
           <a:xfrm>
-            <a:off x="2073676" y="1240119"/>
-            <a:ext cx="4873811" cy="4141694"/>
-          </a:xfrm>
-          <a:prstGeom prst="rect">
-            <a:avLst/>
-          </a:prstGeom>
-          <a:noFill/>
+            <a:off x="3780117" y="4407647"/>
+            <a:ext cx="1090706" cy="974166"/>
+          </a:xfrm>
+          <a:prstGeom prst="ellipse">
+            <a:avLst/>
+          </a:prstGeom>
+          <a:solidFill>
+            <a:schemeClr val="bg1"/>
+          </a:solidFill>
           <a:ln>
             <a:solidFill>
               <a:schemeClr val="tx1"/>
@@ -3144,14 +3148,14 @@
       </p:sp>
       <p:sp>
         <p:nvSpPr>
-          <p:cNvPr id="5" name="Rectangle 4"/>
+          <p:cNvPr id="4" name="Rectangle 3"/>
           <p:cNvSpPr/>
           <p:nvPr/>
         </p:nvSpPr>
         <p:spPr>
           <a:xfrm>
-            <a:off x="4437530" y="3288633"/>
-            <a:ext cx="268942" cy="243776"/>
+            <a:off x="3765176" y="1240118"/>
+            <a:ext cx="1075765" cy="1045883"/>
           </a:xfrm>
           <a:prstGeom prst="rect">
             <a:avLst/>
@@ -3188,44 +3192,146 @@
       </p:sp>
       <p:sp>
         <p:nvSpPr>
-          <p:cNvPr id="6" name="TextBox 5"/>
-          <p:cNvSpPr txBox="1"/>
-          <p:nvPr/>
-        </p:nvSpPr>
-        <p:spPr>
-          <a:xfrm>
-            <a:off x="2667000" y="2101334"/>
-            <a:ext cx="1070801" cy="369332"/>
-          </a:xfrm>
-          <a:prstGeom prst="rect">
-            <a:avLst/>
-          </a:prstGeom>
-          <a:noFill/>
-        </p:spPr>
-        <p:txBody>
-          <a:bodyPr wrap="none" rtlCol="0">
-            <a:spAutoFit/>
-          </a:bodyPr>
-          <a:lstStyle/>
-          <a:p>
-            <a:r>
-              <a:rPr lang="en-US" dirty="0" smtClean="0"/>
-              <a:t>The town</a:t>
-            </a:r>
-            <a:endParaRPr lang="en-US" dirty="0"/>
-          </a:p>
-        </p:txBody>
-      </p:sp>
-      <p:sp>
-        <p:nvSpPr>
-          <p:cNvPr id="7" name="TextBox 6"/>
-          <p:cNvSpPr txBox="1"/>
-          <p:nvPr/>
-        </p:nvSpPr>
-        <p:spPr>
-          <a:xfrm>
-            <a:off x="4669040" y="3657600"/>
-            <a:ext cx="1081058" cy="646331"/>
+          <p:cNvPr id="5" name="Rectangle 4"/>
+          <p:cNvSpPr/>
+          <p:nvPr/>
+        </p:nvSpPr>
+        <p:spPr>
+          <a:xfrm>
+            <a:off x="5590985" y="2752164"/>
+            <a:ext cx="1075765" cy="1045883"/>
+          </a:xfrm>
+          <a:prstGeom prst="rect">
+            <a:avLst/>
+          </a:prstGeom>
+          <a:noFill/>
+          <a:ln>
+            <a:solidFill>
+              <a:schemeClr val="tx1"/>
+            </a:solidFill>
+          </a:ln>
+        </p:spPr>
+        <p:style>
+          <a:lnRef idx="1">
+            <a:schemeClr val="accent1"/>
+          </a:lnRef>
+          <a:fillRef idx="3">
+            <a:schemeClr val="accent1"/>
+          </a:fillRef>
+          <a:effectRef idx="2">
+            <a:schemeClr val="accent1"/>
+          </a:effectRef>
+          <a:fontRef idx="minor">
+            <a:schemeClr val="lt1"/>
+          </a:fontRef>
+        </p:style>
+        <p:txBody>
+          <a:bodyPr rtlCol="0" anchor="ctr"/>
+          <a:lstStyle/>
+          <a:p>
+            <a:pPr algn="ctr"/>
+            <a:endParaRPr lang="en-US"/>
+          </a:p>
+        </p:txBody>
+      </p:sp>
+      <p:sp>
+        <p:nvSpPr>
+          <p:cNvPr id="6" name="Rectangle 5"/>
+          <p:cNvSpPr/>
+          <p:nvPr/>
+        </p:nvSpPr>
+        <p:spPr>
+          <a:xfrm>
+            <a:off x="1795925" y="2856753"/>
+            <a:ext cx="1075765" cy="1045883"/>
+          </a:xfrm>
+          <a:prstGeom prst="rect">
+            <a:avLst/>
+          </a:prstGeom>
+          <a:noFill/>
+          <a:ln>
+            <a:solidFill>
+              <a:schemeClr val="tx1"/>
+            </a:solidFill>
+          </a:ln>
+        </p:spPr>
+        <p:style>
+          <a:lnRef idx="1">
+            <a:schemeClr val="accent1"/>
+          </a:lnRef>
+          <a:fillRef idx="3">
+            <a:schemeClr val="accent1"/>
+          </a:fillRef>
+          <a:effectRef idx="2">
+            <a:schemeClr val="accent1"/>
+          </a:effectRef>
+          <a:fontRef idx="minor">
+            <a:schemeClr val="lt1"/>
+          </a:fontRef>
+        </p:style>
+        <p:txBody>
+          <a:bodyPr rtlCol="0" anchor="ctr"/>
+          <a:lstStyle/>
+          <a:p>
+            <a:pPr algn="ctr"/>
+            <a:endParaRPr lang="en-US"/>
+          </a:p>
+        </p:txBody>
+      </p:sp>
+      <p:sp>
+        <p:nvSpPr>
+          <p:cNvPr id="8" name="Rectangle 7"/>
+          <p:cNvSpPr/>
+          <p:nvPr/>
+        </p:nvSpPr>
+        <p:spPr>
+          <a:xfrm>
+            <a:off x="1792939" y="1240119"/>
+            <a:ext cx="4873811" cy="4141694"/>
+          </a:xfrm>
+          <a:prstGeom prst="rect">
+            <a:avLst/>
+          </a:prstGeom>
+          <a:noFill/>
+          <a:ln>
+            <a:solidFill>
+              <a:schemeClr val="tx1"/>
+            </a:solidFill>
+          </a:ln>
+        </p:spPr>
+        <p:style>
+          <a:lnRef idx="1">
+            <a:schemeClr val="accent1"/>
+          </a:lnRef>
+          <a:fillRef idx="3">
+            <a:schemeClr val="accent1"/>
+          </a:fillRef>
+          <a:effectRef idx="2">
+            <a:schemeClr val="accent1"/>
+          </a:effectRef>
+          <a:fontRef idx="minor">
+            <a:schemeClr val="lt1"/>
+          </a:fontRef>
+        </p:style>
+        <p:txBody>
+          <a:bodyPr rtlCol="0" anchor="ctr"/>
+          <a:lstStyle/>
+          <a:p>
+            <a:pPr algn="ctr"/>
+            <a:endParaRPr lang="en-US"/>
+          </a:p>
+        </p:txBody>
+      </p:sp>
+      <p:sp>
+        <p:nvSpPr>
+          <p:cNvPr id="9" name="TextBox 8"/>
+          <p:cNvSpPr txBox="1"/>
+          <p:nvPr/>
+        </p:nvSpPr>
+        <p:spPr>
+          <a:xfrm>
+            <a:off x="5946588" y="5737412"/>
+            <a:ext cx="1727794" cy="646331"/>
           </a:xfrm>
           <a:prstGeom prst="rect">
             <a:avLst/>
@@ -3242,12 +3348,15 @@
               <a:rPr lang="en-US" dirty="0" err="1" smtClean="0"/>
               <a:t>Nyantech</a:t>
             </a:r>
-            <a:endParaRPr lang="en-US" dirty="0" smtClean="0"/>
-          </a:p>
-          <a:p>
             <a:r>
               <a:rPr lang="en-US" dirty="0" smtClean="0"/>
-              <a:t>HQ</a:t>
+              <a:t> Tower</a:t>
+            </a:r>
+          </a:p>
+          <a:p>
+            <a:r>
+              <a:rPr lang="en-US" dirty="0" smtClean="0"/>
+              <a:t>Ground Level</a:t>
             </a:r>
             <a:endParaRPr lang="en-US" dirty="0"/>
           </a:p>
@@ -3255,14 +3364,14 @@
       </p:sp>
       <p:sp>
         <p:nvSpPr>
-          <p:cNvPr id="8" name="TextBox 7"/>
-          <p:cNvSpPr txBox="1"/>
-          <p:nvPr/>
-        </p:nvSpPr>
-        <p:spPr>
-          <a:xfrm rot="16200000">
-            <a:off x="841419" y="3472934"/>
-            <a:ext cx="1799028" cy="369332"/>
+          <p:cNvPr id="10" name="TextBox 9"/>
+          <p:cNvSpPr txBox="1"/>
+          <p:nvPr/>
+        </p:nvSpPr>
+        <p:spPr>
+          <a:xfrm>
+            <a:off x="3914586" y="5871883"/>
+            <a:ext cx="901283" cy="369332"/>
           </a:xfrm>
           <a:prstGeom prst="rect">
             <a:avLst/>
@@ -3277,7 +3386,7 @@
           <a:p>
             <a:r>
               <a:rPr lang="en-US" dirty="0" smtClean="0"/>
-              <a:t>Superhighway 17</a:t>
+              <a:t>unicorn</a:t>
             </a:r>
             <a:endParaRPr lang="en-US" dirty="0"/>
           </a:p>
@@ -3285,29 +3394,37 @@
       </p:sp>
       <p:sp>
         <p:nvSpPr>
-          <p:cNvPr id="9" name="TextBox 8"/>
-          <p:cNvSpPr txBox="1"/>
-          <p:nvPr/>
-        </p:nvSpPr>
-        <p:spPr>
-          <a:xfrm>
-            <a:off x="3812818" y="711564"/>
-            <a:ext cx="1597726" cy="369332"/>
-          </a:xfrm>
-          <a:prstGeom prst="rect">
-            <a:avLst/>
-          </a:prstGeom>
-          <a:noFill/>
-        </p:spPr>
-        <p:txBody>
-          <a:bodyPr wrap="none" rtlCol="0">
-            <a:spAutoFit/>
-          </a:bodyPr>
-          <a:lstStyle/>
-          <a:p>
+          <p:cNvPr id="11" name="TextBox 10"/>
+          <p:cNvSpPr txBox="1"/>
+          <p:nvPr/>
+        </p:nvSpPr>
+        <p:spPr>
+          <a:xfrm>
+            <a:off x="3799869" y="4649695"/>
+            <a:ext cx="1090976" cy="646331"/>
+          </a:xfrm>
+          <a:prstGeom prst="rect">
+            <a:avLst/>
+          </a:prstGeom>
+          <a:noFill/>
+        </p:spPr>
+        <p:txBody>
+          <a:bodyPr wrap="none" rtlCol="0">
+            <a:spAutoFit/>
+          </a:bodyPr>
+          <a:lstStyle/>
+          <a:p>
+            <a:pPr algn="ctr"/>
             <a:r>
               <a:rPr lang="en-US" dirty="0" smtClean="0"/>
-              <a:t>Town reservoir</a:t>
+              <a:t>Revolving</a:t>
+            </a:r>
+          </a:p>
+          <a:p>
+            <a:pPr algn="ctr"/>
+            <a:r>
+              <a:rPr lang="en-US" dirty="0" smtClean="0"/>
+              <a:t>Door</a:t>
             </a:r>
             <a:endParaRPr lang="en-US" dirty="0"/>
           </a:p>
@@ -3315,14 +3432,14 @@
       </p:sp>
       <p:sp>
         <p:nvSpPr>
-          <p:cNvPr id="10" name="TextBox 9"/>
-          <p:cNvSpPr txBox="1"/>
-          <p:nvPr/>
-        </p:nvSpPr>
-        <p:spPr>
-          <a:xfrm rot="5400000">
-            <a:off x="5456546" y="3217598"/>
-            <a:ext cx="3562055" cy="369332"/>
+          <p:cNvPr id="13" name="TextBox 12"/>
+          <p:cNvSpPr txBox="1"/>
+          <p:nvPr/>
+        </p:nvSpPr>
+        <p:spPr>
+          <a:xfrm>
+            <a:off x="1850879" y="3185459"/>
+            <a:ext cx="961697" cy="369332"/>
           </a:xfrm>
           <a:prstGeom prst="rect">
             <a:avLst/>
@@ -3337,7 +3454,7 @@
           <a:p>
             <a:r>
               <a:rPr lang="en-US" dirty="0" smtClean="0"/>
-              <a:t>Missouri, Texas, and Kansas Railway</a:t>
+              <a:t>elevator</a:t>
             </a:r>
             <a:endParaRPr lang="en-US" dirty="0"/>
           </a:p>
@@ -3345,33 +3462,68 @@
       </p:sp>
       <p:sp>
         <p:nvSpPr>
-          <p:cNvPr id="11" name="TextBox 10"/>
-          <p:cNvSpPr txBox="1"/>
-          <p:nvPr/>
-        </p:nvSpPr>
-        <p:spPr>
-          <a:xfrm>
-            <a:off x="3828860" y="5562600"/>
-            <a:ext cx="1236236" cy="369332"/>
-          </a:xfrm>
-          <a:prstGeom prst="rect">
-            <a:avLst/>
-          </a:prstGeom>
-          <a:noFill/>
-        </p:spPr>
-        <p:txBody>
-          <a:bodyPr wrap="none" rtlCol="0">
-            <a:spAutoFit/>
-          </a:bodyPr>
-          <a:lstStyle/>
-          <a:p>
+          <p:cNvPr id="14" name="TextBox 13"/>
+          <p:cNvSpPr txBox="1"/>
+          <p:nvPr/>
+        </p:nvSpPr>
+        <p:spPr>
+          <a:xfrm>
+            <a:off x="5740395" y="2990016"/>
+            <a:ext cx="764903" cy="646331"/>
+          </a:xfrm>
+          <a:prstGeom prst="rect">
+            <a:avLst/>
+          </a:prstGeom>
+          <a:noFill/>
+        </p:spPr>
+        <p:txBody>
+          <a:bodyPr wrap="none" rtlCol="0">
+            <a:spAutoFit/>
+          </a:bodyPr>
+          <a:lstStyle/>
+          <a:p>
+            <a:pPr algn="ctr"/>
             <a:r>
               <a:rPr lang="en-US" dirty="0" smtClean="0"/>
-              <a:t>The </a:t>
-            </a:r>
-            <a:r>
-              <a:rPr lang="en-US" dirty="0" err="1" smtClean="0"/>
-              <a:t>Tarpits</a:t>
+              <a:t>LAN </a:t>
+            </a:r>
+          </a:p>
+          <a:p>
+            <a:pPr algn="ctr"/>
+            <a:r>
+              <a:rPr lang="en-US" dirty="0" smtClean="0"/>
+              <a:t>Closet</a:t>
+            </a:r>
+            <a:endParaRPr lang="en-US" dirty="0"/>
+          </a:p>
+        </p:txBody>
+      </p:sp>
+      <p:sp>
+        <p:nvSpPr>
+          <p:cNvPr id="15" name="TextBox 14"/>
+          <p:cNvSpPr txBox="1"/>
+          <p:nvPr/>
+        </p:nvSpPr>
+        <p:spPr>
+          <a:xfrm>
+            <a:off x="3945864" y="1409240"/>
+            <a:ext cx="702348" cy="369332"/>
+          </a:xfrm>
+          <a:prstGeom prst="rect">
+            <a:avLst/>
+          </a:prstGeom>
+          <a:noFill/>
+        </p:spPr>
+        <p:txBody>
+          <a:bodyPr wrap="none" rtlCol="0">
+            <a:spAutoFit/>
+          </a:bodyPr>
+          <a:lstStyle/>
+          <a:p>
+            <a:pPr algn="ctr"/>
+            <a:r>
+              <a:rPr lang="en-US" dirty="0" smtClean="0"/>
+              <a:t>Stairs</a:t>
             </a:r>
             <a:endParaRPr lang="en-US" dirty="0"/>
           </a:p>
@@ -3380,7 +3532,7 @@
     </p:spTree>
     <p:extLst>
       <p:ext uri="{BB962C8B-B14F-4D97-AF65-F5344CB8AC3E}">
-        <p14:creationId xmlns:p14="http://schemas.microsoft.com/office/powerpoint/2010/main" val="2030375263"/>
+        <p14:creationId xmlns:p14="http://schemas.microsoft.com/office/powerpoint/2010/main" val="2016897946"/>
       </p:ext>
     </p:extLst>
   </p:cSld>
@@ -3409,16 +3561,16 @@
       </p:grpSpPr>
       <p:sp>
         <p:nvSpPr>
-          <p:cNvPr id="12" name="Oval 11"/>
+          <p:cNvPr id="33" name="Rectangle 32"/>
           <p:cNvSpPr/>
           <p:nvPr/>
         </p:nvSpPr>
         <p:spPr>
           <a:xfrm>
-            <a:off x="3780117" y="4407647"/>
-            <a:ext cx="1090706" cy="974166"/>
-          </a:xfrm>
-          <a:prstGeom prst="ellipse">
+            <a:off x="2763253" y="4338890"/>
+            <a:ext cx="3197412" cy="328704"/>
+          </a:xfrm>
+          <a:prstGeom prst="rect">
             <a:avLst/>
           </a:prstGeom>
           <a:solidFill>
@@ -3455,19 +3607,21 @@
       </p:sp>
       <p:sp>
         <p:nvSpPr>
-          <p:cNvPr id="4" name="Rectangle 3"/>
+          <p:cNvPr id="34" name="Rectangle 33"/>
           <p:cNvSpPr/>
           <p:nvPr/>
         </p:nvSpPr>
         <p:spPr>
           <a:xfrm>
-            <a:off x="3765176" y="1240118"/>
-            <a:ext cx="1075765" cy="1045883"/>
-          </a:xfrm>
-          <a:prstGeom prst="rect">
-            <a:avLst/>
-          </a:prstGeom>
-          <a:noFill/>
+            <a:off x="2763253" y="4667594"/>
+            <a:ext cx="3197412" cy="328704"/>
+          </a:xfrm>
+          <a:prstGeom prst="rect">
+            <a:avLst/>
+          </a:prstGeom>
+          <a:solidFill>
+            <a:schemeClr val="bg1"/>
+          </a:solidFill>
           <a:ln>
             <a:solidFill>
               <a:schemeClr val="tx1"/>
@@ -3499,19 +3653,21 @@
       </p:sp>
       <p:sp>
         <p:nvSpPr>
-          <p:cNvPr id="5" name="Rectangle 4"/>
+          <p:cNvPr id="35" name="Rectangle 34"/>
           <p:cNvSpPr/>
           <p:nvPr/>
         </p:nvSpPr>
         <p:spPr>
           <a:xfrm>
-            <a:off x="5590985" y="2752164"/>
-            <a:ext cx="1075765" cy="1045883"/>
-          </a:xfrm>
-          <a:prstGeom prst="rect">
-            <a:avLst/>
-          </a:prstGeom>
-          <a:noFill/>
+            <a:off x="2764117" y="4957445"/>
+            <a:ext cx="3197412" cy="328704"/>
+          </a:xfrm>
+          <a:prstGeom prst="rect">
+            <a:avLst/>
+          </a:prstGeom>
+          <a:solidFill>
+            <a:schemeClr val="bg1"/>
+          </a:solidFill>
           <a:ln>
             <a:solidFill>
               <a:schemeClr val="tx1"/>
@@ -3543,14 +3699,14 @@
       </p:sp>
       <p:sp>
         <p:nvSpPr>
-          <p:cNvPr id="6" name="Rectangle 5"/>
+          <p:cNvPr id="4" name="Rectangle 3"/>
           <p:cNvSpPr/>
           <p:nvPr/>
         </p:nvSpPr>
         <p:spPr>
           <a:xfrm>
-            <a:off x="1795925" y="2856753"/>
-            <a:ext cx="1075765" cy="1045883"/>
+            <a:off x="1374588" y="1150469"/>
+            <a:ext cx="6110941" cy="164353"/>
           </a:xfrm>
           <a:prstGeom prst="rect">
             <a:avLst/>
@@ -3587,19 +3743,21 @@
       </p:sp>
       <p:sp>
         <p:nvSpPr>
-          <p:cNvPr id="8" name="Rectangle 7"/>
+          <p:cNvPr id="5" name="Rectangle 4"/>
           <p:cNvSpPr/>
           <p:nvPr/>
         </p:nvSpPr>
         <p:spPr>
           <a:xfrm>
-            <a:off x="1792939" y="1240119"/>
-            <a:ext cx="4873811" cy="4141694"/>
-          </a:xfrm>
-          <a:prstGeom prst="rect">
-            <a:avLst/>
-          </a:prstGeom>
-          <a:noFill/>
+            <a:off x="2763253" y="986118"/>
+            <a:ext cx="3197412" cy="328704"/>
+          </a:xfrm>
+          <a:prstGeom prst="rect">
+            <a:avLst/>
+          </a:prstGeom>
+          <a:solidFill>
+            <a:schemeClr val="bg1"/>
+          </a:solidFill>
           <a:ln>
             <a:solidFill>
               <a:schemeClr val="tx1"/>
@@ -3625,45 +3783,404 @@
           <a:lstStyle/>
           <a:p>
             <a:pPr algn="ctr"/>
+            <a:endParaRPr lang="en-US" dirty="0"/>
+          </a:p>
+        </p:txBody>
+      </p:sp>
+      <p:sp>
+        <p:nvSpPr>
+          <p:cNvPr id="6" name="Rectangle 5"/>
+          <p:cNvSpPr/>
+          <p:nvPr/>
+        </p:nvSpPr>
+        <p:spPr>
+          <a:xfrm>
+            <a:off x="2763253" y="1314822"/>
+            <a:ext cx="3197412" cy="552825"/>
+          </a:xfrm>
+          <a:prstGeom prst="rect">
+            <a:avLst/>
+          </a:prstGeom>
+          <a:noFill/>
+          <a:ln>
+            <a:solidFill>
+              <a:schemeClr val="tx1"/>
+            </a:solidFill>
+          </a:ln>
+        </p:spPr>
+        <p:style>
+          <a:lnRef idx="1">
+            <a:schemeClr val="accent1"/>
+          </a:lnRef>
+          <a:fillRef idx="3">
+            <a:schemeClr val="accent1"/>
+          </a:fillRef>
+          <a:effectRef idx="2">
+            <a:schemeClr val="accent1"/>
+          </a:effectRef>
+          <a:fontRef idx="minor">
+            <a:schemeClr val="lt1"/>
+          </a:fontRef>
+        </p:style>
+        <p:txBody>
+          <a:bodyPr rtlCol="0" anchor="ctr"/>
+          <a:lstStyle/>
+          <a:p>
+            <a:pPr algn="ctr"/>
             <a:endParaRPr lang="en-US"/>
           </a:p>
         </p:txBody>
       </p:sp>
       <p:sp>
         <p:nvSpPr>
-          <p:cNvPr id="9" name="TextBox 8"/>
-          <p:cNvSpPr txBox="1"/>
-          <p:nvPr/>
-        </p:nvSpPr>
-        <p:spPr>
-          <a:xfrm>
-            <a:off x="5946588" y="5737412"/>
-            <a:ext cx="1727794" cy="646331"/>
-          </a:xfrm>
-          <a:prstGeom prst="rect">
-            <a:avLst/>
-          </a:prstGeom>
-          <a:noFill/>
-        </p:spPr>
-        <p:txBody>
-          <a:bodyPr wrap="none" rtlCol="0">
-            <a:spAutoFit/>
-          </a:bodyPr>
-          <a:lstStyle/>
-          <a:p>
-            <a:r>
-              <a:rPr lang="en-US" dirty="0" err="1" smtClean="0"/>
-              <a:t>Nyantech</a:t>
-            </a:r>
+          <p:cNvPr id="10" name="Rectangle 9"/>
+          <p:cNvSpPr/>
+          <p:nvPr/>
+        </p:nvSpPr>
+        <p:spPr>
+          <a:xfrm>
+            <a:off x="2763253" y="1867647"/>
+            <a:ext cx="3197412" cy="552825"/>
+          </a:xfrm>
+          <a:prstGeom prst="rect">
+            <a:avLst/>
+          </a:prstGeom>
+          <a:noFill/>
+          <a:ln>
+            <a:solidFill>
+              <a:schemeClr val="tx1"/>
+            </a:solidFill>
+          </a:ln>
+        </p:spPr>
+        <p:style>
+          <a:lnRef idx="1">
+            <a:schemeClr val="accent1"/>
+          </a:lnRef>
+          <a:fillRef idx="3">
+            <a:schemeClr val="accent1"/>
+          </a:fillRef>
+          <a:effectRef idx="2">
+            <a:schemeClr val="accent1"/>
+          </a:effectRef>
+          <a:fontRef idx="minor">
+            <a:schemeClr val="lt1"/>
+          </a:fontRef>
+        </p:style>
+        <p:txBody>
+          <a:bodyPr rtlCol="0" anchor="ctr"/>
+          <a:lstStyle/>
+          <a:p>
+            <a:pPr algn="ctr"/>
+            <a:endParaRPr lang="en-US"/>
+          </a:p>
+        </p:txBody>
+      </p:sp>
+      <p:sp>
+        <p:nvSpPr>
+          <p:cNvPr id="13" name="Rectangle 12"/>
+          <p:cNvSpPr/>
+          <p:nvPr/>
+        </p:nvSpPr>
+        <p:spPr>
+          <a:xfrm>
+            <a:off x="2763253" y="2420472"/>
+            <a:ext cx="3197412" cy="328704"/>
+          </a:xfrm>
+          <a:prstGeom prst="rect">
+            <a:avLst/>
+          </a:prstGeom>
+          <a:solidFill>
+            <a:schemeClr val="bg1"/>
+          </a:solidFill>
+          <a:ln>
+            <a:solidFill>
+              <a:schemeClr val="tx1"/>
+            </a:solidFill>
+          </a:ln>
+        </p:spPr>
+        <p:style>
+          <a:lnRef idx="1">
+            <a:schemeClr val="accent1"/>
+          </a:lnRef>
+          <a:fillRef idx="3">
+            <a:schemeClr val="accent1"/>
+          </a:fillRef>
+          <a:effectRef idx="2">
+            <a:schemeClr val="accent1"/>
+          </a:effectRef>
+          <a:fontRef idx="minor">
+            <a:schemeClr val="lt1"/>
+          </a:fontRef>
+        </p:style>
+        <p:txBody>
+          <a:bodyPr rtlCol="0" anchor="ctr"/>
+          <a:lstStyle/>
+          <a:p>
+            <a:pPr algn="ctr"/>
             <a:r>
               <a:rPr lang="en-US" dirty="0" smtClean="0"/>
-              <a:t> Tower</a:t>
-            </a:r>
-          </a:p>
-          <a:p>
+              <a:t>44</a:t>
+            </a:r>
+            <a:endParaRPr lang="en-US" dirty="0"/>
+          </a:p>
+        </p:txBody>
+      </p:sp>
+      <p:sp>
+        <p:nvSpPr>
+          <p:cNvPr id="14" name="Rectangle 13"/>
+          <p:cNvSpPr/>
+          <p:nvPr/>
+        </p:nvSpPr>
+        <p:spPr>
+          <a:xfrm>
+            <a:off x="2763253" y="2752166"/>
+            <a:ext cx="3197412" cy="328704"/>
+          </a:xfrm>
+          <a:prstGeom prst="rect">
+            <a:avLst/>
+          </a:prstGeom>
+          <a:solidFill>
+            <a:schemeClr val="bg1"/>
+          </a:solidFill>
+          <a:ln>
+            <a:solidFill>
+              <a:schemeClr val="tx1"/>
+            </a:solidFill>
+          </a:ln>
+        </p:spPr>
+        <p:style>
+          <a:lnRef idx="1">
+            <a:schemeClr val="accent1"/>
+          </a:lnRef>
+          <a:fillRef idx="3">
+            <a:schemeClr val="accent1"/>
+          </a:fillRef>
+          <a:effectRef idx="2">
+            <a:schemeClr val="accent1"/>
+          </a:effectRef>
+          <a:fontRef idx="minor">
+            <a:schemeClr val="lt1"/>
+          </a:fontRef>
+        </p:style>
+        <p:txBody>
+          <a:bodyPr rtlCol="0" anchor="ctr"/>
+          <a:lstStyle/>
+          <a:p>
+            <a:pPr algn="ctr"/>
+            <a:endParaRPr lang="en-US"/>
+          </a:p>
+        </p:txBody>
+      </p:sp>
+      <p:sp>
+        <p:nvSpPr>
+          <p:cNvPr id="15" name="Rectangle 14"/>
+          <p:cNvSpPr/>
+          <p:nvPr/>
+        </p:nvSpPr>
+        <p:spPr>
+          <a:xfrm>
+            <a:off x="2763253" y="3080870"/>
+            <a:ext cx="3197412" cy="328704"/>
+          </a:xfrm>
+          <a:prstGeom prst="rect">
+            <a:avLst/>
+          </a:prstGeom>
+          <a:solidFill>
+            <a:schemeClr val="bg1"/>
+          </a:solidFill>
+          <a:ln>
+            <a:solidFill>
+              <a:schemeClr val="tx1"/>
+            </a:solidFill>
+          </a:ln>
+        </p:spPr>
+        <p:style>
+          <a:lnRef idx="1">
+            <a:schemeClr val="accent1"/>
+          </a:lnRef>
+          <a:fillRef idx="3">
+            <a:schemeClr val="accent1"/>
+          </a:fillRef>
+          <a:effectRef idx="2">
+            <a:schemeClr val="accent1"/>
+          </a:effectRef>
+          <a:fontRef idx="minor">
+            <a:schemeClr val="lt1"/>
+          </a:fontRef>
+        </p:style>
+        <p:txBody>
+          <a:bodyPr rtlCol="0" anchor="ctr"/>
+          <a:lstStyle/>
+          <a:p>
+            <a:pPr algn="ctr"/>
+            <a:endParaRPr lang="en-US"/>
+          </a:p>
+        </p:txBody>
+      </p:sp>
+      <p:sp>
+        <p:nvSpPr>
+          <p:cNvPr id="16" name="Rectangle 15"/>
+          <p:cNvSpPr/>
+          <p:nvPr/>
+        </p:nvSpPr>
+        <p:spPr>
+          <a:xfrm>
+            <a:off x="2763253" y="3409574"/>
+            <a:ext cx="3197412" cy="328704"/>
+          </a:xfrm>
+          <a:prstGeom prst="rect">
+            <a:avLst/>
+          </a:prstGeom>
+          <a:solidFill>
+            <a:schemeClr val="bg1"/>
+          </a:solidFill>
+          <a:ln>
+            <a:solidFill>
+              <a:schemeClr val="tx1"/>
+            </a:solidFill>
+          </a:ln>
+        </p:spPr>
+        <p:style>
+          <a:lnRef idx="1">
+            <a:schemeClr val="accent1"/>
+          </a:lnRef>
+          <a:fillRef idx="3">
+            <a:schemeClr val="accent1"/>
+          </a:fillRef>
+          <a:effectRef idx="2">
+            <a:schemeClr val="accent1"/>
+          </a:effectRef>
+          <a:fontRef idx="minor">
+            <a:schemeClr val="lt1"/>
+          </a:fontRef>
+        </p:style>
+        <p:txBody>
+          <a:bodyPr rtlCol="0" anchor="ctr"/>
+          <a:lstStyle/>
+          <a:p>
+            <a:pPr algn="ctr"/>
+            <a:endParaRPr lang="en-US"/>
+          </a:p>
+        </p:txBody>
+      </p:sp>
+      <p:sp>
+        <p:nvSpPr>
+          <p:cNvPr id="17" name="Rectangle 16"/>
+          <p:cNvSpPr/>
+          <p:nvPr/>
+        </p:nvSpPr>
+        <p:spPr>
+          <a:xfrm>
+            <a:off x="2763253" y="3738278"/>
+            <a:ext cx="3197412" cy="328704"/>
+          </a:xfrm>
+          <a:prstGeom prst="rect">
+            <a:avLst/>
+          </a:prstGeom>
+          <a:solidFill>
+            <a:schemeClr val="bg1"/>
+          </a:solidFill>
+          <a:ln>
+            <a:solidFill>
+              <a:schemeClr val="tx1"/>
+            </a:solidFill>
+          </a:ln>
+        </p:spPr>
+        <p:style>
+          <a:lnRef idx="1">
+            <a:schemeClr val="accent1"/>
+          </a:lnRef>
+          <a:fillRef idx="3">
+            <a:schemeClr val="accent1"/>
+          </a:fillRef>
+          <a:effectRef idx="2">
+            <a:schemeClr val="accent1"/>
+          </a:effectRef>
+          <a:fontRef idx="minor">
+            <a:schemeClr val="lt1"/>
+          </a:fontRef>
+        </p:style>
+        <p:txBody>
+          <a:bodyPr rtlCol="0" anchor="ctr"/>
+          <a:lstStyle/>
+          <a:p>
+            <a:pPr algn="ctr"/>
+            <a:endParaRPr lang="en-US"/>
+          </a:p>
+        </p:txBody>
+      </p:sp>
+      <p:sp>
+        <p:nvSpPr>
+          <p:cNvPr id="18" name="Rectangle 17"/>
+          <p:cNvSpPr/>
+          <p:nvPr/>
+        </p:nvSpPr>
+        <p:spPr>
+          <a:xfrm>
+            <a:off x="2763253" y="4028129"/>
+            <a:ext cx="3197412" cy="328704"/>
+          </a:xfrm>
+          <a:prstGeom prst="rect">
+            <a:avLst/>
+          </a:prstGeom>
+          <a:solidFill>
+            <a:schemeClr val="bg1"/>
+          </a:solidFill>
+          <a:ln>
+            <a:solidFill>
+              <a:schemeClr val="tx1"/>
+            </a:solidFill>
+          </a:ln>
+        </p:spPr>
+        <p:style>
+          <a:lnRef idx="1">
+            <a:schemeClr val="accent1"/>
+          </a:lnRef>
+          <a:fillRef idx="3">
+            <a:schemeClr val="accent1"/>
+          </a:fillRef>
+          <a:effectRef idx="2">
+            <a:schemeClr val="accent1"/>
+          </a:effectRef>
+          <a:fontRef idx="minor">
+            <a:schemeClr val="lt1"/>
+          </a:fontRef>
+        </p:style>
+        <p:txBody>
+          <a:bodyPr rtlCol="0" anchor="ctr"/>
+          <a:lstStyle/>
+          <a:p>
+            <a:pPr algn="ctr"/>
+            <a:endParaRPr lang="en-US"/>
+          </a:p>
+        </p:txBody>
+      </p:sp>
+      <p:sp>
+        <p:nvSpPr>
+          <p:cNvPr id="19" name="TextBox 18"/>
+          <p:cNvSpPr txBox="1"/>
+          <p:nvPr/>
+        </p:nvSpPr>
+        <p:spPr>
+          <a:xfrm>
+            <a:off x="3036574" y="1473805"/>
+            <a:ext cx="2650786" cy="369332"/>
+          </a:xfrm>
+          <a:prstGeom prst="rect">
+            <a:avLst/>
+          </a:prstGeom>
+          <a:noFill/>
+        </p:spPr>
+        <p:txBody>
+          <a:bodyPr wrap="none" rtlCol="0">
+            <a:spAutoFit/>
+          </a:bodyPr>
+          <a:lstStyle/>
+          <a:p>
+            <a:pPr algn="ctr"/>
             <a:r>
               <a:rPr lang="en-US" dirty="0" smtClean="0"/>
-              <a:t>Ground Level</a:t>
+              <a:t>WTH&gt;4: Packaging: Purple </a:t>
             </a:r>
             <a:endParaRPr lang="en-US" dirty="0"/>
           </a:p>
@@ -3671,29 +4188,30 @@
       </p:sp>
       <p:sp>
         <p:nvSpPr>
-          <p:cNvPr id="10" name="TextBox 9"/>
-          <p:cNvSpPr txBox="1"/>
-          <p:nvPr/>
-        </p:nvSpPr>
-        <p:spPr>
-          <a:xfrm>
-            <a:off x="3914586" y="5871883"/>
-            <a:ext cx="901283" cy="369332"/>
-          </a:xfrm>
-          <a:prstGeom prst="rect">
-            <a:avLst/>
-          </a:prstGeom>
-          <a:noFill/>
-        </p:spPr>
-        <p:txBody>
-          <a:bodyPr wrap="none" rtlCol="0">
-            <a:spAutoFit/>
-          </a:bodyPr>
-          <a:lstStyle/>
-          <a:p>
+          <p:cNvPr id="20" name="TextBox 19"/>
+          <p:cNvSpPr txBox="1"/>
+          <p:nvPr/>
+        </p:nvSpPr>
+        <p:spPr>
+          <a:xfrm>
+            <a:off x="3235957" y="1920831"/>
+            <a:ext cx="2252014" cy="369332"/>
+          </a:xfrm>
+          <a:prstGeom prst="rect">
+            <a:avLst/>
+          </a:prstGeom>
+          <a:noFill/>
+        </p:spPr>
+        <p:txBody>
+          <a:bodyPr wrap="none" rtlCol="0">
+            <a:spAutoFit/>
+          </a:bodyPr>
+          <a:lstStyle/>
+          <a:p>
+            <a:pPr algn="ctr"/>
             <a:r>
               <a:rPr lang="en-US" dirty="0" smtClean="0"/>
-              <a:t>unicorn</a:t>
+              <a:t>&gt;4: Processing: Purple</a:t>
             </a:r>
             <a:endParaRPr lang="en-US" dirty="0"/>
           </a:p>
@@ -3701,14 +4219,14 @@
       </p:sp>
       <p:sp>
         <p:nvSpPr>
-          <p:cNvPr id="11" name="TextBox 10"/>
-          <p:cNvSpPr txBox="1"/>
-          <p:nvPr/>
-        </p:nvSpPr>
-        <p:spPr>
-          <a:xfrm>
-            <a:off x="3799869" y="4649695"/>
-            <a:ext cx="1090976" cy="646331"/>
+          <p:cNvPr id="21" name="TextBox 20"/>
+          <p:cNvSpPr txBox="1"/>
+          <p:nvPr/>
+        </p:nvSpPr>
+        <p:spPr>
+          <a:xfrm>
+            <a:off x="3466957" y="2389992"/>
+            <a:ext cx="1790011" cy="369332"/>
           </a:xfrm>
           <a:prstGeom prst="rect">
             <a:avLst/>
@@ -3724,14 +4242,38 @@
             <a:pPr algn="ctr"/>
             <a:r>
               <a:rPr lang="en-US" dirty="0" smtClean="0"/>
-              <a:t>Revolving</a:t>
-            </a:r>
-          </a:p>
+              <a:t>4: Infirmary: Pink</a:t>
+            </a:r>
+            <a:endParaRPr lang="en-US" dirty="0"/>
+          </a:p>
+        </p:txBody>
+      </p:sp>
+      <p:sp>
+        <p:nvSpPr>
+          <p:cNvPr id="22" name="TextBox 21"/>
+          <p:cNvSpPr txBox="1"/>
+          <p:nvPr/>
+        </p:nvSpPr>
+        <p:spPr>
+          <a:xfrm>
+            <a:off x="3384340" y="2719900"/>
+            <a:ext cx="1955245" cy="369332"/>
+          </a:xfrm>
+          <a:prstGeom prst="rect">
+            <a:avLst/>
+          </a:prstGeom>
+          <a:noFill/>
+        </p:spPr>
+        <p:txBody>
+          <a:bodyPr wrap="none" rtlCol="0">
+            <a:spAutoFit/>
+          </a:bodyPr>
+          <a:lstStyle/>
           <a:p>
             <a:pPr algn="ctr"/>
             <a:r>
               <a:rPr lang="en-US" dirty="0" smtClean="0"/>
-              <a:t>Door</a:t>
+              <a:t>3: Managers: Black</a:t>
             </a:r>
             <a:endParaRPr lang="en-US" dirty="0"/>
           </a:p>
@@ -3739,29 +4281,30 @@
       </p:sp>
       <p:sp>
         <p:nvSpPr>
-          <p:cNvPr id="13" name="TextBox 12"/>
-          <p:cNvSpPr txBox="1"/>
-          <p:nvPr/>
-        </p:nvSpPr>
-        <p:spPr>
-          <a:xfrm>
-            <a:off x="1850879" y="3185459"/>
-            <a:ext cx="961697" cy="369332"/>
-          </a:xfrm>
-          <a:prstGeom prst="rect">
-            <a:avLst/>
-          </a:prstGeom>
-          <a:noFill/>
-        </p:spPr>
-        <p:txBody>
-          <a:bodyPr wrap="none" rtlCol="0">
-            <a:spAutoFit/>
-          </a:bodyPr>
-          <a:lstStyle/>
-          <a:p>
+          <p:cNvPr id="23" name="TextBox 22"/>
+          <p:cNvSpPr txBox="1"/>
+          <p:nvPr/>
+        </p:nvSpPr>
+        <p:spPr>
+          <a:xfrm>
+            <a:off x="3391185" y="3058752"/>
+            <a:ext cx="1941557" cy="369332"/>
+          </a:xfrm>
+          <a:prstGeom prst="rect">
+            <a:avLst/>
+          </a:prstGeom>
+          <a:noFill/>
+        </p:spPr>
+        <p:txBody>
+          <a:bodyPr wrap="none" rtlCol="0">
+            <a:spAutoFit/>
+          </a:bodyPr>
+          <a:lstStyle/>
+          <a:p>
+            <a:pPr algn="ctr"/>
             <a:r>
               <a:rPr lang="en-US" dirty="0" smtClean="0"/>
-              <a:t>elevator</a:t>
+              <a:t>2: Engineers: Black</a:t>
             </a:r>
             <a:endParaRPr lang="en-US" dirty="0"/>
           </a:p>
@@ -3769,14 +4312,14 @@
       </p:sp>
       <p:sp>
         <p:nvSpPr>
-          <p:cNvPr id="14" name="TextBox 13"/>
-          <p:cNvSpPr txBox="1"/>
-          <p:nvPr/>
-        </p:nvSpPr>
-        <p:spPr>
-          <a:xfrm>
-            <a:off x="5740395" y="2990016"/>
-            <a:ext cx="764903" cy="646331"/>
+          <p:cNvPr id="25" name="TextBox 24"/>
+          <p:cNvSpPr txBox="1"/>
+          <p:nvPr/>
+        </p:nvSpPr>
+        <p:spPr>
+          <a:xfrm>
+            <a:off x="3519423" y="3379094"/>
+            <a:ext cx="1685077" cy="369332"/>
           </a:xfrm>
           <a:prstGeom prst="rect">
             <a:avLst/>
@@ -3792,14 +4335,38 @@
             <a:pPr algn="ctr"/>
             <a:r>
               <a:rPr lang="en-US" dirty="0" smtClean="0"/>
-              <a:t>LAN </a:t>
-            </a:r>
-          </a:p>
+              <a:t>1: Interns: Black</a:t>
+            </a:r>
+            <a:endParaRPr lang="en-US" dirty="0"/>
+          </a:p>
+        </p:txBody>
+      </p:sp>
+      <p:sp>
+        <p:nvSpPr>
+          <p:cNvPr id="26" name="TextBox 25"/>
+          <p:cNvSpPr txBox="1"/>
+          <p:nvPr/>
+        </p:nvSpPr>
+        <p:spPr>
+          <a:xfrm>
+            <a:off x="3570930" y="3707798"/>
+            <a:ext cx="1582059" cy="369332"/>
+          </a:xfrm>
+          <a:prstGeom prst="rect">
+            <a:avLst/>
+          </a:prstGeom>
+          <a:noFill/>
+        </p:spPr>
+        <p:txBody>
+          <a:bodyPr wrap="none" rtlCol="0">
+            <a:spAutoFit/>
+          </a:bodyPr>
+          <a:lstStyle/>
           <a:p>
             <a:pPr algn="ctr"/>
             <a:r>
               <a:rPr lang="en-US" dirty="0" smtClean="0"/>
-              <a:t>Closet</a:t>
+              <a:t>Ground: White</a:t>
             </a:r>
             <a:endParaRPr lang="en-US" dirty="0"/>
           </a:p>
@@ -3807,13 +4374,285 @@
       </p:sp>
       <p:sp>
         <p:nvSpPr>
-          <p:cNvPr id="15" name="TextBox 14"/>
-          <p:cNvSpPr txBox="1"/>
-          <p:nvPr/>
-        </p:nvSpPr>
-        <p:spPr>
-          <a:xfrm>
-            <a:off x="3945864" y="1409240"/>
+          <p:cNvPr id="27" name="TextBox 26"/>
+          <p:cNvSpPr txBox="1"/>
+          <p:nvPr/>
+        </p:nvSpPr>
+        <p:spPr>
+          <a:xfrm>
+            <a:off x="3741406" y="4007218"/>
+            <a:ext cx="1241107" cy="369332"/>
+          </a:xfrm>
+          <a:prstGeom prst="rect">
+            <a:avLst/>
+          </a:prstGeom>
+          <a:noFill/>
+        </p:spPr>
+        <p:txBody>
+          <a:bodyPr wrap="none" rtlCol="0">
+            <a:spAutoFit/>
+          </a:bodyPr>
+          <a:lstStyle/>
+          <a:p>
+            <a:pPr algn="ctr"/>
+            <a:r>
+              <a:rPr lang="en-US" dirty="0" smtClean="0"/>
+              <a:t>-1: B Green</a:t>
+            </a:r>
+            <a:endParaRPr lang="en-US" dirty="0"/>
+          </a:p>
+        </p:txBody>
+      </p:sp>
+      <p:sp>
+        <p:nvSpPr>
+          <p:cNvPr id="28" name="TextBox 27"/>
+          <p:cNvSpPr txBox="1"/>
+          <p:nvPr/>
+        </p:nvSpPr>
+        <p:spPr>
+          <a:xfrm>
+            <a:off x="3743153" y="4616806"/>
+            <a:ext cx="1237613" cy="369332"/>
+          </a:xfrm>
+          <a:prstGeom prst="rect">
+            <a:avLst/>
+          </a:prstGeom>
+          <a:noFill/>
+        </p:spPr>
+        <p:txBody>
+          <a:bodyPr wrap="none" rtlCol="0">
+            <a:spAutoFit/>
+          </a:bodyPr>
+          <a:lstStyle/>
+          <a:p>
+            <a:pPr algn="ctr"/>
+            <a:r>
+              <a:rPr lang="en-US" dirty="0" smtClean="0"/>
+              <a:t>-3: SSB Red</a:t>
+            </a:r>
+            <a:endParaRPr lang="en-US" dirty="0"/>
+          </a:p>
+        </p:txBody>
+      </p:sp>
+      <p:sp>
+        <p:nvSpPr>
+          <p:cNvPr id="37" name="TextBox 36"/>
+          <p:cNvSpPr txBox="1"/>
+          <p:nvPr/>
+        </p:nvSpPr>
+        <p:spPr>
+          <a:xfrm>
+            <a:off x="3769583" y="4336513"/>
+            <a:ext cx="1184752" cy="369332"/>
+          </a:xfrm>
+          <a:prstGeom prst="rect">
+            <a:avLst/>
+          </a:prstGeom>
+          <a:noFill/>
+        </p:spPr>
+        <p:txBody>
+          <a:bodyPr wrap="none" rtlCol="0">
+            <a:spAutoFit/>
+          </a:bodyPr>
+          <a:lstStyle/>
+          <a:p>
+            <a:pPr algn="ctr"/>
+            <a:r>
+              <a:rPr lang="en-US" dirty="0" smtClean="0"/>
+              <a:t>-2: SB Blue</a:t>
+            </a:r>
+            <a:endParaRPr lang="en-US" dirty="0"/>
+          </a:p>
+        </p:txBody>
+      </p:sp>
+      <p:sp>
+        <p:nvSpPr>
+          <p:cNvPr id="38" name="TextBox 37"/>
+          <p:cNvSpPr txBox="1"/>
+          <p:nvPr/>
+        </p:nvSpPr>
+        <p:spPr>
+          <a:xfrm>
+            <a:off x="3665269" y="4916817"/>
+            <a:ext cx="1393380" cy="369332"/>
+          </a:xfrm>
+          <a:prstGeom prst="rect">
+            <a:avLst/>
+          </a:prstGeom>
+          <a:noFill/>
+        </p:spPr>
+        <p:txBody>
+          <a:bodyPr wrap="none" rtlCol="0">
+            <a:spAutoFit/>
+          </a:bodyPr>
+          <a:lstStyle/>
+          <a:p>
+            <a:r>
+              <a:rPr lang="en-US" dirty="0" smtClean="0"/>
+              <a:t>-4: Musk Lair</a:t>
+            </a:r>
+            <a:endParaRPr lang="en-US" dirty="0"/>
+          </a:p>
+        </p:txBody>
+      </p:sp>
+      <p:sp>
+        <p:nvSpPr>
+          <p:cNvPr id="39" name="TextBox 38"/>
+          <p:cNvSpPr txBox="1"/>
+          <p:nvPr/>
+        </p:nvSpPr>
+        <p:spPr>
+          <a:xfrm>
+            <a:off x="3137837" y="955638"/>
+            <a:ext cx="2448244" cy="369332"/>
+          </a:xfrm>
+          <a:prstGeom prst="rect">
+            <a:avLst/>
+          </a:prstGeom>
+          <a:noFill/>
+        </p:spPr>
+        <p:txBody>
+          <a:bodyPr wrap="none" rtlCol="0">
+            <a:spAutoFit/>
+          </a:bodyPr>
+          <a:lstStyle/>
+          <a:p>
+            <a:pPr algn="ctr"/>
+            <a:r>
+              <a:rPr lang="en-US" dirty="0" smtClean="0"/>
+              <a:t>Restaurant/Deck: White</a:t>
+            </a:r>
+            <a:endParaRPr lang="en-US" dirty="0"/>
+          </a:p>
+        </p:txBody>
+      </p:sp>
+      <p:sp>
+        <p:nvSpPr>
+          <p:cNvPr id="2" name="Rectangle 1"/>
+          <p:cNvSpPr/>
+          <p:nvPr/>
+        </p:nvSpPr>
+        <p:spPr>
+          <a:xfrm>
+            <a:off x="2764117" y="990599"/>
+            <a:ext cx="373720" cy="3966845"/>
+          </a:xfrm>
+          <a:prstGeom prst="rect">
+            <a:avLst/>
+          </a:prstGeom>
+          <a:solidFill>
+            <a:schemeClr val="accent3">
+              <a:lumMod val="20000"/>
+              <a:lumOff val="80000"/>
+            </a:schemeClr>
+          </a:solidFill>
+        </p:spPr>
+        <p:style>
+          <a:lnRef idx="1">
+            <a:schemeClr val="accent1"/>
+          </a:lnRef>
+          <a:fillRef idx="3">
+            <a:schemeClr val="accent1"/>
+          </a:fillRef>
+          <a:effectRef idx="2">
+            <a:schemeClr val="accent1"/>
+          </a:effectRef>
+          <a:fontRef idx="minor">
+            <a:schemeClr val="lt1"/>
+          </a:fontRef>
+        </p:style>
+        <p:txBody>
+          <a:bodyPr rtlCol="0" anchor="ctr"/>
+          <a:lstStyle/>
+          <a:p>
+            <a:pPr algn="ctr"/>
+            <a:endParaRPr lang="en-US"/>
+          </a:p>
+        </p:txBody>
+      </p:sp>
+      <p:sp>
+        <p:nvSpPr>
+          <p:cNvPr id="36" name="Rectangle 35"/>
+          <p:cNvSpPr/>
+          <p:nvPr/>
+        </p:nvSpPr>
+        <p:spPr>
+          <a:xfrm>
+            <a:off x="2389533" y="1001010"/>
+            <a:ext cx="373720" cy="3355823"/>
+          </a:xfrm>
+          <a:prstGeom prst="rect">
+            <a:avLst/>
+          </a:prstGeom>
+          <a:solidFill>
+            <a:schemeClr val="tx2">
+              <a:lumMod val="20000"/>
+              <a:lumOff val="80000"/>
+            </a:schemeClr>
+          </a:solidFill>
+        </p:spPr>
+        <p:style>
+          <a:lnRef idx="1">
+            <a:schemeClr val="accent1"/>
+          </a:lnRef>
+          <a:fillRef idx="3">
+            <a:schemeClr val="accent1"/>
+          </a:fillRef>
+          <a:effectRef idx="2">
+            <a:schemeClr val="accent1"/>
+          </a:effectRef>
+          <a:fontRef idx="minor">
+            <a:schemeClr val="lt1"/>
+          </a:fontRef>
+        </p:style>
+        <p:txBody>
+          <a:bodyPr rtlCol="0" anchor="ctr"/>
+          <a:lstStyle/>
+          <a:p>
+            <a:pPr algn="ctr"/>
+            <a:endParaRPr lang="en-US"/>
+          </a:p>
+        </p:txBody>
+      </p:sp>
+      <p:sp>
+        <p:nvSpPr>
+          <p:cNvPr id="3" name="TextBox 2"/>
+          <p:cNvSpPr txBox="1"/>
+          <p:nvPr/>
+        </p:nvSpPr>
+        <p:spPr>
+          <a:xfrm rot="16200000">
+            <a:off x="2094422" y="2535233"/>
+            <a:ext cx="959555" cy="369332"/>
+          </a:xfrm>
+          <a:prstGeom prst="rect">
+            <a:avLst/>
+          </a:prstGeom>
+          <a:noFill/>
+        </p:spPr>
+        <p:txBody>
+          <a:bodyPr wrap="none" rtlCol="0">
+            <a:spAutoFit/>
+          </a:bodyPr>
+          <a:lstStyle/>
+          <a:p>
+            <a:r>
+              <a:rPr lang="en-US" dirty="0" smtClean="0"/>
+              <a:t>Elevator</a:t>
+            </a:r>
+            <a:endParaRPr lang="en-US" dirty="0"/>
+          </a:p>
+        </p:txBody>
+      </p:sp>
+      <p:sp>
+        <p:nvSpPr>
+          <p:cNvPr id="46" name="TextBox 45"/>
+          <p:cNvSpPr txBox="1"/>
+          <p:nvPr/>
+        </p:nvSpPr>
+        <p:spPr>
+          <a:xfrm rot="16200000">
+            <a:off x="2601997" y="2545030"/>
             <a:ext cx="702348" cy="369332"/>
           </a:xfrm>
           <a:prstGeom prst="rect">
@@ -3827,7 +4666,6 @@
           </a:bodyPr>
           <a:lstStyle/>
           <a:p>
-            <a:pPr algn="ctr"/>
             <a:r>
               <a:rPr lang="en-US" dirty="0" smtClean="0"/>
               <a:t>Stairs</a:t>
@@ -3836,10 +4674,34 @@
           </a:p>
         </p:txBody>
       </p:sp>
+      <p:pic>
+        <p:nvPicPr>
+          <p:cNvPr id="7" name="Picture 6"/>
+          <p:cNvPicPr>
+            <a:picLocks noChangeAspect="1"/>
+          </p:cNvPicPr>
+          <p:nvPr/>
+        </p:nvPicPr>
+        <p:blipFill>
+          <a:blip r:embed="rId2"/>
+          <a:stretch>
+            <a:fillRect/>
+          </a:stretch>
+        </p:blipFill>
+        <p:spPr>
+          <a:xfrm>
+            <a:off x="5364798" y="1543638"/>
+            <a:ext cx="1143000" cy="694178"/>
+          </a:xfrm>
+          <a:prstGeom prst="rect">
+            <a:avLst/>
+          </a:prstGeom>
+        </p:spPr>
+      </p:pic>
     </p:spTree>
     <p:extLst>
       <p:ext uri="{BB962C8B-B14F-4D97-AF65-F5344CB8AC3E}">
-        <p14:creationId xmlns:p14="http://schemas.microsoft.com/office/powerpoint/2010/main" val="2016897946"/>
+        <p14:creationId xmlns:p14="http://schemas.microsoft.com/office/powerpoint/2010/main" val="1046036021"/>
       </p:ext>
     </p:extLst>
   </p:cSld>
@@ -3868,21 +4730,19 @@
       </p:grpSpPr>
       <p:sp>
         <p:nvSpPr>
-          <p:cNvPr id="33" name="Rectangle 32"/>
+          <p:cNvPr id="5" name="Rectangle 4"/>
           <p:cNvSpPr/>
           <p:nvPr/>
         </p:nvSpPr>
         <p:spPr>
           <a:xfrm>
-            <a:off x="2763253" y="4338890"/>
-            <a:ext cx="3197412" cy="328704"/>
-          </a:xfrm>
-          <a:prstGeom prst="rect">
-            <a:avLst/>
-          </a:prstGeom>
-          <a:solidFill>
-            <a:schemeClr val="bg1"/>
-          </a:solidFill>
+            <a:off x="3684969" y="1056677"/>
+            <a:ext cx="850524" cy="490915"/>
+          </a:xfrm>
+          <a:prstGeom prst="rect">
+            <a:avLst/>
+          </a:prstGeom>
+          <a:noFill/>
           <a:ln>
             <a:solidFill>
               <a:schemeClr val="tx1"/>
@@ -3914,21 +4774,19 @@
       </p:sp>
       <p:sp>
         <p:nvSpPr>
-          <p:cNvPr id="34" name="Rectangle 33"/>
+          <p:cNvPr id="6" name="Rectangle 5"/>
           <p:cNvSpPr/>
           <p:nvPr/>
         </p:nvSpPr>
         <p:spPr>
           <a:xfrm>
-            <a:off x="2763253" y="4667594"/>
-            <a:ext cx="3197412" cy="328704"/>
-          </a:xfrm>
-          <a:prstGeom prst="rect">
-            <a:avLst/>
-          </a:prstGeom>
-          <a:solidFill>
-            <a:schemeClr val="bg1"/>
-          </a:solidFill>
+            <a:off x="4840941" y="2990016"/>
+            <a:ext cx="829562" cy="522941"/>
+          </a:xfrm>
+          <a:prstGeom prst="rect">
+            <a:avLst/>
+          </a:prstGeom>
+          <a:noFill/>
           <a:ln>
             <a:solidFill>
               <a:schemeClr val="tx1"/>
@@ -3960,21 +4818,111 @@
       </p:sp>
       <p:sp>
         <p:nvSpPr>
-          <p:cNvPr id="35" name="Rectangle 34"/>
+          <p:cNvPr id="12" name="TextBox 11"/>
+          <p:cNvSpPr txBox="1"/>
+          <p:nvPr/>
+        </p:nvSpPr>
+        <p:spPr>
+          <a:xfrm>
+            <a:off x="2536978" y="3009651"/>
+            <a:ext cx="961697" cy="369332"/>
+          </a:xfrm>
+          <a:prstGeom prst="rect">
+            <a:avLst/>
+          </a:prstGeom>
+          <a:noFill/>
+        </p:spPr>
+        <p:txBody>
+          <a:bodyPr wrap="none" rtlCol="0">
+            <a:spAutoFit/>
+          </a:bodyPr>
+          <a:lstStyle/>
+          <a:p>
+            <a:r>
+              <a:rPr lang="en-US" dirty="0" smtClean="0"/>
+              <a:t>elevator</a:t>
+            </a:r>
+            <a:endParaRPr lang="en-US" dirty="0"/>
+          </a:p>
+        </p:txBody>
+      </p:sp>
+      <p:sp>
+        <p:nvSpPr>
+          <p:cNvPr id="13" name="TextBox 12"/>
+          <p:cNvSpPr txBox="1"/>
+          <p:nvPr/>
+        </p:nvSpPr>
+        <p:spPr>
+          <a:xfrm>
+            <a:off x="4895131" y="3094026"/>
+            <a:ext cx="830501" cy="369332"/>
+          </a:xfrm>
+          <a:prstGeom prst="rect">
+            <a:avLst/>
+          </a:prstGeom>
+          <a:noFill/>
+        </p:spPr>
+        <p:txBody>
+          <a:bodyPr wrap="none" rtlCol="0">
+            <a:spAutoFit/>
+          </a:bodyPr>
+          <a:lstStyle/>
+          <a:p>
+            <a:pPr algn="ctr"/>
+            <a:r>
+              <a:rPr lang="en-US" dirty="0" smtClean="0"/>
+              <a:t>ball pit</a:t>
+            </a:r>
+            <a:endParaRPr lang="en-US" dirty="0"/>
+          </a:p>
+        </p:txBody>
+      </p:sp>
+      <p:sp>
+        <p:nvSpPr>
+          <p:cNvPr id="14" name="TextBox 13"/>
+          <p:cNvSpPr txBox="1"/>
+          <p:nvPr/>
+        </p:nvSpPr>
+        <p:spPr>
+          <a:xfrm>
+            <a:off x="3766304" y="1070045"/>
+            <a:ext cx="702348" cy="369332"/>
+          </a:xfrm>
+          <a:prstGeom prst="rect">
+            <a:avLst/>
+          </a:prstGeom>
+          <a:noFill/>
+        </p:spPr>
+        <p:txBody>
+          <a:bodyPr wrap="none" rtlCol="0">
+            <a:spAutoFit/>
+          </a:bodyPr>
+          <a:lstStyle/>
+          <a:p>
+            <a:pPr algn="ctr"/>
+            <a:r>
+              <a:rPr lang="en-US" dirty="0" smtClean="0"/>
+              <a:t>Stairs</a:t>
+            </a:r>
+            <a:endParaRPr lang="en-US" dirty="0"/>
+          </a:p>
+        </p:txBody>
+      </p:sp>
+      <p:sp>
+        <p:nvSpPr>
+          <p:cNvPr id="15" name="Oval 14"/>
           <p:cNvSpPr/>
           <p:nvPr/>
         </p:nvSpPr>
         <p:spPr>
           <a:xfrm>
-            <a:off x="2764117" y="4957445"/>
-            <a:ext cx="3197412" cy="328704"/>
-          </a:xfrm>
-          <a:prstGeom prst="rect">
-            <a:avLst/>
-          </a:prstGeom>
-          <a:solidFill>
-            <a:schemeClr val="bg1"/>
-          </a:solidFill>
+            <a:off x="2535988" y="1526170"/>
+            <a:ext cx="3221789" cy="3221789"/>
+          </a:xfrm>
+          <a:prstGeom prst="ellipse">
+            <a:avLst/>
+          </a:prstGeom>
+          <a:noFill/>
           <a:ln>
             <a:solidFill>
               <a:schemeClr val="tx1"/>
@@ -4006,14 +4954,14 @@
       </p:sp>
       <p:sp>
         <p:nvSpPr>
-          <p:cNvPr id="4" name="Rectangle 3"/>
+          <p:cNvPr id="16" name="Rectangle 15"/>
           <p:cNvSpPr/>
           <p:nvPr/>
         </p:nvSpPr>
         <p:spPr>
           <a:xfrm>
-            <a:off x="1374588" y="1150469"/>
-            <a:ext cx="6110941" cy="164353"/>
+            <a:off x="2999878" y="1985074"/>
+            <a:ext cx="798938" cy="522941"/>
           </a:xfrm>
           <a:prstGeom prst="rect">
             <a:avLst/>
@@ -4050,21 +4998,19 @@
       </p:sp>
       <p:sp>
         <p:nvSpPr>
-          <p:cNvPr id="5" name="Rectangle 4"/>
+          <p:cNvPr id="17" name="Rectangle 16"/>
           <p:cNvSpPr/>
           <p:nvPr/>
         </p:nvSpPr>
         <p:spPr>
           <a:xfrm>
-            <a:off x="2763253" y="986118"/>
-            <a:ext cx="3197412" cy="328704"/>
-          </a:xfrm>
-          <a:prstGeom prst="rect">
-            <a:avLst/>
-          </a:prstGeom>
-          <a:solidFill>
-            <a:schemeClr val="bg1"/>
-          </a:solidFill>
+            <a:off x="4264526" y="1985074"/>
+            <a:ext cx="831561" cy="522941"/>
+          </a:xfrm>
+          <a:prstGeom prst="rect">
+            <a:avLst/>
+          </a:prstGeom>
+          <a:noFill/>
           <a:ln>
             <a:solidFill>
               <a:schemeClr val="tx1"/>
@@ -4090,20 +5036,20 @@
           <a:lstStyle/>
           <a:p>
             <a:pPr algn="ctr"/>
-            <a:endParaRPr lang="en-US" dirty="0"/>
-          </a:p>
-        </p:txBody>
-      </p:sp>
-      <p:sp>
-        <p:nvSpPr>
-          <p:cNvPr id="6" name="Rectangle 5"/>
+            <a:endParaRPr lang="en-US"/>
+          </a:p>
+        </p:txBody>
+      </p:sp>
+      <p:sp>
+        <p:nvSpPr>
+          <p:cNvPr id="18" name="Rectangle 17"/>
           <p:cNvSpPr/>
           <p:nvPr/>
         </p:nvSpPr>
         <p:spPr>
           <a:xfrm>
-            <a:off x="2763253" y="1314822"/>
-            <a:ext cx="3197412" cy="552825"/>
+            <a:off x="2507535" y="2940417"/>
+            <a:ext cx="991140" cy="522941"/>
           </a:xfrm>
           <a:prstGeom prst="rect">
             <a:avLst/>
@@ -4140,16 +5086,230 @@
       </p:sp>
       <p:sp>
         <p:nvSpPr>
-          <p:cNvPr id="10" name="Rectangle 9"/>
+          <p:cNvPr id="19" name="TextBox 18"/>
+          <p:cNvSpPr txBox="1"/>
+          <p:nvPr/>
+        </p:nvSpPr>
+        <p:spPr>
+          <a:xfrm>
+            <a:off x="2984167" y="2082273"/>
+            <a:ext cx="761747" cy="369332"/>
+          </a:xfrm>
+          <a:prstGeom prst="rect">
+            <a:avLst/>
+          </a:prstGeom>
+          <a:noFill/>
+        </p:spPr>
+        <p:txBody>
+          <a:bodyPr wrap="none" rtlCol="0">
+            <a:spAutoFit/>
+          </a:bodyPr>
+          <a:lstStyle/>
+          <a:p>
+            <a:r>
+              <a:rPr lang="en-US" dirty="0" smtClean="0"/>
+              <a:t>drinks</a:t>
+            </a:r>
+            <a:endParaRPr lang="en-US" dirty="0"/>
+          </a:p>
+        </p:txBody>
+      </p:sp>
+      <p:sp>
+        <p:nvSpPr>
+          <p:cNvPr id="20" name="TextBox 19"/>
+          <p:cNvSpPr txBox="1"/>
+          <p:nvPr/>
+        </p:nvSpPr>
+        <p:spPr>
+          <a:xfrm>
+            <a:off x="4233976" y="2082273"/>
+            <a:ext cx="800219" cy="369332"/>
+          </a:xfrm>
+          <a:prstGeom prst="rect">
+            <a:avLst/>
+          </a:prstGeom>
+          <a:noFill/>
+        </p:spPr>
+        <p:txBody>
+          <a:bodyPr wrap="none" rtlCol="0">
+            <a:spAutoFit/>
+          </a:bodyPr>
+          <a:lstStyle/>
+          <a:p>
+            <a:r>
+              <a:rPr lang="en-US" dirty="0" smtClean="0"/>
+              <a:t>snacks</a:t>
+            </a:r>
+            <a:endParaRPr lang="en-US" dirty="0"/>
+          </a:p>
+        </p:txBody>
+      </p:sp>
+      <p:sp>
+        <p:nvSpPr>
+          <p:cNvPr id="21" name="TextBox 20"/>
+          <p:cNvSpPr txBox="1"/>
+          <p:nvPr/>
+        </p:nvSpPr>
+        <p:spPr>
+          <a:xfrm>
+            <a:off x="3679072" y="2996037"/>
+            <a:ext cx="1014333" cy="369332"/>
+          </a:xfrm>
+          <a:prstGeom prst="rect">
+            <a:avLst/>
+          </a:prstGeom>
+          <a:noFill/>
+        </p:spPr>
+        <p:txBody>
+          <a:bodyPr wrap="none" rtlCol="0">
+            <a:spAutoFit/>
+          </a:bodyPr>
+          <a:lstStyle/>
+          <a:p>
+            <a:r>
+              <a:rPr lang="en-US" dirty="0" smtClean="0"/>
+              <a:t>cafeteria</a:t>
+            </a:r>
+            <a:endParaRPr lang="en-US" dirty="0"/>
+          </a:p>
+        </p:txBody>
+      </p:sp>
+      <p:cxnSp>
+        <p:nvCxnSpPr>
+          <p:cNvPr id="23" name="Straight Connector 22"/>
+          <p:cNvCxnSpPr/>
+          <p:nvPr/>
+        </p:nvCxnSpPr>
+        <p:spPr>
+          <a:xfrm>
+            <a:off x="3384967" y="3221790"/>
+            <a:ext cx="360947" cy="0"/>
+          </a:xfrm>
+          <a:prstGeom prst="line">
+            <a:avLst/>
+          </a:prstGeom>
+        </p:spPr>
+        <p:style>
+          <a:lnRef idx="2">
+            <a:schemeClr val="accent1"/>
+          </a:lnRef>
+          <a:fillRef idx="0">
+            <a:schemeClr val="accent1"/>
+          </a:fillRef>
+          <a:effectRef idx="1">
+            <a:schemeClr val="accent1"/>
+          </a:effectRef>
+          <a:fontRef idx="minor">
+            <a:schemeClr val="tx1"/>
+          </a:fontRef>
+        </p:style>
+      </p:cxnSp>
+      <p:cxnSp>
+        <p:nvCxnSpPr>
+          <p:cNvPr id="24" name="Straight Connector 23"/>
+          <p:cNvCxnSpPr/>
+          <p:nvPr/>
+        </p:nvCxnSpPr>
+        <p:spPr>
+          <a:xfrm>
+            <a:off x="4648212" y="3221790"/>
+            <a:ext cx="360947" cy="0"/>
+          </a:xfrm>
+          <a:prstGeom prst="line">
+            <a:avLst/>
+          </a:prstGeom>
+        </p:spPr>
+        <p:style>
+          <a:lnRef idx="2">
+            <a:schemeClr val="accent1"/>
+          </a:lnRef>
+          <a:fillRef idx="0">
+            <a:schemeClr val="accent1"/>
+          </a:fillRef>
+          <a:effectRef idx="1">
+            <a:schemeClr val="accent1"/>
+          </a:effectRef>
+          <a:fontRef idx="minor">
+            <a:schemeClr val="tx1"/>
+          </a:fontRef>
+        </p:style>
+      </p:cxnSp>
+      <p:cxnSp>
+        <p:nvCxnSpPr>
+          <p:cNvPr id="25" name="Straight Connector 24"/>
+          <p:cNvCxnSpPr>
+            <a:stCxn id="16" idx="2"/>
+          </p:cNvCxnSpPr>
+          <p:nvPr/>
+        </p:nvCxnSpPr>
+        <p:spPr>
+          <a:xfrm>
+            <a:off x="3399347" y="2508015"/>
+            <a:ext cx="546517" cy="501636"/>
+          </a:xfrm>
+          <a:prstGeom prst="line">
+            <a:avLst/>
+          </a:prstGeom>
+        </p:spPr>
+        <p:style>
+          <a:lnRef idx="2">
+            <a:schemeClr val="accent1"/>
+          </a:lnRef>
+          <a:fillRef idx="0">
+            <a:schemeClr val="accent1"/>
+          </a:fillRef>
+          <a:effectRef idx="1">
+            <a:schemeClr val="accent1"/>
+          </a:effectRef>
+          <a:fontRef idx="minor">
+            <a:schemeClr val="tx1"/>
+          </a:fontRef>
+        </p:style>
+      </p:cxnSp>
+      <p:cxnSp>
+        <p:nvCxnSpPr>
+          <p:cNvPr id="28" name="Straight Connector 27"/>
+          <p:cNvCxnSpPr>
+            <a:stCxn id="17" idx="2"/>
+          </p:cNvCxnSpPr>
+          <p:nvPr/>
+        </p:nvCxnSpPr>
+        <p:spPr>
+          <a:xfrm flipH="1">
+            <a:off x="4264526" y="2508015"/>
+            <a:ext cx="415781" cy="482001"/>
+          </a:xfrm>
+          <a:prstGeom prst="line">
+            <a:avLst/>
+          </a:prstGeom>
+        </p:spPr>
+        <p:style>
+          <a:lnRef idx="2">
+            <a:schemeClr val="accent1"/>
+          </a:lnRef>
+          <a:fillRef idx="0">
+            <a:schemeClr val="accent1"/>
+          </a:fillRef>
+          <a:effectRef idx="1">
+            <a:schemeClr val="accent1"/>
+          </a:effectRef>
+          <a:fontRef idx="minor">
+            <a:schemeClr val="tx1"/>
+          </a:fontRef>
+        </p:style>
+      </p:cxnSp>
+      <p:sp>
+        <p:nvSpPr>
+          <p:cNvPr id="33" name="Oval 32"/>
           <p:cNvSpPr/>
           <p:nvPr/>
         </p:nvSpPr>
         <p:spPr>
           <a:xfrm>
-            <a:off x="2763253" y="1867647"/>
-            <a:ext cx="3197412" cy="552825"/>
-          </a:xfrm>
-          <a:prstGeom prst="rect">
+            <a:off x="1818103" y="808285"/>
+            <a:ext cx="4657558" cy="4657558"/>
+          </a:xfrm>
+          <a:prstGeom prst="ellipse">
             <a:avLst/>
           </a:prstGeom>
           <a:noFill/>
@@ -4184,21 +5344,59 @@
       </p:sp>
       <p:sp>
         <p:nvSpPr>
-          <p:cNvPr id="13" name="Rectangle 12"/>
+          <p:cNvPr id="34" name="TextBox 33"/>
+          <p:cNvSpPr txBox="1"/>
+          <p:nvPr/>
+        </p:nvSpPr>
+        <p:spPr>
+          <a:xfrm>
+            <a:off x="5946588" y="5737412"/>
+            <a:ext cx="2298676" cy="646331"/>
+          </a:xfrm>
+          <a:prstGeom prst="rect">
+            <a:avLst/>
+          </a:prstGeom>
+          <a:noFill/>
+        </p:spPr>
+        <p:txBody>
+          <a:bodyPr wrap="none" rtlCol="0">
+            <a:spAutoFit/>
+          </a:bodyPr>
+          <a:lstStyle/>
+          <a:p>
+            <a:r>
+              <a:rPr lang="en-US" dirty="0" err="1" smtClean="0"/>
+              <a:t>Nyantech</a:t>
+            </a:r>
+            <a:r>
+              <a:rPr lang="en-US" dirty="0" smtClean="0"/>
+              <a:t> Tower</a:t>
+            </a:r>
+          </a:p>
+          <a:p>
+            <a:r>
+              <a:rPr lang="en-US" dirty="0" smtClean="0"/>
+              <a:t>Restaurant/Deck Level</a:t>
+            </a:r>
+            <a:endParaRPr lang="en-US" dirty="0"/>
+          </a:p>
+        </p:txBody>
+      </p:sp>
+      <p:sp>
+        <p:nvSpPr>
+          <p:cNvPr id="22" name="Rectangle 21"/>
           <p:cNvSpPr/>
           <p:nvPr/>
         </p:nvSpPr>
         <p:spPr>
           <a:xfrm>
-            <a:off x="2763253" y="2420472"/>
-            <a:ext cx="3197412" cy="328704"/>
-          </a:xfrm>
-          <a:prstGeom prst="rect">
-            <a:avLst/>
-          </a:prstGeom>
-          <a:solidFill>
-            <a:schemeClr val="bg1"/>
-          </a:solidFill>
+            <a:off x="5475317" y="4378171"/>
+            <a:ext cx="828194" cy="490915"/>
+          </a:xfrm>
+          <a:prstGeom prst="rect">
+            <a:avLst/>
+          </a:prstGeom>
+          <a:noFill/>
           <a:ln>
             <a:solidFill>
               <a:schemeClr val="tx1"/>
@@ -4224,807 +5422,44 @@
           <a:lstStyle/>
           <a:p>
             <a:pPr algn="ctr"/>
+            <a:endParaRPr lang="en-US"/>
+          </a:p>
+        </p:txBody>
+      </p:sp>
+      <p:sp>
+        <p:nvSpPr>
+          <p:cNvPr id="2" name="TextBox 1"/>
+          <p:cNvSpPr txBox="1"/>
+          <p:nvPr/>
+        </p:nvSpPr>
+        <p:spPr>
+          <a:xfrm>
+            <a:off x="5589665" y="4414071"/>
+            <a:ext cx="713845" cy="369332"/>
+          </a:xfrm>
+          <a:prstGeom prst="rect">
+            <a:avLst/>
+          </a:prstGeom>
+          <a:noFill/>
+        </p:spPr>
+        <p:txBody>
+          <a:bodyPr wrap="none" rtlCol="0">
+            <a:spAutoFit/>
+          </a:bodyPr>
+          <a:lstStyle/>
+          <a:p>
             <a:r>
               <a:rPr lang="en-US" dirty="0" smtClean="0"/>
-              <a:t>44</a:t>
+              <a:t>Chain</a:t>
             </a:r>
             <a:endParaRPr lang="en-US" dirty="0"/>
           </a:p>
         </p:txBody>
       </p:sp>
-      <p:sp>
-        <p:nvSpPr>
-          <p:cNvPr id="14" name="Rectangle 13"/>
-          <p:cNvSpPr/>
-          <p:nvPr/>
-        </p:nvSpPr>
-        <p:spPr>
-          <a:xfrm>
-            <a:off x="2763253" y="2752166"/>
-            <a:ext cx="3197412" cy="328704"/>
-          </a:xfrm>
-          <a:prstGeom prst="rect">
-            <a:avLst/>
-          </a:prstGeom>
-          <a:solidFill>
-            <a:schemeClr val="bg1"/>
-          </a:solidFill>
-          <a:ln>
-            <a:solidFill>
-              <a:schemeClr val="tx1"/>
-            </a:solidFill>
-          </a:ln>
-        </p:spPr>
-        <p:style>
-          <a:lnRef idx="1">
-            <a:schemeClr val="accent1"/>
-          </a:lnRef>
-          <a:fillRef idx="3">
-            <a:schemeClr val="accent1"/>
-          </a:fillRef>
-          <a:effectRef idx="2">
-            <a:schemeClr val="accent1"/>
-          </a:effectRef>
-          <a:fontRef idx="minor">
-            <a:schemeClr val="lt1"/>
-          </a:fontRef>
-        </p:style>
-        <p:txBody>
-          <a:bodyPr rtlCol="0" anchor="ctr"/>
-          <a:lstStyle/>
-          <a:p>
-            <a:pPr algn="ctr"/>
-            <a:endParaRPr lang="en-US"/>
-          </a:p>
-        </p:txBody>
-      </p:sp>
-      <p:sp>
-        <p:nvSpPr>
-          <p:cNvPr id="15" name="Rectangle 14"/>
-          <p:cNvSpPr/>
-          <p:nvPr/>
-        </p:nvSpPr>
-        <p:spPr>
-          <a:xfrm>
-            <a:off x="2763253" y="3080870"/>
-            <a:ext cx="3197412" cy="328704"/>
-          </a:xfrm>
-          <a:prstGeom prst="rect">
-            <a:avLst/>
-          </a:prstGeom>
-          <a:solidFill>
-            <a:schemeClr val="bg1"/>
-          </a:solidFill>
-          <a:ln>
-            <a:solidFill>
-              <a:schemeClr val="tx1"/>
-            </a:solidFill>
-          </a:ln>
-        </p:spPr>
-        <p:style>
-          <a:lnRef idx="1">
-            <a:schemeClr val="accent1"/>
-          </a:lnRef>
-          <a:fillRef idx="3">
-            <a:schemeClr val="accent1"/>
-          </a:fillRef>
-          <a:effectRef idx="2">
-            <a:schemeClr val="accent1"/>
-          </a:effectRef>
-          <a:fontRef idx="minor">
-            <a:schemeClr val="lt1"/>
-          </a:fontRef>
-        </p:style>
-        <p:txBody>
-          <a:bodyPr rtlCol="0" anchor="ctr"/>
-          <a:lstStyle/>
-          <a:p>
-            <a:pPr algn="ctr"/>
-            <a:endParaRPr lang="en-US"/>
-          </a:p>
-        </p:txBody>
-      </p:sp>
-      <p:sp>
-        <p:nvSpPr>
-          <p:cNvPr id="16" name="Rectangle 15"/>
-          <p:cNvSpPr/>
-          <p:nvPr/>
-        </p:nvSpPr>
-        <p:spPr>
-          <a:xfrm>
-            <a:off x="2763253" y="3409574"/>
-            <a:ext cx="3197412" cy="328704"/>
-          </a:xfrm>
-          <a:prstGeom prst="rect">
-            <a:avLst/>
-          </a:prstGeom>
-          <a:solidFill>
-            <a:schemeClr val="bg1"/>
-          </a:solidFill>
-          <a:ln>
-            <a:solidFill>
-              <a:schemeClr val="tx1"/>
-            </a:solidFill>
-          </a:ln>
-        </p:spPr>
-        <p:style>
-          <a:lnRef idx="1">
-            <a:schemeClr val="accent1"/>
-          </a:lnRef>
-          <a:fillRef idx="3">
-            <a:schemeClr val="accent1"/>
-          </a:fillRef>
-          <a:effectRef idx="2">
-            <a:schemeClr val="accent1"/>
-          </a:effectRef>
-          <a:fontRef idx="minor">
-            <a:schemeClr val="lt1"/>
-          </a:fontRef>
-        </p:style>
-        <p:txBody>
-          <a:bodyPr rtlCol="0" anchor="ctr"/>
-          <a:lstStyle/>
-          <a:p>
-            <a:pPr algn="ctr"/>
-            <a:endParaRPr lang="en-US"/>
-          </a:p>
-        </p:txBody>
-      </p:sp>
-      <p:sp>
-        <p:nvSpPr>
-          <p:cNvPr id="17" name="Rectangle 16"/>
-          <p:cNvSpPr/>
-          <p:nvPr/>
-        </p:nvSpPr>
-        <p:spPr>
-          <a:xfrm>
-            <a:off x="2763253" y="3738278"/>
-            <a:ext cx="3197412" cy="328704"/>
-          </a:xfrm>
-          <a:prstGeom prst="rect">
-            <a:avLst/>
-          </a:prstGeom>
-          <a:solidFill>
-            <a:schemeClr val="bg1"/>
-          </a:solidFill>
-          <a:ln>
-            <a:solidFill>
-              <a:schemeClr val="tx1"/>
-            </a:solidFill>
-          </a:ln>
-        </p:spPr>
-        <p:style>
-          <a:lnRef idx="1">
-            <a:schemeClr val="accent1"/>
-          </a:lnRef>
-          <a:fillRef idx="3">
-            <a:schemeClr val="accent1"/>
-          </a:fillRef>
-          <a:effectRef idx="2">
-            <a:schemeClr val="accent1"/>
-          </a:effectRef>
-          <a:fontRef idx="minor">
-            <a:schemeClr val="lt1"/>
-          </a:fontRef>
-        </p:style>
-        <p:txBody>
-          <a:bodyPr rtlCol="0" anchor="ctr"/>
-          <a:lstStyle/>
-          <a:p>
-            <a:pPr algn="ctr"/>
-            <a:endParaRPr lang="en-US"/>
-          </a:p>
-        </p:txBody>
-      </p:sp>
-      <p:sp>
-        <p:nvSpPr>
-          <p:cNvPr id="18" name="Rectangle 17"/>
-          <p:cNvSpPr/>
-          <p:nvPr/>
-        </p:nvSpPr>
-        <p:spPr>
-          <a:xfrm>
-            <a:off x="2763253" y="4028129"/>
-            <a:ext cx="3197412" cy="328704"/>
-          </a:xfrm>
-          <a:prstGeom prst="rect">
-            <a:avLst/>
-          </a:prstGeom>
-          <a:solidFill>
-            <a:schemeClr val="bg1"/>
-          </a:solidFill>
-          <a:ln>
-            <a:solidFill>
-              <a:schemeClr val="tx1"/>
-            </a:solidFill>
-          </a:ln>
-        </p:spPr>
-        <p:style>
-          <a:lnRef idx="1">
-            <a:schemeClr val="accent1"/>
-          </a:lnRef>
-          <a:fillRef idx="3">
-            <a:schemeClr val="accent1"/>
-          </a:fillRef>
-          <a:effectRef idx="2">
-            <a:schemeClr val="accent1"/>
-          </a:effectRef>
-          <a:fontRef idx="minor">
-            <a:schemeClr val="lt1"/>
-          </a:fontRef>
-        </p:style>
-        <p:txBody>
-          <a:bodyPr rtlCol="0" anchor="ctr"/>
-          <a:lstStyle/>
-          <a:p>
-            <a:pPr algn="ctr"/>
-            <a:endParaRPr lang="en-US"/>
-          </a:p>
-        </p:txBody>
-      </p:sp>
-      <p:sp>
-        <p:nvSpPr>
-          <p:cNvPr id="19" name="TextBox 18"/>
-          <p:cNvSpPr txBox="1"/>
-          <p:nvPr/>
-        </p:nvSpPr>
-        <p:spPr>
-          <a:xfrm>
-            <a:off x="3036574" y="1473805"/>
-            <a:ext cx="2650786" cy="369332"/>
-          </a:xfrm>
-          <a:prstGeom prst="rect">
-            <a:avLst/>
-          </a:prstGeom>
-          <a:noFill/>
-        </p:spPr>
-        <p:txBody>
-          <a:bodyPr wrap="none" rtlCol="0">
-            <a:spAutoFit/>
-          </a:bodyPr>
-          <a:lstStyle/>
-          <a:p>
-            <a:pPr algn="ctr"/>
-            <a:r>
-              <a:rPr lang="en-US" dirty="0" smtClean="0"/>
-              <a:t>WTH&gt;4: Packaging: Purple </a:t>
-            </a:r>
-            <a:endParaRPr lang="en-US" dirty="0"/>
-          </a:p>
-        </p:txBody>
-      </p:sp>
-      <p:sp>
-        <p:nvSpPr>
-          <p:cNvPr id="20" name="TextBox 19"/>
-          <p:cNvSpPr txBox="1"/>
-          <p:nvPr/>
-        </p:nvSpPr>
-        <p:spPr>
-          <a:xfrm>
-            <a:off x="3235957" y="1920831"/>
-            <a:ext cx="2252014" cy="369332"/>
-          </a:xfrm>
-          <a:prstGeom prst="rect">
-            <a:avLst/>
-          </a:prstGeom>
-          <a:noFill/>
-        </p:spPr>
-        <p:txBody>
-          <a:bodyPr wrap="none" rtlCol="0">
-            <a:spAutoFit/>
-          </a:bodyPr>
-          <a:lstStyle/>
-          <a:p>
-            <a:pPr algn="ctr"/>
-            <a:r>
-              <a:rPr lang="en-US" dirty="0" smtClean="0"/>
-              <a:t>&gt;</a:t>
-            </a:r>
-            <a:r>
-              <a:rPr lang="en-US" dirty="0" smtClean="0"/>
-              <a:t>4: Processing: Purple</a:t>
-            </a:r>
-            <a:endParaRPr lang="en-US" dirty="0"/>
-          </a:p>
-        </p:txBody>
-      </p:sp>
-      <p:sp>
-        <p:nvSpPr>
-          <p:cNvPr id="21" name="TextBox 20"/>
-          <p:cNvSpPr txBox="1"/>
-          <p:nvPr/>
-        </p:nvSpPr>
-        <p:spPr>
-          <a:xfrm>
-            <a:off x="3466957" y="2389992"/>
-            <a:ext cx="1790011" cy="369332"/>
-          </a:xfrm>
-          <a:prstGeom prst="rect">
-            <a:avLst/>
-          </a:prstGeom>
-          <a:noFill/>
-        </p:spPr>
-        <p:txBody>
-          <a:bodyPr wrap="none" rtlCol="0">
-            <a:spAutoFit/>
-          </a:bodyPr>
-          <a:lstStyle/>
-          <a:p>
-            <a:pPr algn="ctr"/>
-            <a:r>
-              <a:rPr lang="en-US" dirty="0" smtClean="0"/>
-              <a:t>4: Infirmary: Pink</a:t>
-            </a:r>
-            <a:endParaRPr lang="en-US" dirty="0"/>
-          </a:p>
-        </p:txBody>
-      </p:sp>
-      <p:sp>
-        <p:nvSpPr>
-          <p:cNvPr id="22" name="TextBox 21"/>
-          <p:cNvSpPr txBox="1"/>
-          <p:nvPr/>
-        </p:nvSpPr>
-        <p:spPr>
-          <a:xfrm>
-            <a:off x="3384340" y="2719900"/>
-            <a:ext cx="1955245" cy="369332"/>
-          </a:xfrm>
-          <a:prstGeom prst="rect">
-            <a:avLst/>
-          </a:prstGeom>
-          <a:noFill/>
-        </p:spPr>
-        <p:txBody>
-          <a:bodyPr wrap="none" rtlCol="0">
-            <a:spAutoFit/>
-          </a:bodyPr>
-          <a:lstStyle/>
-          <a:p>
-            <a:pPr algn="ctr"/>
-            <a:r>
-              <a:rPr lang="en-US" dirty="0" smtClean="0"/>
-              <a:t>3: </a:t>
-            </a:r>
-            <a:r>
-              <a:rPr lang="en-US" dirty="0" smtClean="0"/>
-              <a:t>Managers: Black</a:t>
-            </a:r>
-            <a:endParaRPr lang="en-US" dirty="0"/>
-          </a:p>
-        </p:txBody>
-      </p:sp>
-      <p:sp>
-        <p:nvSpPr>
-          <p:cNvPr id="23" name="TextBox 22"/>
-          <p:cNvSpPr txBox="1"/>
-          <p:nvPr/>
-        </p:nvSpPr>
-        <p:spPr>
-          <a:xfrm>
-            <a:off x="3391185" y="3058752"/>
-            <a:ext cx="1941557" cy="369332"/>
-          </a:xfrm>
-          <a:prstGeom prst="rect">
-            <a:avLst/>
-          </a:prstGeom>
-          <a:noFill/>
-        </p:spPr>
-        <p:txBody>
-          <a:bodyPr wrap="none" rtlCol="0">
-            <a:spAutoFit/>
-          </a:bodyPr>
-          <a:lstStyle/>
-          <a:p>
-            <a:pPr algn="ctr"/>
-            <a:r>
-              <a:rPr lang="en-US" dirty="0" smtClean="0"/>
-              <a:t>2: </a:t>
-            </a:r>
-            <a:r>
-              <a:rPr lang="en-US" dirty="0" smtClean="0"/>
-              <a:t>Engineers: Black</a:t>
-            </a:r>
-            <a:endParaRPr lang="en-US" dirty="0"/>
-          </a:p>
-        </p:txBody>
-      </p:sp>
-      <p:sp>
-        <p:nvSpPr>
-          <p:cNvPr id="25" name="TextBox 24"/>
-          <p:cNvSpPr txBox="1"/>
-          <p:nvPr/>
-        </p:nvSpPr>
-        <p:spPr>
-          <a:xfrm>
-            <a:off x="3519423" y="3379094"/>
-            <a:ext cx="1685077" cy="369332"/>
-          </a:xfrm>
-          <a:prstGeom prst="rect">
-            <a:avLst/>
-          </a:prstGeom>
-          <a:noFill/>
-        </p:spPr>
-        <p:txBody>
-          <a:bodyPr wrap="none" rtlCol="0">
-            <a:spAutoFit/>
-          </a:bodyPr>
-          <a:lstStyle/>
-          <a:p>
-            <a:pPr algn="ctr"/>
-            <a:r>
-              <a:rPr lang="en-US" dirty="0" smtClean="0"/>
-              <a:t>1: </a:t>
-            </a:r>
-            <a:r>
-              <a:rPr lang="en-US" dirty="0" smtClean="0"/>
-              <a:t>Interns: Black</a:t>
-            </a:r>
-            <a:endParaRPr lang="en-US" dirty="0"/>
-          </a:p>
-        </p:txBody>
-      </p:sp>
-      <p:sp>
-        <p:nvSpPr>
-          <p:cNvPr id="26" name="TextBox 25"/>
-          <p:cNvSpPr txBox="1"/>
-          <p:nvPr/>
-        </p:nvSpPr>
-        <p:spPr>
-          <a:xfrm>
-            <a:off x="3570930" y="3707798"/>
-            <a:ext cx="1582059" cy="369332"/>
-          </a:xfrm>
-          <a:prstGeom prst="rect">
-            <a:avLst/>
-          </a:prstGeom>
-          <a:noFill/>
-        </p:spPr>
-        <p:txBody>
-          <a:bodyPr wrap="none" rtlCol="0">
-            <a:spAutoFit/>
-          </a:bodyPr>
-          <a:lstStyle/>
-          <a:p>
-            <a:pPr algn="ctr"/>
-            <a:r>
-              <a:rPr lang="en-US" dirty="0" smtClean="0"/>
-              <a:t>Ground: White</a:t>
-            </a:r>
-            <a:endParaRPr lang="en-US" dirty="0"/>
-          </a:p>
-        </p:txBody>
-      </p:sp>
-      <p:sp>
-        <p:nvSpPr>
-          <p:cNvPr id="27" name="TextBox 26"/>
-          <p:cNvSpPr txBox="1"/>
-          <p:nvPr/>
-        </p:nvSpPr>
-        <p:spPr>
-          <a:xfrm>
-            <a:off x="3741406" y="4007218"/>
-            <a:ext cx="1241107" cy="369332"/>
-          </a:xfrm>
-          <a:prstGeom prst="rect">
-            <a:avLst/>
-          </a:prstGeom>
-          <a:noFill/>
-        </p:spPr>
-        <p:txBody>
-          <a:bodyPr wrap="none" rtlCol="0">
-            <a:spAutoFit/>
-          </a:bodyPr>
-          <a:lstStyle/>
-          <a:p>
-            <a:pPr algn="ctr"/>
-            <a:r>
-              <a:rPr lang="en-US" dirty="0" smtClean="0"/>
-              <a:t>-1: B Green</a:t>
-            </a:r>
-            <a:endParaRPr lang="en-US" dirty="0"/>
-          </a:p>
-        </p:txBody>
-      </p:sp>
-      <p:sp>
-        <p:nvSpPr>
-          <p:cNvPr id="28" name="TextBox 27"/>
-          <p:cNvSpPr txBox="1"/>
-          <p:nvPr/>
-        </p:nvSpPr>
-        <p:spPr>
-          <a:xfrm>
-            <a:off x="3743153" y="4616806"/>
-            <a:ext cx="1237613" cy="369332"/>
-          </a:xfrm>
-          <a:prstGeom prst="rect">
-            <a:avLst/>
-          </a:prstGeom>
-          <a:noFill/>
-        </p:spPr>
-        <p:txBody>
-          <a:bodyPr wrap="none" rtlCol="0">
-            <a:spAutoFit/>
-          </a:bodyPr>
-          <a:lstStyle/>
-          <a:p>
-            <a:pPr algn="ctr"/>
-            <a:r>
-              <a:rPr lang="en-US" dirty="0" smtClean="0"/>
-              <a:t>-3: SSB Red</a:t>
-            </a:r>
-            <a:endParaRPr lang="en-US" dirty="0"/>
-          </a:p>
-        </p:txBody>
-      </p:sp>
-      <p:sp>
-        <p:nvSpPr>
-          <p:cNvPr id="37" name="TextBox 36"/>
-          <p:cNvSpPr txBox="1"/>
-          <p:nvPr/>
-        </p:nvSpPr>
-        <p:spPr>
-          <a:xfrm>
-            <a:off x="3769583" y="4336513"/>
-            <a:ext cx="1184752" cy="369332"/>
-          </a:xfrm>
-          <a:prstGeom prst="rect">
-            <a:avLst/>
-          </a:prstGeom>
-          <a:noFill/>
-        </p:spPr>
-        <p:txBody>
-          <a:bodyPr wrap="none" rtlCol="0">
-            <a:spAutoFit/>
-          </a:bodyPr>
-          <a:lstStyle/>
-          <a:p>
-            <a:pPr algn="ctr"/>
-            <a:r>
-              <a:rPr lang="en-US" dirty="0" smtClean="0"/>
-              <a:t>-2: SB Blue</a:t>
-            </a:r>
-            <a:endParaRPr lang="en-US" dirty="0"/>
-          </a:p>
-        </p:txBody>
-      </p:sp>
-      <p:sp>
-        <p:nvSpPr>
-          <p:cNvPr id="38" name="TextBox 37"/>
-          <p:cNvSpPr txBox="1"/>
-          <p:nvPr/>
-        </p:nvSpPr>
-        <p:spPr>
-          <a:xfrm>
-            <a:off x="3665269" y="4916817"/>
-            <a:ext cx="1393380" cy="369332"/>
-          </a:xfrm>
-          <a:prstGeom prst="rect">
-            <a:avLst/>
-          </a:prstGeom>
-          <a:noFill/>
-        </p:spPr>
-        <p:txBody>
-          <a:bodyPr wrap="none" rtlCol="0">
-            <a:spAutoFit/>
-          </a:bodyPr>
-          <a:lstStyle/>
-          <a:p>
-            <a:r>
-              <a:rPr lang="en-US" dirty="0" smtClean="0"/>
-              <a:t>-4: Musk Lair</a:t>
-            </a:r>
-            <a:endParaRPr lang="en-US" dirty="0"/>
-          </a:p>
-        </p:txBody>
-      </p:sp>
-      <p:sp>
-        <p:nvSpPr>
-          <p:cNvPr id="39" name="TextBox 38"/>
-          <p:cNvSpPr txBox="1"/>
-          <p:nvPr/>
-        </p:nvSpPr>
-        <p:spPr>
-          <a:xfrm>
-            <a:off x="3137837" y="955638"/>
-            <a:ext cx="2448244" cy="369332"/>
-          </a:xfrm>
-          <a:prstGeom prst="rect">
-            <a:avLst/>
-          </a:prstGeom>
-          <a:noFill/>
-        </p:spPr>
-        <p:txBody>
-          <a:bodyPr wrap="none" rtlCol="0">
-            <a:spAutoFit/>
-          </a:bodyPr>
-          <a:lstStyle/>
-          <a:p>
-            <a:pPr algn="ctr"/>
-            <a:r>
-              <a:rPr lang="en-US" dirty="0" smtClean="0"/>
-              <a:t>Restaurant/Deck: White</a:t>
-            </a:r>
-            <a:endParaRPr lang="en-US" dirty="0"/>
-          </a:p>
-        </p:txBody>
-      </p:sp>
-      <p:sp>
-        <p:nvSpPr>
-          <p:cNvPr id="2" name="Rectangle 1"/>
-          <p:cNvSpPr/>
-          <p:nvPr/>
-        </p:nvSpPr>
-        <p:spPr>
-          <a:xfrm>
-            <a:off x="2764117" y="990599"/>
-            <a:ext cx="373720" cy="3966845"/>
-          </a:xfrm>
-          <a:prstGeom prst="rect">
-            <a:avLst/>
-          </a:prstGeom>
-          <a:solidFill>
-            <a:schemeClr val="accent3">
-              <a:lumMod val="20000"/>
-              <a:lumOff val="80000"/>
-            </a:schemeClr>
-          </a:solidFill>
-        </p:spPr>
-        <p:style>
-          <a:lnRef idx="1">
-            <a:schemeClr val="accent1"/>
-          </a:lnRef>
-          <a:fillRef idx="3">
-            <a:schemeClr val="accent1"/>
-          </a:fillRef>
-          <a:effectRef idx="2">
-            <a:schemeClr val="accent1"/>
-          </a:effectRef>
-          <a:fontRef idx="minor">
-            <a:schemeClr val="lt1"/>
-          </a:fontRef>
-        </p:style>
-        <p:txBody>
-          <a:bodyPr rtlCol="0" anchor="ctr"/>
-          <a:lstStyle/>
-          <a:p>
-            <a:pPr algn="ctr"/>
-            <a:endParaRPr lang="en-US"/>
-          </a:p>
-        </p:txBody>
-      </p:sp>
-      <p:sp>
-        <p:nvSpPr>
-          <p:cNvPr id="36" name="Rectangle 35"/>
-          <p:cNvSpPr/>
-          <p:nvPr/>
-        </p:nvSpPr>
-        <p:spPr>
-          <a:xfrm>
-            <a:off x="2389533" y="1001010"/>
-            <a:ext cx="373720" cy="3355823"/>
-          </a:xfrm>
-          <a:prstGeom prst="rect">
-            <a:avLst/>
-          </a:prstGeom>
-          <a:solidFill>
-            <a:schemeClr val="tx2">
-              <a:lumMod val="20000"/>
-              <a:lumOff val="80000"/>
-            </a:schemeClr>
-          </a:solidFill>
-        </p:spPr>
-        <p:style>
-          <a:lnRef idx="1">
-            <a:schemeClr val="accent1"/>
-          </a:lnRef>
-          <a:fillRef idx="3">
-            <a:schemeClr val="accent1"/>
-          </a:fillRef>
-          <a:effectRef idx="2">
-            <a:schemeClr val="accent1"/>
-          </a:effectRef>
-          <a:fontRef idx="minor">
-            <a:schemeClr val="lt1"/>
-          </a:fontRef>
-        </p:style>
-        <p:txBody>
-          <a:bodyPr rtlCol="0" anchor="ctr"/>
-          <a:lstStyle/>
-          <a:p>
-            <a:pPr algn="ctr"/>
-            <a:endParaRPr lang="en-US"/>
-          </a:p>
-        </p:txBody>
-      </p:sp>
-      <p:sp>
-        <p:nvSpPr>
-          <p:cNvPr id="3" name="TextBox 2"/>
-          <p:cNvSpPr txBox="1"/>
-          <p:nvPr/>
-        </p:nvSpPr>
-        <p:spPr>
-          <a:xfrm rot="16200000">
-            <a:off x="2094422" y="2535233"/>
-            <a:ext cx="959555" cy="369332"/>
-          </a:xfrm>
-          <a:prstGeom prst="rect">
-            <a:avLst/>
-          </a:prstGeom>
-          <a:noFill/>
-        </p:spPr>
-        <p:txBody>
-          <a:bodyPr wrap="none" rtlCol="0">
-            <a:spAutoFit/>
-          </a:bodyPr>
-          <a:lstStyle/>
-          <a:p>
-            <a:r>
-              <a:rPr lang="en-US" dirty="0" smtClean="0"/>
-              <a:t>Elevator</a:t>
-            </a:r>
-            <a:endParaRPr lang="en-US" dirty="0"/>
-          </a:p>
-        </p:txBody>
-      </p:sp>
-      <p:sp>
-        <p:nvSpPr>
-          <p:cNvPr id="46" name="TextBox 45"/>
-          <p:cNvSpPr txBox="1"/>
-          <p:nvPr/>
-        </p:nvSpPr>
-        <p:spPr>
-          <a:xfrm rot="16200000">
-            <a:off x="2601997" y="2545030"/>
-            <a:ext cx="702348" cy="369332"/>
-          </a:xfrm>
-          <a:prstGeom prst="rect">
-            <a:avLst/>
-          </a:prstGeom>
-          <a:noFill/>
-        </p:spPr>
-        <p:txBody>
-          <a:bodyPr wrap="none" rtlCol="0">
-            <a:spAutoFit/>
-          </a:bodyPr>
-          <a:lstStyle/>
-          <a:p>
-            <a:r>
-              <a:rPr lang="en-US" dirty="0" smtClean="0"/>
-              <a:t>Stairs</a:t>
-            </a:r>
-            <a:endParaRPr lang="en-US" dirty="0"/>
-          </a:p>
-        </p:txBody>
-      </p:sp>
-      <p:pic>
-        <p:nvPicPr>
-          <p:cNvPr id="7" name="Picture 6"/>
-          <p:cNvPicPr>
-            <a:picLocks noChangeAspect="1"/>
-          </p:cNvPicPr>
-          <p:nvPr/>
-        </p:nvPicPr>
-        <p:blipFill>
-          <a:blip r:embed="rId2"/>
-          <a:stretch>
-            <a:fillRect/>
-          </a:stretch>
-        </p:blipFill>
-        <p:spPr>
-          <a:xfrm>
-            <a:off x="5364798" y="1543638"/>
-            <a:ext cx="1143000" cy="694178"/>
-          </a:xfrm>
-          <a:prstGeom prst="rect">
-            <a:avLst/>
-          </a:prstGeom>
-        </p:spPr>
-      </p:pic>
     </p:spTree>
     <p:extLst>
       <p:ext uri="{BB962C8B-B14F-4D97-AF65-F5344CB8AC3E}">
-        <p14:creationId xmlns:p14="http://schemas.microsoft.com/office/powerpoint/2010/main" val="1046036021"/>
+        <p14:creationId xmlns:p14="http://schemas.microsoft.com/office/powerpoint/2010/main" val="721255204"/>
       </p:ext>
     </p:extLst>
   </p:cSld>
@@ -5053,14 +5488,14 @@
       </p:grpSpPr>
       <p:sp>
         <p:nvSpPr>
-          <p:cNvPr id="5" name="Rectangle 4"/>
+          <p:cNvPr id="4" name="Rectangle 3"/>
           <p:cNvSpPr/>
           <p:nvPr/>
         </p:nvSpPr>
         <p:spPr>
           <a:xfrm>
-            <a:off x="3684969" y="1056677"/>
-            <a:ext cx="850524" cy="490915"/>
+            <a:off x="2073676" y="1240119"/>
+            <a:ext cx="4873811" cy="4141694"/>
           </a:xfrm>
           <a:prstGeom prst="rect">
             <a:avLst/>
@@ -5097,14 +5532,14 @@
       </p:sp>
       <p:sp>
         <p:nvSpPr>
-          <p:cNvPr id="6" name="Rectangle 5"/>
+          <p:cNvPr id="5" name="Rectangle 4"/>
           <p:cNvSpPr/>
           <p:nvPr/>
         </p:nvSpPr>
         <p:spPr>
           <a:xfrm>
-            <a:off x="4840941" y="2990016"/>
-            <a:ext cx="829562" cy="522941"/>
+            <a:off x="4437530" y="3288633"/>
+            <a:ext cx="268942" cy="243776"/>
           </a:xfrm>
           <a:prstGeom prst="rect">
             <a:avLst/>
@@ -5141,14 +5576,14 @@
       </p:sp>
       <p:sp>
         <p:nvSpPr>
-          <p:cNvPr id="12" name="TextBox 11"/>
-          <p:cNvSpPr txBox="1"/>
-          <p:nvPr/>
-        </p:nvSpPr>
-        <p:spPr>
-          <a:xfrm>
-            <a:off x="2536978" y="3009651"/>
-            <a:ext cx="961697" cy="369332"/>
+          <p:cNvPr id="6" name="TextBox 5"/>
+          <p:cNvSpPr txBox="1"/>
+          <p:nvPr/>
+        </p:nvSpPr>
+        <p:spPr>
+          <a:xfrm>
+            <a:off x="2667000" y="2101334"/>
+            <a:ext cx="1070801" cy="369332"/>
           </a:xfrm>
           <a:prstGeom prst="rect">
             <a:avLst/>
@@ -5163,7 +5598,7 @@
           <a:p>
             <a:r>
               <a:rPr lang="en-US" dirty="0" smtClean="0"/>
-              <a:t>elevator</a:t>
+              <a:t>The town</a:t>
             </a:r>
             <a:endParaRPr lang="en-US" dirty="0"/>
           </a:p>
@@ -5171,30 +5606,36 @@
       </p:sp>
       <p:sp>
         <p:nvSpPr>
-          <p:cNvPr id="13" name="TextBox 12"/>
-          <p:cNvSpPr txBox="1"/>
-          <p:nvPr/>
-        </p:nvSpPr>
-        <p:spPr>
-          <a:xfrm>
-            <a:off x="4895131" y="3094026"/>
-            <a:ext cx="830501" cy="369332"/>
-          </a:xfrm>
-          <a:prstGeom prst="rect">
-            <a:avLst/>
-          </a:prstGeom>
-          <a:noFill/>
-        </p:spPr>
-        <p:txBody>
-          <a:bodyPr wrap="none" rtlCol="0">
-            <a:spAutoFit/>
-          </a:bodyPr>
-          <a:lstStyle/>
-          <a:p>
-            <a:pPr algn="ctr"/>
+          <p:cNvPr id="7" name="TextBox 6"/>
+          <p:cNvSpPr txBox="1"/>
+          <p:nvPr/>
+        </p:nvSpPr>
+        <p:spPr>
+          <a:xfrm>
+            <a:off x="4669040" y="3657600"/>
+            <a:ext cx="1081058" cy="646331"/>
+          </a:xfrm>
+          <a:prstGeom prst="rect">
+            <a:avLst/>
+          </a:prstGeom>
+          <a:noFill/>
+        </p:spPr>
+        <p:txBody>
+          <a:bodyPr wrap="none" rtlCol="0">
+            <a:spAutoFit/>
+          </a:bodyPr>
+          <a:lstStyle/>
+          <a:p>
+            <a:r>
+              <a:rPr lang="en-US" dirty="0" err="1" smtClean="0"/>
+              <a:t>Nyantech</a:t>
+            </a:r>
+            <a:endParaRPr lang="en-US" dirty="0" smtClean="0"/>
+          </a:p>
+          <a:p>
             <a:r>
               <a:rPr lang="en-US" dirty="0" smtClean="0"/>
-              <a:t>ball pit</a:t>
+              <a:t>HQ</a:t>
             </a:r>
             <a:endParaRPr lang="en-US" dirty="0"/>
           </a:p>
@@ -5202,30 +5643,29 @@
       </p:sp>
       <p:sp>
         <p:nvSpPr>
-          <p:cNvPr id="14" name="TextBox 13"/>
-          <p:cNvSpPr txBox="1"/>
-          <p:nvPr/>
-        </p:nvSpPr>
-        <p:spPr>
-          <a:xfrm>
-            <a:off x="3766304" y="1070045"/>
-            <a:ext cx="702348" cy="369332"/>
-          </a:xfrm>
-          <a:prstGeom prst="rect">
-            <a:avLst/>
-          </a:prstGeom>
-          <a:noFill/>
-        </p:spPr>
-        <p:txBody>
-          <a:bodyPr wrap="none" rtlCol="0">
-            <a:spAutoFit/>
-          </a:bodyPr>
-          <a:lstStyle/>
-          <a:p>
-            <a:pPr algn="ctr"/>
+          <p:cNvPr id="8" name="TextBox 7"/>
+          <p:cNvSpPr txBox="1"/>
+          <p:nvPr/>
+        </p:nvSpPr>
+        <p:spPr>
+          <a:xfrm rot="16200000">
+            <a:off x="841419" y="3472934"/>
+            <a:ext cx="1799028" cy="369332"/>
+          </a:xfrm>
+          <a:prstGeom prst="rect">
+            <a:avLst/>
+          </a:prstGeom>
+          <a:noFill/>
+        </p:spPr>
+        <p:txBody>
+          <a:bodyPr wrap="none" rtlCol="0">
+            <a:spAutoFit/>
+          </a:bodyPr>
+          <a:lstStyle/>
+          <a:p>
             <a:r>
               <a:rPr lang="en-US" dirty="0" smtClean="0"/>
-              <a:t>Stairs</a:t>
+              <a:t>Superhighway 17</a:t>
             </a:r>
             <a:endParaRPr lang="en-US" dirty="0"/>
           </a:p>
@@ -5233,16 +5673,140 @@
       </p:sp>
       <p:sp>
         <p:nvSpPr>
-          <p:cNvPr id="15" name="Oval 14"/>
+          <p:cNvPr id="9" name="TextBox 8"/>
+          <p:cNvSpPr txBox="1"/>
+          <p:nvPr/>
+        </p:nvSpPr>
+        <p:spPr>
+          <a:xfrm>
+            <a:off x="3812818" y="711564"/>
+            <a:ext cx="1597726" cy="369332"/>
+          </a:xfrm>
+          <a:prstGeom prst="rect">
+            <a:avLst/>
+          </a:prstGeom>
+          <a:noFill/>
+        </p:spPr>
+        <p:txBody>
+          <a:bodyPr wrap="none" rtlCol="0">
+            <a:spAutoFit/>
+          </a:bodyPr>
+          <a:lstStyle/>
+          <a:p>
+            <a:r>
+              <a:rPr lang="en-US" dirty="0" smtClean="0"/>
+              <a:t>Town reservoir</a:t>
+            </a:r>
+            <a:endParaRPr lang="en-US" dirty="0"/>
+          </a:p>
+        </p:txBody>
+      </p:sp>
+      <p:sp>
+        <p:nvSpPr>
+          <p:cNvPr id="10" name="TextBox 9"/>
+          <p:cNvSpPr txBox="1"/>
+          <p:nvPr/>
+        </p:nvSpPr>
+        <p:spPr>
+          <a:xfrm rot="5400000">
+            <a:off x="5456546" y="3217598"/>
+            <a:ext cx="3562055" cy="369332"/>
+          </a:xfrm>
+          <a:prstGeom prst="rect">
+            <a:avLst/>
+          </a:prstGeom>
+          <a:noFill/>
+        </p:spPr>
+        <p:txBody>
+          <a:bodyPr wrap="none" rtlCol="0">
+            <a:spAutoFit/>
+          </a:bodyPr>
+          <a:lstStyle/>
+          <a:p>
+            <a:r>
+              <a:rPr lang="en-US" dirty="0" smtClean="0"/>
+              <a:t>Missouri, Texas, and Kansas Railway</a:t>
+            </a:r>
+            <a:endParaRPr lang="en-US" dirty="0"/>
+          </a:p>
+        </p:txBody>
+      </p:sp>
+      <p:sp>
+        <p:nvSpPr>
+          <p:cNvPr id="11" name="TextBox 10"/>
+          <p:cNvSpPr txBox="1"/>
+          <p:nvPr/>
+        </p:nvSpPr>
+        <p:spPr>
+          <a:xfrm>
+            <a:off x="3828860" y="5562600"/>
+            <a:ext cx="1236236" cy="369332"/>
+          </a:xfrm>
+          <a:prstGeom prst="rect">
+            <a:avLst/>
+          </a:prstGeom>
+          <a:noFill/>
+        </p:spPr>
+        <p:txBody>
+          <a:bodyPr wrap="none" rtlCol="0">
+            <a:spAutoFit/>
+          </a:bodyPr>
+          <a:lstStyle/>
+          <a:p>
+            <a:r>
+              <a:rPr lang="en-US" dirty="0" smtClean="0"/>
+              <a:t>The </a:t>
+            </a:r>
+            <a:r>
+              <a:rPr lang="en-US" dirty="0" err="1" smtClean="0"/>
+              <a:t>Tarpits</a:t>
+            </a:r>
+            <a:endParaRPr lang="en-US" dirty="0"/>
+          </a:p>
+        </p:txBody>
+      </p:sp>
+    </p:spTree>
+    <p:extLst>
+      <p:ext uri="{BB962C8B-B14F-4D97-AF65-F5344CB8AC3E}">
+        <p14:creationId xmlns:p14="http://schemas.microsoft.com/office/powerpoint/2010/main" val="2030375263"/>
+      </p:ext>
+    </p:extLst>
+  </p:cSld>
+  <p:clrMapOvr>
+    <a:masterClrMapping/>
+  </p:clrMapOvr>
+</p:sld>
+</file>
+
+<file path=ppt/slides/slide5.xml><?xml version="1.0" encoding="utf-8"?>
+<p:sld xmlns:a="http://schemas.openxmlformats.org/drawingml/2006/main" xmlns:r="http://schemas.openxmlformats.org/officeDocument/2006/relationships" xmlns:p="http://schemas.openxmlformats.org/presentationml/2006/main">
+  <p:cSld>
+    <p:spTree>
+      <p:nvGrpSpPr>
+        <p:cNvPr id="1" name=""/>
+        <p:cNvGrpSpPr/>
+        <p:nvPr/>
+      </p:nvGrpSpPr>
+      <p:grpSpPr>
+        <a:xfrm>
+          <a:off x="0" y="0"/>
+          <a:ext cx="0" cy="0"/>
+          <a:chOff x="0" y="0"/>
+          <a:chExt cx="0" cy="0"/>
+        </a:xfrm>
+      </p:grpSpPr>
+      <p:sp>
+        <p:nvSpPr>
+          <p:cNvPr id="4" name="Rectangle 3"/>
           <p:cNvSpPr/>
           <p:nvPr/>
         </p:nvSpPr>
         <p:spPr>
           <a:xfrm>
-            <a:off x="2535988" y="1526170"/>
-            <a:ext cx="3221789" cy="3221789"/>
-          </a:xfrm>
-          <a:prstGeom prst="ellipse">
+            <a:off x="1517852" y="702342"/>
+            <a:ext cx="5960321" cy="5505450"/>
+          </a:xfrm>
+          <a:prstGeom prst="rect">
             <a:avLst/>
           </a:prstGeom>
           <a:noFill/>
@@ -5253,13 +5817,15 @@
           </a:ln>
         </p:spPr>
         <p:style>
-          <a:lnRef idx="1">
-            <a:schemeClr val="accent1"/>
+          <a:lnRef idx="2">
+            <a:schemeClr val="accent1">
+              <a:shade val="50000"/>
+            </a:schemeClr>
           </a:lnRef>
-          <a:fillRef idx="3">
+          <a:fillRef idx="1">
             <a:schemeClr val="accent1"/>
           </a:fillRef>
-          <a:effectRef idx="2">
+          <a:effectRef idx="0">
             <a:schemeClr val="accent1"/>
           </a:effectRef>
           <a:fontRef idx="minor">
@@ -5277,14 +5843,1804 @@
       </p:sp>
       <p:sp>
         <p:nvSpPr>
-          <p:cNvPr id="16" name="Rectangle 15"/>
+          <p:cNvPr id="5" name="TextBox 4"/>
+          <p:cNvSpPr txBox="1"/>
+          <p:nvPr/>
+        </p:nvSpPr>
+        <p:spPr>
+          <a:xfrm>
+            <a:off x="3689040" y="271382"/>
+            <a:ext cx="1617943" cy="369332"/>
+          </a:xfrm>
+          <a:prstGeom prst="rect">
+            <a:avLst/>
+          </a:prstGeom>
+          <a:noFill/>
+        </p:spPr>
+        <p:txBody>
+          <a:bodyPr wrap="none" rtlCol="0">
+            <a:spAutoFit/>
+          </a:bodyPr>
+          <a:lstStyle/>
+          <a:p>
+            <a:r>
+              <a:rPr lang="en-US" dirty="0"/>
+              <a:t>Town Reservoir</a:t>
+            </a:r>
+          </a:p>
+        </p:txBody>
+      </p:sp>
+      <p:sp>
+        <p:nvSpPr>
+          <p:cNvPr id="6" name="TextBox 5"/>
+          <p:cNvSpPr txBox="1"/>
+          <p:nvPr/>
+        </p:nvSpPr>
+        <p:spPr>
+          <a:xfrm rot="5400000">
+            <a:off x="6988696" y="3199236"/>
+            <a:ext cx="1381660" cy="369332"/>
+          </a:xfrm>
+          <a:prstGeom prst="rect">
+            <a:avLst/>
+          </a:prstGeom>
+          <a:noFill/>
+        </p:spPr>
+        <p:txBody>
+          <a:bodyPr wrap="none" rtlCol="0">
+            <a:spAutoFit/>
+          </a:bodyPr>
+          <a:lstStyle/>
+          <a:p>
+            <a:r>
+              <a:rPr lang="en-US" dirty="0"/>
+              <a:t>MTK Railway</a:t>
+            </a:r>
+          </a:p>
+        </p:txBody>
+      </p:sp>
+      <p:sp>
+        <p:nvSpPr>
+          <p:cNvPr id="7" name="TextBox 6"/>
+          <p:cNvSpPr txBox="1"/>
+          <p:nvPr/>
+        </p:nvSpPr>
+        <p:spPr>
+          <a:xfrm>
+            <a:off x="3645056" y="6336268"/>
+            <a:ext cx="1736566" cy="369332"/>
+          </a:xfrm>
+          <a:prstGeom prst="rect">
+            <a:avLst/>
+          </a:prstGeom>
+          <a:noFill/>
+        </p:spPr>
+        <p:txBody>
+          <a:bodyPr wrap="none" rtlCol="0">
+            <a:spAutoFit/>
+          </a:bodyPr>
+          <a:lstStyle/>
+          <a:p>
+            <a:r>
+              <a:rPr lang="en-US" dirty="0"/>
+              <a:t>Infamous </a:t>
+            </a:r>
+            <a:r>
+              <a:rPr lang="en-US" dirty="0" err="1"/>
+              <a:t>Tarpits</a:t>
+            </a:r>
+            <a:endParaRPr lang="en-US" dirty="0"/>
+          </a:p>
+        </p:txBody>
+      </p:sp>
+      <p:sp>
+        <p:nvSpPr>
+          <p:cNvPr id="8" name="TextBox 7"/>
+          <p:cNvSpPr txBox="1"/>
+          <p:nvPr/>
+        </p:nvSpPr>
+        <p:spPr>
+          <a:xfrm rot="16200000">
+            <a:off x="278450" y="3160683"/>
+            <a:ext cx="1793633" cy="369332"/>
+          </a:xfrm>
+          <a:prstGeom prst="rect">
+            <a:avLst/>
+          </a:prstGeom>
+          <a:noFill/>
+        </p:spPr>
+        <p:txBody>
+          <a:bodyPr wrap="none" rtlCol="0">
+            <a:spAutoFit/>
+          </a:bodyPr>
+          <a:lstStyle/>
+          <a:p>
+            <a:r>
+              <a:rPr lang="en-US" dirty="0"/>
+              <a:t>Superhighway 17</a:t>
+            </a:r>
+          </a:p>
+        </p:txBody>
+      </p:sp>
+      <p:sp>
+        <p:nvSpPr>
+          <p:cNvPr id="9" name="TextBox 8"/>
+          <p:cNvSpPr txBox="1"/>
+          <p:nvPr/>
+        </p:nvSpPr>
+        <p:spPr>
+          <a:xfrm>
+            <a:off x="4040133" y="4779954"/>
+            <a:ext cx="745717" cy="400110"/>
+          </a:xfrm>
+          <a:prstGeom prst="rect">
+            <a:avLst/>
+          </a:prstGeom>
+          <a:noFill/>
+        </p:spPr>
+        <p:txBody>
+          <a:bodyPr wrap="none" rtlCol="0">
+            <a:spAutoFit/>
+          </a:bodyPr>
+          <a:lstStyle/>
+          <a:p>
+            <a:r>
+              <a:rPr lang="en-US" sz="1000" dirty="0"/>
+              <a:t>Ashwell-</a:t>
+            </a:r>
+          </a:p>
+          <a:p>
+            <a:r>
+              <a:rPr lang="en-US" sz="1000" dirty="0"/>
+              <a:t>Lott Estate</a:t>
+            </a:r>
+          </a:p>
+        </p:txBody>
+      </p:sp>
+      <p:sp>
+        <p:nvSpPr>
+          <p:cNvPr id="10" name="TextBox 9"/>
+          <p:cNvSpPr txBox="1"/>
+          <p:nvPr/>
+        </p:nvSpPr>
+        <p:spPr>
+          <a:xfrm>
+            <a:off x="3306532" y="5428910"/>
+            <a:ext cx="566181" cy="246221"/>
+          </a:xfrm>
+          <a:prstGeom prst="rect">
+            <a:avLst/>
+          </a:prstGeom>
+          <a:noFill/>
+        </p:spPr>
+        <p:txBody>
+          <a:bodyPr wrap="none" rtlCol="0">
+            <a:spAutoFit/>
+          </a:bodyPr>
+          <a:lstStyle/>
+          <a:p>
+            <a:r>
+              <a:rPr lang="en-US" sz="1000" dirty="0"/>
+              <a:t>Gnome</a:t>
+            </a:r>
+          </a:p>
+        </p:txBody>
+      </p:sp>
+      <p:sp>
+        <p:nvSpPr>
+          <p:cNvPr id="11" name="TextBox 10"/>
+          <p:cNvSpPr txBox="1"/>
+          <p:nvPr/>
+        </p:nvSpPr>
+        <p:spPr>
+          <a:xfrm>
+            <a:off x="3306532" y="4779954"/>
+            <a:ext cx="570990" cy="400110"/>
+          </a:xfrm>
+          <a:prstGeom prst="rect">
+            <a:avLst/>
+          </a:prstGeom>
+          <a:noFill/>
+        </p:spPr>
+        <p:txBody>
+          <a:bodyPr wrap="none" rtlCol="0">
+            <a:spAutoFit/>
+          </a:bodyPr>
+          <a:lstStyle/>
+          <a:p>
+            <a:r>
+              <a:rPr lang="en-US" sz="1000" dirty="0"/>
+              <a:t>Parking</a:t>
+            </a:r>
+          </a:p>
+          <a:p>
+            <a:r>
+              <a:rPr lang="en-US" sz="1000" dirty="0"/>
+              <a:t>Lot</a:t>
+            </a:r>
+          </a:p>
+        </p:txBody>
+      </p:sp>
+      <p:sp>
+        <p:nvSpPr>
+          <p:cNvPr id="12" name="TextBox 11"/>
+          <p:cNvSpPr txBox="1"/>
+          <p:nvPr/>
+        </p:nvSpPr>
+        <p:spPr>
+          <a:xfrm>
+            <a:off x="4040133" y="3977107"/>
+            <a:ext cx="473206" cy="400110"/>
+          </a:xfrm>
+          <a:prstGeom prst="rect">
+            <a:avLst/>
+          </a:prstGeom>
+          <a:noFill/>
+        </p:spPr>
+        <p:txBody>
+          <a:bodyPr wrap="none" rtlCol="0">
+            <a:spAutoFit/>
+          </a:bodyPr>
+          <a:lstStyle/>
+          <a:p>
+            <a:r>
+              <a:rPr lang="en-US" sz="1000" dirty="0"/>
+              <a:t>Town</a:t>
+            </a:r>
+          </a:p>
+          <a:p>
+            <a:r>
+              <a:rPr lang="en-US" sz="1000" dirty="0"/>
+              <a:t>Hall</a:t>
+            </a:r>
+          </a:p>
+        </p:txBody>
+      </p:sp>
+      <p:sp>
+        <p:nvSpPr>
+          <p:cNvPr id="13" name="TextBox 12"/>
+          <p:cNvSpPr txBox="1"/>
+          <p:nvPr/>
+        </p:nvSpPr>
+        <p:spPr>
+          <a:xfrm>
+            <a:off x="3306532" y="2525302"/>
+            <a:ext cx="511679" cy="400110"/>
+          </a:xfrm>
+          <a:prstGeom prst="rect">
+            <a:avLst/>
+          </a:prstGeom>
+          <a:noFill/>
+        </p:spPr>
+        <p:txBody>
+          <a:bodyPr wrap="none" rtlCol="0">
+            <a:spAutoFit/>
+          </a:bodyPr>
+          <a:lstStyle/>
+          <a:p>
+            <a:r>
+              <a:rPr lang="en-US" sz="1000" dirty="0"/>
+              <a:t>Spit n’</a:t>
+            </a:r>
+          </a:p>
+          <a:p>
+            <a:r>
+              <a:rPr lang="en-US" sz="1000" dirty="0"/>
+              <a:t>Solder</a:t>
+            </a:r>
+          </a:p>
+        </p:txBody>
+      </p:sp>
+      <p:sp>
+        <p:nvSpPr>
+          <p:cNvPr id="14" name="TextBox 13"/>
+          <p:cNvSpPr txBox="1"/>
+          <p:nvPr/>
+        </p:nvSpPr>
+        <p:spPr>
+          <a:xfrm>
+            <a:off x="4914261" y="3174260"/>
+            <a:ext cx="461986" cy="246221"/>
+          </a:xfrm>
+          <a:prstGeom prst="rect">
+            <a:avLst/>
+          </a:prstGeom>
+          <a:noFill/>
+        </p:spPr>
+        <p:txBody>
+          <a:bodyPr wrap="none" rtlCol="0">
+            <a:spAutoFit/>
+          </a:bodyPr>
+          <a:lstStyle/>
+          <a:p>
+            <a:r>
+              <a:rPr lang="en-US" sz="1000" dirty="0"/>
+              <a:t>Clock</a:t>
+            </a:r>
+          </a:p>
+        </p:txBody>
+      </p:sp>
+      <p:sp>
+        <p:nvSpPr>
+          <p:cNvPr id="15" name="TextBox 14"/>
+          <p:cNvSpPr txBox="1"/>
+          <p:nvPr/>
+        </p:nvSpPr>
+        <p:spPr>
+          <a:xfrm>
+            <a:off x="5793467" y="3977107"/>
+            <a:ext cx="543739" cy="246221"/>
+          </a:xfrm>
+          <a:prstGeom prst="rect">
+            <a:avLst/>
+          </a:prstGeom>
+          <a:noFill/>
+        </p:spPr>
+        <p:txBody>
+          <a:bodyPr wrap="square" rtlCol="0">
+            <a:spAutoFit/>
+          </a:bodyPr>
+          <a:lstStyle/>
+          <a:p>
+            <a:r>
+              <a:rPr lang="en-US" sz="1000" dirty="0"/>
+              <a:t>Library</a:t>
+            </a:r>
+          </a:p>
+        </p:txBody>
+      </p:sp>
+      <p:sp>
+        <p:nvSpPr>
+          <p:cNvPr id="16" name="TextBox 15"/>
+          <p:cNvSpPr txBox="1"/>
+          <p:nvPr/>
+        </p:nvSpPr>
+        <p:spPr>
+          <a:xfrm>
+            <a:off x="4914261" y="1836179"/>
+            <a:ext cx="548548" cy="400110"/>
+          </a:xfrm>
+          <a:prstGeom prst="rect">
+            <a:avLst/>
+          </a:prstGeom>
+          <a:noFill/>
+        </p:spPr>
+        <p:txBody>
+          <a:bodyPr wrap="none" rtlCol="0">
+            <a:spAutoFit/>
+          </a:bodyPr>
+          <a:lstStyle/>
+          <a:p>
+            <a:r>
+              <a:rPr lang="en-US" sz="1000" dirty="0" err="1"/>
+              <a:t>Yummi</a:t>
+            </a:r>
+            <a:endParaRPr lang="en-US" sz="1000" dirty="0"/>
+          </a:p>
+          <a:p>
+            <a:r>
+              <a:rPr lang="en-US" sz="1000" dirty="0" err="1"/>
+              <a:t>Tummi</a:t>
+            </a:r>
+            <a:endParaRPr lang="en-US" sz="1000" dirty="0"/>
+          </a:p>
+        </p:txBody>
+      </p:sp>
+      <p:sp>
+        <p:nvSpPr>
+          <p:cNvPr id="17" name="TextBox 16"/>
+          <p:cNvSpPr txBox="1"/>
+          <p:nvPr/>
+        </p:nvSpPr>
+        <p:spPr>
+          <a:xfrm>
+            <a:off x="2515491" y="2525302"/>
+            <a:ext cx="558166" cy="400110"/>
+          </a:xfrm>
+          <a:prstGeom prst="rect">
+            <a:avLst/>
+          </a:prstGeom>
+          <a:noFill/>
+        </p:spPr>
+        <p:txBody>
+          <a:bodyPr wrap="none" rtlCol="0">
+            <a:spAutoFit/>
+          </a:bodyPr>
+          <a:lstStyle/>
+          <a:p>
+            <a:r>
+              <a:rPr lang="en-US" sz="1000" dirty="0"/>
+              <a:t>Service</a:t>
+            </a:r>
+          </a:p>
+          <a:p>
+            <a:r>
+              <a:rPr lang="en-US" sz="1000" dirty="0"/>
+              <a:t>Dog</a:t>
+            </a:r>
+          </a:p>
+        </p:txBody>
+      </p:sp>
+      <p:sp>
+        <p:nvSpPr>
+          <p:cNvPr id="18" name="TextBox 17"/>
+          <p:cNvSpPr txBox="1"/>
+          <p:nvPr/>
+        </p:nvSpPr>
+        <p:spPr>
+          <a:xfrm>
+            <a:off x="4914261" y="2525302"/>
+            <a:ext cx="619080" cy="400110"/>
+          </a:xfrm>
+          <a:prstGeom prst="rect">
+            <a:avLst/>
+          </a:prstGeom>
+          <a:noFill/>
+        </p:spPr>
+        <p:txBody>
+          <a:bodyPr wrap="none" rtlCol="0">
+            <a:spAutoFit/>
+          </a:bodyPr>
+          <a:lstStyle/>
+          <a:p>
+            <a:r>
+              <a:rPr lang="en-US" sz="1000" dirty="0"/>
+              <a:t>Zarf</a:t>
+            </a:r>
+          </a:p>
+          <a:p>
+            <a:r>
+              <a:rPr lang="en-US" sz="1000" dirty="0"/>
+              <a:t>Gardens</a:t>
+            </a:r>
+          </a:p>
+        </p:txBody>
+      </p:sp>
+      <p:sp>
+        <p:nvSpPr>
+          <p:cNvPr id="19" name="TextBox 18"/>
+          <p:cNvSpPr txBox="1"/>
+          <p:nvPr/>
+        </p:nvSpPr>
+        <p:spPr>
+          <a:xfrm>
+            <a:off x="6632596" y="4779954"/>
+            <a:ext cx="728084" cy="400110"/>
+          </a:xfrm>
+          <a:prstGeom prst="rect">
+            <a:avLst/>
+          </a:prstGeom>
+          <a:noFill/>
+        </p:spPr>
+        <p:txBody>
+          <a:bodyPr wrap="none" rtlCol="0">
+            <a:spAutoFit/>
+          </a:bodyPr>
+          <a:lstStyle/>
+          <a:p>
+            <a:r>
+              <a:rPr lang="en-US" sz="1000" dirty="0"/>
+              <a:t>Flan</a:t>
+            </a:r>
+          </a:p>
+          <a:p>
+            <a:r>
+              <a:rPr lang="en-US" sz="1000" dirty="0"/>
+              <a:t>Emporium</a:t>
+            </a:r>
+          </a:p>
+        </p:txBody>
+      </p:sp>
+      <p:sp>
+        <p:nvSpPr>
+          <p:cNvPr id="20" name="TextBox 19"/>
+          <p:cNvSpPr txBox="1"/>
+          <p:nvPr/>
+        </p:nvSpPr>
+        <p:spPr>
+          <a:xfrm>
+            <a:off x="4001948" y="1073497"/>
+            <a:ext cx="694421" cy="400110"/>
+          </a:xfrm>
+          <a:prstGeom prst="rect">
+            <a:avLst/>
+          </a:prstGeom>
+          <a:noFill/>
+        </p:spPr>
+        <p:txBody>
+          <a:bodyPr wrap="none" rtlCol="0">
+            <a:spAutoFit/>
+          </a:bodyPr>
+          <a:lstStyle/>
+          <a:p>
+            <a:r>
+              <a:rPr lang="en-US" sz="1000" dirty="0"/>
+              <a:t>Johnson’s</a:t>
+            </a:r>
+          </a:p>
+          <a:p>
+            <a:r>
+              <a:rPr lang="en-US" sz="1000"/>
+              <a:t>Rock</a:t>
+            </a:r>
+            <a:endParaRPr lang="en-US" sz="1000" dirty="0"/>
+          </a:p>
+        </p:txBody>
+      </p:sp>
+      <p:sp>
+        <p:nvSpPr>
+          <p:cNvPr id="21" name="TextBox 20"/>
+          <p:cNvSpPr txBox="1"/>
+          <p:nvPr/>
+        </p:nvSpPr>
+        <p:spPr>
+          <a:xfrm>
+            <a:off x="4914261" y="1073497"/>
+            <a:ext cx="595035" cy="400110"/>
+          </a:xfrm>
+          <a:prstGeom prst="rect">
+            <a:avLst/>
+          </a:prstGeom>
+          <a:noFill/>
+        </p:spPr>
+        <p:txBody>
+          <a:bodyPr wrap="none" rtlCol="0">
+            <a:spAutoFit/>
+          </a:bodyPr>
+          <a:lstStyle/>
+          <a:p>
+            <a:r>
+              <a:rPr lang="en-US" sz="1000" dirty="0"/>
+              <a:t>General</a:t>
+            </a:r>
+          </a:p>
+          <a:p>
+            <a:r>
+              <a:rPr lang="en-US" sz="1000" dirty="0"/>
+              <a:t>Nelson</a:t>
+            </a:r>
+          </a:p>
+        </p:txBody>
+      </p:sp>
+      <p:sp>
+        <p:nvSpPr>
+          <p:cNvPr id="22" name="TextBox 21"/>
+          <p:cNvSpPr txBox="1"/>
+          <p:nvPr/>
+        </p:nvSpPr>
+        <p:spPr>
+          <a:xfrm>
+            <a:off x="5793467" y="1073497"/>
+            <a:ext cx="554960" cy="246221"/>
+          </a:xfrm>
+          <a:prstGeom prst="rect">
+            <a:avLst/>
+          </a:prstGeom>
+          <a:noFill/>
+        </p:spPr>
+        <p:txBody>
+          <a:bodyPr wrap="none" rtlCol="0">
+            <a:spAutoFit/>
+          </a:bodyPr>
+          <a:lstStyle/>
+          <a:p>
+            <a:r>
+              <a:rPr lang="en-US" sz="1000" dirty="0"/>
+              <a:t>Church</a:t>
+            </a:r>
+          </a:p>
+        </p:txBody>
+      </p:sp>
+      <p:sp>
+        <p:nvSpPr>
+          <p:cNvPr id="23" name="TextBox 22"/>
+          <p:cNvSpPr txBox="1"/>
+          <p:nvPr/>
+        </p:nvSpPr>
+        <p:spPr>
+          <a:xfrm>
+            <a:off x="1711626" y="1876344"/>
+            <a:ext cx="731290" cy="246221"/>
+          </a:xfrm>
+          <a:prstGeom prst="rect">
+            <a:avLst/>
+          </a:prstGeom>
+          <a:noFill/>
+        </p:spPr>
+        <p:txBody>
+          <a:bodyPr wrap="none" rtlCol="0">
+            <a:spAutoFit/>
+          </a:bodyPr>
+          <a:lstStyle/>
+          <a:p>
+            <a:r>
+              <a:rPr lang="en-US" sz="1000" dirty="0"/>
+              <a:t>Cyclorama</a:t>
+            </a:r>
+          </a:p>
+        </p:txBody>
+      </p:sp>
+      <p:sp>
+        <p:nvSpPr>
+          <p:cNvPr id="24" name="TextBox 23"/>
+          <p:cNvSpPr txBox="1"/>
+          <p:nvPr/>
+        </p:nvSpPr>
+        <p:spPr>
+          <a:xfrm>
+            <a:off x="2515491" y="4779954"/>
+            <a:ext cx="856325" cy="400110"/>
+          </a:xfrm>
+          <a:prstGeom prst="rect">
+            <a:avLst/>
+          </a:prstGeom>
+          <a:noFill/>
+        </p:spPr>
+        <p:txBody>
+          <a:bodyPr wrap="none" rtlCol="0">
+            <a:spAutoFit/>
+          </a:bodyPr>
+          <a:lstStyle/>
+          <a:p>
+            <a:r>
+              <a:rPr lang="en-US" sz="1000" dirty="0"/>
+              <a:t>Brotherhood</a:t>
+            </a:r>
+          </a:p>
+          <a:p>
+            <a:r>
+              <a:rPr lang="en-US" sz="1000" dirty="0"/>
+              <a:t>OTSA</a:t>
+            </a:r>
+          </a:p>
+        </p:txBody>
+      </p:sp>
+      <p:sp>
+        <p:nvSpPr>
+          <p:cNvPr id="25" name="TextBox 24"/>
+          <p:cNvSpPr txBox="1"/>
+          <p:nvPr/>
+        </p:nvSpPr>
+        <p:spPr>
+          <a:xfrm>
+            <a:off x="2501867" y="3977107"/>
+            <a:ext cx="620683" cy="400110"/>
+          </a:xfrm>
+          <a:prstGeom prst="rect">
+            <a:avLst/>
+          </a:prstGeom>
+          <a:noFill/>
+        </p:spPr>
+        <p:txBody>
+          <a:bodyPr wrap="none" rtlCol="0">
+            <a:spAutoFit/>
+          </a:bodyPr>
+          <a:lstStyle/>
+          <a:p>
+            <a:r>
+              <a:rPr lang="en-US" sz="1000" dirty="0" err="1"/>
+              <a:t>Margots</a:t>
+            </a:r>
+            <a:endParaRPr lang="en-US" sz="1000" dirty="0"/>
+          </a:p>
+          <a:p>
+            <a:r>
+              <a:rPr lang="en-US" sz="1000" dirty="0"/>
+              <a:t>Pantry</a:t>
+            </a:r>
+          </a:p>
+        </p:txBody>
+      </p:sp>
+      <p:sp>
+        <p:nvSpPr>
+          <p:cNvPr id="26" name="TextBox 25"/>
+          <p:cNvSpPr txBox="1"/>
+          <p:nvPr/>
+        </p:nvSpPr>
+        <p:spPr>
+          <a:xfrm>
+            <a:off x="6632596" y="5428910"/>
+            <a:ext cx="575799" cy="246221"/>
+          </a:xfrm>
+          <a:prstGeom prst="rect">
+            <a:avLst/>
+          </a:prstGeom>
+          <a:noFill/>
+        </p:spPr>
+        <p:txBody>
+          <a:bodyPr wrap="none" rtlCol="0">
+            <a:spAutoFit/>
+          </a:bodyPr>
+          <a:lstStyle/>
+          <a:p>
+            <a:r>
+              <a:rPr lang="en-US" sz="1000" dirty="0"/>
+              <a:t>Gazebo</a:t>
+            </a:r>
+          </a:p>
+        </p:txBody>
+      </p:sp>
+      <p:sp>
+        <p:nvSpPr>
+          <p:cNvPr id="27" name="TextBox 26"/>
+          <p:cNvSpPr txBox="1"/>
+          <p:nvPr/>
+        </p:nvSpPr>
+        <p:spPr>
+          <a:xfrm>
+            <a:off x="4044229" y="1876344"/>
+            <a:ext cx="413896" cy="400110"/>
+          </a:xfrm>
+          <a:prstGeom prst="rect">
+            <a:avLst/>
+          </a:prstGeom>
+          <a:noFill/>
+        </p:spPr>
+        <p:txBody>
+          <a:bodyPr wrap="none" rtlCol="0">
+            <a:spAutoFit/>
+          </a:bodyPr>
+          <a:lstStyle/>
+          <a:p>
+            <a:r>
+              <a:rPr lang="en-US" sz="1000" dirty="0"/>
+              <a:t>City</a:t>
+            </a:r>
+          </a:p>
+          <a:p>
+            <a:r>
+              <a:rPr lang="en-US" sz="1000" dirty="0"/>
+              <a:t>Park</a:t>
+            </a:r>
+          </a:p>
+        </p:txBody>
+      </p:sp>
+      <p:sp>
+        <p:nvSpPr>
+          <p:cNvPr id="28" name="TextBox 27"/>
+          <p:cNvSpPr txBox="1"/>
+          <p:nvPr/>
+        </p:nvSpPr>
+        <p:spPr>
+          <a:xfrm>
+            <a:off x="1711626" y="1073497"/>
+            <a:ext cx="519694" cy="400110"/>
+          </a:xfrm>
+          <a:prstGeom prst="rect">
+            <a:avLst/>
+          </a:prstGeom>
+          <a:noFill/>
+        </p:spPr>
+        <p:txBody>
+          <a:bodyPr wrap="none" rtlCol="0">
+            <a:spAutoFit/>
+          </a:bodyPr>
+          <a:lstStyle/>
+          <a:p>
+            <a:r>
+              <a:rPr lang="en-US" sz="1000" dirty="0"/>
+              <a:t>Dung</a:t>
+            </a:r>
+          </a:p>
+          <a:p>
+            <a:r>
+              <a:rPr lang="en-US" sz="1000" dirty="0"/>
+              <a:t>Beetle</a:t>
+            </a:r>
+          </a:p>
+        </p:txBody>
+      </p:sp>
+      <p:sp>
+        <p:nvSpPr>
+          <p:cNvPr id="29" name="TextBox 28"/>
+          <p:cNvSpPr txBox="1"/>
+          <p:nvPr/>
+        </p:nvSpPr>
+        <p:spPr>
+          <a:xfrm>
+            <a:off x="5793467" y="5428910"/>
+            <a:ext cx="542136" cy="400110"/>
+          </a:xfrm>
+          <a:prstGeom prst="rect">
+            <a:avLst/>
+          </a:prstGeom>
+          <a:noFill/>
+        </p:spPr>
+        <p:txBody>
+          <a:bodyPr wrap="none" rtlCol="0">
+            <a:spAutoFit/>
+          </a:bodyPr>
+          <a:lstStyle/>
+          <a:p>
+            <a:r>
+              <a:rPr lang="en-US" sz="1000" dirty="0"/>
+              <a:t>Hank’s</a:t>
+            </a:r>
+          </a:p>
+          <a:p>
+            <a:r>
+              <a:rPr lang="en-US" sz="1000" dirty="0"/>
+              <a:t>Tavern</a:t>
+            </a:r>
+          </a:p>
+        </p:txBody>
+      </p:sp>
+      <p:sp>
+        <p:nvSpPr>
+          <p:cNvPr id="30" name="TextBox 29"/>
+          <p:cNvSpPr txBox="1"/>
+          <p:nvPr/>
+        </p:nvSpPr>
+        <p:spPr>
+          <a:xfrm>
+            <a:off x="4914261" y="5428910"/>
+            <a:ext cx="729687" cy="400110"/>
+          </a:xfrm>
+          <a:prstGeom prst="rect">
+            <a:avLst/>
+          </a:prstGeom>
+          <a:noFill/>
+        </p:spPr>
+        <p:txBody>
+          <a:bodyPr wrap="none" rtlCol="0">
+            <a:spAutoFit/>
+          </a:bodyPr>
+          <a:lstStyle/>
+          <a:p>
+            <a:r>
+              <a:rPr lang="en-US" sz="1000" dirty="0"/>
+              <a:t>Rottweiler</a:t>
+            </a:r>
+          </a:p>
+          <a:p>
+            <a:r>
+              <a:rPr lang="en-US" sz="1000" dirty="0"/>
+              <a:t>Art</a:t>
+            </a:r>
+          </a:p>
+        </p:txBody>
+      </p:sp>
+      <p:sp>
+        <p:nvSpPr>
+          <p:cNvPr id="31" name="TextBox 30"/>
+          <p:cNvSpPr txBox="1"/>
+          <p:nvPr/>
+        </p:nvSpPr>
+        <p:spPr>
+          <a:xfrm>
+            <a:off x="4914261" y="3977107"/>
+            <a:ext cx="729687" cy="400110"/>
+          </a:xfrm>
+          <a:prstGeom prst="rect">
+            <a:avLst/>
+          </a:prstGeom>
+          <a:noFill/>
+        </p:spPr>
+        <p:txBody>
+          <a:bodyPr wrap="none" rtlCol="0">
+            <a:spAutoFit/>
+          </a:bodyPr>
+          <a:lstStyle/>
+          <a:p>
+            <a:r>
+              <a:rPr lang="en-US" sz="1000" dirty="0"/>
+              <a:t>Friendship</a:t>
+            </a:r>
+          </a:p>
+          <a:p>
+            <a:r>
+              <a:rPr lang="en-US" sz="1000" dirty="0"/>
+              <a:t>Altar</a:t>
+            </a:r>
+          </a:p>
+        </p:txBody>
+      </p:sp>
+      <p:sp>
+        <p:nvSpPr>
+          <p:cNvPr id="32" name="TextBox 31"/>
+          <p:cNvSpPr txBox="1"/>
+          <p:nvPr/>
+        </p:nvSpPr>
+        <p:spPr>
+          <a:xfrm>
+            <a:off x="5793467" y="4779954"/>
+            <a:ext cx="447558" cy="246221"/>
+          </a:xfrm>
+          <a:prstGeom prst="rect">
+            <a:avLst/>
+          </a:prstGeom>
+          <a:noFill/>
+        </p:spPr>
+        <p:txBody>
+          <a:bodyPr wrap="none" rtlCol="0">
+            <a:spAutoFit/>
+          </a:bodyPr>
+          <a:lstStyle/>
+          <a:p>
+            <a:r>
+              <a:rPr lang="en-US" sz="1000" dirty="0"/>
+              <a:t>1893</a:t>
+            </a:r>
+          </a:p>
+        </p:txBody>
+      </p:sp>
+      <p:sp>
+        <p:nvSpPr>
+          <p:cNvPr id="33" name="TextBox 32"/>
+          <p:cNvSpPr txBox="1"/>
+          <p:nvPr/>
+        </p:nvSpPr>
+        <p:spPr>
+          <a:xfrm>
+            <a:off x="6632596" y="3977107"/>
+            <a:ext cx="588623" cy="400110"/>
+          </a:xfrm>
+          <a:prstGeom prst="rect">
+            <a:avLst/>
+          </a:prstGeom>
+          <a:noFill/>
+        </p:spPr>
+        <p:txBody>
+          <a:bodyPr wrap="none" rtlCol="0">
+            <a:spAutoFit/>
+          </a:bodyPr>
+          <a:lstStyle/>
+          <a:p>
+            <a:r>
+              <a:rPr lang="en-US" sz="1000" dirty="0"/>
+              <a:t>Eagle’s</a:t>
+            </a:r>
+          </a:p>
+          <a:p>
+            <a:r>
+              <a:rPr lang="en-US" sz="1000" dirty="0"/>
+              <a:t>Sojourn</a:t>
+            </a:r>
+          </a:p>
+        </p:txBody>
+      </p:sp>
+      <p:sp>
+        <p:nvSpPr>
+          <p:cNvPr id="34" name="TextBox 33"/>
+          <p:cNvSpPr txBox="1"/>
+          <p:nvPr/>
+        </p:nvSpPr>
+        <p:spPr>
+          <a:xfrm>
+            <a:off x="6632596" y="1876344"/>
+            <a:ext cx="707245" cy="400110"/>
+          </a:xfrm>
+          <a:prstGeom prst="rect">
+            <a:avLst/>
+          </a:prstGeom>
+          <a:noFill/>
+        </p:spPr>
+        <p:txBody>
+          <a:bodyPr wrap="none" rtlCol="0">
+            <a:spAutoFit/>
+          </a:bodyPr>
+          <a:lstStyle/>
+          <a:p>
+            <a:r>
+              <a:rPr lang="en-US" sz="1000" dirty="0"/>
+              <a:t>Telescope</a:t>
+            </a:r>
+          </a:p>
+          <a:p>
+            <a:r>
+              <a:rPr lang="en-US" sz="1000" dirty="0"/>
+              <a:t>Nymph</a:t>
+            </a:r>
+          </a:p>
+        </p:txBody>
+      </p:sp>
+      <p:sp>
+        <p:nvSpPr>
+          <p:cNvPr id="35" name="TextBox 34"/>
+          <p:cNvSpPr txBox="1"/>
+          <p:nvPr/>
+        </p:nvSpPr>
+        <p:spPr>
+          <a:xfrm>
+            <a:off x="4914261" y="4779954"/>
+            <a:ext cx="518091" cy="400110"/>
+          </a:xfrm>
+          <a:prstGeom prst="rect">
+            <a:avLst/>
+          </a:prstGeom>
+          <a:noFill/>
+        </p:spPr>
+        <p:txBody>
+          <a:bodyPr wrap="none" rtlCol="0">
+            <a:spAutoFit/>
+          </a:bodyPr>
+          <a:lstStyle/>
+          <a:p>
+            <a:r>
+              <a:rPr lang="en-US" sz="1000" dirty="0"/>
+              <a:t>Fire is </a:t>
+            </a:r>
+          </a:p>
+          <a:p>
+            <a:r>
+              <a:rPr lang="en-US" sz="1000" dirty="0"/>
+              <a:t>Friend</a:t>
+            </a:r>
+          </a:p>
+        </p:txBody>
+      </p:sp>
+      <p:sp>
+        <p:nvSpPr>
+          <p:cNvPr id="36" name="TextBox 35"/>
+          <p:cNvSpPr txBox="1"/>
+          <p:nvPr/>
+        </p:nvSpPr>
+        <p:spPr>
+          <a:xfrm>
+            <a:off x="1711626" y="5428910"/>
+            <a:ext cx="708848" cy="400110"/>
+          </a:xfrm>
+          <a:prstGeom prst="rect">
+            <a:avLst/>
+          </a:prstGeom>
+          <a:noFill/>
+        </p:spPr>
+        <p:txBody>
+          <a:bodyPr wrap="none" rtlCol="0">
+            <a:spAutoFit/>
+          </a:bodyPr>
+          <a:lstStyle/>
+          <a:p>
+            <a:r>
+              <a:rPr lang="en-US" sz="1000" dirty="0"/>
+              <a:t>Unearthly</a:t>
+            </a:r>
+          </a:p>
+          <a:p>
+            <a:r>
+              <a:rPr lang="en-US" sz="1000" dirty="0"/>
+              <a:t>Geometry</a:t>
+            </a:r>
+          </a:p>
+        </p:txBody>
+      </p:sp>
+      <p:sp>
+        <p:nvSpPr>
+          <p:cNvPr id="37" name="TextBox 36"/>
+          <p:cNvSpPr txBox="1"/>
+          <p:nvPr/>
+        </p:nvSpPr>
+        <p:spPr>
+          <a:xfrm>
+            <a:off x="5793467" y="3174260"/>
+            <a:ext cx="508473" cy="400110"/>
+          </a:xfrm>
+          <a:prstGeom prst="rect">
+            <a:avLst/>
+          </a:prstGeom>
+          <a:noFill/>
+        </p:spPr>
+        <p:txBody>
+          <a:bodyPr wrap="none" rtlCol="0">
+            <a:spAutoFit/>
+          </a:bodyPr>
+          <a:lstStyle/>
+          <a:p>
+            <a:r>
+              <a:rPr lang="en-US" sz="1000" dirty="0"/>
+              <a:t>Floyd</a:t>
+            </a:r>
+          </a:p>
+          <a:p>
+            <a:r>
+              <a:rPr lang="en-US" sz="1000" dirty="0"/>
+              <a:t>Bench</a:t>
+            </a:r>
+          </a:p>
+        </p:txBody>
+      </p:sp>
+      <p:sp>
+        <p:nvSpPr>
+          <p:cNvPr id="38" name="TextBox 37"/>
+          <p:cNvSpPr txBox="1"/>
+          <p:nvPr/>
+        </p:nvSpPr>
+        <p:spPr>
+          <a:xfrm>
+            <a:off x="5793467" y="1876344"/>
+            <a:ext cx="593432" cy="246221"/>
+          </a:xfrm>
+          <a:prstGeom prst="rect">
+            <a:avLst/>
+          </a:prstGeom>
+          <a:noFill/>
+        </p:spPr>
+        <p:txBody>
+          <a:bodyPr wrap="none" rtlCol="0">
+            <a:spAutoFit/>
+          </a:bodyPr>
+          <a:lstStyle/>
+          <a:p>
+            <a:r>
+              <a:rPr lang="en-US" sz="1000" dirty="0"/>
+              <a:t>Chicken</a:t>
+            </a:r>
+          </a:p>
+        </p:txBody>
+      </p:sp>
+      <p:sp>
+        <p:nvSpPr>
+          <p:cNvPr id="39" name="TextBox 38"/>
+          <p:cNvSpPr txBox="1"/>
+          <p:nvPr/>
+        </p:nvSpPr>
+        <p:spPr>
+          <a:xfrm>
+            <a:off x="5793467" y="2525302"/>
+            <a:ext cx="769763" cy="400110"/>
+          </a:xfrm>
+          <a:prstGeom prst="rect">
+            <a:avLst/>
+          </a:prstGeom>
+          <a:noFill/>
+        </p:spPr>
+        <p:txBody>
+          <a:bodyPr wrap="none" rtlCol="0">
+            <a:spAutoFit/>
+          </a:bodyPr>
+          <a:lstStyle/>
+          <a:p>
+            <a:r>
+              <a:rPr lang="en-US" sz="1000" dirty="0" err="1"/>
+              <a:t>Welbourne</a:t>
+            </a:r>
+            <a:endParaRPr lang="en-US" sz="1000" dirty="0"/>
+          </a:p>
+          <a:p>
+            <a:r>
+              <a:rPr lang="en-US" sz="1000" dirty="0"/>
+              <a:t>Travel</a:t>
+            </a:r>
+          </a:p>
+        </p:txBody>
+      </p:sp>
+      <p:sp>
+        <p:nvSpPr>
+          <p:cNvPr id="40" name="TextBox 39"/>
+          <p:cNvSpPr txBox="1"/>
+          <p:nvPr/>
+        </p:nvSpPr>
+        <p:spPr>
+          <a:xfrm>
+            <a:off x="2515491" y="1073497"/>
+            <a:ext cx="506870" cy="246221"/>
+          </a:xfrm>
+          <a:prstGeom prst="rect">
+            <a:avLst/>
+          </a:prstGeom>
+          <a:noFill/>
+        </p:spPr>
+        <p:txBody>
+          <a:bodyPr wrap="none" rtlCol="0">
+            <a:spAutoFit/>
+          </a:bodyPr>
+          <a:lstStyle/>
+          <a:p>
+            <a:r>
+              <a:rPr lang="en-US" sz="1000" dirty="0"/>
+              <a:t>Pillory</a:t>
+            </a:r>
+          </a:p>
+        </p:txBody>
+      </p:sp>
+      <p:sp>
+        <p:nvSpPr>
+          <p:cNvPr id="41" name="TextBox 40"/>
+          <p:cNvSpPr txBox="1"/>
+          <p:nvPr/>
+        </p:nvSpPr>
+        <p:spPr>
+          <a:xfrm>
+            <a:off x="3306532" y="1073497"/>
+            <a:ext cx="344966" cy="246221"/>
+          </a:xfrm>
+          <a:prstGeom prst="rect">
+            <a:avLst/>
+          </a:prstGeom>
+          <a:noFill/>
+        </p:spPr>
+        <p:txBody>
+          <a:bodyPr wrap="none" rtlCol="0">
+            <a:spAutoFit/>
+          </a:bodyPr>
+          <a:lstStyle/>
+          <a:p>
+            <a:r>
+              <a:rPr lang="en-US" sz="1000" dirty="0"/>
+              <a:t>Jail</a:t>
+            </a:r>
+          </a:p>
+        </p:txBody>
+      </p:sp>
+      <p:sp>
+        <p:nvSpPr>
+          <p:cNvPr id="42" name="TextBox 41"/>
+          <p:cNvSpPr txBox="1"/>
+          <p:nvPr/>
+        </p:nvSpPr>
+        <p:spPr>
+          <a:xfrm>
+            <a:off x="3306532" y="1876344"/>
+            <a:ext cx="513282" cy="400110"/>
+          </a:xfrm>
+          <a:prstGeom prst="rect">
+            <a:avLst/>
+          </a:prstGeom>
+          <a:noFill/>
+        </p:spPr>
+        <p:txBody>
+          <a:bodyPr wrap="none" rtlCol="0">
+            <a:spAutoFit/>
+          </a:bodyPr>
+          <a:lstStyle/>
+          <a:p>
+            <a:r>
+              <a:rPr lang="en-US" sz="1000" dirty="0"/>
+              <a:t>Court</a:t>
+            </a:r>
+          </a:p>
+          <a:p>
+            <a:r>
+              <a:rPr lang="en-US" sz="1000" dirty="0"/>
+              <a:t>House</a:t>
+            </a:r>
+          </a:p>
+        </p:txBody>
+      </p:sp>
+      <p:sp>
+        <p:nvSpPr>
+          <p:cNvPr id="43" name="TextBox 42"/>
+          <p:cNvSpPr txBox="1"/>
+          <p:nvPr/>
+        </p:nvSpPr>
+        <p:spPr>
+          <a:xfrm>
+            <a:off x="6632596" y="3174260"/>
+            <a:ext cx="554960" cy="400110"/>
+          </a:xfrm>
+          <a:prstGeom prst="rect">
+            <a:avLst/>
+          </a:prstGeom>
+          <a:noFill/>
+        </p:spPr>
+        <p:txBody>
+          <a:bodyPr wrap="none" rtlCol="0">
+            <a:spAutoFit/>
+          </a:bodyPr>
+          <a:lstStyle/>
+          <a:p>
+            <a:r>
+              <a:rPr lang="en-US" sz="1000" dirty="0"/>
+              <a:t>Train</a:t>
+            </a:r>
+          </a:p>
+          <a:p>
+            <a:r>
+              <a:rPr lang="en-US" sz="1000" dirty="0"/>
+              <a:t>Station</a:t>
+            </a:r>
+          </a:p>
+        </p:txBody>
+      </p:sp>
+      <p:sp>
+        <p:nvSpPr>
+          <p:cNvPr id="44" name="TextBox 43"/>
+          <p:cNvSpPr txBox="1"/>
+          <p:nvPr/>
+        </p:nvSpPr>
+        <p:spPr>
+          <a:xfrm>
+            <a:off x="6632596" y="2525302"/>
+            <a:ext cx="609462" cy="400110"/>
+          </a:xfrm>
+          <a:prstGeom prst="rect">
+            <a:avLst/>
+          </a:prstGeom>
+          <a:noFill/>
+        </p:spPr>
+        <p:txBody>
+          <a:bodyPr wrap="none" rtlCol="0">
+            <a:spAutoFit/>
+          </a:bodyPr>
+          <a:lstStyle/>
+          <a:p>
+            <a:r>
+              <a:rPr lang="en-US" sz="1000" dirty="0"/>
+              <a:t>Dog</a:t>
+            </a:r>
+          </a:p>
+          <a:p>
+            <a:r>
+              <a:rPr lang="en-US" sz="1000" dirty="0"/>
+              <a:t>Exercise</a:t>
+            </a:r>
+          </a:p>
+        </p:txBody>
+      </p:sp>
+      <p:sp>
+        <p:nvSpPr>
+          <p:cNvPr id="45" name="TextBox 44"/>
+          <p:cNvSpPr txBox="1"/>
+          <p:nvPr/>
+        </p:nvSpPr>
+        <p:spPr>
+          <a:xfrm>
+            <a:off x="1711626" y="3174260"/>
+            <a:ext cx="643125" cy="400110"/>
+          </a:xfrm>
+          <a:prstGeom prst="rect">
+            <a:avLst/>
+          </a:prstGeom>
+          <a:noFill/>
+        </p:spPr>
+        <p:txBody>
+          <a:bodyPr wrap="none" rtlCol="0">
+            <a:spAutoFit/>
+          </a:bodyPr>
+          <a:lstStyle/>
+          <a:p>
+            <a:r>
+              <a:rPr lang="en-US" sz="1000" dirty="0"/>
+              <a:t>Bottle</a:t>
+            </a:r>
+          </a:p>
+          <a:p>
+            <a:r>
+              <a:rPr lang="en-US" sz="1000" dirty="0"/>
+              <a:t>Cap Wall</a:t>
+            </a:r>
+          </a:p>
+        </p:txBody>
+      </p:sp>
+      <p:sp>
+        <p:nvSpPr>
+          <p:cNvPr id="46" name="TextBox 45"/>
+          <p:cNvSpPr txBox="1"/>
+          <p:nvPr/>
+        </p:nvSpPr>
+        <p:spPr>
+          <a:xfrm>
+            <a:off x="3306532" y="3977107"/>
+            <a:ext cx="705642" cy="400110"/>
+          </a:xfrm>
+          <a:prstGeom prst="rect">
+            <a:avLst/>
+          </a:prstGeom>
+          <a:noFill/>
+        </p:spPr>
+        <p:txBody>
+          <a:bodyPr wrap="none" rtlCol="0">
+            <a:spAutoFit/>
+          </a:bodyPr>
+          <a:lstStyle/>
+          <a:p>
+            <a:r>
+              <a:rPr lang="en-US" sz="1000" dirty="0"/>
+              <a:t>Cranberry</a:t>
+            </a:r>
+          </a:p>
+          <a:p>
+            <a:r>
+              <a:rPr lang="en-US" sz="1000" dirty="0"/>
+              <a:t>Bog</a:t>
+            </a:r>
+          </a:p>
+        </p:txBody>
+      </p:sp>
+      <p:sp>
+        <p:nvSpPr>
+          <p:cNvPr id="47" name="TextBox 46"/>
+          <p:cNvSpPr txBox="1"/>
+          <p:nvPr/>
+        </p:nvSpPr>
+        <p:spPr>
+          <a:xfrm>
+            <a:off x="4040133" y="5428910"/>
+            <a:ext cx="704039" cy="246221"/>
+          </a:xfrm>
+          <a:prstGeom prst="rect">
+            <a:avLst/>
+          </a:prstGeom>
+          <a:noFill/>
+        </p:spPr>
+        <p:txBody>
+          <a:bodyPr wrap="none" rtlCol="0">
+            <a:spAutoFit/>
+          </a:bodyPr>
+          <a:lstStyle/>
+          <a:p>
+            <a:r>
+              <a:rPr lang="en-US" sz="1000" dirty="0"/>
+              <a:t>Found Art</a:t>
+            </a:r>
+          </a:p>
+        </p:txBody>
+      </p:sp>
+      <p:sp>
+        <p:nvSpPr>
+          <p:cNvPr id="48" name="TextBox 47"/>
+          <p:cNvSpPr txBox="1"/>
+          <p:nvPr/>
+        </p:nvSpPr>
+        <p:spPr>
+          <a:xfrm>
+            <a:off x="6632596" y="1073497"/>
+            <a:ext cx="567784" cy="400110"/>
+          </a:xfrm>
+          <a:prstGeom prst="rect">
+            <a:avLst/>
+          </a:prstGeom>
+          <a:noFill/>
+        </p:spPr>
+        <p:txBody>
+          <a:bodyPr wrap="none" rtlCol="0">
+            <a:spAutoFit/>
+          </a:bodyPr>
+          <a:lstStyle/>
+          <a:p>
+            <a:r>
+              <a:rPr lang="en-US" sz="1000" dirty="0"/>
+              <a:t>Crystal </a:t>
+            </a:r>
+          </a:p>
+          <a:p>
+            <a:r>
+              <a:rPr lang="en-US" sz="1000" dirty="0"/>
+              <a:t>Skull</a:t>
+            </a:r>
+          </a:p>
+        </p:txBody>
+      </p:sp>
+      <p:sp>
+        <p:nvSpPr>
+          <p:cNvPr id="49" name="TextBox 48"/>
+          <p:cNvSpPr txBox="1"/>
+          <p:nvPr/>
+        </p:nvSpPr>
+        <p:spPr>
+          <a:xfrm>
+            <a:off x="4040133" y="2525302"/>
+            <a:ext cx="574196" cy="400110"/>
+          </a:xfrm>
+          <a:prstGeom prst="rect">
+            <a:avLst/>
+          </a:prstGeom>
+          <a:noFill/>
+        </p:spPr>
+        <p:txBody>
+          <a:bodyPr wrap="none" rtlCol="0">
+            <a:spAutoFit/>
+          </a:bodyPr>
+          <a:lstStyle/>
+          <a:p>
+            <a:r>
+              <a:rPr lang="en-US" sz="1000" dirty="0"/>
+              <a:t>Hook &amp;</a:t>
+            </a:r>
+          </a:p>
+          <a:p>
+            <a:r>
+              <a:rPr lang="en-US" sz="1000" dirty="0"/>
+              <a:t>Ladder</a:t>
+            </a:r>
+          </a:p>
+        </p:txBody>
+      </p:sp>
+      <p:sp>
+        <p:nvSpPr>
+          <p:cNvPr id="50" name="TextBox 49"/>
+          <p:cNvSpPr txBox="1"/>
+          <p:nvPr/>
+        </p:nvSpPr>
+        <p:spPr>
+          <a:xfrm>
+            <a:off x="2515491" y="1876344"/>
+            <a:ext cx="649537" cy="246221"/>
+          </a:xfrm>
+          <a:prstGeom prst="rect">
+            <a:avLst/>
+          </a:prstGeom>
+          <a:noFill/>
+        </p:spPr>
+        <p:txBody>
+          <a:bodyPr wrap="none" rtlCol="0">
+            <a:spAutoFit/>
+          </a:bodyPr>
+          <a:lstStyle/>
+          <a:p>
+            <a:r>
+              <a:rPr lang="en-US" sz="1000" dirty="0"/>
+              <a:t>Flag Pole</a:t>
+            </a:r>
+          </a:p>
+        </p:txBody>
+      </p:sp>
+      <p:sp>
+        <p:nvSpPr>
+          <p:cNvPr id="51" name="TextBox 50"/>
+          <p:cNvSpPr txBox="1"/>
+          <p:nvPr/>
+        </p:nvSpPr>
+        <p:spPr>
+          <a:xfrm>
+            <a:off x="2515491" y="5428910"/>
+            <a:ext cx="566181" cy="400110"/>
+          </a:xfrm>
+          <a:prstGeom prst="rect">
+            <a:avLst/>
+          </a:prstGeom>
+          <a:noFill/>
+        </p:spPr>
+        <p:txBody>
+          <a:bodyPr wrap="none" rtlCol="0">
+            <a:spAutoFit/>
+          </a:bodyPr>
+          <a:lstStyle/>
+          <a:p>
+            <a:r>
+              <a:rPr lang="en-US" sz="1000" dirty="0"/>
+              <a:t>Marker</a:t>
+            </a:r>
+          </a:p>
+          <a:p>
+            <a:r>
+              <a:rPr lang="en-US" sz="1000" dirty="0"/>
+              <a:t>0.7</a:t>
+            </a:r>
+          </a:p>
+        </p:txBody>
+      </p:sp>
+      <p:sp>
+        <p:nvSpPr>
+          <p:cNvPr id="52" name="TextBox 51"/>
+          <p:cNvSpPr txBox="1"/>
+          <p:nvPr/>
+        </p:nvSpPr>
+        <p:spPr>
+          <a:xfrm>
+            <a:off x="4040133" y="3174260"/>
+            <a:ext cx="683200" cy="400110"/>
+          </a:xfrm>
+          <a:prstGeom prst="rect">
+            <a:avLst/>
+          </a:prstGeom>
+          <a:noFill/>
+        </p:spPr>
+        <p:txBody>
+          <a:bodyPr wrap="none" rtlCol="0">
+            <a:spAutoFit/>
+          </a:bodyPr>
+          <a:lstStyle/>
+          <a:p>
+            <a:r>
+              <a:rPr lang="en-US" sz="1000" dirty="0" err="1"/>
+              <a:t>Nyantech</a:t>
+            </a:r>
+            <a:endParaRPr lang="en-US" sz="1000" dirty="0"/>
+          </a:p>
+          <a:p>
+            <a:r>
+              <a:rPr lang="en-US" sz="1000" dirty="0"/>
+              <a:t>Tower</a:t>
+            </a:r>
+          </a:p>
+        </p:txBody>
+      </p:sp>
+      <p:sp>
+        <p:nvSpPr>
+          <p:cNvPr id="53" name="TextBox 52"/>
+          <p:cNvSpPr txBox="1"/>
+          <p:nvPr/>
+        </p:nvSpPr>
+        <p:spPr>
+          <a:xfrm>
+            <a:off x="3306532" y="3174260"/>
+            <a:ext cx="657552" cy="400110"/>
+          </a:xfrm>
+          <a:prstGeom prst="rect">
+            <a:avLst/>
+          </a:prstGeom>
+          <a:noFill/>
+        </p:spPr>
+        <p:txBody>
+          <a:bodyPr wrap="none" rtlCol="0">
+            <a:spAutoFit/>
+          </a:bodyPr>
+          <a:lstStyle/>
+          <a:p>
+            <a:r>
+              <a:rPr lang="en-US" sz="1000" dirty="0"/>
+              <a:t>Prissy</a:t>
+            </a:r>
+          </a:p>
+          <a:p>
+            <a:r>
+              <a:rPr lang="en-US" sz="1000" dirty="0"/>
+              <a:t>Sausages</a:t>
+            </a:r>
+          </a:p>
+        </p:txBody>
+      </p:sp>
+      <p:sp>
+        <p:nvSpPr>
+          <p:cNvPr id="54" name="TextBox 53"/>
+          <p:cNvSpPr txBox="1"/>
+          <p:nvPr/>
+        </p:nvSpPr>
+        <p:spPr>
+          <a:xfrm>
+            <a:off x="2515491" y="3174260"/>
+            <a:ext cx="591829" cy="400110"/>
+          </a:xfrm>
+          <a:prstGeom prst="rect">
+            <a:avLst/>
+          </a:prstGeom>
+          <a:noFill/>
+        </p:spPr>
+        <p:txBody>
+          <a:bodyPr wrap="none" rtlCol="0">
+            <a:spAutoFit/>
+          </a:bodyPr>
+          <a:lstStyle/>
+          <a:p>
+            <a:r>
+              <a:rPr lang="en-US" sz="1000" dirty="0" err="1"/>
+              <a:t>Krusty</a:t>
+            </a:r>
+            <a:endParaRPr lang="en-US" sz="1000" dirty="0"/>
+          </a:p>
+          <a:p>
+            <a:r>
+              <a:rPr lang="en-US" sz="1000" dirty="0" err="1"/>
+              <a:t>Kronuts</a:t>
+            </a:r>
+            <a:endParaRPr lang="en-US" sz="1000" dirty="0"/>
+          </a:p>
+        </p:txBody>
+      </p:sp>
+      <p:sp>
+        <p:nvSpPr>
+          <p:cNvPr id="55" name="TextBox 54"/>
+          <p:cNvSpPr txBox="1"/>
+          <p:nvPr/>
+        </p:nvSpPr>
+        <p:spPr>
+          <a:xfrm>
+            <a:off x="1773741" y="2525302"/>
+            <a:ext cx="381836" cy="246221"/>
+          </a:xfrm>
+          <a:prstGeom prst="rect">
+            <a:avLst/>
+          </a:prstGeom>
+          <a:noFill/>
+        </p:spPr>
+        <p:txBody>
+          <a:bodyPr wrap="none" rtlCol="0">
+            <a:spAutoFit/>
+          </a:bodyPr>
+          <a:lstStyle/>
+          <a:p>
+            <a:r>
+              <a:rPr lang="en-US" sz="1000" dirty="0"/>
+              <a:t>Orb</a:t>
+            </a:r>
+          </a:p>
+        </p:txBody>
+      </p:sp>
+      <p:sp>
+        <p:nvSpPr>
+          <p:cNvPr id="56" name="TextBox 55"/>
+          <p:cNvSpPr txBox="1"/>
+          <p:nvPr/>
+        </p:nvSpPr>
+        <p:spPr>
+          <a:xfrm>
+            <a:off x="1711626" y="3977107"/>
+            <a:ext cx="530915" cy="400110"/>
+          </a:xfrm>
+          <a:prstGeom prst="rect">
+            <a:avLst/>
+          </a:prstGeom>
+          <a:noFill/>
+        </p:spPr>
+        <p:txBody>
+          <a:bodyPr wrap="none" rtlCol="0">
+            <a:spAutoFit/>
+          </a:bodyPr>
+          <a:lstStyle/>
+          <a:p>
+            <a:r>
+              <a:rPr lang="en-US" sz="1000" dirty="0"/>
+              <a:t>Poison</a:t>
+            </a:r>
+          </a:p>
+          <a:p>
+            <a:r>
+              <a:rPr lang="en-US" sz="1000" dirty="0"/>
+              <a:t>Ivy</a:t>
+            </a:r>
+          </a:p>
+        </p:txBody>
+      </p:sp>
+      <p:sp>
+        <p:nvSpPr>
+          <p:cNvPr id="57" name="TextBox 56"/>
+          <p:cNvSpPr txBox="1"/>
+          <p:nvPr/>
+        </p:nvSpPr>
+        <p:spPr>
+          <a:xfrm>
+            <a:off x="1711626" y="4779954"/>
+            <a:ext cx="704039" cy="246221"/>
+          </a:xfrm>
+          <a:prstGeom prst="rect">
+            <a:avLst/>
+          </a:prstGeom>
+          <a:noFill/>
+        </p:spPr>
+        <p:txBody>
+          <a:bodyPr wrap="none" rtlCol="0">
+            <a:spAutoFit/>
+          </a:bodyPr>
+          <a:lstStyle/>
+          <a:p>
+            <a:r>
+              <a:rPr lang="en-US" sz="1000" dirty="0"/>
+              <a:t>Vuvuzelas</a:t>
+            </a:r>
+          </a:p>
+        </p:txBody>
+      </p:sp>
+    </p:spTree>
+    <p:extLst>
+      <p:ext uri="{BB962C8B-B14F-4D97-AF65-F5344CB8AC3E}">
+        <p14:creationId xmlns:p14="http://schemas.microsoft.com/office/powerpoint/2010/main" val="3523255695"/>
+      </p:ext>
+    </p:extLst>
+  </p:cSld>
+  <p:clrMapOvr>
+    <a:masterClrMapping/>
+  </p:clrMapOvr>
+</p:sld>
+</file>
+
+<file path=ppt/slides/slide6.xml><?xml version="1.0" encoding="utf-8"?>
+<p:sld xmlns:a="http://schemas.openxmlformats.org/drawingml/2006/main" xmlns:r="http://schemas.openxmlformats.org/officeDocument/2006/relationships" xmlns:p="http://schemas.openxmlformats.org/presentationml/2006/main">
+  <p:cSld>
+    <p:spTree>
+      <p:nvGrpSpPr>
+        <p:cNvPr id="1" name=""/>
+        <p:cNvGrpSpPr/>
+        <p:nvPr/>
+      </p:nvGrpSpPr>
+      <p:grpSpPr>
+        <a:xfrm>
+          <a:off x="0" y="0"/>
+          <a:ext cx="0" cy="0"/>
+          <a:chOff x="0" y="0"/>
+          <a:chExt cx="0" cy="0"/>
+        </a:xfrm>
+      </p:grpSpPr>
+      <p:sp>
+        <p:nvSpPr>
+          <p:cNvPr id="4" name="Rectangle 3"/>
           <p:cNvSpPr/>
           <p:nvPr/>
         </p:nvSpPr>
         <p:spPr>
           <a:xfrm>
-            <a:off x="2999878" y="1985074"/>
-            <a:ext cx="798938" cy="522941"/>
+            <a:off x="1670254" y="571500"/>
+            <a:ext cx="5391150" cy="5505450"/>
           </a:xfrm>
           <a:prstGeom prst="rect">
             <a:avLst/>
@@ -5297,13 +7653,15 @@
           </a:ln>
         </p:spPr>
         <p:style>
-          <a:lnRef idx="1">
-            <a:schemeClr val="accent1"/>
+          <a:lnRef idx="2">
+            <a:schemeClr val="accent1">
+              <a:shade val="50000"/>
+            </a:schemeClr>
           </a:lnRef>
-          <a:fillRef idx="3">
+          <a:fillRef idx="1">
             <a:schemeClr val="accent1"/>
           </a:fillRef>
-          <a:effectRef idx="2">
+          <a:effectRef idx="0">
             <a:schemeClr val="accent1"/>
           </a:effectRef>
           <a:fontRef idx="minor">
@@ -5321,89 +7679,413 @@
       </p:sp>
       <p:sp>
         <p:nvSpPr>
-          <p:cNvPr id="17" name="Rectangle 16"/>
-          <p:cNvSpPr/>
-          <p:nvPr/>
-        </p:nvSpPr>
-        <p:spPr>
-          <a:xfrm>
-            <a:off x="4264526" y="1985074"/>
-            <a:ext cx="831561" cy="522941"/>
-          </a:xfrm>
-          <a:prstGeom prst="rect">
-            <a:avLst/>
-          </a:prstGeom>
-          <a:noFill/>
-          <a:ln>
-            <a:solidFill>
-              <a:schemeClr val="tx1"/>
-            </a:solidFill>
-          </a:ln>
-        </p:spPr>
-        <p:style>
-          <a:lnRef idx="1">
-            <a:schemeClr val="accent1"/>
-          </a:lnRef>
-          <a:fillRef idx="3">
-            <a:schemeClr val="accent1"/>
-          </a:fillRef>
-          <a:effectRef idx="2">
-            <a:schemeClr val="accent1"/>
-          </a:effectRef>
-          <a:fontRef idx="minor">
-            <a:schemeClr val="lt1"/>
-          </a:fontRef>
-        </p:style>
-        <p:txBody>
-          <a:bodyPr rtlCol="0" anchor="ctr"/>
-          <a:lstStyle/>
-          <a:p>
-            <a:pPr algn="ctr"/>
-            <a:endParaRPr lang="en-US"/>
-          </a:p>
-        </p:txBody>
-      </p:sp>
-      <p:sp>
-        <p:nvSpPr>
-          <p:cNvPr id="18" name="Rectangle 17"/>
-          <p:cNvSpPr/>
-          <p:nvPr/>
-        </p:nvSpPr>
-        <p:spPr>
-          <a:xfrm>
-            <a:off x="2507535" y="2940417"/>
-            <a:ext cx="991140" cy="522941"/>
-          </a:xfrm>
-          <a:prstGeom prst="rect">
-            <a:avLst/>
-          </a:prstGeom>
-          <a:noFill/>
-          <a:ln>
-            <a:solidFill>
-              <a:schemeClr val="tx1"/>
-            </a:solidFill>
-          </a:ln>
-        </p:spPr>
-        <p:style>
-          <a:lnRef idx="1">
-            <a:schemeClr val="accent1"/>
-          </a:lnRef>
-          <a:fillRef idx="3">
-            <a:schemeClr val="accent1"/>
-          </a:fillRef>
-          <a:effectRef idx="2">
-            <a:schemeClr val="accent1"/>
-          </a:effectRef>
-          <a:fontRef idx="minor">
-            <a:schemeClr val="lt1"/>
-          </a:fontRef>
-        </p:style>
-        <p:txBody>
-          <a:bodyPr rtlCol="0" anchor="ctr"/>
-          <a:lstStyle/>
-          <a:p>
-            <a:pPr algn="ctr"/>
-            <a:endParaRPr lang="en-US"/>
+          <p:cNvPr id="5" name="TextBox 4"/>
+          <p:cNvSpPr txBox="1"/>
+          <p:nvPr/>
+        </p:nvSpPr>
+        <p:spPr>
+          <a:xfrm rot="5400000">
+            <a:off x="6405427" y="3029841"/>
+            <a:ext cx="1990610" cy="369332"/>
+          </a:xfrm>
+          <a:prstGeom prst="rect">
+            <a:avLst/>
+          </a:prstGeom>
+          <a:noFill/>
+        </p:spPr>
+        <p:txBody>
+          <a:bodyPr wrap="none" rtlCol="0">
+            <a:spAutoFit/>
+          </a:bodyPr>
+          <a:lstStyle/>
+          <a:p>
+            <a:r>
+              <a:rPr lang="en-US" dirty="0"/>
+              <a:t>Shark Infested Reef</a:t>
+            </a:r>
+          </a:p>
+        </p:txBody>
+      </p:sp>
+      <p:sp>
+        <p:nvSpPr>
+          <p:cNvPr id="6" name="TextBox 5"/>
+          <p:cNvSpPr txBox="1"/>
+          <p:nvPr/>
+        </p:nvSpPr>
+        <p:spPr>
+          <a:xfrm>
+            <a:off x="2863622" y="6243351"/>
+            <a:ext cx="3004412" cy="369332"/>
+          </a:xfrm>
+          <a:prstGeom prst="rect">
+            <a:avLst/>
+          </a:prstGeom>
+          <a:noFill/>
+        </p:spPr>
+        <p:txBody>
+          <a:bodyPr wrap="none" rtlCol="0">
+            <a:spAutoFit/>
+          </a:bodyPr>
+          <a:lstStyle/>
+          <a:p>
+            <a:r>
+              <a:rPr lang="en-US" dirty="0"/>
+              <a:t>Cliffs Overlooking Sharp Rocks</a:t>
+            </a:r>
+          </a:p>
+        </p:txBody>
+      </p:sp>
+      <p:sp>
+        <p:nvSpPr>
+          <p:cNvPr id="7" name="TextBox 6"/>
+          <p:cNvSpPr txBox="1"/>
+          <p:nvPr/>
+        </p:nvSpPr>
+        <p:spPr>
+          <a:xfrm rot="16200000">
+            <a:off x="748277" y="3029841"/>
+            <a:ext cx="1158779" cy="369332"/>
+          </a:xfrm>
+          <a:prstGeom prst="rect">
+            <a:avLst/>
+          </a:prstGeom>
+          <a:noFill/>
+        </p:spPr>
+        <p:txBody>
+          <a:bodyPr wrap="none" rtlCol="0">
+            <a:spAutoFit/>
+          </a:bodyPr>
+          <a:lstStyle/>
+          <a:p>
+            <a:r>
+              <a:rPr lang="en-US" dirty="0"/>
+              <a:t>Quicksand</a:t>
+            </a:r>
+          </a:p>
+        </p:txBody>
+      </p:sp>
+      <p:sp>
+        <p:nvSpPr>
+          <p:cNvPr id="8" name="TextBox 7"/>
+          <p:cNvSpPr txBox="1"/>
+          <p:nvPr/>
+        </p:nvSpPr>
+        <p:spPr>
+          <a:xfrm>
+            <a:off x="6021148" y="890073"/>
+            <a:ext cx="808235" cy="261610"/>
+          </a:xfrm>
+          <a:prstGeom prst="rect">
+            <a:avLst/>
+          </a:prstGeom>
+          <a:noFill/>
+        </p:spPr>
+        <p:txBody>
+          <a:bodyPr wrap="none" rtlCol="0">
+            <a:spAutoFit/>
+          </a:bodyPr>
+          <a:lstStyle/>
+          <a:p>
+            <a:r>
+              <a:rPr lang="en-US" sz="1050" dirty="0"/>
+              <a:t>Lighthouse</a:t>
+            </a:r>
+          </a:p>
+        </p:txBody>
+      </p:sp>
+      <p:sp>
+        <p:nvSpPr>
+          <p:cNvPr id="9" name="TextBox 8"/>
+          <p:cNvSpPr txBox="1"/>
+          <p:nvPr/>
+        </p:nvSpPr>
+        <p:spPr>
+          <a:xfrm>
+            <a:off x="2000979" y="890073"/>
+            <a:ext cx="537327" cy="253916"/>
+          </a:xfrm>
+          <a:prstGeom prst="rect">
+            <a:avLst/>
+          </a:prstGeom>
+          <a:noFill/>
+        </p:spPr>
+        <p:txBody>
+          <a:bodyPr wrap="none" rtlCol="0">
+            <a:spAutoFit/>
+          </a:bodyPr>
+          <a:lstStyle/>
+          <a:p>
+            <a:r>
+              <a:rPr lang="en-US" sz="1050" dirty="0"/>
+              <a:t>Palace</a:t>
+            </a:r>
+          </a:p>
+        </p:txBody>
+      </p:sp>
+      <p:sp>
+        <p:nvSpPr>
+          <p:cNvPr id="10" name="TextBox 9"/>
+          <p:cNvSpPr txBox="1"/>
+          <p:nvPr/>
+        </p:nvSpPr>
+        <p:spPr>
+          <a:xfrm>
+            <a:off x="4148923" y="4187109"/>
+            <a:ext cx="681597" cy="415498"/>
+          </a:xfrm>
+          <a:prstGeom prst="rect">
+            <a:avLst/>
+          </a:prstGeom>
+          <a:noFill/>
+        </p:spPr>
+        <p:txBody>
+          <a:bodyPr wrap="none" rtlCol="0">
+            <a:spAutoFit/>
+          </a:bodyPr>
+          <a:lstStyle/>
+          <a:p>
+            <a:r>
+              <a:rPr lang="en-US" sz="1050" dirty="0"/>
+              <a:t>Baseball </a:t>
+            </a:r>
+          </a:p>
+          <a:p>
+            <a:r>
+              <a:rPr lang="en-US" sz="1050" dirty="0"/>
+              <a:t>Diamond</a:t>
+            </a:r>
+          </a:p>
+        </p:txBody>
+      </p:sp>
+      <p:sp>
+        <p:nvSpPr>
+          <p:cNvPr id="11" name="TextBox 10"/>
+          <p:cNvSpPr txBox="1"/>
+          <p:nvPr/>
+        </p:nvSpPr>
+        <p:spPr>
+          <a:xfrm>
+            <a:off x="3083058" y="890073"/>
+            <a:ext cx="721672" cy="253916"/>
+          </a:xfrm>
+          <a:prstGeom prst="rect">
+            <a:avLst/>
+          </a:prstGeom>
+          <a:noFill/>
+        </p:spPr>
+        <p:txBody>
+          <a:bodyPr wrap="none" rtlCol="0">
+            <a:spAutoFit/>
+          </a:bodyPr>
+          <a:lstStyle/>
+          <a:p>
+            <a:r>
+              <a:rPr lang="en-US" sz="1050" dirty="0"/>
+              <a:t>Mountain</a:t>
+            </a:r>
+          </a:p>
+        </p:txBody>
+      </p:sp>
+      <p:sp>
+        <p:nvSpPr>
+          <p:cNvPr id="12" name="TextBox 11"/>
+          <p:cNvSpPr txBox="1"/>
+          <p:nvPr/>
+        </p:nvSpPr>
+        <p:spPr>
+          <a:xfrm>
+            <a:off x="3083058" y="4187109"/>
+            <a:ext cx="514885" cy="253916"/>
+          </a:xfrm>
+          <a:prstGeom prst="rect">
+            <a:avLst/>
+          </a:prstGeom>
+          <a:noFill/>
+        </p:spPr>
+        <p:txBody>
+          <a:bodyPr wrap="none" rtlCol="0">
+            <a:spAutoFit/>
+          </a:bodyPr>
+          <a:lstStyle/>
+          <a:p>
+            <a:r>
+              <a:rPr lang="en-US" sz="1050" dirty="0"/>
+              <a:t>Valley</a:t>
+            </a:r>
+          </a:p>
+        </p:txBody>
+      </p:sp>
+      <p:sp>
+        <p:nvSpPr>
+          <p:cNvPr id="13" name="TextBox 12"/>
+          <p:cNvSpPr txBox="1"/>
+          <p:nvPr/>
+        </p:nvSpPr>
+        <p:spPr>
+          <a:xfrm>
+            <a:off x="2000979" y="1948690"/>
+            <a:ext cx="546945" cy="253916"/>
+          </a:xfrm>
+          <a:prstGeom prst="rect">
+            <a:avLst/>
+          </a:prstGeom>
+          <a:noFill/>
+        </p:spPr>
+        <p:txBody>
+          <a:bodyPr wrap="none" rtlCol="0">
+            <a:spAutoFit/>
+          </a:bodyPr>
+          <a:lstStyle/>
+          <a:p>
+            <a:r>
+              <a:rPr lang="en-US" sz="1050" dirty="0"/>
+              <a:t>Desert</a:t>
+            </a:r>
+          </a:p>
+        </p:txBody>
+      </p:sp>
+      <p:sp>
+        <p:nvSpPr>
+          <p:cNvPr id="14" name="TextBox 13"/>
+          <p:cNvSpPr txBox="1"/>
+          <p:nvPr/>
+        </p:nvSpPr>
+        <p:spPr>
+          <a:xfrm>
+            <a:off x="2000979" y="3007307"/>
+            <a:ext cx="593432" cy="253916"/>
+          </a:xfrm>
+          <a:prstGeom prst="rect">
+            <a:avLst/>
+          </a:prstGeom>
+          <a:noFill/>
+        </p:spPr>
+        <p:txBody>
+          <a:bodyPr wrap="none" rtlCol="0">
+            <a:spAutoFit/>
+          </a:bodyPr>
+          <a:lstStyle/>
+          <a:p>
+            <a:r>
+              <a:rPr lang="en-US" sz="1050" dirty="0"/>
+              <a:t>Canyon</a:t>
+            </a:r>
+          </a:p>
+        </p:txBody>
+      </p:sp>
+      <p:sp>
+        <p:nvSpPr>
+          <p:cNvPr id="15" name="TextBox 14"/>
+          <p:cNvSpPr txBox="1"/>
+          <p:nvPr/>
+        </p:nvSpPr>
+        <p:spPr>
+          <a:xfrm>
+            <a:off x="5132773" y="1948690"/>
+            <a:ext cx="529312" cy="253916"/>
+          </a:xfrm>
+          <a:prstGeom prst="rect">
+            <a:avLst/>
+          </a:prstGeom>
+          <a:noFill/>
+        </p:spPr>
+        <p:txBody>
+          <a:bodyPr wrap="none" rtlCol="0">
+            <a:spAutoFit/>
+          </a:bodyPr>
+          <a:lstStyle/>
+          <a:p>
+            <a:r>
+              <a:rPr lang="en-US" sz="1050" dirty="0"/>
+              <a:t>Forest</a:t>
+            </a:r>
+          </a:p>
+        </p:txBody>
+      </p:sp>
+      <p:sp>
+        <p:nvSpPr>
+          <p:cNvPr id="16" name="TextBox 15"/>
+          <p:cNvSpPr txBox="1"/>
+          <p:nvPr/>
+        </p:nvSpPr>
+        <p:spPr>
+          <a:xfrm>
+            <a:off x="6021148" y="3007307"/>
+            <a:ext cx="527709" cy="253916"/>
+          </a:xfrm>
+          <a:prstGeom prst="rect">
+            <a:avLst/>
+          </a:prstGeom>
+          <a:noFill/>
+        </p:spPr>
+        <p:txBody>
+          <a:bodyPr wrap="none" rtlCol="0">
+            <a:spAutoFit/>
+          </a:bodyPr>
+          <a:lstStyle/>
+          <a:p>
+            <a:r>
+              <a:rPr lang="en-US" sz="1050" dirty="0"/>
+              <a:t>Wharf</a:t>
+            </a:r>
+          </a:p>
+        </p:txBody>
+      </p:sp>
+      <p:sp>
+        <p:nvSpPr>
+          <p:cNvPr id="17" name="TextBox 16"/>
+          <p:cNvSpPr txBox="1"/>
+          <p:nvPr/>
+        </p:nvSpPr>
+        <p:spPr>
+          <a:xfrm>
+            <a:off x="4148923" y="5286121"/>
+            <a:ext cx="441146" cy="253916"/>
+          </a:xfrm>
+          <a:prstGeom prst="rect">
+            <a:avLst/>
+          </a:prstGeom>
+          <a:noFill/>
+        </p:spPr>
+        <p:txBody>
+          <a:bodyPr wrap="none" rtlCol="0">
+            <a:spAutoFit/>
+          </a:bodyPr>
+          <a:lstStyle/>
+          <a:p>
+            <a:r>
+              <a:rPr lang="en-US" sz="1050" dirty="0"/>
+              <a:t>Dojo</a:t>
+            </a:r>
+          </a:p>
+        </p:txBody>
+      </p:sp>
+      <p:sp>
+        <p:nvSpPr>
+          <p:cNvPr id="18" name="TextBox 17"/>
+          <p:cNvSpPr txBox="1"/>
+          <p:nvPr/>
+        </p:nvSpPr>
+        <p:spPr>
+          <a:xfrm>
+            <a:off x="2000979" y="5286121"/>
+            <a:ext cx="718466" cy="253916"/>
+          </a:xfrm>
+          <a:prstGeom prst="rect">
+            <a:avLst/>
+          </a:prstGeom>
+          <a:noFill/>
+        </p:spPr>
+        <p:txBody>
+          <a:bodyPr wrap="none" rtlCol="0">
+            <a:spAutoFit/>
+          </a:bodyPr>
+          <a:lstStyle/>
+          <a:p>
+            <a:r>
+              <a:rPr lang="en-US" sz="1050" dirty="0"/>
+              <a:t>Cemetery</a:t>
+            </a:r>
           </a:p>
         </p:txBody>
       </p:sp>
@@ -5415,25 +8097,24 @@
         </p:nvSpPr>
         <p:spPr>
           <a:xfrm>
-            <a:off x="2984167" y="2082273"/>
-            <a:ext cx="761747" cy="369332"/>
-          </a:xfrm>
-          <a:prstGeom prst="rect">
-            <a:avLst/>
-          </a:prstGeom>
-          <a:noFill/>
-        </p:spPr>
-        <p:txBody>
-          <a:bodyPr wrap="none" rtlCol="0">
-            <a:spAutoFit/>
-          </a:bodyPr>
-          <a:lstStyle/>
-          <a:p>
-            <a:r>
-              <a:rPr lang="en-US" dirty="0" smtClean="0"/>
-              <a:t>drinks</a:t>
-            </a:r>
-            <a:endParaRPr lang="en-US" dirty="0"/>
+            <a:off x="6021148" y="1948690"/>
+            <a:ext cx="518091" cy="253916"/>
+          </a:xfrm>
+          <a:prstGeom prst="rect">
+            <a:avLst/>
+          </a:prstGeom>
+          <a:noFill/>
+        </p:spPr>
+        <p:txBody>
+          <a:bodyPr wrap="none" rtlCol="0">
+            <a:spAutoFit/>
+          </a:bodyPr>
+          <a:lstStyle/>
+          <a:p>
+            <a:r>
+              <a:rPr lang="en-US" sz="1050" dirty="0"/>
+              <a:t>Beach</a:t>
+            </a:r>
           </a:p>
         </p:txBody>
       </p:sp>
@@ -5445,25 +8126,24 @@
         </p:nvSpPr>
         <p:spPr>
           <a:xfrm>
-            <a:off x="4233976" y="2082273"/>
-            <a:ext cx="800219" cy="369332"/>
-          </a:xfrm>
-          <a:prstGeom prst="rect">
-            <a:avLst/>
-          </a:prstGeom>
-          <a:noFill/>
-        </p:spPr>
-        <p:txBody>
-          <a:bodyPr wrap="none" rtlCol="0">
-            <a:spAutoFit/>
-          </a:bodyPr>
-          <a:lstStyle/>
-          <a:p>
-            <a:r>
-              <a:rPr lang="en-US" dirty="0" smtClean="0"/>
-              <a:t>snacks</a:t>
-            </a:r>
-            <a:endParaRPr lang="en-US" dirty="0"/>
+            <a:off x="3083058" y="3007307"/>
+            <a:ext cx="635110" cy="253916"/>
+          </a:xfrm>
+          <a:prstGeom prst="rect">
+            <a:avLst/>
+          </a:prstGeom>
+          <a:noFill/>
+        </p:spPr>
+        <p:txBody>
+          <a:bodyPr wrap="none" rtlCol="0">
+            <a:spAutoFit/>
+          </a:bodyPr>
+          <a:lstStyle/>
+          <a:p>
+            <a:r>
+              <a:rPr lang="en-US" sz="1050" dirty="0"/>
+              <a:t>Stadium</a:t>
+            </a:r>
           </a:p>
         </p:txBody>
       </p:sp>
@@ -5475,314 +8155,404 @@
         </p:nvSpPr>
         <p:spPr>
           <a:xfrm>
-            <a:off x="3679072" y="2996037"/>
-            <a:ext cx="1014333" cy="369332"/>
-          </a:xfrm>
-          <a:prstGeom prst="rect">
-            <a:avLst/>
-          </a:prstGeom>
-          <a:noFill/>
-        </p:spPr>
-        <p:txBody>
-          <a:bodyPr wrap="none" rtlCol="0">
-            <a:spAutoFit/>
-          </a:bodyPr>
-          <a:lstStyle/>
-          <a:p>
-            <a:r>
-              <a:rPr lang="en-US" dirty="0" smtClean="0"/>
-              <a:t>cafeteria</a:t>
-            </a:r>
-            <a:endParaRPr lang="en-US" dirty="0"/>
-          </a:p>
-        </p:txBody>
-      </p:sp>
-      <p:cxnSp>
-        <p:nvCxnSpPr>
-          <p:cNvPr id="23" name="Straight Connector 22"/>
-          <p:cNvCxnSpPr/>
-          <p:nvPr/>
-        </p:nvCxnSpPr>
-        <p:spPr>
-          <a:xfrm>
-            <a:off x="3384967" y="3221790"/>
-            <a:ext cx="360947" cy="0"/>
-          </a:xfrm>
-          <a:prstGeom prst="line">
-            <a:avLst/>
-          </a:prstGeom>
-        </p:spPr>
-        <p:style>
-          <a:lnRef idx="2">
-            <a:schemeClr val="accent1"/>
-          </a:lnRef>
-          <a:fillRef idx="0">
-            <a:schemeClr val="accent1"/>
-          </a:fillRef>
-          <a:effectRef idx="1">
-            <a:schemeClr val="accent1"/>
-          </a:effectRef>
-          <a:fontRef idx="minor">
-            <a:schemeClr val="tx1"/>
-          </a:fontRef>
-        </p:style>
-      </p:cxnSp>
-      <p:cxnSp>
-        <p:nvCxnSpPr>
-          <p:cNvPr id="24" name="Straight Connector 23"/>
-          <p:cNvCxnSpPr/>
-          <p:nvPr/>
-        </p:nvCxnSpPr>
-        <p:spPr>
-          <a:xfrm>
-            <a:off x="4648212" y="3221790"/>
-            <a:ext cx="360947" cy="0"/>
-          </a:xfrm>
-          <a:prstGeom prst="line">
-            <a:avLst/>
-          </a:prstGeom>
-        </p:spPr>
-        <p:style>
-          <a:lnRef idx="2">
-            <a:schemeClr val="accent1"/>
-          </a:lnRef>
-          <a:fillRef idx="0">
-            <a:schemeClr val="accent1"/>
-          </a:fillRef>
-          <a:effectRef idx="1">
-            <a:schemeClr val="accent1"/>
-          </a:effectRef>
-          <a:fontRef idx="minor">
-            <a:schemeClr val="tx1"/>
-          </a:fontRef>
-        </p:style>
-      </p:cxnSp>
-      <p:cxnSp>
-        <p:nvCxnSpPr>
-          <p:cNvPr id="25" name="Straight Connector 24"/>
-          <p:cNvCxnSpPr>
-            <a:stCxn id="16" idx="2"/>
-          </p:cNvCxnSpPr>
-          <p:nvPr/>
-        </p:nvCxnSpPr>
-        <p:spPr>
-          <a:xfrm>
-            <a:off x="3399347" y="2508015"/>
-            <a:ext cx="546517" cy="501636"/>
-          </a:xfrm>
-          <a:prstGeom prst="line">
-            <a:avLst/>
-          </a:prstGeom>
-        </p:spPr>
-        <p:style>
-          <a:lnRef idx="2">
-            <a:schemeClr val="accent1"/>
-          </a:lnRef>
-          <a:fillRef idx="0">
-            <a:schemeClr val="accent1"/>
-          </a:fillRef>
-          <a:effectRef idx="1">
-            <a:schemeClr val="accent1"/>
-          </a:effectRef>
-          <a:fontRef idx="minor">
-            <a:schemeClr val="tx1"/>
-          </a:fontRef>
-        </p:style>
-      </p:cxnSp>
-      <p:cxnSp>
-        <p:nvCxnSpPr>
-          <p:cNvPr id="28" name="Straight Connector 27"/>
-          <p:cNvCxnSpPr>
-            <a:stCxn id="17" idx="2"/>
-          </p:cNvCxnSpPr>
-          <p:nvPr/>
-        </p:nvCxnSpPr>
-        <p:spPr>
-          <a:xfrm flipH="1">
-            <a:off x="4264526" y="2508015"/>
-            <a:ext cx="415781" cy="482001"/>
-          </a:xfrm>
-          <a:prstGeom prst="line">
-            <a:avLst/>
-          </a:prstGeom>
-        </p:spPr>
-        <p:style>
-          <a:lnRef idx="2">
-            <a:schemeClr val="accent1"/>
-          </a:lnRef>
-          <a:fillRef idx="0">
-            <a:schemeClr val="accent1"/>
-          </a:fillRef>
-          <a:effectRef idx="1">
-            <a:schemeClr val="accent1"/>
-          </a:effectRef>
-          <a:fontRef idx="minor">
-            <a:schemeClr val="tx1"/>
-          </a:fontRef>
-        </p:style>
-      </p:cxnSp>
-      <p:sp>
-        <p:nvSpPr>
-          <p:cNvPr id="33" name="Oval 32"/>
-          <p:cNvSpPr/>
-          <p:nvPr/>
-        </p:nvSpPr>
-        <p:spPr>
-          <a:xfrm>
-            <a:off x="1818103" y="808285"/>
-            <a:ext cx="4657558" cy="4657558"/>
-          </a:xfrm>
-          <a:prstGeom prst="ellipse">
-            <a:avLst/>
-          </a:prstGeom>
-          <a:noFill/>
-          <a:ln>
-            <a:solidFill>
-              <a:schemeClr val="tx1"/>
-            </a:solidFill>
-          </a:ln>
-        </p:spPr>
-        <p:style>
-          <a:lnRef idx="1">
-            <a:schemeClr val="accent1"/>
-          </a:lnRef>
-          <a:fillRef idx="3">
-            <a:schemeClr val="accent1"/>
-          </a:fillRef>
-          <a:effectRef idx="2">
-            <a:schemeClr val="accent1"/>
-          </a:effectRef>
-          <a:fontRef idx="minor">
-            <a:schemeClr val="lt1"/>
-          </a:fontRef>
-        </p:style>
-        <p:txBody>
-          <a:bodyPr rtlCol="0" anchor="ctr"/>
-          <a:lstStyle/>
-          <a:p>
-            <a:pPr algn="ctr"/>
-            <a:endParaRPr lang="en-US"/>
-          </a:p>
-        </p:txBody>
-      </p:sp>
-      <p:sp>
-        <p:nvSpPr>
-          <p:cNvPr id="34" name="TextBox 33"/>
-          <p:cNvSpPr txBox="1"/>
-          <p:nvPr/>
-        </p:nvSpPr>
-        <p:spPr>
-          <a:xfrm>
-            <a:off x="5946588" y="5737412"/>
-            <a:ext cx="2298676" cy="646331"/>
-          </a:xfrm>
-          <a:prstGeom prst="rect">
-            <a:avLst/>
-          </a:prstGeom>
-          <a:noFill/>
-        </p:spPr>
-        <p:txBody>
-          <a:bodyPr wrap="none" rtlCol="0">
-            <a:spAutoFit/>
-          </a:bodyPr>
-          <a:lstStyle/>
-          <a:p>
-            <a:r>
-              <a:rPr lang="en-US" dirty="0" err="1" smtClean="0"/>
-              <a:t>Nyantech</a:t>
-            </a:r>
-            <a:r>
-              <a:rPr lang="en-US" dirty="0" smtClean="0"/>
-              <a:t> Tower</a:t>
-            </a:r>
-          </a:p>
-          <a:p>
-            <a:r>
-              <a:rPr lang="en-US" dirty="0" smtClean="0"/>
-              <a:t>Restaurant/Deck Level</a:t>
-            </a:r>
-            <a:endParaRPr lang="en-US" dirty="0"/>
-          </a:p>
-        </p:txBody>
-      </p:sp>
-      <p:sp>
-        <p:nvSpPr>
-          <p:cNvPr id="22" name="Rectangle 21"/>
-          <p:cNvSpPr/>
-          <p:nvPr/>
-        </p:nvSpPr>
-        <p:spPr>
-          <a:xfrm>
-            <a:off x="5475317" y="4378171"/>
-            <a:ext cx="828194" cy="490915"/>
-          </a:xfrm>
-          <a:prstGeom prst="rect">
-            <a:avLst/>
-          </a:prstGeom>
-          <a:noFill/>
-          <a:ln>
-            <a:solidFill>
-              <a:schemeClr val="tx1"/>
-            </a:solidFill>
-          </a:ln>
-        </p:spPr>
-        <p:style>
-          <a:lnRef idx="1">
-            <a:schemeClr val="accent1"/>
-          </a:lnRef>
-          <a:fillRef idx="3">
-            <a:schemeClr val="accent1"/>
-          </a:fillRef>
-          <a:effectRef idx="2">
-            <a:schemeClr val="accent1"/>
-          </a:effectRef>
-          <a:fontRef idx="minor">
-            <a:schemeClr val="lt1"/>
-          </a:fontRef>
-        </p:style>
-        <p:txBody>
-          <a:bodyPr rtlCol="0" anchor="ctr"/>
-          <a:lstStyle/>
-          <a:p>
-            <a:pPr algn="ctr"/>
-            <a:endParaRPr lang="en-US"/>
-          </a:p>
-        </p:txBody>
-      </p:sp>
-      <p:sp>
-        <p:nvSpPr>
-          <p:cNvPr id="2" name="TextBox 1"/>
-          <p:cNvSpPr txBox="1"/>
-          <p:nvPr/>
-        </p:nvSpPr>
-        <p:spPr>
-          <a:xfrm>
-            <a:off x="5589665" y="4414071"/>
-            <a:ext cx="713845" cy="369332"/>
-          </a:xfrm>
-          <a:prstGeom prst="rect">
-            <a:avLst/>
-          </a:prstGeom>
-          <a:noFill/>
-        </p:spPr>
-        <p:txBody>
-          <a:bodyPr wrap="none" rtlCol="0">
-            <a:spAutoFit/>
-          </a:bodyPr>
-          <a:lstStyle/>
-          <a:p>
-            <a:r>
-              <a:rPr lang="en-US" dirty="0" smtClean="0"/>
-              <a:t>Chain</a:t>
-            </a:r>
-            <a:endParaRPr lang="en-US" dirty="0"/>
+            <a:off x="3083058" y="5286121"/>
+            <a:ext cx="572593" cy="415498"/>
+          </a:xfrm>
+          <a:prstGeom prst="rect">
+            <a:avLst/>
+          </a:prstGeom>
+          <a:noFill/>
+        </p:spPr>
+        <p:txBody>
+          <a:bodyPr wrap="none" rtlCol="0">
+            <a:spAutoFit/>
+          </a:bodyPr>
+          <a:lstStyle/>
+          <a:p>
+            <a:r>
+              <a:rPr lang="en-US" sz="1050" dirty="0"/>
+              <a:t>Gas </a:t>
+            </a:r>
+          </a:p>
+          <a:p>
+            <a:r>
+              <a:rPr lang="en-US" sz="1050" dirty="0"/>
+              <a:t>Station</a:t>
+            </a:r>
+          </a:p>
+        </p:txBody>
+      </p:sp>
+      <p:sp>
+        <p:nvSpPr>
+          <p:cNvPr id="22" name="TextBox 21"/>
+          <p:cNvSpPr txBox="1"/>
+          <p:nvPr/>
+        </p:nvSpPr>
+        <p:spPr>
+          <a:xfrm>
+            <a:off x="5132773" y="890073"/>
+            <a:ext cx="577402" cy="415498"/>
+          </a:xfrm>
+          <a:prstGeom prst="rect">
+            <a:avLst/>
+          </a:prstGeom>
+          <a:noFill/>
+        </p:spPr>
+        <p:txBody>
+          <a:bodyPr wrap="none" rtlCol="0">
+            <a:spAutoFit/>
+          </a:bodyPr>
+          <a:lstStyle/>
+          <a:p>
+            <a:r>
+              <a:rPr lang="en-US" sz="1050" dirty="0"/>
+              <a:t>School </a:t>
+            </a:r>
+          </a:p>
+          <a:p>
+            <a:r>
+              <a:rPr lang="en-US" sz="1050" dirty="0"/>
+              <a:t>House</a:t>
+            </a:r>
+          </a:p>
+        </p:txBody>
+      </p:sp>
+      <p:sp>
+        <p:nvSpPr>
+          <p:cNvPr id="23" name="TextBox 22"/>
+          <p:cNvSpPr txBox="1"/>
+          <p:nvPr/>
+        </p:nvSpPr>
+        <p:spPr>
+          <a:xfrm>
+            <a:off x="4148923" y="890073"/>
+            <a:ext cx="777777" cy="253916"/>
+          </a:xfrm>
+          <a:prstGeom prst="rect">
+            <a:avLst/>
+          </a:prstGeom>
+          <a:noFill/>
+        </p:spPr>
+        <p:txBody>
+          <a:bodyPr wrap="none" rtlCol="0">
+            <a:spAutoFit/>
+          </a:bodyPr>
+          <a:lstStyle/>
+          <a:p>
+            <a:r>
+              <a:rPr lang="en-US" sz="1050" dirty="0"/>
+              <a:t>Monastery</a:t>
+            </a:r>
+          </a:p>
+        </p:txBody>
+      </p:sp>
+      <p:sp>
+        <p:nvSpPr>
+          <p:cNvPr id="24" name="TextBox 23"/>
+          <p:cNvSpPr txBox="1"/>
+          <p:nvPr/>
+        </p:nvSpPr>
+        <p:spPr>
+          <a:xfrm>
+            <a:off x="5132773" y="4187109"/>
+            <a:ext cx="662361" cy="253916"/>
+          </a:xfrm>
+          <a:prstGeom prst="rect">
+            <a:avLst/>
+          </a:prstGeom>
+          <a:noFill/>
+        </p:spPr>
+        <p:txBody>
+          <a:bodyPr wrap="none" rtlCol="0">
+            <a:spAutoFit/>
+          </a:bodyPr>
+          <a:lstStyle/>
+          <a:p>
+            <a:r>
+              <a:rPr lang="en-US" sz="1050" dirty="0"/>
+              <a:t>Walmart</a:t>
+            </a:r>
+          </a:p>
+        </p:txBody>
+      </p:sp>
+      <p:sp>
+        <p:nvSpPr>
+          <p:cNvPr id="25" name="TextBox 24"/>
+          <p:cNvSpPr txBox="1"/>
+          <p:nvPr/>
+        </p:nvSpPr>
+        <p:spPr>
+          <a:xfrm>
+            <a:off x="6021148" y="5286121"/>
+            <a:ext cx="513282" cy="253916"/>
+          </a:xfrm>
+          <a:prstGeom prst="rect">
+            <a:avLst/>
+          </a:prstGeom>
+          <a:noFill/>
+        </p:spPr>
+        <p:txBody>
+          <a:bodyPr wrap="none" rtlCol="0">
+            <a:spAutoFit/>
+          </a:bodyPr>
+          <a:lstStyle/>
+          <a:p>
+            <a:r>
+              <a:rPr lang="en-US" sz="1050" dirty="0"/>
+              <a:t>Motel</a:t>
+            </a:r>
+          </a:p>
+        </p:txBody>
+      </p:sp>
+      <p:sp>
+        <p:nvSpPr>
+          <p:cNvPr id="26" name="TextBox 25"/>
+          <p:cNvSpPr txBox="1"/>
+          <p:nvPr/>
+        </p:nvSpPr>
+        <p:spPr>
+          <a:xfrm>
+            <a:off x="5132773" y="5286121"/>
+            <a:ext cx="588623" cy="253916"/>
+          </a:xfrm>
+          <a:prstGeom prst="rect">
+            <a:avLst/>
+          </a:prstGeom>
+          <a:noFill/>
+        </p:spPr>
+        <p:txBody>
+          <a:bodyPr wrap="none" rtlCol="0">
+            <a:spAutoFit/>
+          </a:bodyPr>
+          <a:lstStyle/>
+          <a:p>
+            <a:r>
+              <a:rPr lang="en-US" sz="1050" dirty="0"/>
+              <a:t>Garden</a:t>
+            </a:r>
+          </a:p>
+        </p:txBody>
+      </p:sp>
+      <p:sp>
+        <p:nvSpPr>
+          <p:cNvPr id="27" name="TextBox 26"/>
+          <p:cNvSpPr txBox="1"/>
+          <p:nvPr/>
+        </p:nvSpPr>
+        <p:spPr>
+          <a:xfrm>
+            <a:off x="3083058" y="1948690"/>
+            <a:ext cx="777777" cy="253916"/>
+          </a:xfrm>
+          <a:prstGeom prst="rect">
+            <a:avLst/>
+          </a:prstGeom>
+          <a:noFill/>
+        </p:spPr>
+        <p:txBody>
+          <a:bodyPr wrap="none" rtlCol="0">
+            <a:spAutoFit/>
+          </a:bodyPr>
+          <a:lstStyle/>
+          <a:p>
+            <a:r>
+              <a:rPr lang="en-US" sz="1050" dirty="0"/>
+              <a:t>Blacksmith</a:t>
+            </a:r>
+          </a:p>
+        </p:txBody>
+      </p:sp>
+      <p:sp>
+        <p:nvSpPr>
+          <p:cNvPr id="28" name="TextBox 27"/>
+          <p:cNvSpPr txBox="1"/>
+          <p:nvPr/>
+        </p:nvSpPr>
+        <p:spPr>
+          <a:xfrm>
+            <a:off x="4148923" y="1948690"/>
+            <a:ext cx="465192" cy="253916"/>
+          </a:xfrm>
+          <a:prstGeom prst="rect">
+            <a:avLst/>
+          </a:prstGeom>
+          <a:noFill/>
+        </p:spPr>
+        <p:txBody>
+          <a:bodyPr wrap="none" rtlCol="0">
+            <a:spAutoFit/>
+          </a:bodyPr>
+          <a:lstStyle/>
+          <a:p>
+            <a:r>
+              <a:rPr lang="en-US" sz="1050" dirty="0"/>
+              <a:t>Farm</a:t>
+            </a:r>
+          </a:p>
+        </p:txBody>
+      </p:sp>
+      <p:sp>
+        <p:nvSpPr>
+          <p:cNvPr id="29" name="TextBox 28"/>
+          <p:cNvSpPr txBox="1"/>
+          <p:nvPr/>
+        </p:nvSpPr>
+        <p:spPr>
+          <a:xfrm>
+            <a:off x="6021148" y="4187109"/>
+            <a:ext cx="723275" cy="253916"/>
+          </a:xfrm>
+          <a:prstGeom prst="rect">
+            <a:avLst/>
+          </a:prstGeom>
+          <a:noFill/>
+        </p:spPr>
+        <p:txBody>
+          <a:bodyPr wrap="none" rtlCol="0">
+            <a:spAutoFit/>
+          </a:bodyPr>
+          <a:lstStyle/>
+          <a:p>
+            <a:r>
+              <a:rPr lang="en-US" sz="1050" dirty="0"/>
+              <a:t>Aquarium</a:t>
+            </a:r>
+          </a:p>
+        </p:txBody>
+      </p:sp>
+      <p:sp>
+        <p:nvSpPr>
+          <p:cNvPr id="30" name="TextBox 29"/>
+          <p:cNvSpPr txBox="1"/>
+          <p:nvPr/>
+        </p:nvSpPr>
+        <p:spPr>
+          <a:xfrm>
+            <a:off x="5132773" y="3007307"/>
+            <a:ext cx="792205" cy="253916"/>
+          </a:xfrm>
+          <a:prstGeom prst="rect">
+            <a:avLst/>
+          </a:prstGeom>
+          <a:noFill/>
+        </p:spPr>
+        <p:txBody>
+          <a:bodyPr wrap="none" rtlCol="0">
+            <a:spAutoFit/>
+          </a:bodyPr>
+          <a:lstStyle/>
+          <a:p>
+            <a:r>
+              <a:rPr lang="en-US" sz="1050" dirty="0"/>
+              <a:t>Post-Office</a:t>
+            </a:r>
+          </a:p>
+        </p:txBody>
+      </p:sp>
+      <p:sp>
+        <p:nvSpPr>
+          <p:cNvPr id="31" name="TextBox 30"/>
+          <p:cNvSpPr txBox="1"/>
+          <p:nvPr/>
+        </p:nvSpPr>
+        <p:spPr>
+          <a:xfrm>
+            <a:off x="4148923" y="3007307"/>
+            <a:ext cx="470000" cy="415498"/>
+          </a:xfrm>
+          <a:prstGeom prst="rect">
+            <a:avLst/>
+          </a:prstGeom>
+          <a:noFill/>
+        </p:spPr>
+        <p:txBody>
+          <a:bodyPr wrap="none" rtlCol="0">
+            <a:spAutoFit/>
+          </a:bodyPr>
+          <a:lstStyle/>
+          <a:p>
+            <a:r>
+              <a:rPr lang="en-US" sz="1050" dirty="0"/>
+              <a:t>Dark </a:t>
+            </a:r>
+          </a:p>
+          <a:p>
+            <a:r>
+              <a:rPr lang="en-US" sz="1050" dirty="0"/>
+              <a:t>Alley</a:t>
+            </a:r>
+          </a:p>
+        </p:txBody>
+      </p:sp>
+      <p:sp>
+        <p:nvSpPr>
+          <p:cNvPr id="32" name="TextBox 31"/>
+          <p:cNvSpPr txBox="1"/>
+          <p:nvPr/>
+        </p:nvSpPr>
+        <p:spPr>
+          <a:xfrm>
+            <a:off x="2000979" y="4187109"/>
+            <a:ext cx="697627" cy="415498"/>
+          </a:xfrm>
+          <a:prstGeom prst="rect">
+            <a:avLst/>
+          </a:prstGeom>
+          <a:noFill/>
+        </p:spPr>
+        <p:txBody>
+          <a:bodyPr wrap="none" rtlCol="0">
+            <a:spAutoFit/>
+          </a:bodyPr>
+          <a:lstStyle/>
+          <a:p>
+            <a:r>
+              <a:rPr lang="en-US" sz="1050" dirty="0" err="1"/>
+              <a:t>Pogoland</a:t>
+            </a:r>
+            <a:endParaRPr lang="en-US" sz="1050" dirty="0"/>
+          </a:p>
+          <a:p>
+            <a:r>
+              <a:rPr lang="en-US" sz="1050" dirty="0"/>
+              <a:t>Terminal</a:t>
+            </a:r>
+          </a:p>
+        </p:txBody>
+      </p:sp>
+      <p:sp>
+        <p:nvSpPr>
+          <p:cNvPr id="62" name="TextBox 61"/>
+          <p:cNvSpPr txBox="1"/>
+          <p:nvPr/>
+        </p:nvSpPr>
+        <p:spPr>
+          <a:xfrm>
+            <a:off x="3804730" y="53182"/>
+            <a:ext cx="1192121" cy="369332"/>
+          </a:xfrm>
+          <a:prstGeom prst="rect">
+            <a:avLst/>
+          </a:prstGeom>
+          <a:noFill/>
+        </p:spPr>
+        <p:txBody>
+          <a:bodyPr wrap="none" rtlCol="0">
+            <a:spAutoFit/>
+          </a:bodyPr>
+          <a:lstStyle/>
+          <a:p>
+            <a:r>
+              <a:rPr lang="en-US" dirty="0"/>
+              <a:t>Lava Fields</a:t>
+            </a:r>
           </a:p>
         </p:txBody>
       </p:sp>
     </p:spTree>
     <p:extLst>
       <p:ext uri="{BB962C8B-B14F-4D97-AF65-F5344CB8AC3E}">
-        <p14:creationId xmlns:p14="http://schemas.microsoft.com/office/powerpoint/2010/main" val="721255204"/>
+        <p14:creationId xmlns:p14="http://schemas.microsoft.com/office/powerpoint/2010/main" val="3334873276"/>
       </p:ext>
     </p:extLst>
   </p:cSld>

--- a/diagrams.pptx
+++ b/diagrams.pptx
@@ -293,7 +293,7 @@
           <a:p>
             <a:fld id="{A158B014-3023-2543-8984-7EAE69C1CC0E}" type="datetimeFigureOut">
               <a:rPr lang="en-US" smtClean="0"/>
-              <a:t>7/26/16</a:t>
+              <a:t>7/28/16</a:t>
             </a:fld>
             <a:endParaRPr lang="en-US"/>
           </a:p>
@@ -463,7 +463,7 @@
           <a:p>
             <a:fld id="{A158B014-3023-2543-8984-7EAE69C1CC0E}" type="datetimeFigureOut">
               <a:rPr lang="en-US" smtClean="0"/>
-              <a:t>7/26/16</a:t>
+              <a:t>7/28/16</a:t>
             </a:fld>
             <a:endParaRPr lang="en-US"/>
           </a:p>
@@ -643,7 +643,7 @@
           <a:p>
             <a:fld id="{A158B014-3023-2543-8984-7EAE69C1CC0E}" type="datetimeFigureOut">
               <a:rPr lang="en-US" smtClean="0"/>
-              <a:t>7/26/16</a:t>
+              <a:t>7/28/16</a:t>
             </a:fld>
             <a:endParaRPr lang="en-US"/>
           </a:p>
@@ -813,7 +813,7 @@
           <a:p>
             <a:fld id="{A158B014-3023-2543-8984-7EAE69C1CC0E}" type="datetimeFigureOut">
               <a:rPr lang="en-US" smtClean="0"/>
-              <a:t>7/26/16</a:t>
+              <a:t>7/28/16</a:t>
             </a:fld>
             <a:endParaRPr lang="en-US"/>
           </a:p>
@@ -1059,7 +1059,7 @@
           <a:p>
             <a:fld id="{A158B014-3023-2543-8984-7EAE69C1CC0E}" type="datetimeFigureOut">
               <a:rPr lang="en-US" smtClean="0"/>
-              <a:t>7/26/16</a:t>
+              <a:t>7/28/16</a:t>
             </a:fld>
             <a:endParaRPr lang="en-US"/>
           </a:p>
@@ -1347,7 +1347,7 @@
           <a:p>
             <a:fld id="{A158B014-3023-2543-8984-7EAE69C1CC0E}" type="datetimeFigureOut">
               <a:rPr lang="en-US" smtClean="0"/>
-              <a:t>7/26/16</a:t>
+              <a:t>7/28/16</a:t>
             </a:fld>
             <a:endParaRPr lang="en-US"/>
           </a:p>
@@ -1769,7 +1769,7 @@
           <a:p>
             <a:fld id="{A158B014-3023-2543-8984-7EAE69C1CC0E}" type="datetimeFigureOut">
               <a:rPr lang="en-US" smtClean="0"/>
-              <a:t>7/26/16</a:t>
+              <a:t>7/28/16</a:t>
             </a:fld>
             <a:endParaRPr lang="en-US"/>
           </a:p>
@@ -1887,7 +1887,7 @@
           <a:p>
             <a:fld id="{A158B014-3023-2543-8984-7EAE69C1CC0E}" type="datetimeFigureOut">
               <a:rPr lang="en-US" smtClean="0"/>
-              <a:t>7/26/16</a:t>
+              <a:t>7/28/16</a:t>
             </a:fld>
             <a:endParaRPr lang="en-US"/>
           </a:p>
@@ -1982,7 +1982,7 @@
           <a:p>
             <a:fld id="{A158B014-3023-2543-8984-7EAE69C1CC0E}" type="datetimeFigureOut">
               <a:rPr lang="en-US" smtClean="0"/>
-              <a:t>7/26/16</a:t>
+              <a:t>7/28/16</a:t>
             </a:fld>
             <a:endParaRPr lang="en-US"/>
           </a:p>
@@ -2259,7 +2259,7 @@
           <a:p>
             <a:fld id="{A158B014-3023-2543-8984-7EAE69C1CC0E}" type="datetimeFigureOut">
               <a:rPr lang="en-US" smtClean="0"/>
-              <a:t>7/26/16</a:t>
+              <a:t>7/28/16</a:t>
             </a:fld>
             <a:endParaRPr lang="en-US"/>
           </a:p>
@@ -2512,7 +2512,7 @@
           <a:p>
             <a:fld id="{A158B014-3023-2543-8984-7EAE69C1CC0E}" type="datetimeFigureOut">
               <a:rPr lang="en-US" smtClean="0"/>
-              <a:t>7/26/16</a:t>
+              <a:t>7/28/16</a:t>
             </a:fld>
             <a:endParaRPr lang="en-US"/>
           </a:p>
@@ -2725,7 +2725,7 @@
           <a:p>
             <a:fld id="{A158B014-3023-2543-8984-7EAE69C1CC0E}" type="datetimeFigureOut">
               <a:rPr lang="en-US" smtClean="0"/>
-              <a:t>7/26/16</a:t>
+              <a:t>7/28/16</a:t>
             </a:fld>
             <a:endParaRPr lang="en-US"/>
           </a:p>
@@ -6162,35 +6162,6 @@
       </p:sp>
       <p:sp>
         <p:nvSpPr>
-          <p:cNvPr id="15" name="TextBox 14"/>
-          <p:cNvSpPr txBox="1"/>
-          <p:nvPr/>
-        </p:nvSpPr>
-        <p:spPr>
-          <a:xfrm>
-            <a:off x="5793467" y="3977107"/>
-            <a:ext cx="543739" cy="246221"/>
-          </a:xfrm>
-          <a:prstGeom prst="rect">
-            <a:avLst/>
-          </a:prstGeom>
-          <a:noFill/>
-        </p:spPr>
-        <p:txBody>
-          <a:bodyPr wrap="square" rtlCol="0">
-            <a:spAutoFit/>
-          </a:bodyPr>
-          <a:lstStyle/>
-          <a:p>
-            <a:r>
-              <a:rPr lang="en-US" sz="1000" dirty="0"/>
-              <a:t>Library</a:t>
-            </a:r>
-          </a:p>
-        </p:txBody>
-      </p:sp>
-      <p:sp>
-        <p:nvSpPr>
           <p:cNvPr id="16" name="TextBox 15"/>
           <p:cNvSpPr txBox="1"/>
           <p:nvPr/>
@@ -7598,6 +7569,42 @@
               <a:rPr lang="en-US" sz="1000" dirty="0"/>
               <a:t>Vuvuzelas</a:t>
             </a:r>
+          </a:p>
+        </p:txBody>
+      </p:sp>
+      <p:sp>
+        <p:nvSpPr>
+          <p:cNvPr id="58" name="TextBox 57"/>
+          <p:cNvSpPr txBox="1"/>
+          <p:nvPr/>
+        </p:nvSpPr>
+        <p:spPr>
+          <a:xfrm>
+            <a:off x="5833543" y="3962400"/>
+            <a:ext cx="603450" cy="400110"/>
+          </a:xfrm>
+          <a:prstGeom prst="rect">
+            <a:avLst/>
+          </a:prstGeom>
+          <a:noFill/>
+        </p:spPr>
+        <p:txBody>
+          <a:bodyPr wrap="none" rtlCol="0">
+            <a:spAutoFit/>
+          </a:bodyPr>
+          <a:lstStyle/>
+          <a:p>
+            <a:r>
+              <a:rPr lang="en-US" sz="1000" dirty="0" smtClean="0"/>
+              <a:t>Perilous</a:t>
+            </a:r>
+          </a:p>
+          <a:p>
+            <a:r>
+              <a:rPr lang="en-US" sz="1000" dirty="0" smtClean="0"/>
+              <a:t>Passage</a:t>
+            </a:r>
+            <a:endParaRPr lang="en-US" sz="1000" dirty="0"/>
           </a:p>
         </p:txBody>
       </p:sp>
@@ -8170,9 +8177,10 @@
           <a:lstStyle/>
           <a:p>
             <a:r>
-              <a:rPr lang="en-US" sz="1050" dirty="0"/>
-              <a:t>Gas </a:t>
-            </a:r>
+              <a:rPr lang="en-US" sz="1050" smtClean="0"/>
+              <a:t>Service</a:t>
+            </a:r>
+            <a:endParaRPr lang="en-US" sz="1050" dirty="0"/>
           </a:p>
           <a:p>
             <a:r>
@@ -8313,23 +8321,30 @@
         <p:spPr>
           <a:xfrm>
             <a:off x="5132773" y="5286121"/>
-            <a:ext cx="588623" cy="253916"/>
-          </a:xfrm>
-          <a:prstGeom prst="rect">
-            <a:avLst/>
-          </a:prstGeom>
-          <a:noFill/>
-        </p:spPr>
-        <p:txBody>
-          <a:bodyPr wrap="none" rtlCol="0">
-            <a:spAutoFit/>
-          </a:bodyPr>
-          <a:lstStyle/>
-          <a:p>
-            <a:r>
-              <a:rPr lang="en-US" sz="1050" dirty="0"/>
+            <a:ext cx="692505" cy="415498"/>
+          </a:xfrm>
+          <a:prstGeom prst="rect">
+            <a:avLst/>
+          </a:prstGeom>
+          <a:noFill/>
+        </p:spPr>
+        <p:txBody>
+          <a:bodyPr wrap="none" rtlCol="0">
+            <a:spAutoFit/>
+          </a:bodyPr>
+          <a:lstStyle/>
+          <a:p>
+            <a:r>
+              <a:rPr lang="en-US" sz="1050" dirty="0" smtClean="0"/>
+              <a:t>Botanical</a:t>
+            </a:r>
+          </a:p>
+          <a:p>
+            <a:r>
+              <a:rPr lang="en-US" sz="1050" dirty="0" smtClean="0"/>
               <a:t>Garden</a:t>
             </a:r>
+            <a:endParaRPr lang="en-US" sz="1050" dirty="0"/>
           </a:p>
         </p:txBody>
       </p:sp>

--- a/diagrams.pptx
+++ b/diagrams.pptx
@@ -293,7 +293,7 @@
           <a:p>
             <a:fld id="{A158B014-3023-2543-8984-7EAE69C1CC0E}" type="datetimeFigureOut">
               <a:rPr lang="en-US" smtClean="0"/>
-              <a:t>7/28/16</a:t>
+              <a:t>7/31/16</a:t>
             </a:fld>
             <a:endParaRPr lang="en-US"/>
           </a:p>
@@ -463,7 +463,7 @@
           <a:p>
             <a:fld id="{A158B014-3023-2543-8984-7EAE69C1CC0E}" type="datetimeFigureOut">
               <a:rPr lang="en-US" smtClean="0"/>
-              <a:t>7/28/16</a:t>
+              <a:t>7/31/16</a:t>
             </a:fld>
             <a:endParaRPr lang="en-US"/>
           </a:p>
@@ -643,7 +643,7 @@
           <a:p>
             <a:fld id="{A158B014-3023-2543-8984-7EAE69C1CC0E}" type="datetimeFigureOut">
               <a:rPr lang="en-US" smtClean="0"/>
-              <a:t>7/28/16</a:t>
+              <a:t>7/31/16</a:t>
             </a:fld>
             <a:endParaRPr lang="en-US"/>
           </a:p>
@@ -813,7 +813,7 @@
           <a:p>
             <a:fld id="{A158B014-3023-2543-8984-7EAE69C1CC0E}" type="datetimeFigureOut">
               <a:rPr lang="en-US" smtClean="0"/>
-              <a:t>7/28/16</a:t>
+              <a:t>7/31/16</a:t>
             </a:fld>
             <a:endParaRPr lang="en-US"/>
           </a:p>
@@ -1059,7 +1059,7 @@
           <a:p>
             <a:fld id="{A158B014-3023-2543-8984-7EAE69C1CC0E}" type="datetimeFigureOut">
               <a:rPr lang="en-US" smtClean="0"/>
-              <a:t>7/28/16</a:t>
+              <a:t>7/31/16</a:t>
             </a:fld>
             <a:endParaRPr lang="en-US"/>
           </a:p>
@@ -1347,7 +1347,7 @@
           <a:p>
             <a:fld id="{A158B014-3023-2543-8984-7EAE69C1CC0E}" type="datetimeFigureOut">
               <a:rPr lang="en-US" smtClean="0"/>
-              <a:t>7/28/16</a:t>
+              <a:t>7/31/16</a:t>
             </a:fld>
             <a:endParaRPr lang="en-US"/>
           </a:p>
@@ -1769,7 +1769,7 @@
           <a:p>
             <a:fld id="{A158B014-3023-2543-8984-7EAE69C1CC0E}" type="datetimeFigureOut">
               <a:rPr lang="en-US" smtClean="0"/>
-              <a:t>7/28/16</a:t>
+              <a:t>7/31/16</a:t>
             </a:fld>
             <a:endParaRPr lang="en-US"/>
           </a:p>
@@ -1887,7 +1887,7 @@
           <a:p>
             <a:fld id="{A158B014-3023-2543-8984-7EAE69C1CC0E}" type="datetimeFigureOut">
               <a:rPr lang="en-US" smtClean="0"/>
-              <a:t>7/28/16</a:t>
+              <a:t>7/31/16</a:t>
             </a:fld>
             <a:endParaRPr lang="en-US"/>
           </a:p>
@@ -1982,7 +1982,7 @@
           <a:p>
             <a:fld id="{A158B014-3023-2543-8984-7EAE69C1CC0E}" type="datetimeFigureOut">
               <a:rPr lang="en-US" smtClean="0"/>
-              <a:t>7/28/16</a:t>
+              <a:t>7/31/16</a:t>
             </a:fld>
             <a:endParaRPr lang="en-US"/>
           </a:p>
@@ -2259,7 +2259,7 @@
           <a:p>
             <a:fld id="{A158B014-3023-2543-8984-7EAE69C1CC0E}" type="datetimeFigureOut">
               <a:rPr lang="en-US" smtClean="0"/>
-              <a:t>7/28/16</a:t>
+              <a:t>7/31/16</a:t>
             </a:fld>
             <a:endParaRPr lang="en-US"/>
           </a:p>
@@ -2512,7 +2512,7 @@
           <a:p>
             <a:fld id="{A158B014-3023-2543-8984-7EAE69C1CC0E}" type="datetimeFigureOut">
               <a:rPr lang="en-US" smtClean="0"/>
-              <a:t>7/28/16</a:t>
+              <a:t>7/31/16</a:t>
             </a:fld>
             <a:endParaRPr lang="en-US"/>
           </a:p>
@@ -2725,7 +2725,7 @@
           <a:p>
             <a:fld id="{A158B014-3023-2543-8984-7EAE69C1CC0E}" type="datetimeFigureOut">
               <a:rPr lang="en-US" smtClean="0"/>
-              <a:t>7/28/16</a:t>
+              <a:t>7/31/16</a:t>
             </a:fld>
             <a:endParaRPr lang="en-US"/>
           </a:p>
@@ -4242,7 +4242,15 @@
             <a:pPr algn="ctr"/>
             <a:r>
               <a:rPr lang="en-US" dirty="0" smtClean="0"/>
-              <a:t>4: Infirmary: Pink</a:t>
+              <a:t>4: </a:t>
+            </a:r>
+            <a:r>
+              <a:rPr lang="en-US" dirty="0" smtClean="0"/>
+              <a:t>Infirmary</a:t>
+            </a:r>
+            <a:r>
+              <a:rPr lang="en-US" dirty="0" smtClean="0"/>
+              <a:t>: Pink</a:t>
             </a:r>
             <a:endParaRPr lang="en-US" dirty="0"/>
           </a:p>
@@ -5390,7 +5398,7 @@
         </p:nvSpPr>
         <p:spPr>
           <a:xfrm>
-            <a:off x="5475317" y="4378171"/>
+            <a:off x="3741664" y="5220385"/>
             <a:ext cx="828194" cy="490915"/>
           </a:xfrm>
           <a:prstGeom prst="rect">
@@ -5434,7 +5442,7 @@
         </p:nvSpPr>
         <p:spPr>
           <a:xfrm>
-            <a:off x="5589665" y="4414071"/>
+            <a:off x="3856012" y="5256285"/>
             <a:ext cx="713845" cy="369332"/>
           </a:xfrm>
           <a:prstGeom prst="rect">
@@ -6440,28 +6448,28 @@
         <p:spPr>
           <a:xfrm>
             <a:off x="2515491" y="4779954"/>
-            <a:ext cx="856325" cy="400110"/>
-          </a:xfrm>
-          <a:prstGeom prst="rect">
-            <a:avLst/>
-          </a:prstGeom>
-          <a:noFill/>
-        </p:spPr>
-        <p:txBody>
-          <a:bodyPr wrap="none" rtlCol="0">
-            <a:spAutoFit/>
-          </a:bodyPr>
-          <a:lstStyle/>
-          <a:p>
-            <a:r>
-              <a:rPr lang="en-US" sz="1000" dirty="0"/>
-              <a:t>Brotherhood</a:t>
-            </a:r>
-          </a:p>
-          <a:p>
-            <a:r>
-              <a:rPr lang="en-US" sz="1000" dirty="0"/>
-              <a:t>OTSA</a:t>
+            <a:ext cx="851665" cy="400110"/>
+          </a:xfrm>
+          <a:prstGeom prst="rect">
+            <a:avLst/>
+          </a:prstGeom>
+          <a:noFill/>
+        </p:spPr>
+        <p:txBody>
+          <a:bodyPr wrap="none" rtlCol="0">
+            <a:spAutoFit/>
+          </a:bodyPr>
+          <a:lstStyle/>
+          <a:p>
+            <a:r>
+              <a:rPr lang="en-US" sz="1000" dirty="0" smtClean="0"/>
+              <a:t>Biological</a:t>
+            </a:r>
+          </a:p>
+          <a:p>
+            <a:r>
+              <a:rPr lang="en-US" sz="1000" dirty="0" smtClean="0"/>
+              <a:t>containment</a:t>
             </a:r>
           </a:p>
         </p:txBody>

--- a/diagrams.pptx
+++ b/diagrams.pptx
@@ -293,7 +293,7 @@
           <a:p>
             <a:fld id="{A158B014-3023-2543-8984-7EAE69C1CC0E}" type="datetimeFigureOut">
               <a:rPr lang="en-US" smtClean="0"/>
-              <a:t>7/31/16</a:t>
+              <a:t>8/13/16</a:t>
             </a:fld>
             <a:endParaRPr lang="en-US"/>
           </a:p>
@@ -463,7 +463,7 @@
           <a:p>
             <a:fld id="{A158B014-3023-2543-8984-7EAE69C1CC0E}" type="datetimeFigureOut">
               <a:rPr lang="en-US" smtClean="0"/>
-              <a:t>7/31/16</a:t>
+              <a:t>8/13/16</a:t>
             </a:fld>
             <a:endParaRPr lang="en-US"/>
           </a:p>
@@ -643,7 +643,7 @@
           <a:p>
             <a:fld id="{A158B014-3023-2543-8984-7EAE69C1CC0E}" type="datetimeFigureOut">
               <a:rPr lang="en-US" smtClean="0"/>
-              <a:t>7/31/16</a:t>
+              <a:t>8/13/16</a:t>
             </a:fld>
             <a:endParaRPr lang="en-US"/>
           </a:p>
@@ -813,7 +813,7 @@
           <a:p>
             <a:fld id="{A158B014-3023-2543-8984-7EAE69C1CC0E}" type="datetimeFigureOut">
               <a:rPr lang="en-US" smtClean="0"/>
-              <a:t>7/31/16</a:t>
+              <a:t>8/13/16</a:t>
             </a:fld>
             <a:endParaRPr lang="en-US"/>
           </a:p>
@@ -1059,7 +1059,7 @@
           <a:p>
             <a:fld id="{A158B014-3023-2543-8984-7EAE69C1CC0E}" type="datetimeFigureOut">
               <a:rPr lang="en-US" smtClean="0"/>
-              <a:t>7/31/16</a:t>
+              <a:t>8/13/16</a:t>
             </a:fld>
             <a:endParaRPr lang="en-US"/>
           </a:p>
@@ -1347,7 +1347,7 @@
           <a:p>
             <a:fld id="{A158B014-3023-2543-8984-7EAE69C1CC0E}" type="datetimeFigureOut">
               <a:rPr lang="en-US" smtClean="0"/>
-              <a:t>7/31/16</a:t>
+              <a:t>8/13/16</a:t>
             </a:fld>
             <a:endParaRPr lang="en-US"/>
           </a:p>
@@ -1769,7 +1769,7 @@
           <a:p>
             <a:fld id="{A158B014-3023-2543-8984-7EAE69C1CC0E}" type="datetimeFigureOut">
               <a:rPr lang="en-US" smtClean="0"/>
-              <a:t>7/31/16</a:t>
+              <a:t>8/13/16</a:t>
             </a:fld>
             <a:endParaRPr lang="en-US"/>
           </a:p>
@@ -1887,7 +1887,7 @@
           <a:p>
             <a:fld id="{A158B014-3023-2543-8984-7EAE69C1CC0E}" type="datetimeFigureOut">
               <a:rPr lang="en-US" smtClean="0"/>
-              <a:t>7/31/16</a:t>
+              <a:t>8/13/16</a:t>
             </a:fld>
             <a:endParaRPr lang="en-US"/>
           </a:p>
@@ -1982,7 +1982,7 @@
           <a:p>
             <a:fld id="{A158B014-3023-2543-8984-7EAE69C1CC0E}" type="datetimeFigureOut">
               <a:rPr lang="en-US" smtClean="0"/>
-              <a:t>7/31/16</a:t>
+              <a:t>8/13/16</a:t>
             </a:fld>
             <a:endParaRPr lang="en-US"/>
           </a:p>
@@ -2259,7 +2259,7 @@
           <a:p>
             <a:fld id="{A158B014-3023-2543-8984-7EAE69C1CC0E}" type="datetimeFigureOut">
               <a:rPr lang="en-US" smtClean="0"/>
-              <a:t>7/31/16</a:t>
+              <a:t>8/13/16</a:t>
             </a:fld>
             <a:endParaRPr lang="en-US"/>
           </a:p>
@@ -2512,7 +2512,7 @@
           <a:p>
             <a:fld id="{A158B014-3023-2543-8984-7EAE69C1CC0E}" type="datetimeFigureOut">
               <a:rPr lang="en-US" smtClean="0"/>
-              <a:t>7/31/16</a:t>
+              <a:t>8/13/16</a:t>
             </a:fld>
             <a:endParaRPr lang="en-US"/>
           </a:p>
@@ -2725,7 +2725,7 @@
           <a:p>
             <a:fld id="{A158B014-3023-2543-8984-7EAE69C1CC0E}" type="datetimeFigureOut">
               <a:rPr lang="en-US" smtClean="0"/>
-              <a:t>7/31/16</a:t>
+              <a:t>8/13/16</a:t>
             </a:fld>
             <a:endParaRPr lang="en-US"/>
           </a:p>
@@ -3108,7 +3108,7 @@
         </p:nvSpPr>
         <p:spPr>
           <a:xfrm>
-            <a:off x="3780117" y="4407647"/>
+            <a:off x="3763682" y="5190546"/>
             <a:ext cx="1090706" cy="974166"/>
           </a:xfrm>
           <a:prstGeom prst="ellipse">
@@ -3370,7 +3370,7 @@
         </p:nvSpPr>
         <p:spPr>
           <a:xfrm>
-            <a:off x="3914586" y="5871883"/>
+            <a:off x="3914586" y="6199077"/>
             <a:ext cx="901283" cy="369332"/>
           </a:xfrm>
           <a:prstGeom prst="rect">
@@ -3400,7 +3400,7 @@
         </p:nvSpPr>
         <p:spPr>
           <a:xfrm>
-            <a:off x="3799869" y="4649695"/>
+            <a:off x="3799869" y="5347448"/>
             <a:ext cx="1090976" cy="646331"/>
           </a:xfrm>
           <a:prstGeom prst="rect">
@@ -3524,6 +3524,80 @@
             <a:r>
               <a:rPr lang="en-US" dirty="0" smtClean="0"/>
               <a:t>Stairs</a:t>
+            </a:r>
+            <a:endParaRPr lang="en-US" dirty="0"/>
+          </a:p>
+        </p:txBody>
+      </p:sp>
+      <p:sp>
+        <p:nvSpPr>
+          <p:cNvPr id="16" name="Rectangle 15"/>
+          <p:cNvSpPr/>
+          <p:nvPr/>
+        </p:nvSpPr>
+        <p:spPr>
+          <a:xfrm>
+            <a:off x="3750235" y="4335930"/>
+            <a:ext cx="1075765" cy="1045883"/>
+          </a:xfrm>
+          <a:prstGeom prst="rect">
+            <a:avLst/>
+          </a:prstGeom>
+          <a:noFill/>
+          <a:ln>
+            <a:solidFill>
+              <a:schemeClr val="tx1"/>
+            </a:solidFill>
+          </a:ln>
+        </p:spPr>
+        <p:style>
+          <a:lnRef idx="1">
+            <a:schemeClr val="accent1"/>
+          </a:lnRef>
+          <a:fillRef idx="3">
+            <a:schemeClr val="accent1"/>
+          </a:fillRef>
+          <a:effectRef idx="2">
+            <a:schemeClr val="accent1"/>
+          </a:effectRef>
+          <a:fontRef idx="minor">
+            <a:schemeClr val="lt1"/>
+          </a:fontRef>
+        </p:style>
+        <p:txBody>
+          <a:bodyPr rtlCol="0" anchor="ctr"/>
+          <a:lstStyle/>
+          <a:p>
+            <a:pPr algn="ctr"/>
+            <a:endParaRPr lang="en-US"/>
+          </a:p>
+        </p:txBody>
+      </p:sp>
+      <p:sp>
+        <p:nvSpPr>
+          <p:cNvPr id="2" name="TextBox 1"/>
+          <p:cNvSpPr txBox="1"/>
+          <p:nvPr/>
+        </p:nvSpPr>
+        <p:spPr>
+          <a:xfrm>
+            <a:off x="3841715" y="4572000"/>
+            <a:ext cx="941283" cy="369332"/>
+          </a:xfrm>
+          <a:prstGeom prst="rect">
+            <a:avLst/>
+          </a:prstGeom>
+          <a:noFill/>
+        </p:spPr>
+        <p:txBody>
+          <a:bodyPr wrap="none" rtlCol="0">
+            <a:spAutoFit/>
+          </a:bodyPr>
+          <a:lstStyle/>
+          <a:p>
+            <a:r>
+              <a:rPr lang="en-US" dirty="0" smtClean="0"/>
+              <a:t>Security</a:t>
             </a:r>
             <a:endParaRPr lang="en-US" dirty="0"/>
           </a:p>
@@ -4242,15 +4316,7 @@
             <a:pPr algn="ctr"/>
             <a:r>
               <a:rPr lang="en-US" dirty="0" smtClean="0"/>
-              <a:t>4: </a:t>
-            </a:r>
-            <a:r>
-              <a:rPr lang="en-US" dirty="0" smtClean="0"/>
-              <a:t>Infirmary</a:t>
-            </a:r>
-            <a:r>
-              <a:rPr lang="en-US" dirty="0" smtClean="0"/>
-              <a:t>: Pink</a:t>
+              <a:t>4: Infirmary: Pink</a:t>
             </a:r>
             <a:endParaRPr lang="en-US" dirty="0"/>
           </a:p>
@@ -8270,24 +8336,25 @@
         </p:nvSpPr>
         <p:spPr>
           <a:xfrm>
-            <a:off x="5132773" y="4187109"/>
-            <a:ext cx="662361" cy="253916"/>
-          </a:xfrm>
-          <a:prstGeom prst="rect">
-            <a:avLst/>
-          </a:prstGeom>
-          <a:noFill/>
-        </p:spPr>
-        <p:txBody>
-          <a:bodyPr wrap="none" rtlCol="0">
-            <a:spAutoFit/>
-          </a:bodyPr>
-          <a:lstStyle/>
-          <a:p>
-            <a:r>
-              <a:rPr lang="en-US" sz="1050" dirty="0"/>
-              <a:t>Walmart</a:t>
-            </a:r>
+            <a:off x="5162917" y="4187109"/>
+            <a:ext cx="634383" cy="253916"/>
+          </a:xfrm>
+          <a:prstGeom prst="rect">
+            <a:avLst/>
+          </a:prstGeom>
+          <a:noFill/>
+        </p:spPr>
+        <p:txBody>
+          <a:bodyPr wrap="none" rtlCol="0">
+            <a:spAutoFit/>
+          </a:bodyPr>
+          <a:lstStyle/>
+          <a:p>
+            <a:r>
+              <a:rPr lang="en-US" sz="1050" smtClean="0"/>
+              <a:t>Hospital</a:t>
+            </a:r>
+            <a:endParaRPr lang="en-US" sz="1050" dirty="0"/>
           </a:p>
         </p:txBody>
       </p:sp>

--- a/diagrams.pptx
+++ b/diagrams.pptx
@@ -5,12 +5,13 @@
     <p:sldMasterId id="2147483648" r:id="rId1"/>
   </p:sldMasterIdLst>
   <p:sldIdLst>
-    <p:sldId id="256" r:id="rId2"/>
-    <p:sldId id="257" r:id="rId3"/>
-    <p:sldId id="258" r:id="rId4"/>
-    <p:sldId id="259" r:id="rId5"/>
-    <p:sldId id="261" r:id="rId6"/>
-    <p:sldId id="260" r:id="rId7"/>
+    <p:sldId id="262" r:id="rId2"/>
+    <p:sldId id="259" r:id="rId3"/>
+    <p:sldId id="261" r:id="rId4"/>
+    <p:sldId id="256" r:id="rId5"/>
+    <p:sldId id="258" r:id="rId6"/>
+    <p:sldId id="257" r:id="rId7"/>
+    <p:sldId id="260" r:id="rId8"/>
   </p:sldIdLst>
   <p:sldSz cx="9144000" cy="6858000" type="screen4x3"/>
   <p:notesSz cx="6858000" cy="9144000"/>
@@ -293,7 +294,7 @@
           <a:p>
             <a:fld id="{A158B014-3023-2543-8984-7EAE69C1CC0E}" type="datetimeFigureOut">
               <a:rPr lang="en-US" smtClean="0"/>
-              <a:t>8/13/16</a:t>
+              <a:t>9/7/16</a:t>
             </a:fld>
             <a:endParaRPr lang="en-US"/>
           </a:p>
@@ -463,7 +464,7 @@
           <a:p>
             <a:fld id="{A158B014-3023-2543-8984-7EAE69C1CC0E}" type="datetimeFigureOut">
               <a:rPr lang="en-US" smtClean="0"/>
-              <a:t>8/13/16</a:t>
+              <a:t>9/7/16</a:t>
             </a:fld>
             <a:endParaRPr lang="en-US"/>
           </a:p>
@@ -643,7 +644,7 @@
           <a:p>
             <a:fld id="{A158B014-3023-2543-8984-7EAE69C1CC0E}" type="datetimeFigureOut">
               <a:rPr lang="en-US" smtClean="0"/>
-              <a:t>8/13/16</a:t>
+              <a:t>9/7/16</a:t>
             </a:fld>
             <a:endParaRPr lang="en-US"/>
           </a:p>
@@ -813,7 +814,7 @@
           <a:p>
             <a:fld id="{A158B014-3023-2543-8984-7EAE69C1CC0E}" type="datetimeFigureOut">
               <a:rPr lang="en-US" smtClean="0"/>
-              <a:t>8/13/16</a:t>
+              <a:t>9/7/16</a:t>
             </a:fld>
             <a:endParaRPr lang="en-US"/>
           </a:p>
@@ -1059,7 +1060,7 @@
           <a:p>
             <a:fld id="{A158B014-3023-2543-8984-7EAE69C1CC0E}" type="datetimeFigureOut">
               <a:rPr lang="en-US" smtClean="0"/>
-              <a:t>8/13/16</a:t>
+              <a:t>9/7/16</a:t>
             </a:fld>
             <a:endParaRPr lang="en-US"/>
           </a:p>
@@ -1347,7 +1348,7 @@
           <a:p>
             <a:fld id="{A158B014-3023-2543-8984-7EAE69C1CC0E}" type="datetimeFigureOut">
               <a:rPr lang="en-US" smtClean="0"/>
-              <a:t>8/13/16</a:t>
+              <a:t>9/7/16</a:t>
             </a:fld>
             <a:endParaRPr lang="en-US"/>
           </a:p>
@@ -1769,7 +1770,7 @@
           <a:p>
             <a:fld id="{A158B014-3023-2543-8984-7EAE69C1CC0E}" type="datetimeFigureOut">
               <a:rPr lang="en-US" smtClean="0"/>
-              <a:t>8/13/16</a:t>
+              <a:t>9/7/16</a:t>
             </a:fld>
             <a:endParaRPr lang="en-US"/>
           </a:p>
@@ -1887,7 +1888,7 @@
           <a:p>
             <a:fld id="{A158B014-3023-2543-8984-7EAE69C1CC0E}" type="datetimeFigureOut">
               <a:rPr lang="en-US" smtClean="0"/>
-              <a:t>8/13/16</a:t>
+              <a:t>9/7/16</a:t>
             </a:fld>
             <a:endParaRPr lang="en-US"/>
           </a:p>
@@ -1982,7 +1983,7 @@
           <a:p>
             <a:fld id="{A158B014-3023-2543-8984-7EAE69C1CC0E}" type="datetimeFigureOut">
               <a:rPr lang="en-US" smtClean="0"/>
-              <a:t>8/13/16</a:t>
+              <a:t>9/7/16</a:t>
             </a:fld>
             <a:endParaRPr lang="en-US"/>
           </a:p>
@@ -2259,7 +2260,7 @@
           <a:p>
             <a:fld id="{A158B014-3023-2543-8984-7EAE69C1CC0E}" type="datetimeFigureOut">
               <a:rPr lang="en-US" smtClean="0"/>
-              <a:t>8/13/16</a:t>
+              <a:t>9/7/16</a:t>
             </a:fld>
             <a:endParaRPr lang="en-US"/>
           </a:p>
@@ -2512,7 +2513,7 @@
           <a:p>
             <a:fld id="{A158B014-3023-2543-8984-7EAE69C1CC0E}" type="datetimeFigureOut">
               <a:rPr lang="en-US" smtClean="0"/>
-              <a:t>8/13/16</a:t>
+              <a:t>9/7/16</a:t>
             </a:fld>
             <a:endParaRPr lang="en-US"/>
           </a:p>
@@ -2725,7 +2726,7 @@
           <a:p>
             <a:fld id="{A158B014-3023-2543-8984-7EAE69C1CC0E}" type="datetimeFigureOut">
               <a:rPr lang="en-US" smtClean="0"/>
-              <a:t>8/13/16</a:t>
+              <a:t>9/7/16</a:t>
             </a:fld>
             <a:endParaRPr lang="en-US"/>
           </a:p>
@@ -3102,247 +3103,53 @@
       </p:grpSpPr>
       <p:sp>
         <p:nvSpPr>
-          <p:cNvPr id="12" name="Oval 11"/>
-          <p:cNvSpPr/>
-          <p:nvPr/>
-        </p:nvSpPr>
-        <p:spPr>
-          <a:xfrm>
-            <a:off x="3763682" y="5190546"/>
-            <a:ext cx="1090706" cy="974166"/>
-          </a:xfrm>
-          <a:prstGeom prst="ellipse">
-            <a:avLst/>
-          </a:prstGeom>
-          <a:solidFill>
-            <a:schemeClr val="bg1"/>
-          </a:solidFill>
-          <a:ln>
-            <a:solidFill>
-              <a:schemeClr val="tx1"/>
-            </a:solidFill>
-          </a:ln>
-        </p:spPr>
-        <p:style>
-          <a:lnRef idx="1">
-            <a:schemeClr val="accent1"/>
-          </a:lnRef>
-          <a:fillRef idx="3">
-            <a:schemeClr val="accent1"/>
-          </a:fillRef>
-          <a:effectRef idx="2">
-            <a:schemeClr val="accent1"/>
-          </a:effectRef>
-          <a:fontRef idx="minor">
-            <a:schemeClr val="lt1"/>
-          </a:fontRef>
-        </p:style>
-        <p:txBody>
-          <a:bodyPr rtlCol="0" anchor="ctr"/>
-          <a:lstStyle/>
-          <a:p>
-            <a:pPr algn="ctr"/>
-            <a:endParaRPr lang="en-US"/>
-          </a:p>
-        </p:txBody>
-      </p:sp>
-      <p:sp>
-        <p:nvSpPr>
-          <p:cNvPr id="4" name="Rectangle 3"/>
-          <p:cNvSpPr/>
-          <p:nvPr/>
-        </p:nvSpPr>
-        <p:spPr>
-          <a:xfrm>
-            <a:off x="3765176" y="1240118"/>
-            <a:ext cx="1075765" cy="1045883"/>
-          </a:xfrm>
-          <a:prstGeom prst="rect">
-            <a:avLst/>
-          </a:prstGeom>
-          <a:noFill/>
-          <a:ln>
-            <a:solidFill>
-              <a:schemeClr val="tx1"/>
-            </a:solidFill>
-          </a:ln>
-        </p:spPr>
-        <p:style>
-          <a:lnRef idx="1">
-            <a:schemeClr val="accent1"/>
-          </a:lnRef>
-          <a:fillRef idx="3">
-            <a:schemeClr val="accent1"/>
-          </a:fillRef>
-          <a:effectRef idx="2">
-            <a:schemeClr val="accent1"/>
-          </a:effectRef>
-          <a:fontRef idx="minor">
-            <a:schemeClr val="lt1"/>
-          </a:fontRef>
-        </p:style>
-        <p:txBody>
-          <a:bodyPr rtlCol="0" anchor="ctr"/>
-          <a:lstStyle/>
-          <a:p>
-            <a:pPr algn="ctr"/>
-            <a:endParaRPr lang="en-US"/>
-          </a:p>
-        </p:txBody>
-      </p:sp>
-      <p:sp>
-        <p:nvSpPr>
-          <p:cNvPr id="5" name="Rectangle 4"/>
-          <p:cNvSpPr/>
-          <p:nvPr/>
-        </p:nvSpPr>
-        <p:spPr>
-          <a:xfrm>
-            <a:off x="5590985" y="2752164"/>
-            <a:ext cx="1075765" cy="1045883"/>
-          </a:xfrm>
-          <a:prstGeom prst="rect">
-            <a:avLst/>
-          </a:prstGeom>
-          <a:noFill/>
-          <a:ln>
-            <a:solidFill>
-              <a:schemeClr val="tx1"/>
-            </a:solidFill>
-          </a:ln>
-        </p:spPr>
-        <p:style>
-          <a:lnRef idx="1">
-            <a:schemeClr val="accent1"/>
-          </a:lnRef>
-          <a:fillRef idx="3">
-            <a:schemeClr val="accent1"/>
-          </a:fillRef>
-          <a:effectRef idx="2">
-            <a:schemeClr val="accent1"/>
-          </a:effectRef>
-          <a:fontRef idx="minor">
-            <a:schemeClr val="lt1"/>
-          </a:fontRef>
-        </p:style>
-        <p:txBody>
-          <a:bodyPr rtlCol="0" anchor="ctr"/>
-          <a:lstStyle/>
-          <a:p>
-            <a:pPr algn="ctr"/>
-            <a:endParaRPr lang="en-US"/>
-          </a:p>
-        </p:txBody>
-      </p:sp>
-      <p:sp>
-        <p:nvSpPr>
-          <p:cNvPr id="6" name="Rectangle 5"/>
-          <p:cNvSpPr/>
-          <p:nvPr/>
-        </p:nvSpPr>
-        <p:spPr>
-          <a:xfrm>
-            <a:off x="1795925" y="2856753"/>
-            <a:ext cx="1075765" cy="1045883"/>
-          </a:xfrm>
-          <a:prstGeom prst="rect">
-            <a:avLst/>
-          </a:prstGeom>
-          <a:noFill/>
-          <a:ln>
-            <a:solidFill>
-              <a:schemeClr val="tx1"/>
-            </a:solidFill>
-          </a:ln>
-        </p:spPr>
-        <p:style>
-          <a:lnRef idx="1">
-            <a:schemeClr val="accent1"/>
-          </a:lnRef>
-          <a:fillRef idx="3">
-            <a:schemeClr val="accent1"/>
-          </a:fillRef>
-          <a:effectRef idx="2">
-            <a:schemeClr val="accent1"/>
-          </a:effectRef>
-          <a:fontRef idx="minor">
-            <a:schemeClr val="lt1"/>
-          </a:fontRef>
-        </p:style>
-        <p:txBody>
-          <a:bodyPr rtlCol="0" anchor="ctr"/>
-          <a:lstStyle/>
-          <a:p>
-            <a:pPr algn="ctr"/>
-            <a:endParaRPr lang="en-US"/>
-          </a:p>
-        </p:txBody>
-      </p:sp>
-      <p:sp>
-        <p:nvSpPr>
-          <p:cNvPr id="8" name="Rectangle 7"/>
-          <p:cNvSpPr/>
-          <p:nvPr/>
-        </p:nvSpPr>
-        <p:spPr>
-          <a:xfrm>
-            <a:off x="1792939" y="1240119"/>
-            <a:ext cx="4873811" cy="4141694"/>
-          </a:xfrm>
-          <a:prstGeom prst="rect">
-            <a:avLst/>
-          </a:prstGeom>
-          <a:noFill/>
-          <a:ln>
-            <a:solidFill>
-              <a:schemeClr val="tx1"/>
-            </a:solidFill>
-          </a:ln>
-        </p:spPr>
-        <p:style>
-          <a:lnRef idx="1">
-            <a:schemeClr val="accent1"/>
-          </a:lnRef>
-          <a:fillRef idx="3">
-            <a:schemeClr val="accent1"/>
-          </a:fillRef>
-          <a:effectRef idx="2">
-            <a:schemeClr val="accent1"/>
-          </a:effectRef>
-          <a:fontRef idx="minor">
-            <a:schemeClr val="lt1"/>
-          </a:fontRef>
-        </p:style>
-        <p:txBody>
-          <a:bodyPr rtlCol="0" anchor="ctr"/>
-          <a:lstStyle/>
-          <a:p>
-            <a:pPr algn="ctr"/>
-            <a:endParaRPr lang="en-US"/>
-          </a:p>
-        </p:txBody>
-      </p:sp>
-      <p:sp>
-        <p:nvSpPr>
-          <p:cNvPr id="9" name="TextBox 8"/>
-          <p:cNvSpPr txBox="1"/>
-          <p:nvPr/>
-        </p:nvSpPr>
-        <p:spPr>
-          <a:xfrm>
-            <a:off x="5946588" y="5737412"/>
-            <a:ext cx="1727794" cy="646331"/>
-          </a:xfrm>
-          <a:prstGeom prst="rect">
-            <a:avLst/>
-          </a:prstGeom>
-          <a:noFill/>
-        </p:spPr>
-        <p:txBody>
-          <a:bodyPr wrap="none" rtlCol="0">
-            <a:spAutoFit/>
-          </a:bodyPr>
-          <a:lstStyle/>
+          <p:cNvPr id="2" name="Title 1"/>
+          <p:cNvSpPr>
+            <a:spLocks noGrp="1"/>
+          </p:cNvSpPr>
+          <p:nvPr>
+            <p:ph type="title"/>
+          </p:nvPr>
+        </p:nvSpPr>
+        <p:spPr/>
+        <p:txBody>
+          <a:bodyPr/>
+          <a:lstStyle/>
+          <a:p>
+            <a:r>
+              <a:rPr lang="en-US" dirty="0" smtClean="0"/>
+              <a:t>Contents</a:t>
+            </a:r>
+            <a:endParaRPr lang="en-US" dirty="0"/>
+          </a:p>
+        </p:txBody>
+      </p:sp>
+      <p:sp>
+        <p:nvSpPr>
+          <p:cNvPr id="3" name="Content Placeholder 2"/>
+          <p:cNvSpPr>
+            <a:spLocks noGrp="1"/>
+          </p:cNvSpPr>
+          <p:nvPr>
+            <p:ph idx="1"/>
+          </p:nvPr>
+        </p:nvSpPr>
+        <p:spPr/>
+        <p:txBody>
+          <a:bodyPr/>
+          <a:lstStyle/>
+          <a:p>
+            <a:r>
+              <a:rPr lang="en-US" dirty="0" smtClean="0"/>
+              <a:t>Town Center and Borders</a:t>
+            </a:r>
+          </a:p>
+          <a:p>
+            <a:r>
+              <a:rPr lang="en-US" dirty="0" smtClean="0"/>
+              <a:t>Sites in Town</a:t>
+            </a:r>
+          </a:p>
           <a:p>
             <a:r>
               <a:rPr lang="en-US" dirty="0" err="1" smtClean="0"/>
@@ -3350,263 +3157,46 @@
             </a:r>
             <a:r>
               <a:rPr lang="en-US" dirty="0" smtClean="0"/>
-              <a:t> Tower</a:t>
-            </a:r>
-          </a:p>
-          <a:p>
+              <a:t> Lobby Layout</a:t>
+            </a:r>
+          </a:p>
+          <a:p>
+            <a:r>
+              <a:rPr lang="en-US" dirty="0" err="1" smtClean="0"/>
+              <a:t>Nyantech</a:t>
+            </a:r>
             <a:r>
               <a:rPr lang="en-US" dirty="0" smtClean="0"/>
-              <a:t>Ground Level</a:t>
-            </a:r>
-            <a:endParaRPr lang="en-US" dirty="0"/>
-          </a:p>
-        </p:txBody>
-      </p:sp>
-      <p:sp>
-        <p:nvSpPr>
-          <p:cNvPr id="10" name="TextBox 9"/>
-          <p:cNvSpPr txBox="1"/>
-          <p:nvPr/>
-        </p:nvSpPr>
-        <p:spPr>
-          <a:xfrm>
-            <a:off x="3914586" y="6199077"/>
-            <a:ext cx="901283" cy="369332"/>
-          </a:xfrm>
-          <a:prstGeom prst="rect">
-            <a:avLst/>
-          </a:prstGeom>
-          <a:noFill/>
-        </p:spPr>
-        <p:txBody>
-          <a:bodyPr wrap="none" rtlCol="0">
-            <a:spAutoFit/>
-          </a:bodyPr>
-          <a:lstStyle/>
-          <a:p>
+              <a:t> Upper Floor Layout</a:t>
+            </a:r>
+          </a:p>
+          <a:p>
+            <a:r>
+              <a:rPr lang="en-US" dirty="0" err="1" smtClean="0"/>
+              <a:t>Nyantech</a:t>
+            </a:r>
             <a:r>
               <a:rPr lang="en-US" dirty="0" smtClean="0"/>
-              <a:t>unicorn</a:t>
-            </a:r>
-            <a:endParaRPr lang="en-US" dirty="0"/>
-          </a:p>
-        </p:txBody>
-      </p:sp>
-      <p:sp>
-        <p:nvSpPr>
-          <p:cNvPr id="11" name="TextBox 10"/>
-          <p:cNvSpPr txBox="1"/>
-          <p:nvPr/>
-        </p:nvSpPr>
-        <p:spPr>
-          <a:xfrm>
-            <a:off x="3799869" y="5347448"/>
-            <a:ext cx="1090976" cy="646331"/>
-          </a:xfrm>
-          <a:prstGeom prst="rect">
-            <a:avLst/>
-          </a:prstGeom>
-          <a:noFill/>
-        </p:spPr>
-        <p:txBody>
-          <a:bodyPr wrap="none" rtlCol="0">
-            <a:spAutoFit/>
-          </a:bodyPr>
-          <a:lstStyle/>
-          <a:p>
-            <a:pPr algn="ctr"/>
+              <a:t> Building Layout</a:t>
+            </a:r>
+          </a:p>
+          <a:p>
             <a:r>
               <a:rPr lang="en-US" dirty="0" smtClean="0"/>
-              <a:t>Revolving</a:t>
-            </a:r>
-          </a:p>
-          <a:p>
-            <a:pPr algn="ctr"/>
-            <a:r>
-              <a:rPr lang="en-US" dirty="0" smtClean="0"/>
-              <a:t>Door</a:t>
-            </a:r>
-            <a:endParaRPr lang="en-US" dirty="0"/>
-          </a:p>
-        </p:txBody>
-      </p:sp>
-      <p:sp>
-        <p:nvSpPr>
-          <p:cNvPr id="13" name="TextBox 12"/>
-          <p:cNvSpPr txBox="1"/>
-          <p:nvPr/>
-        </p:nvSpPr>
-        <p:spPr>
-          <a:xfrm>
-            <a:off x="1850879" y="3185459"/>
-            <a:ext cx="961697" cy="369332"/>
-          </a:xfrm>
-          <a:prstGeom prst="rect">
-            <a:avLst/>
-          </a:prstGeom>
-          <a:noFill/>
-        </p:spPr>
-        <p:txBody>
-          <a:bodyPr wrap="none" rtlCol="0">
-            <a:spAutoFit/>
-          </a:bodyPr>
-          <a:lstStyle/>
-          <a:p>
-            <a:r>
-              <a:rPr lang="en-US" dirty="0" smtClean="0"/>
-              <a:t>elevator</a:t>
-            </a:r>
-            <a:endParaRPr lang="en-US" dirty="0"/>
-          </a:p>
-        </p:txBody>
-      </p:sp>
-      <p:sp>
-        <p:nvSpPr>
-          <p:cNvPr id="14" name="TextBox 13"/>
-          <p:cNvSpPr txBox="1"/>
-          <p:nvPr/>
-        </p:nvSpPr>
-        <p:spPr>
-          <a:xfrm>
-            <a:off x="5740395" y="2990016"/>
-            <a:ext cx="764903" cy="646331"/>
-          </a:xfrm>
-          <a:prstGeom prst="rect">
-            <a:avLst/>
-          </a:prstGeom>
-          <a:noFill/>
-        </p:spPr>
-        <p:txBody>
-          <a:bodyPr wrap="none" rtlCol="0">
-            <a:spAutoFit/>
-          </a:bodyPr>
-          <a:lstStyle/>
-          <a:p>
-            <a:pPr algn="ctr"/>
-            <a:r>
-              <a:rPr lang="en-US" dirty="0" smtClean="0"/>
-              <a:t>LAN </a:t>
-            </a:r>
-          </a:p>
-          <a:p>
-            <a:pPr algn="ctr"/>
-            <a:r>
-              <a:rPr lang="en-US" dirty="0" smtClean="0"/>
-              <a:t>Closet</a:t>
-            </a:r>
-            <a:endParaRPr lang="en-US" dirty="0"/>
-          </a:p>
-        </p:txBody>
-      </p:sp>
-      <p:sp>
-        <p:nvSpPr>
-          <p:cNvPr id="15" name="TextBox 14"/>
-          <p:cNvSpPr txBox="1"/>
-          <p:nvPr/>
-        </p:nvSpPr>
-        <p:spPr>
-          <a:xfrm>
-            <a:off x="3945864" y="1409240"/>
-            <a:ext cx="702348" cy="369332"/>
-          </a:xfrm>
-          <a:prstGeom prst="rect">
-            <a:avLst/>
-          </a:prstGeom>
-          <a:noFill/>
-        </p:spPr>
-        <p:txBody>
-          <a:bodyPr wrap="none" rtlCol="0">
-            <a:spAutoFit/>
-          </a:bodyPr>
-          <a:lstStyle/>
-          <a:p>
-            <a:pPr algn="ctr"/>
-            <a:r>
-              <a:rPr lang="en-US" dirty="0" smtClean="0"/>
-              <a:t>Stairs</a:t>
-            </a:r>
-            <a:endParaRPr lang="en-US" dirty="0"/>
-          </a:p>
-        </p:txBody>
-      </p:sp>
-      <p:sp>
-        <p:nvSpPr>
-          <p:cNvPr id="16" name="Rectangle 15"/>
-          <p:cNvSpPr/>
-          <p:nvPr/>
-        </p:nvSpPr>
-        <p:spPr>
-          <a:xfrm>
-            <a:off x="3750235" y="4335930"/>
-            <a:ext cx="1075765" cy="1045883"/>
-          </a:xfrm>
-          <a:prstGeom prst="rect">
-            <a:avLst/>
-          </a:prstGeom>
-          <a:noFill/>
-          <a:ln>
-            <a:solidFill>
-              <a:schemeClr val="tx1"/>
-            </a:solidFill>
-          </a:ln>
-        </p:spPr>
-        <p:style>
-          <a:lnRef idx="1">
-            <a:schemeClr val="accent1"/>
-          </a:lnRef>
-          <a:fillRef idx="3">
-            <a:schemeClr val="accent1"/>
-          </a:fillRef>
-          <a:effectRef idx="2">
-            <a:schemeClr val="accent1"/>
-          </a:effectRef>
-          <a:fontRef idx="minor">
-            <a:schemeClr val="lt1"/>
-          </a:fontRef>
-        </p:style>
-        <p:txBody>
-          <a:bodyPr rtlCol="0" anchor="ctr"/>
-          <a:lstStyle/>
-          <a:p>
-            <a:pPr algn="ctr"/>
-            <a:endParaRPr lang="en-US"/>
-          </a:p>
-        </p:txBody>
-      </p:sp>
-      <p:sp>
-        <p:nvSpPr>
-          <p:cNvPr id="2" name="TextBox 1"/>
-          <p:cNvSpPr txBox="1"/>
-          <p:nvPr/>
-        </p:nvSpPr>
-        <p:spPr>
-          <a:xfrm>
-            <a:off x="3841715" y="4572000"/>
-            <a:ext cx="941283" cy="369332"/>
-          </a:xfrm>
-          <a:prstGeom prst="rect">
-            <a:avLst/>
-          </a:prstGeom>
-          <a:noFill/>
-        </p:spPr>
-        <p:txBody>
-          <a:bodyPr wrap="none" rtlCol="0">
-            <a:spAutoFit/>
-          </a:bodyPr>
-          <a:lstStyle/>
-          <a:p>
-            <a:r>
-              <a:rPr lang="en-US" dirty="0" smtClean="0"/>
-              <a:t>Security</a:t>
-            </a:r>
-            <a:endParaRPr lang="en-US" dirty="0"/>
+              <a:t>Sites in </a:t>
+            </a:r>
+            <a:r>
+              <a:rPr lang="en-US" dirty="0" err="1" smtClean="0"/>
+              <a:t>Pogoland</a:t>
+            </a:r>
+            <a:endParaRPr lang="en-US" dirty="0" smtClean="0"/>
           </a:p>
         </p:txBody>
       </p:sp>
     </p:spTree>
     <p:extLst>
       <p:ext uri="{BB962C8B-B14F-4D97-AF65-F5344CB8AC3E}">
-        <p14:creationId xmlns:p14="http://schemas.microsoft.com/office/powerpoint/2010/main" val="2016897946"/>
+        <p14:creationId xmlns:p14="http://schemas.microsoft.com/office/powerpoint/2010/main" val="1756640954"/>
       </p:ext>
     </p:extLst>
   </p:cSld>
@@ -3635,21 +3225,19 @@
       </p:grpSpPr>
       <p:sp>
         <p:nvSpPr>
-          <p:cNvPr id="33" name="Rectangle 32"/>
+          <p:cNvPr id="4" name="Rectangle 3"/>
           <p:cNvSpPr/>
           <p:nvPr/>
         </p:nvSpPr>
         <p:spPr>
           <a:xfrm>
-            <a:off x="2763253" y="4338890"/>
-            <a:ext cx="3197412" cy="328704"/>
-          </a:xfrm>
-          <a:prstGeom prst="rect">
-            <a:avLst/>
-          </a:prstGeom>
-          <a:solidFill>
-            <a:schemeClr val="bg1"/>
-          </a:solidFill>
+            <a:off x="2073676" y="1240119"/>
+            <a:ext cx="4873811" cy="4141694"/>
+          </a:xfrm>
+          <a:prstGeom prst="rect">
+            <a:avLst/>
+          </a:prstGeom>
+          <a:noFill/>
           <a:ln>
             <a:solidFill>
               <a:schemeClr val="tx1"/>
@@ -3681,21 +3269,19 @@
       </p:sp>
       <p:sp>
         <p:nvSpPr>
-          <p:cNvPr id="34" name="Rectangle 33"/>
+          <p:cNvPr id="5" name="Rectangle 4"/>
           <p:cNvSpPr/>
           <p:nvPr/>
         </p:nvSpPr>
         <p:spPr>
           <a:xfrm>
-            <a:off x="2763253" y="4667594"/>
-            <a:ext cx="3197412" cy="328704"/>
-          </a:xfrm>
-          <a:prstGeom prst="rect">
-            <a:avLst/>
-          </a:prstGeom>
-          <a:solidFill>
-            <a:schemeClr val="bg1"/>
-          </a:solidFill>
+            <a:off x="4437530" y="3288633"/>
+            <a:ext cx="268942" cy="243776"/>
+          </a:xfrm>
+          <a:prstGeom prst="rect">
+            <a:avLst/>
+          </a:prstGeom>
+          <a:noFill/>
           <a:ln>
             <a:solidFill>
               <a:schemeClr val="tx1"/>
@@ -3727,273 +3313,66 @@
       </p:sp>
       <p:sp>
         <p:nvSpPr>
-          <p:cNvPr id="35" name="Rectangle 34"/>
-          <p:cNvSpPr/>
-          <p:nvPr/>
-        </p:nvSpPr>
-        <p:spPr>
-          <a:xfrm>
-            <a:off x="2764117" y="4957445"/>
-            <a:ext cx="3197412" cy="328704"/>
-          </a:xfrm>
-          <a:prstGeom prst="rect">
-            <a:avLst/>
-          </a:prstGeom>
-          <a:solidFill>
-            <a:schemeClr val="bg1"/>
-          </a:solidFill>
-          <a:ln>
-            <a:solidFill>
-              <a:schemeClr val="tx1"/>
-            </a:solidFill>
-          </a:ln>
-        </p:spPr>
-        <p:style>
-          <a:lnRef idx="1">
-            <a:schemeClr val="accent1"/>
-          </a:lnRef>
-          <a:fillRef idx="3">
-            <a:schemeClr val="accent1"/>
-          </a:fillRef>
-          <a:effectRef idx="2">
-            <a:schemeClr val="accent1"/>
-          </a:effectRef>
-          <a:fontRef idx="minor">
-            <a:schemeClr val="lt1"/>
-          </a:fontRef>
-        </p:style>
-        <p:txBody>
-          <a:bodyPr rtlCol="0" anchor="ctr"/>
-          <a:lstStyle/>
-          <a:p>
-            <a:pPr algn="ctr"/>
-            <a:endParaRPr lang="en-US"/>
-          </a:p>
-        </p:txBody>
-      </p:sp>
-      <p:sp>
-        <p:nvSpPr>
-          <p:cNvPr id="4" name="Rectangle 3"/>
-          <p:cNvSpPr/>
-          <p:nvPr/>
-        </p:nvSpPr>
-        <p:spPr>
-          <a:xfrm>
-            <a:off x="1374588" y="1150469"/>
-            <a:ext cx="6110941" cy="164353"/>
-          </a:xfrm>
-          <a:prstGeom prst="rect">
-            <a:avLst/>
-          </a:prstGeom>
-          <a:noFill/>
-          <a:ln>
-            <a:solidFill>
-              <a:schemeClr val="tx1"/>
-            </a:solidFill>
-          </a:ln>
-        </p:spPr>
-        <p:style>
-          <a:lnRef idx="1">
-            <a:schemeClr val="accent1"/>
-          </a:lnRef>
-          <a:fillRef idx="3">
-            <a:schemeClr val="accent1"/>
-          </a:fillRef>
-          <a:effectRef idx="2">
-            <a:schemeClr val="accent1"/>
-          </a:effectRef>
-          <a:fontRef idx="minor">
-            <a:schemeClr val="lt1"/>
-          </a:fontRef>
-        </p:style>
-        <p:txBody>
-          <a:bodyPr rtlCol="0" anchor="ctr"/>
-          <a:lstStyle/>
-          <a:p>
-            <a:pPr algn="ctr"/>
-            <a:endParaRPr lang="en-US"/>
-          </a:p>
-        </p:txBody>
-      </p:sp>
-      <p:sp>
-        <p:nvSpPr>
-          <p:cNvPr id="5" name="Rectangle 4"/>
-          <p:cNvSpPr/>
-          <p:nvPr/>
-        </p:nvSpPr>
-        <p:spPr>
-          <a:xfrm>
-            <a:off x="2763253" y="986118"/>
-            <a:ext cx="3197412" cy="328704"/>
-          </a:xfrm>
-          <a:prstGeom prst="rect">
-            <a:avLst/>
-          </a:prstGeom>
-          <a:solidFill>
-            <a:schemeClr val="bg1"/>
-          </a:solidFill>
-          <a:ln>
-            <a:solidFill>
-              <a:schemeClr val="tx1"/>
-            </a:solidFill>
-          </a:ln>
-        </p:spPr>
-        <p:style>
-          <a:lnRef idx="1">
-            <a:schemeClr val="accent1"/>
-          </a:lnRef>
-          <a:fillRef idx="3">
-            <a:schemeClr val="accent1"/>
-          </a:fillRef>
-          <a:effectRef idx="2">
-            <a:schemeClr val="accent1"/>
-          </a:effectRef>
-          <a:fontRef idx="minor">
-            <a:schemeClr val="lt1"/>
-          </a:fontRef>
-        </p:style>
-        <p:txBody>
-          <a:bodyPr rtlCol="0" anchor="ctr"/>
-          <a:lstStyle/>
-          <a:p>
-            <a:pPr algn="ctr"/>
+          <p:cNvPr id="6" name="TextBox 5"/>
+          <p:cNvSpPr txBox="1"/>
+          <p:nvPr/>
+        </p:nvSpPr>
+        <p:spPr>
+          <a:xfrm>
+            <a:off x="2667000" y="2101334"/>
+            <a:ext cx="1070801" cy="369332"/>
+          </a:xfrm>
+          <a:prstGeom prst="rect">
+            <a:avLst/>
+          </a:prstGeom>
+          <a:noFill/>
+        </p:spPr>
+        <p:txBody>
+          <a:bodyPr wrap="none" rtlCol="0">
+            <a:spAutoFit/>
+          </a:bodyPr>
+          <a:lstStyle/>
+          <a:p>
+            <a:r>
+              <a:rPr lang="en-US" dirty="0" smtClean="0"/>
+              <a:t>The town</a:t>
+            </a:r>
             <a:endParaRPr lang="en-US" dirty="0"/>
           </a:p>
         </p:txBody>
       </p:sp>
       <p:sp>
         <p:nvSpPr>
-          <p:cNvPr id="6" name="Rectangle 5"/>
-          <p:cNvSpPr/>
-          <p:nvPr/>
-        </p:nvSpPr>
-        <p:spPr>
-          <a:xfrm>
-            <a:off x="2763253" y="1314822"/>
-            <a:ext cx="3197412" cy="552825"/>
-          </a:xfrm>
-          <a:prstGeom prst="rect">
-            <a:avLst/>
-          </a:prstGeom>
-          <a:noFill/>
-          <a:ln>
-            <a:solidFill>
-              <a:schemeClr val="tx1"/>
-            </a:solidFill>
-          </a:ln>
-        </p:spPr>
-        <p:style>
-          <a:lnRef idx="1">
-            <a:schemeClr val="accent1"/>
-          </a:lnRef>
-          <a:fillRef idx="3">
-            <a:schemeClr val="accent1"/>
-          </a:fillRef>
-          <a:effectRef idx="2">
-            <a:schemeClr val="accent1"/>
-          </a:effectRef>
-          <a:fontRef idx="minor">
-            <a:schemeClr val="lt1"/>
-          </a:fontRef>
-        </p:style>
-        <p:txBody>
-          <a:bodyPr rtlCol="0" anchor="ctr"/>
-          <a:lstStyle/>
-          <a:p>
-            <a:pPr algn="ctr"/>
-            <a:endParaRPr lang="en-US"/>
-          </a:p>
-        </p:txBody>
-      </p:sp>
-      <p:sp>
-        <p:nvSpPr>
-          <p:cNvPr id="10" name="Rectangle 9"/>
-          <p:cNvSpPr/>
-          <p:nvPr/>
-        </p:nvSpPr>
-        <p:spPr>
-          <a:xfrm>
-            <a:off x="2763253" y="1867647"/>
-            <a:ext cx="3197412" cy="552825"/>
-          </a:xfrm>
-          <a:prstGeom prst="rect">
-            <a:avLst/>
-          </a:prstGeom>
-          <a:noFill/>
-          <a:ln>
-            <a:solidFill>
-              <a:schemeClr val="tx1"/>
-            </a:solidFill>
-          </a:ln>
-        </p:spPr>
-        <p:style>
-          <a:lnRef idx="1">
-            <a:schemeClr val="accent1"/>
-          </a:lnRef>
-          <a:fillRef idx="3">
-            <a:schemeClr val="accent1"/>
-          </a:fillRef>
-          <a:effectRef idx="2">
-            <a:schemeClr val="accent1"/>
-          </a:effectRef>
-          <a:fontRef idx="minor">
-            <a:schemeClr val="lt1"/>
-          </a:fontRef>
-        </p:style>
-        <p:txBody>
-          <a:bodyPr rtlCol="0" anchor="ctr"/>
-          <a:lstStyle/>
-          <a:p>
-            <a:pPr algn="ctr"/>
-            <a:endParaRPr lang="en-US"/>
-          </a:p>
-        </p:txBody>
-      </p:sp>
-      <p:sp>
-        <p:nvSpPr>
-          <p:cNvPr id="13" name="Rectangle 12"/>
-          <p:cNvSpPr/>
-          <p:nvPr/>
-        </p:nvSpPr>
-        <p:spPr>
-          <a:xfrm>
-            <a:off x="2763253" y="2420472"/>
-            <a:ext cx="3197412" cy="328704"/>
-          </a:xfrm>
-          <a:prstGeom prst="rect">
-            <a:avLst/>
-          </a:prstGeom>
-          <a:solidFill>
-            <a:schemeClr val="bg1"/>
-          </a:solidFill>
-          <a:ln>
-            <a:solidFill>
-              <a:schemeClr val="tx1"/>
-            </a:solidFill>
-          </a:ln>
-        </p:spPr>
-        <p:style>
-          <a:lnRef idx="1">
-            <a:schemeClr val="accent1"/>
-          </a:lnRef>
-          <a:fillRef idx="3">
-            <a:schemeClr val="accent1"/>
-          </a:fillRef>
-          <a:effectRef idx="2">
-            <a:schemeClr val="accent1"/>
-          </a:effectRef>
-          <a:fontRef idx="minor">
-            <a:schemeClr val="lt1"/>
-          </a:fontRef>
-        </p:style>
-        <p:txBody>
-          <a:bodyPr rtlCol="0" anchor="ctr"/>
-          <a:lstStyle/>
-          <a:p>
-            <a:pPr algn="ctr"/>
+          <p:cNvPr id="7" name="TextBox 6"/>
+          <p:cNvSpPr txBox="1"/>
+          <p:nvPr/>
+        </p:nvSpPr>
+        <p:spPr>
+          <a:xfrm>
+            <a:off x="4669040" y="3657600"/>
+            <a:ext cx="1081058" cy="646331"/>
+          </a:xfrm>
+          <a:prstGeom prst="rect">
+            <a:avLst/>
+          </a:prstGeom>
+          <a:noFill/>
+        </p:spPr>
+        <p:txBody>
+          <a:bodyPr wrap="none" rtlCol="0">
+            <a:spAutoFit/>
+          </a:bodyPr>
+          <a:lstStyle/>
+          <a:p>
+            <a:r>
+              <a:rPr lang="en-US" dirty="0" err="1" smtClean="0"/>
+              <a:t>Nyantech</a:t>
+            </a:r>
+            <a:endParaRPr lang="en-US" dirty="0" smtClean="0"/>
+          </a:p>
+          <a:p>
             <a:r>
               <a:rPr lang="en-US" dirty="0" smtClean="0"/>
-              <a:t>44</a:t>
+              <a:t>HQ</a:t>
             </a:r>
             <a:endParaRPr lang="en-US" dirty="0"/>
           </a:p>
@@ -4001,260 +3380,29 @@
       </p:sp>
       <p:sp>
         <p:nvSpPr>
-          <p:cNvPr id="14" name="Rectangle 13"/>
-          <p:cNvSpPr/>
-          <p:nvPr/>
-        </p:nvSpPr>
-        <p:spPr>
-          <a:xfrm>
-            <a:off x="2763253" y="2752166"/>
-            <a:ext cx="3197412" cy="328704"/>
-          </a:xfrm>
-          <a:prstGeom prst="rect">
-            <a:avLst/>
-          </a:prstGeom>
-          <a:solidFill>
-            <a:schemeClr val="bg1"/>
-          </a:solidFill>
-          <a:ln>
-            <a:solidFill>
-              <a:schemeClr val="tx1"/>
-            </a:solidFill>
-          </a:ln>
-        </p:spPr>
-        <p:style>
-          <a:lnRef idx="1">
-            <a:schemeClr val="accent1"/>
-          </a:lnRef>
-          <a:fillRef idx="3">
-            <a:schemeClr val="accent1"/>
-          </a:fillRef>
-          <a:effectRef idx="2">
-            <a:schemeClr val="accent1"/>
-          </a:effectRef>
-          <a:fontRef idx="minor">
-            <a:schemeClr val="lt1"/>
-          </a:fontRef>
-        </p:style>
-        <p:txBody>
-          <a:bodyPr rtlCol="0" anchor="ctr"/>
-          <a:lstStyle/>
-          <a:p>
-            <a:pPr algn="ctr"/>
-            <a:endParaRPr lang="en-US"/>
-          </a:p>
-        </p:txBody>
-      </p:sp>
-      <p:sp>
-        <p:nvSpPr>
-          <p:cNvPr id="15" name="Rectangle 14"/>
-          <p:cNvSpPr/>
-          <p:nvPr/>
-        </p:nvSpPr>
-        <p:spPr>
-          <a:xfrm>
-            <a:off x="2763253" y="3080870"/>
-            <a:ext cx="3197412" cy="328704"/>
-          </a:xfrm>
-          <a:prstGeom prst="rect">
-            <a:avLst/>
-          </a:prstGeom>
-          <a:solidFill>
-            <a:schemeClr val="bg1"/>
-          </a:solidFill>
-          <a:ln>
-            <a:solidFill>
-              <a:schemeClr val="tx1"/>
-            </a:solidFill>
-          </a:ln>
-        </p:spPr>
-        <p:style>
-          <a:lnRef idx="1">
-            <a:schemeClr val="accent1"/>
-          </a:lnRef>
-          <a:fillRef idx="3">
-            <a:schemeClr val="accent1"/>
-          </a:fillRef>
-          <a:effectRef idx="2">
-            <a:schemeClr val="accent1"/>
-          </a:effectRef>
-          <a:fontRef idx="minor">
-            <a:schemeClr val="lt1"/>
-          </a:fontRef>
-        </p:style>
-        <p:txBody>
-          <a:bodyPr rtlCol="0" anchor="ctr"/>
-          <a:lstStyle/>
-          <a:p>
-            <a:pPr algn="ctr"/>
-            <a:endParaRPr lang="en-US"/>
-          </a:p>
-        </p:txBody>
-      </p:sp>
-      <p:sp>
-        <p:nvSpPr>
-          <p:cNvPr id="16" name="Rectangle 15"/>
-          <p:cNvSpPr/>
-          <p:nvPr/>
-        </p:nvSpPr>
-        <p:spPr>
-          <a:xfrm>
-            <a:off x="2763253" y="3409574"/>
-            <a:ext cx="3197412" cy="328704"/>
-          </a:xfrm>
-          <a:prstGeom prst="rect">
-            <a:avLst/>
-          </a:prstGeom>
-          <a:solidFill>
-            <a:schemeClr val="bg1"/>
-          </a:solidFill>
-          <a:ln>
-            <a:solidFill>
-              <a:schemeClr val="tx1"/>
-            </a:solidFill>
-          </a:ln>
-        </p:spPr>
-        <p:style>
-          <a:lnRef idx="1">
-            <a:schemeClr val="accent1"/>
-          </a:lnRef>
-          <a:fillRef idx="3">
-            <a:schemeClr val="accent1"/>
-          </a:fillRef>
-          <a:effectRef idx="2">
-            <a:schemeClr val="accent1"/>
-          </a:effectRef>
-          <a:fontRef idx="minor">
-            <a:schemeClr val="lt1"/>
-          </a:fontRef>
-        </p:style>
-        <p:txBody>
-          <a:bodyPr rtlCol="0" anchor="ctr"/>
-          <a:lstStyle/>
-          <a:p>
-            <a:pPr algn="ctr"/>
-            <a:endParaRPr lang="en-US"/>
-          </a:p>
-        </p:txBody>
-      </p:sp>
-      <p:sp>
-        <p:nvSpPr>
-          <p:cNvPr id="17" name="Rectangle 16"/>
-          <p:cNvSpPr/>
-          <p:nvPr/>
-        </p:nvSpPr>
-        <p:spPr>
-          <a:xfrm>
-            <a:off x="2763253" y="3738278"/>
-            <a:ext cx="3197412" cy="328704"/>
-          </a:xfrm>
-          <a:prstGeom prst="rect">
-            <a:avLst/>
-          </a:prstGeom>
-          <a:solidFill>
-            <a:schemeClr val="bg1"/>
-          </a:solidFill>
-          <a:ln>
-            <a:solidFill>
-              <a:schemeClr val="tx1"/>
-            </a:solidFill>
-          </a:ln>
-        </p:spPr>
-        <p:style>
-          <a:lnRef idx="1">
-            <a:schemeClr val="accent1"/>
-          </a:lnRef>
-          <a:fillRef idx="3">
-            <a:schemeClr val="accent1"/>
-          </a:fillRef>
-          <a:effectRef idx="2">
-            <a:schemeClr val="accent1"/>
-          </a:effectRef>
-          <a:fontRef idx="minor">
-            <a:schemeClr val="lt1"/>
-          </a:fontRef>
-        </p:style>
-        <p:txBody>
-          <a:bodyPr rtlCol="0" anchor="ctr"/>
-          <a:lstStyle/>
-          <a:p>
-            <a:pPr algn="ctr"/>
-            <a:endParaRPr lang="en-US"/>
-          </a:p>
-        </p:txBody>
-      </p:sp>
-      <p:sp>
-        <p:nvSpPr>
-          <p:cNvPr id="18" name="Rectangle 17"/>
-          <p:cNvSpPr/>
-          <p:nvPr/>
-        </p:nvSpPr>
-        <p:spPr>
-          <a:xfrm>
-            <a:off x="2763253" y="4028129"/>
-            <a:ext cx="3197412" cy="328704"/>
-          </a:xfrm>
-          <a:prstGeom prst="rect">
-            <a:avLst/>
-          </a:prstGeom>
-          <a:solidFill>
-            <a:schemeClr val="bg1"/>
-          </a:solidFill>
-          <a:ln>
-            <a:solidFill>
-              <a:schemeClr val="tx1"/>
-            </a:solidFill>
-          </a:ln>
-        </p:spPr>
-        <p:style>
-          <a:lnRef idx="1">
-            <a:schemeClr val="accent1"/>
-          </a:lnRef>
-          <a:fillRef idx="3">
-            <a:schemeClr val="accent1"/>
-          </a:fillRef>
-          <a:effectRef idx="2">
-            <a:schemeClr val="accent1"/>
-          </a:effectRef>
-          <a:fontRef idx="minor">
-            <a:schemeClr val="lt1"/>
-          </a:fontRef>
-        </p:style>
-        <p:txBody>
-          <a:bodyPr rtlCol="0" anchor="ctr"/>
-          <a:lstStyle/>
-          <a:p>
-            <a:pPr algn="ctr"/>
-            <a:endParaRPr lang="en-US"/>
-          </a:p>
-        </p:txBody>
-      </p:sp>
-      <p:sp>
-        <p:nvSpPr>
-          <p:cNvPr id="19" name="TextBox 18"/>
-          <p:cNvSpPr txBox="1"/>
-          <p:nvPr/>
-        </p:nvSpPr>
-        <p:spPr>
-          <a:xfrm>
-            <a:off x="3036574" y="1473805"/>
-            <a:ext cx="2650786" cy="369332"/>
-          </a:xfrm>
-          <a:prstGeom prst="rect">
-            <a:avLst/>
-          </a:prstGeom>
-          <a:noFill/>
-        </p:spPr>
-        <p:txBody>
-          <a:bodyPr wrap="none" rtlCol="0">
-            <a:spAutoFit/>
-          </a:bodyPr>
-          <a:lstStyle/>
-          <a:p>
-            <a:pPr algn="ctr"/>
+          <p:cNvPr id="8" name="TextBox 7"/>
+          <p:cNvSpPr txBox="1"/>
+          <p:nvPr/>
+        </p:nvSpPr>
+        <p:spPr>
+          <a:xfrm rot="16200000">
+            <a:off x="841419" y="3472934"/>
+            <a:ext cx="1799028" cy="369332"/>
+          </a:xfrm>
+          <a:prstGeom prst="rect">
+            <a:avLst/>
+          </a:prstGeom>
+          <a:noFill/>
+        </p:spPr>
+        <p:txBody>
+          <a:bodyPr wrap="none" rtlCol="0">
+            <a:spAutoFit/>
+          </a:bodyPr>
+          <a:lstStyle/>
+          <a:p>
             <a:r>
               <a:rPr lang="en-US" dirty="0" smtClean="0"/>
-              <a:t>WTH&gt;4: Packaging: Purple </a:t>
+              <a:t>Superhighway 17</a:t>
             </a:r>
             <a:endParaRPr lang="en-US" dirty="0"/>
           </a:p>
@@ -4262,30 +3410,29 @@
       </p:sp>
       <p:sp>
         <p:nvSpPr>
-          <p:cNvPr id="20" name="TextBox 19"/>
-          <p:cNvSpPr txBox="1"/>
-          <p:nvPr/>
-        </p:nvSpPr>
-        <p:spPr>
-          <a:xfrm>
-            <a:off x="3235957" y="1920831"/>
-            <a:ext cx="2252014" cy="369332"/>
-          </a:xfrm>
-          <a:prstGeom prst="rect">
-            <a:avLst/>
-          </a:prstGeom>
-          <a:noFill/>
-        </p:spPr>
-        <p:txBody>
-          <a:bodyPr wrap="none" rtlCol="0">
-            <a:spAutoFit/>
-          </a:bodyPr>
-          <a:lstStyle/>
-          <a:p>
-            <a:pPr algn="ctr"/>
+          <p:cNvPr id="9" name="TextBox 8"/>
+          <p:cNvSpPr txBox="1"/>
+          <p:nvPr/>
+        </p:nvSpPr>
+        <p:spPr>
+          <a:xfrm>
+            <a:off x="3812818" y="711564"/>
+            <a:ext cx="1597726" cy="369332"/>
+          </a:xfrm>
+          <a:prstGeom prst="rect">
+            <a:avLst/>
+          </a:prstGeom>
+          <a:noFill/>
+        </p:spPr>
+        <p:txBody>
+          <a:bodyPr wrap="none" rtlCol="0">
+            <a:spAutoFit/>
+          </a:bodyPr>
+          <a:lstStyle/>
+          <a:p>
             <a:r>
               <a:rPr lang="en-US" dirty="0" smtClean="0"/>
-              <a:t>&gt;4: Processing: Purple</a:t>
+              <a:t>Town reservoir</a:t>
             </a:r>
             <a:endParaRPr lang="en-US" dirty="0"/>
           </a:p>
@@ -4293,30 +3440,29 @@
       </p:sp>
       <p:sp>
         <p:nvSpPr>
-          <p:cNvPr id="21" name="TextBox 20"/>
-          <p:cNvSpPr txBox="1"/>
-          <p:nvPr/>
-        </p:nvSpPr>
-        <p:spPr>
-          <a:xfrm>
-            <a:off x="3466957" y="2389992"/>
-            <a:ext cx="1790011" cy="369332"/>
-          </a:xfrm>
-          <a:prstGeom prst="rect">
-            <a:avLst/>
-          </a:prstGeom>
-          <a:noFill/>
-        </p:spPr>
-        <p:txBody>
-          <a:bodyPr wrap="none" rtlCol="0">
-            <a:spAutoFit/>
-          </a:bodyPr>
-          <a:lstStyle/>
-          <a:p>
-            <a:pPr algn="ctr"/>
+          <p:cNvPr id="10" name="TextBox 9"/>
+          <p:cNvSpPr txBox="1"/>
+          <p:nvPr/>
+        </p:nvSpPr>
+        <p:spPr>
+          <a:xfrm rot="5400000">
+            <a:off x="5456546" y="3217598"/>
+            <a:ext cx="3562055" cy="369332"/>
+          </a:xfrm>
+          <a:prstGeom prst="rect">
+            <a:avLst/>
+          </a:prstGeom>
+          <a:noFill/>
+        </p:spPr>
+        <p:txBody>
+          <a:bodyPr wrap="none" rtlCol="0">
+            <a:spAutoFit/>
+          </a:bodyPr>
+          <a:lstStyle/>
+          <a:p>
             <a:r>
               <a:rPr lang="en-US" dirty="0" smtClean="0"/>
-              <a:t>4: Infirmary: Pink</a:t>
+              <a:t>Missouri, Texas, and Kansas Railway</a:t>
             </a:r>
             <a:endParaRPr lang="en-US" dirty="0"/>
           </a:p>
@@ -4324,458 +3470,42 @@
       </p:sp>
       <p:sp>
         <p:nvSpPr>
-          <p:cNvPr id="22" name="TextBox 21"/>
-          <p:cNvSpPr txBox="1"/>
-          <p:nvPr/>
-        </p:nvSpPr>
-        <p:spPr>
-          <a:xfrm>
-            <a:off x="3384340" y="2719900"/>
-            <a:ext cx="1955245" cy="369332"/>
-          </a:xfrm>
-          <a:prstGeom prst="rect">
-            <a:avLst/>
-          </a:prstGeom>
-          <a:noFill/>
-        </p:spPr>
-        <p:txBody>
-          <a:bodyPr wrap="none" rtlCol="0">
-            <a:spAutoFit/>
-          </a:bodyPr>
-          <a:lstStyle/>
-          <a:p>
-            <a:pPr algn="ctr"/>
+          <p:cNvPr id="11" name="TextBox 10"/>
+          <p:cNvSpPr txBox="1"/>
+          <p:nvPr/>
+        </p:nvSpPr>
+        <p:spPr>
+          <a:xfrm>
+            <a:off x="3828860" y="5562600"/>
+            <a:ext cx="1236236" cy="369332"/>
+          </a:xfrm>
+          <a:prstGeom prst="rect">
+            <a:avLst/>
+          </a:prstGeom>
+          <a:noFill/>
+        </p:spPr>
+        <p:txBody>
+          <a:bodyPr wrap="none" rtlCol="0">
+            <a:spAutoFit/>
+          </a:bodyPr>
+          <a:lstStyle/>
+          <a:p>
             <a:r>
               <a:rPr lang="en-US" dirty="0" smtClean="0"/>
-              <a:t>3: Managers: Black</a:t>
+              <a:t>The </a:t>
+            </a:r>
+            <a:r>
+              <a:rPr lang="en-US" dirty="0" err="1" smtClean="0"/>
+              <a:t>Tarpits</a:t>
             </a:r>
             <a:endParaRPr lang="en-US" dirty="0"/>
           </a:p>
         </p:txBody>
       </p:sp>
-      <p:sp>
-        <p:nvSpPr>
-          <p:cNvPr id="23" name="TextBox 22"/>
-          <p:cNvSpPr txBox="1"/>
-          <p:nvPr/>
-        </p:nvSpPr>
-        <p:spPr>
-          <a:xfrm>
-            <a:off x="3391185" y="3058752"/>
-            <a:ext cx="1941557" cy="369332"/>
-          </a:xfrm>
-          <a:prstGeom prst="rect">
-            <a:avLst/>
-          </a:prstGeom>
-          <a:noFill/>
-        </p:spPr>
-        <p:txBody>
-          <a:bodyPr wrap="none" rtlCol="0">
-            <a:spAutoFit/>
-          </a:bodyPr>
-          <a:lstStyle/>
-          <a:p>
-            <a:pPr algn="ctr"/>
-            <a:r>
-              <a:rPr lang="en-US" dirty="0" smtClean="0"/>
-              <a:t>2: Engineers: Black</a:t>
-            </a:r>
-            <a:endParaRPr lang="en-US" dirty="0"/>
-          </a:p>
-        </p:txBody>
-      </p:sp>
-      <p:sp>
-        <p:nvSpPr>
-          <p:cNvPr id="25" name="TextBox 24"/>
-          <p:cNvSpPr txBox="1"/>
-          <p:nvPr/>
-        </p:nvSpPr>
-        <p:spPr>
-          <a:xfrm>
-            <a:off x="3519423" y="3379094"/>
-            <a:ext cx="1685077" cy="369332"/>
-          </a:xfrm>
-          <a:prstGeom prst="rect">
-            <a:avLst/>
-          </a:prstGeom>
-          <a:noFill/>
-        </p:spPr>
-        <p:txBody>
-          <a:bodyPr wrap="none" rtlCol="0">
-            <a:spAutoFit/>
-          </a:bodyPr>
-          <a:lstStyle/>
-          <a:p>
-            <a:pPr algn="ctr"/>
-            <a:r>
-              <a:rPr lang="en-US" dirty="0" smtClean="0"/>
-              <a:t>1: Interns: Black</a:t>
-            </a:r>
-            <a:endParaRPr lang="en-US" dirty="0"/>
-          </a:p>
-        </p:txBody>
-      </p:sp>
-      <p:sp>
-        <p:nvSpPr>
-          <p:cNvPr id="26" name="TextBox 25"/>
-          <p:cNvSpPr txBox="1"/>
-          <p:nvPr/>
-        </p:nvSpPr>
-        <p:spPr>
-          <a:xfrm>
-            <a:off x="3570930" y="3707798"/>
-            <a:ext cx="1582059" cy="369332"/>
-          </a:xfrm>
-          <a:prstGeom prst="rect">
-            <a:avLst/>
-          </a:prstGeom>
-          <a:noFill/>
-        </p:spPr>
-        <p:txBody>
-          <a:bodyPr wrap="none" rtlCol="0">
-            <a:spAutoFit/>
-          </a:bodyPr>
-          <a:lstStyle/>
-          <a:p>
-            <a:pPr algn="ctr"/>
-            <a:r>
-              <a:rPr lang="en-US" dirty="0" smtClean="0"/>
-              <a:t>Ground: White</a:t>
-            </a:r>
-            <a:endParaRPr lang="en-US" dirty="0"/>
-          </a:p>
-        </p:txBody>
-      </p:sp>
-      <p:sp>
-        <p:nvSpPr>
-          <p:cNvPr id="27" name="TextBox 26"/>
-          <p:cNvSpPr txBox="1"/>
-          <p:nvPr/>
-        </p:nvSpPr>
-        <p:spPr>
-          <a:xfrm>
-            <a:off x="3741406" y="4007218"/>
-            <a:ext cx="1241107" cy="369332"/>
-          </a:xfrm>
-          <a:prstGeom prst="rect">
-            <a:avLst/>
-          </a:prstGeom>
-          <a:noFill/>
-        </p:spPr>
-        <p:txBody>
-          <a:bodyPr wrap="none" rtlCol="0">
-            <a:spAutoFit/>
-          </a:bodyPr>
-          <a:lstStyle/>
-          <a:p>
-            <a:pPr algn="ctr"/>
-            <a:r>
-              <a:rPr lang="en-US" dirty="0" smtClean="0"/>
-              <a:t>-1: B Green</a:t>
-            </a:r>
-            <a:endParaRPr lang="en-US" dirty="0"/>
-          </a:p>
-        </p:txBody>
-      </p:sp>
-      <p:sp>
-        <p:nvSpPr>
-          <p:cNvPr id="28" name="TextBox 27"/>
-          <p:cNvSpPr txBox="1"/>
-          <p:nvPr/>
-        </p:nvSpPr>
-        <p:spPr>
-          <a:xfrm>
-            <a:off x="3743153" y="4616806"/>
-            <a:ext cx="1237613" cy="369332"/>
-          </a:xfrm>
-          <a:prstGeom prst="rect">
-            <a:avLst/>
-          </a:prstGeom>
-          <a:noFill/>
-        </p:spPr>
-        <p:txBody>
-          <a:bodyPr wrap="none" rtlCol="0">
-            <a:spAutoFit/>
-          </a:bodyPr>
-          <a:lstStyle/>
-          <a:p>
-            <a:pPr algn="ctr"/>
-            <a:r>
-              <a:rPr lang="en-US" dirty="0" smtClean="0"/>
-              <a:t>-3: SSB Red</a:t>
-            </a:r>
-            <a:endParaRPr lang="en-US" dirty="0"/>
-          </a:p>
-        </p:txBody>
-      </p:sp>
-      <p:sp>
-        <p:nvSpPr>
-          <p:cNvPr id="37" name="TextBox 36"/>
-          <p:cNvSpPr txBox="1"/>
-          <p:nvPr/>
-        </p:nvSpPr>
-        <p:spPr>
-          <a:xfrm>
-            <a:off x="3769583" y="4336513"/>
-            <a:ext cx="1184752" cy="369332"/>
-          </a:xfrm>
-          <a:prstGeom prst="rect">
-            <a:avLst/>
-          </a:prstGeom>
-          <a:noFill/>
-        </p:spPr>
-        <p:txBody>
-          <a:bodyPr wrap="none" rtlCol="0">
-            <a:spAutoFit/>
-          </a:bodyPr>
-          <a:lstStyle/>
-          <a:p>
-            <a:pPr algn="ctr"/>
-            <a:r>
-              <a:rPr lang="en-US" dirty="0" smtClean="0"/>
-              <a:t>-2: SB Blue</a:t>
-            </a:r>
-            <a:endParaRPr lang="en-US" dirty="0"/>
-          </a:p>
-        </p:txBody>
-      </p:sp>
-      <p:sp>
-        <p:nvSpPr>
-          <p:cNvPr id="38" name="TextBox 37"/>
-          <p:cNvSpPr txBox="1"/>
-          <p:nvPr/>
-        </p:nvSpPr>
-        <p:spPr>
-          <a:xfrm>
-            <a:off x="3665269" y="4916817"/>
-            <a:ext cx="1393380" cy="369332"/>
-          </a:xfrm>
-          <a:prstGeom prst="rect">
-            <a:avLst/>
-          </a:prstGeom>
-          <a:noFill/>
-        </p:spPr>
-        <p:txBody>
-          <a:bodyPr wrap="none" rtlCol="0">
-            <a:spAutoFit/>
-          </a:bodyPr>
-          <a:lstStyle/>
-          <a:p>
-            <a:r>
-              <a:rPr lang="en-US" dirty="0" smtClean="0"/>
-              <a:t>-4: Musk Lair</a:t>
-            </a:r>
-            <a:endParaRPr lang="en-US" dirty="0"/>
-          </a:p>
-        </p:txBody>
-      </p:sp>
-      <p:sp>
-        <p:nvSpPr>
-          <p:cNvPr id="39" name="TextBox 38"/>
-          <p:cNvSpPr txBox="1"/>
-          <p:nvPr/>
-        </p:nvSpPr>
-        <p:spPr>
-          <a:xfrm>
-            <a:off x="3137837" y="955638"/>
-            <a:ext cx="2448244" cy="369332"/>
-          </a:xfrm>
-          <a:prstGeom prst="rect">
-            <a:avLst/>
-          </a:prstGeom>
-          <a:noFill/>
-        </p:spPr>
-        <p:txBody>
-          <a:bodyPr wrap="none" rtlCol="0">
-            <a:spAutoFit/>
-          </a:bodyPr>
-          <a:lstStyle/>
-          <a:p>
-            <a:pPr algn="ctr"/>
-            <a:r>
-              <a:rPr lang="en-US" dirty="0" smtClean="0"/>
-              <a:t>Restaurant/Deck: White</a:t>
-            </a:r>
-            <a:endParaRPr lang="en-US" dirty="0"/>
-          </a:p>
-        </p:txBody>
-      </p:sp>
-      <p:sp>
-        <p:nvSpPr>
-          <p:cNvPr id="2" name="Rectangle 1"/>
-          <p:cNvSpPr/>
-          <p:nvPr/>
-        </p:nvSpPr>
-        <p:spPr>
-          <a:xfrm>
-            <a:off x="2764117" y="990599"/>
-            <a:ext cx="373720" cy="3966845"/>
-          </a:xfrm>
-          <a:prstGeom prst="rect">
-            <a:avLst/>
-          </a:prstGeom>
-          <a:solidFill>
-            <a:schemeClr val="accent3">
-              <a:lumMod val="20000"/>
-              <a:lumOff val="80000"/>
-            </a:schemeClr>
-          </a:solidFill>
-        </p:spPr>
-        <p:style>
-          <a:lnRef idx="1">
-            <a:schemeClr val="accent1"/>
-          </a:lnRef>
-          <a:fillRef idx="3">
-            <a:schemeClr val="accent1"/>
-          </a:fillRef>
-          <a:effectRef idx="2">
-            <a:schemeClr val="accent1"/>
-          </a:effectRef>
-          <a:fontRef idx="minor">
-            <a:schemeClr val="lt1"/>
-          </a:fontRef>
-        </p:style>
-        <p:txBody>
-          <a:bodyPr rtlCol="0" anchor="ctr"/>
-          <a:lstStyle/>
-          <a:p>
-            <a:pPr algn="ctr"/>
-            <a:endParaRPr lang="en-US"/>
-          </a:p>
-        </p:txBody>
-      </p:sp>
-      <p:sp>
-        <p:nvSpPr>
-          <p:cNvPr id="36" name="Rectangle 35"/>
-          <p:cNvSpPr/>
-          <p:nvPr/>
-        </p:nvSpPr>
-        <p:spPr>
-          <a:xfrm>
-            <a:off x="2389533" y="1001010"/>
-            <a:ext cx="373720" cy="3355823"/>
-          </a:xfrm>
-          <a:prstGeom prst="rect">
-            <a:avLst/>
-          </a:prstGeom>
-          <a:solidFill>
-            <a:schemeClr val="tx2">
-              <a:lumMod val="20000"/>
-              <a:lumOff val="80000"/>
-            </a:schemeClr>
-          </a:solidFill>
-        </p:spPr>
-        <p:style>
-          <a:lnRef idx="1">
-            <a:schemeClr val="accent1"/>
-          </a:lnRef>
-          <a:fillRef idx="3">
-            <a:schemeClr val="accent1"/>
-          </a:fillRef>
-          <a:effectRef idx="2">
-            <a:schemeClr val="accent1"/>
-          </a:effectRef>
-          <a:fontRef idx="minor">
-            <a:schemeClr val="lt1"/>
-          </a:fontRef>
-        </p:style>
-        <p:txBody>
-          <a:bodyPr rtlCol="0" anchor="ctr"/>
-          <a:lstStyle/>
-          <a:p>
-            <a:pPr algn="ctr"/>
-            <a:endParaRPr lang="en-US"/>
-          </a:p>
-        </p:txBody>
-      </p:sp>
-      <p:sp>
-        <p:nvSpPr>
-          <p:cNvPr id="3" name="TextBox 2"/>
-          <p:cNvSpPr txBox="1"/>
-          <p:nvPr/>
-        </p:nvSpPr>
-        <p:spPr>
-          <a:xfrm rot="16200000">
-            <a:off x="2094422" y="2535233"/>
-            <a:ext cx="959555" cy="369332"/>
-          </a:xfrm>
-          <a:prstGeom prst="rect">
-            <a:avLst/>
-          </a:prstGeom>
-          <a:noFill/>
-        </p:spPr>
-        <p:txBody>
-          <a:bodyPr wrap="none" rtlCol="0">
-            <a:spAutoFit/>
-          </a:bodyPr>
-          <a:lstStyle/>
-          <a:p>
-            <a:r>
-              <a:rPr lang="en-US" dirty="0" smtClean="0"/>
-              <a:t>Elevator</a:t>
-            </a:r>
-            <a:endParaRPr lang="en-US" dirty="0"/>
-          </a:p>
-        </p:txBody>
-      </p:sp>
-      <p:sp>
-        <p:nvSpPr>
-          <p:cNvPr id="46" name="TextBox 45"/>
-          <p:cNvSpPr txBox="1"/>
-          <p:nvPr/>
-        </p:nvSpPr>
-        <p:spPr>
-          <a:xfrm rot="16200000">
-            <a:off x="2601997" y="2545030"/>
-            <a:ext cx="702348" cy="369332"/>
-          </a:xfrm>
-          <a:prstGeom prst="rect">
-            <a:avLst/>
-          </a:prstGeom>
-          <a:noFill/>
-        </p:spPr>
-        <p:txBody>
-          <a:bodyPr wrap="none" rtlCol="0">
-            <a:spAutoFit/>
-          </a:bodyPr>
-          <a:lstStyle/>
-          <a:p>
-            <a:r>
-              <a:rPr lang="en-US" dirty="0" smtClean="0"/>
-              <a:t>Stairs</a:t>
-            </a:r>
-            <a:endParaRPr lang="en-US" dirty="0"/>
-          </a:p>
-        </p:txBody>
-      </p:sp>
-      <p:pic>
-        <p:nvPicPr>
-          <p:cNvPr id="7" name="Picture 6"/>
-          <p:cNvPicPr>
-            <a:picLocks noChangeAspect="1"/>
-          </p:cNvPicPr>
-          <p:nvPr/>
-        </p:nvPicPr>
-        <p:blipFill>
-          <a:blip r:embed="rId2"/>
-          <a:stretch>
-            <a:fillRect/>
-          </a:stretch>
-        </p:blipFill>
-        <p:spPr>
-          <a:xfrm>
-            <a:off x="5364798" y="1543638"/>
-            <a:ext cx="1143000" cy="694178"/>
-          </a:xfrm>
-          <a:prstGeom prst="rect">
-            <a:avLst/>
-          </a:prstGeom>
-        </p:spPr>
-      </p:pic>
     </p:spTree>
     <p:extLst>
       <p:ext uri="{BB962C8B-B14F-4D97-AF65-F5344CB8AC3E}">
-        <p14:creationId xmlns:p14="http://schemas.microsoft.com/office/powerpoint/2010/main" val="1046036021"/>
+        <p14:creationId xmlns:p14="http://schemas.microsoft.com/office/powerpoint/2010/main" val="2030375263"/>
       </p:ext>
     </p:extLst>
   </p:cSld>
@@ -4804,14 +3534,14 @@
       </p:grpSpPr>
       <p:sp>
         <p:nvSpPr>
-          <p:cNvPr id="5" name="Rectangle 4"/>
+          <p:cNvPr id="4" name="Rectangle 3"/>
           <p:cNvSpPr/>
           <p:nvPr/>
         </p:nvSpPr>
         <p:spPr>
           <a:xfrm>
-            <a:off x="3684969" y="1056677"/>
-            <a:ext cx="850524" cy="490915"/>
+            <a:off x="1517852" y="702342"/>
+            <a:ext cx="5960321" cy="5505450"/>
           </a:xfrm>
           <a:prstGeom prst="rect">
             <a:avLst/>
@@ -4824,13 +3554,15 @@
           </a:ln>
         </p:spPr>
         <p:style>
-          <a:lnRef idx="1">
-            <a:schemeClr val="accent1"/>
+          <a:lnRef idx="2">
+            <a:schemeClr val="accent1">
+              <a:shade val="50000"/>
+            </a:schemeClr>
           </a:lnRef>
-          <a:fillRef idx="3">
+          <a:fillRef idx="1">
             <a:schemeClr val="accent1"/>
           </a:fillRef>
-          <a:effectRef idx="2">
+          <a:effectRef idx="0">
             <a:schemeClr val="accent1"/>
           </a:effectRef>
           <a:fontRef idx="minor">
@@ -4848,45 +3580,221 @@
       </p:sp>
       <p:sp>
         <p:nvSpPr>
-          <p:cNvPr id="6" name="Rectangle 5"/>
-          <p:cNvSpPr/>
-          <p:nvPr/>
-        </p:nvSpPr>
-        <p:spPr>
-          <a:xfrm>
-            <a:off x="4840941" y="2990016"/>
-            <a:ext cx="829562" cy="522941"/>
-          </a:xfrm>
-          <a:prstGeom prst="rect">
-            <a:avLst/>
-          </a:prstGeom>
-          <a:noFill/>
-          <a:ln>
-            <a:solidFill>
-              <a:schemeClr val="tx1"/>
-            </a:solidFill>
-          </a:ln>
-        </p:spPr>
-        <p:style>
-          <a:lnRef idx="1">
-            <a:schemeClr val="accent1"/>
-          </a:lnRef>
-          <a:fillRef idx="3">
-            <a:schemeClr val="accent1"/>
-          </a:fillRef>
-          <a:effectRef idx="2">
-            <a:schemeClr val="accent1"/>
-          </a:effectRef>
-          <a:fontRef idx="minor">
-            <a:schemeClr val="lt1"/>
-          </a:fontRef>
-        </p:style>
-        <p:txBody>
-          <a:bodyPr rtlCol="0" anchor="ctr"/>
-          <a:lstStyle/>
-          <a:p>
-            <a:pPr algn="ctr"/>
-            <a:endParaRPr lang="en-US"/>
+          <p:cNvPr id="5" name="TextBox 4"/>
+          <p:cNvSpPr txBox="1"/>
+          <p:nvPr/>
+        </p:nvSpPr>
+        <p:spPr>
+          <a:xfrm>
+            <a:off x="3689040" y="271382"/>
+            <a:ext cx="1617943" cy="369332"/>
+          </a:xfrm>
+          <a:prstGeom prst="rect">
+            <a:avLst/>
+          </a:prstGeom>
+          <a:noFill/>
+        </p:spPr>
+        <p:txBody>
+          <a:bodyPr wrap="none" rtlCol="0">
+            <a:spAutoFit/>
+          </a:bodyPr>
+          <a:lstStyle/>
+          <a:p>
+            <a:r>
+              <a:rPr lang="en-US" dirty="0"/>
+              <a:t>Town Reservoir</a:t>
+            </a:r>
+          </a:p>
+        </p:txBody>
+      </p:sp>
+      <p:sp>
+        <p:nvSpPr>
+          <p:cNvPr id="6" name="TextBox 5"/>
+          <p:cNvSpPr txBox="1"/>
+          <p:nvPr/>
+        </p:nvSpPr>
+        <p:spPr>
+          <a:xfrm rot="5400000">
+            <a:off x="6988696" y="3199236"/>
+            <a:ext cx="1381660" cy="369332"/>
+          </a:xfrm>
+          <a:prstGeom prst="rect">
+            <a:avLst/>
+          </a:prstGeom>
+          <a:noFill/>
+        </p:spPr>
+        <p:txBody>
+          <a:bodyPr wrap="none" rtlCol="0">
+            <a:spAutoFit/>
+          </a:bodyPr>
+          <a:lstStyle/>
+          <a:p>
+            <a:r>
+              <a:rPr lang="en-US" dirty="0"/>
+              <a:t>MTK Railway</a:t>
+            </a:r>
+          </a:p>
+        </p:txBody>
+      </p:sp>
+      <p:sp>
+        <p:nvSpPr>
+          <p:cNvPr id="7" name="TextBox 6"/>
+          <p:cNvSpPr txBox="1"/>
+          <p:nvPr/>
+        </p:nvSpPr>
+        <p:spPr>
+          <a:xfrm>
+            <a:off x="3645056" y="6336268"/>
+            <a:ext cx="1736566" cy="369332"/>
+          </a:xfrm>
+          <a:prstGeom prst="rect">
+            <a:avLst/>
+          </a:prstGeom>
+          <a:noFill/>
+        </p:spPr>
+        <p:txBody>
+          <a:bodyPr wrap="none" rtlCol="0">
+            <a:spAutoFit/>
+          </a:bodyPr>
+          <a:lstStyle/>
+          <a:p>
+            <a:r>
+              <a:rPr lang="en-US" dirty="0"/>
+              <a:t>Infamous </a:t>
+            </a:r>
+            <a:r>
+              <a:rPr lang="en-US" dirty="0" err="1"/>
+              <a:t>Tarpits</a:t>
+            </a:r>
+            <a:endParaRPr lang="en-US" dirty="0"/>
+          </a:p>
+        </p:txBody>
+      </p:sp>
+      <p:sp>
+        <p:nvSpPr>
+          <p:cNvPr id="8" name="TextBox 7"/>
+          <p:cNvSpPr txBox="1"/>
+          <p:nvPr/>
+        </p:nvSpPr>
+        <p:spPr>
+          <a:xfrm rot="16200000">
+            <a:off x="278450" y="3160683"/>
+            <a:ext cx="1793633" cy="369332"/>
+          </a:xfrm>
+          <a:prstGeom prst="rect">
+            <a:avLst/>
+          </a:prstGeom>
+          <a:noFill/>
+        </p:spPr>
+        <p:txBody>
+          <a:bodyPr wrap="none" rtlCol="0">
+            <a:spAutoFit/>
+          </a:bodyPr>
+          <a:lstStyle/>
+          <a:p>
+            <a:r>
+              <a:rPr lang="en-US" dirty="0"/>
+              <a:t>Superhighway 17</a:t>
+            </a:r>
+          </a:p>
+        </p:txBody>
+      </p:sp>
+      <p:sp>
+        <p:nvSpPr>
+          <p:cNvPr id="9" name="TextBox 8"/>
+          <p:cNvSpPr txBox="1"/>
+          <p:nvPr/>
+        </p:nvSpPr>
+        <p:spPr>
+          <a:xfrm>
+            <a:off x="4040133" y="4779954"/>
+            <a:ext cx="745717" cy="400110"/>
+          </a:xfrm>
+          <a:prstGeom prst="rect">
+            <a:avLst/>
+          </a:prstGeom>
+          <a:noFill/>
+        </p:spPr>
+        <p:txBody>
+          <a:bodyPr wrap="none" rtlCol="0">
+            <a:spAutoFit/>
+          </a:bodyPr>
+          <a:lstStyle/>
+          <a:p>
+            <a:r>
+              <a:rPr lang="en-US" sz="1000" dirty="0"/>
+              <a:t>Ashwell-</a:t>
+            </a:r>
+          </a:p>
+          <a:p>
+            <a:r>
+              <a:rPr lang="en-US" sz="1000" dirty="0"/>
+              <a:t>Lott Estate</a:t>
+            </a:r>
+          </a:p>
+        </p:txBody>
+      </p:sp>
+      <p:sp>
+        <p:nvSpPr>
+          <p:cNvPr id="10" name="TextBox 9"/>
+          <p:cNvSpPr txBox="1"/>
+          <p:nvPr/>
+        </p:nvSpPr>
+        <p:spPr>
+          <a:xfrm>
+            <a:off x="3306532" y="5428910"/>
+            <a:ext cx="566181" cy="246221"/>
+          </a:xfrm>
+          <a:prstGeom prst="rect">
+            <a:avLst/>
+          </a:prstGeom>
+          <a:noFill/>
+        </p:spPr>
+        <p:txBody>
+          <a:bodyPr wrap="none" rtlCol="0">
+            <a:spAutoFit/>
+          </a:bodyPr>
+          <a:lstStyle/>
+          <a:p>
+            <a:r>
+              <a:rPr lang="en-US" sz="1000" dirty="0"/>
+              <a:t>Gnome</a:t>
+            </a:r>
+          </a:p>
+        </p:txBody>
+      </p:sp>
+      <p:sp>
+        <p:nvSpPr>
+          <p:cNvPr id="11" name="TextBox 10"/>
+          <p:cNvSpPr txBox="1"/>
+          <p:nvPr/>
+        </p:nvSpPr>
+        <p:spPr>
+          <a:xfrm>
+            <a:off x="3306532" y="4779954"/>
+            <a:ext cx="570990" cy="400110"/>
+          </a:xfrm>
+          <a:prstGeom prst="rect">
+            <a:avLst/>
+          </a:prstGeom>
+          <a:noFill/>
+        </p:spPr>
+        <p:txBody>
+          <a:bodyPr wrap="none" rtlCol="0">
+            <a:spAutoFit/>
+          </a:bodyPr>
+          <a:lstStyle/>
+          <a:p>
+            <a:r>
+              <a:rPr lang="en-US" sz="1000" dirty="0"/>
+              <a:t>Parking</a:t>
+            </a:r>
+          </a:p>
+          <a:p>
+            <a:r>
+              <a:rPr lang="en-US" sz="1000" dirty="0"/>
+              <a:t>Lot</a:t>
+            </a:r>
           </a:p>
         </p:txBody>
       </p:sp>
@@ -4898,25 +3806,30 @@
         </p:nvSpPr>
         <p:spPr>
           <a:xfrm>
-            <a:off x="2536978" y="3009651"/>
-            <a:ext cx="961697" cy="369332"/>
-          </a:xfrm>
-          <a:prstGeom prst="rect">
-            <a:avLst/>
-          </a:prstGeom>
-          <a:noFill/>
-        </p:spPr>
-        <p:txBody>
-          <a:bodyPr wrap="none" rtlCol="0">
-            <a:spAutoFit/>
-          </a:bodyPr>
-          <a:lstStyle/>
-          <a:p>
-            <a:r>
-              <a:rPr lang="en-US" dirty="0" smtClean="0"/>
-              <a:t>elevator</a:t>
-            </a:r>
-            <a:endParaRPr lang="en-US" dirty="0"/>
+            <a:off x="4040133" y="3977107"/>
+            <a:ext cx="473206" cy="400110"/>
+          </a:xfrm>
+          <a:prstGeom prst="rect">
+            <a:avLst/>
+          </a:prstGeom>
+          <a:noFill/>
+        </p:spPr>
+        <p:txBody>
+          <a:bodyPr wrap="none" rtlCol="0">
+            <a:spAutoFit/>
+          </a:bodyPr>
+          <a:lstStyle/>
+          <a:p>
+            <a:r>
+              <a:rPr lang="en-US" sz="1000" dirty="0"/>
+              <a:t>Town</a:t>
+            </a:r>
+          </a:p>
+          <a:p>
+            <a:r>
+              <a:rPr lang="en-US" sz="1000" dirty="0"/>
+              <a:t>Hall</a:t>
+            </a:r>
           </a:p>
         </p:txBody>
       </p:sp>
@@ -4928,26 +3841,30 @@
         </p:nvSpPr>
         <p:spPr>
           <a:xfrm>
-            <a:off x="4895131" y="3094026"/>
-            <a:ext cx="830501" cy="369332"/>
-          </a:xfrm>
-          <a:prstGeom prst="rect">
-            <a:avLst/>
-          </a:prstGeom>
-          <a:noFill/>
-        </p:spPr>
-        <p:txBody>
-          <a:bodyPr wrap="none" rtlCol="0">
-            <a:spAutoFit/>
-          </a:bodyPr>
-          <a:lstStyle/>
-          <a:p>
-            <a:pPr algn="ctr"/>
-            <a:r>
-              <a:rPr lang="en-US" dirty="0" smtClean="0"/>
-              <a:t>ball pit</a:t>
-            </a:r>
-            <a:endParaRPr lang="en-US" dirty="0"/>
+            <a:off x="3306532" y="2525302"/>
+            <a:ext cx="511679" cy="400110"/>
+          </a:xfrm>
+          <a:prstGeom prst="rect">
+            <a:avLst/>
+          </a:prstGeom>
+          <a:noFill/>
+        </p:spPr>
+        <p:txBody>
+          <a:bodyPr wrap="none" rtlCol="0">
+            <a:spAutoFit/>
+          </a:bodyPr>
+          <a:lstStyle/>
+          <a:p>
+            <a:r>
+              <a:rPr lang="en-US" sz="1000" dirty="0"/>
+              <a:t>Spit n’</a:t>
+            </a:r>
+          </a:p>
+          <a:p>
+            <a:r>
+              <a:rPr lang="en-US" sz="1000" dirty="0"/>
+              <a:t>Solder</a:t>
+            </a:r>
           </a:p>
         </p:txBody>
       </p:sp>
@@ -4959,202 +3876,131 @@
         </p:nvSpPr>
         <p:spPr>
           <a:xfrm>
-            <a:off x="3766304" y="1070045"/>
-            <a:ext cx="702348" cy="369332"/>
-          </a:xfrm>
-          <a:prstGeom prst="rect">
-            <a:avLst/>
-          </a:prstGeom>
-          <a:noFill/>
-        </p:spPr>
-        <p:txBody>
-          <a:bodyPr wrap="none" rtlCol="0">
-            <a:spAutoFit/>
-          </a:bodyPr>
-          <a:lstStyle/>
-          <a:p>
-            <a:pPr algn="ctr"/>
-            <a:r>
-              <a:rPr lang="en-US" dirty="0" smtClean="0"/>
-              <a:t>Stairs</a:t>
-            </a:r>
-            <a:endParaRPr lang="en-US" dirty="0"/>
-          </a:p>
-        </p:txBody>
-      </p:sp>
-      <p:sp>
-        <p:nvSpPr>
-          <p:cNvPr id="15" name="Oval 14"/>
-          <p:cNvSpPr/>
-          <p:nvPr/>
-        </p:nvSpPr>
-        <p:spPr>
-          <a:xfrm>
-            <a:off x="2535988" y="1526170"/>
-            <a:ext cx="3221789" cy="3221789"/>
-          </a:xfrm>
-          <a:prstGeom prst="ellipse">
-            <a:avLst/>
-          </a:prstGeom>
-          <a:noFill/>
-          <a:ln>
-            <a:solidFill>
-              <a:schemeClr val="tx1"/>
-            </a:solidFill>
-          </a:ln>
-        </p:spPr>
-        <p:style>
-          <a:lnRef idx="1">
-            <a:schemeClr val="accent1"/>
-          </a:lnRef>
-          <a:fillRef idx="3">
-            <a:schemeClr val="accent1"/>
-          </a:fillRef>
-          <a:effectRef idx="2">
-            <a:schemeClr val="accent1"/>
-          </a:effectRef>
-          <a:fontRef idx="minor">
-            <a:schemeClr val="lt1"/>
-          </a:fontRef>
-        </p:style>
-        <p:txBody>
-          <a:bodyPr rtlCol="0" anchor="ctr"/>
-          <a:lstStyle/>
-          <a:p>
-            <a:pPr algn="ctr"/>
-            <a:endParaRPr lang="en-US"/>
-          </a:p>
-        </p:txBody>
-      </p:sp>
-      <p:sp>
-        <p:nvSpPr>
-          <p:cNvPr id="16" name="Rectangle 15"/>
-          <p:cNvSpPr/>
-          <p:nvPr/>
-        </p:nvSpPr>
-        <p:spPr>
-          <a:xfrm>
-            <a:off x="2999878" y="1985074"/>
-            <a:ext cx="798938" cy="522941"/>
-          </a:xfrm>
-          <a:prstGeom prst="rect">
-            <a:avLst/>
-          </a:prstGeom>
-          <a:noFill/>
-          <a:ln>
-            <a:solidFill>
-              <a:schemeClr val="tx1"/>
-            </a:solidFill>
-          </a:ln>
-        </p:spPr>
-        <p:style>
-          <a:lnRef idx="1">
-            <a:schemeClr val="accent1"/>
-          </a:lnRef>
-          <a:fillRef idx="3">
-            <a:schemeClr val="accent1"/>
-          </a:fillRef>
-          <a:effectRef idx="2">
-            <a:schemeClr val="accent1"/>
-          </a:effectRef>
-          <a:fontRef idx="minor">
-            <a:schemeClr val="lt1"/>
-          </a:fontRef>
-        </p:style>
-        <p:txBody>
-          <a:bodyPr rtlCol="0" anchor="ctr"/>
-          <a:lstStyle/>
-          <a:p>
-            <a:pPr algn="ctr"/>
-            <a:endParaRPr lang="en-US"/>
-          </a:p>
-        </p:txBody>
-      </p:sp>
-      <p:sp>
-        <p:nvSpPr>
-          <p:cNvPr id="17" name="Rectangle 16"/>
-          <p:cNvSpPr/>
-          <p:nvPr/>
-        </p:nvSpPr>
-        <p:spPr>
-          <a:xfrm>
-            <a:off x="4264526" y="1985074"/>
-            <a:ext cx="831561" cy="522941"/>
-          </a:xfrm>
-          <a:prstGeom prst="rect">
-            <a:avLst/>
-          </a:prstGeom>
-          <a:noFill/>
-          <a:ln>
-            <a:solidFill>
-              <a:schemeClr val="tx1"/>
-            </a:solidFill>
-          </a:ln>
-        </p:spPr>
-        <p:style>
-          <a:lnRef idx="1">
-            <a:schemeClr val="accent1"/>
-          </a:lnRef>
-          <a:fillRef idx="3">
-            <a:schemeClr val="accent1"/>
-          </a:fillRef>
-          <a:effectRef idx="2">
-            <a:schemeClr val="accent1"/>
-          </a:effectRef>
-          <a:fontRef idx="minor">
-            <a:schemeClr val="lt1"/>
-          </a:fontRef>
-        </p:style>
-        <p:txBody>
-          <a:bodyPr rtlCol="0" anchor="ctr"/>
-          <a:lstStyle/>
-          <a:p>
-            <a:pPr algn="ctr"/>
-            <a:endParaRPr lang="en-US"/>
-          </a:p>
-        </p:txBody>
-      </p:sp>
-      <p:sp>
-        <p:nvSpPr>
-          <p:cNvPr id="18" name="Rectangle 17"/>
-          <p:cNvSpPr/>
-          <p:nvPr/>
-        </p:nvSpPr>
-        <p:spPr>
-          <a:xfrm>
-            <a:off x="2507535" y="2940417"/>
-            <a:ext cx="991140" cy="522941"/>
-          </a:xfrm>
-          <a:prstGeom prst="rect">
-            <a:avLst/>
-          </a:prstGeom>
-          <a:noFill/>
-          <a:ln>
-            <a:solidFill>
-              <a:schemeClr val="tx1"/>
-            </a:solidFill>
-          </a:ln>
-        </p:spPr>
-        <p:style>
-          <a:lnRef idx="1">
-            <a:schemeClr val="accent1"/>
-          </a:lnRef>
-          <a:fillRef idx="3">
-            <a:schemeClr val="accent1"/>
-          </a:fillRef>
-          <a:effectRef idx="2">
-            <a:schemeClr val="accent1"/>
-          </a:effectRef>
-          <a:fontRef idx="minor">
-            <a:schemeClr val="lt1"/>
-          </a:fontRef>
-        </p:style>
-        <p:txBody>
-          <a:bodyPr rtlCol="0" anchor="ctr"/>
-          <a:lstStyle/>
-          <a:p>
-            <a:pPr algn="ctr"/>
-            <a:endParaRPr lang="en-US"/>
+            <a:off x="4914261" y="3174260"/>
+            <a:ext cx="461986" cy="246221"/>
+          </a:xfrm>
+          <a:prstGeom prst="rect">
+            <a:avLst/>
+          </a:prstGeom>
+          <a:noFill/>
+        </p:spPr>
+        <p:txBody>
+          <a:bodyPr wrap="none" rtlCol="0">
+            <a:spAutoFit/>
+          </a:bodyPr>
+          <a:lstStyle/>
+          <a:p>
+            <a:r>
+              <a:rPr lang="en-US" sz="1000" dirty="0"/>
+              <a:t>Clock</a:t>
+            </a:r>
+          </a:p>
+        </p:txBody>
+      </p:sp>
+      <p:sp>
+        <p:nvSpPr>
+          <p:cNvPr id="16" name="TextBox 15"/>
+          <p:cNvSpPr txBox="1"/>
+          <p:nvPr/>
+        </p:nvSpPr>
+        <p:spPr>
+          <a:xfrm>
+            <a:off x="4914261" y="1836179"/>
+            <a:ext cx="548548" cy="400110"/>
+          </a:xfrm>
+          <a:prstGeom prst="rect">
+            <a:avLst/>
+          </a:prstGeom>
+          <a:noFill/>
+        </p:spPr>
+        <p:txBody>
+          <a:bodyPr wrap="none" rtlCol="0">
+            <a:spAutoFit/>
+          </a:bodyPr>
+          <a:lstStyle/>
+          <a:p>
+            <a:r>
+              <a:rPr lang="en-US" sz="1000" dirty="0" err="1"/>
+              <a:t>Yummi</a:t>
+            </a:r>
+            <a:endParaRPr lang="en-US" sz="1000" dirty="0"/>
+          </a:p>
+          <a:p>
+            <a:r>
+              <a:rPr lang="en-US" sz="1000" dirty="0" err="1"/>
+              <a:t>Tummi</a:t>
+            </a:r>
+            <a:endParaRPr lang="en-US" sz="1000" dirty="0"/>
+          </a:p>
+        </p:txBody>
+      </p:sp>
+      <p:sp>
+        <p:nvSpPr>
+          <p:cNvPr id="17" name="TextBox 16"/>
+          <p:cNvSpPr txBox="1"/>
+          <p:nvPr/>
+        </p:nvSpPr>
+        <p:spPr>
+          <a:xfrm>
+            <a:off x="2515491" y="2525302"/>
+            <a:ext cx="558166" cy="400110"/>
+          </a:xfrm>
+          <a:prstGeom prst="rect">
+            <a:avLst/>
+          </a:prstGeom>
+          <a:noFill/>
+        </p:spPr>
+        <p:txBody>
+          <a:bodyPr wrap="none" rtlCol="0">
+            <a:spAutoFit/>
+          </a:bodyPr>
+          <a:lstStyle/>
+          <a:p>
+            <a:r>
+              <a:rPr lang="en-US" sz="1000" dirty="0"/>
+              <a:t>Service</a:t>
+            </a:r>
+          </a:p>
+          <a:p>
+            <a:r>
+              <a:rPr lang="en-US" sz="1000" dirty="0"/>
+              <a:t>Dog</a:t>
+            </a:r>
+          </a:p>
+        </p:txBody>
+      </p:sp>
+      <p:sp>
+        <p:nvSpPr>
+          <p:cNvPr id="18" name="TextBox 17"/>
+          <p:cNvSpPr txBox="1"/>
+          <p:nvPr/>
+        </p:nvSpPr>
+        <p:spPr>
+          <a:xfrm>
+            <a:off x="4914261" y="2525302"/>
+            <a:ext cx="619080" cy="400110"/>
+          </a:xfrm>
+          <a:prstGeom prst="rect">
+            <a:avLst/>
+          </a:prstGeom>
+          <a:noFill/>
+        </p:spPr>
+        <p:txBody>
+          <a:bodyPr wrap="none" rtlCol="0">
+            <a:spAutoFit/>
+          </a:bodyPr>
+          <a:lstStyle/>
+          <a:p>
+            <a:r>
+              <a:rPr lang="en-US" sz="1000" dirty="0"/>
+              <a:t>Zarf</a:t>
+            </a:r>
+          </a:p>
+          <a:p>
+            <a:r>
+              <a:rPr lang="en-US" sz="1000" dirty="0"/>
+              <a:t>Gardens</a:t>
+            </a:r>
           </a:p>
         </p:txBody>
       </p:sp>
@@ -5166,25 +4012,30 @@
         </p:nvSpPr>
         <p:spPr>
           <a:xfrm>
-            <a:off x="2984167" y="2082273"/>
-            <a:ext cx="761747" cy="369332"/>
-          </a:xfrm>
-          <a:prstGeom prst="rect">
-            <a:avLst/>
-          </a:prstGeom>
-          <a:noFill/>
-        </p:spPr>
-        <p:txBody>
-          <a:bodyPr wrap="none" rtlCol="0">
-            <a:spAutoFit/>
-          </a:bodyPr>
-          <a:lstStyle/>
-          <a:p>
-            <a:r>
-              <a:rPr lang="en-US" dirty="0" smtClean="0"/>
-              <a:t>drinks</a:t>
-            </a:r>
-            <a:endParaRPr lang="en-US" dirty="0"/>
+            <a:off x="6632596" y="4779954"/>
+            <a:ext cx="728084" cy="400110"/>
+          </a:xfrm>
+          <a:prstGeom prst="rect">
+            <a:avLst/>
+          </a:prstGeom>
+          <a:noFill/>
+        </p:spPr>
+        <p:txBody>
+          <a:bodyPr wrap="none" rtlCol="0">
+            <a:spAutoFit/>
+          </a:bodyPr>
+          <a:lstStyle/>
+          <a:p>
+            <a:r>
+              <a:rPr lang="en-US" sz="1000" dirty="0"/>
+              <a:t>Flan</a:t>
+            </a:r>
+          </a:p>
+          <a:p>
+            <a:r>
+              <a:rPr lang="en-US" sz="1000" dirty="0"/>
+              <a:t>Emporium</a:t>
+            </a:r>
           </a:p>
         </p:txBody>
       </p:sp>
@@ -5196,25 +4047,31 @@
         </p:nvSpPr>
         <p:spPr>
           <a:xfrm>
-            <a:off x="4233976" y="2082273"/>
-            <a:ext cx="800219" cy="369332"/>
-          </a:xfrm>
-          <a:prstGeom prst="rect">
-            <a:avLst/>
-          </a:prstGeom>
-          <a:noFill/>
-        </p:spPr>
-        <p:txBody>
-          <a:bodyPr wrap="none" rtlCol="0">
-            <a:spAutoFit/>
-          </a:bodyPr>
-          <a:lstStyle/>
-          <a:p>
-            <a:r>
-              <a:rPr lang="en-US" dirty="0" smtClean="0"/>
-              <a:t>snacks</a:t>
-            </a:r>
-            <a:endParaRPr lang="en-US" dirty="0"/>
+            <a:off x="4001948" y="1073497"/>
+            <a:ext cx="694421" cy="400110"/>
+          </a:xfrm>
+          <a:prstGeom prst="rect">
+            <a:avLst/>
+          </a:prstGeom>
+          <a:noFill/>
+        </p:spPr>
+        <p:txBody>
+          <a:bodyPr wrap="none" rtlCol="0">
+            <a:spAutoFit/>
+          </a:bodyPr>
+          <a:lstStyle/>
+          <a:p>
+            <a:r>
+              <a:rPr lang="en-US" sz="1000" dirty="0"/>
+              <a:t>Johnson’s</a:t>
+            </a:r>
+          </a:p>
+          <a:p>
+            <a:r>
+              <a:rPr lang="en-US" sz="1000"/>
+              <a:t>Rock</a:t>
+            </a:r>
+            <a:endParaRPr lang="en-US" sz="1000" dirty="0"/>
           </a:p>
         </p:txBody>
       </p:sp>
@@ -5226,193 +4083,427 @@
         </p:nvSpPr>
         <p:spPr>
           <a:xfrm>
-            <a:off x="3679072" y="2996037"/>
-            <a:ext cx="1014333" cy="369332"/>
-          </a:xfrm>
-          <a:prstGeom prst="rect">
-            <a:avLst/>
-          </a:prstGeom>
-          <a:noFill/>
-        </p:spPr>
-        <p:txBody>
-          <a:bodyPr wrap="none" rtlCol="0">
-            <a:spAutoFit/>
-          </a:bodyPr>
-          <a:lstStyle/>
-          <a:p>
-            <a:r>
-              <a:rPr lang="en-US" dirty="0" smtClean="0"/>
-              <a:t>cafeteria</a:t>
-            </a:r>
-            <a:endParaRPr lang="en-US" dirty="0"/>
-          </a:p>
-        </p:txBody>
-      </p:sp>
-      <p:cxnSp>
-        <p:nvCxnSpPr>
-          <p:cNvPr id="23" name="Straight Connector 22"/>
-          <p:cNvCxnSpPr/>
-          <p:nvPr/>
-        </p:nvCxnSpPr>
-        <p:spPr>
-          <a:xfrm>
-            <a:off x="3384967" y="3221790"/>
-            <a:ext cx="360947" cy="0"/>
-          </a:xfrm>
-          <a:prstGeom prst="line">
-            <a:avLst/>
-          </a:prstGeom>
-        </p:spPr>
-        <p:style>
-          <a:lnRef idx="2">
-            <a:schemeClr val="accent1"/>
-          </a:lnRef>
-          <a:fillRef idx="0">
-            <a:schemeClr val="accent1"/>
-          </a:fillRef>
-          <a:effectRef idx="1">
-            <a:schemeClr val="accent1"/>
-          </a:effectRef>
-          <a:fontRef idx="minor">
-            <a:schemeClr val="tx1"/>
-          </a:fontRef>
-        </p:style>
-      </p:cxnSp>
-      <p:cxnSp>
-        <p:nvCxnSpPr>
-          <p:cNvPr id="24" name="Straight Connector 23"/>
-          <p:cNvCxnSpPr/>
-          <p:nvPr/>
-        </p:nvCxnSpPr>
-        <p:spPr>
-          <a:xfrm>
-            <a:off x="4648212" y="3221790"/>
-            <a:ext cx="360947" cy="0"/>
-          </a:xfrm>
-          <a:prstGeom prst="line">
-            <a:avLst/>
-          </a:prstGeom>
-        </p:spPr>
-        <p:style>
-          <a:lnRef idx="2">
-            <a:schemeClr val="accent1"/>
-          </a:lnRef>
-          <a:fillRef idx="0">
-            <a:schemeClr val="accent1"/>
-          </a:fillRef>
-          <a:effectRef idx="1">
-            <a:schemeClr val="accent1"/>
-          </a:effectRef>
-          <a:fontRef idx="minor">
-            <a:schemeClr val="tx1"/>
-          </a:fontRef>
-        </p:style>
-      </p:cxnSp>
-      <p:cxnSp>
-        <p:nvCxnSpPr>
-          <p:cNvPr id="25" name="Straight Connector 24"/>
-          <p:cNvCxnSpPr>
-            <a:stCxn id="16" idx="2"/>
-          </p:cNvCxnSpPr>
-          <p:nvPr/>
-        </p:nvCxnSpPr>
-        <p:spPr>
-          <a:xfrm>
-            <a:off x="3399347" y="2508015"/>
-            <a:ext cx="546517" cy="501636"/>
-          </a:xfrm>
-          <a:prstGeom prst="line">
-            <a:avLst/>
-          </a:prstGeom>
-        </p:spPr>
-        <p:style>
-          <a:lnRef idx="2">
-            <a:schemeClr val="accent1"/>
-          </a:lnRef>
-          <a:fillRef idx="0">
-            <a:schemeClr val="accent1"/>
-          </a:fillRef>
-          <a:effectRef idx="1">
-            <a:schemeClr val="accent1"/>
-          </a:effectRef>
-          <a:fontRef idx="minor">
-            <a:schemeClr val="tx1"/>
-          </a:fontRef>
-        </p:style>
-      </p:cxnSp>
-      <p:cxnSp>
-        <p:nvCxnSpPr>
-          <p:cNvPr id="28" name="Straight Connector 27"/>
-          <p:cNvCxnSpPr>
-            <a:stCxn id="17" idx="2"/>
-          </p:cNvCxnSpPr>
-          <p:nvPr/>
-        </p:nvCxnSpPr>
-        <p:spPr>
-          <a:xfrm flipH="1">
-            <a:off x="4264526" y="2508015"/>
-            <a:ext cx="415781" cy="482001"/>
-          </a:xfrm>
-          <a:prstGeom prst="line">
-            <a:avLst/>
-          </a:prstGeom>
-        </p:spPr>
-        <p:style>
-          <a:lnRef idx="2">
-            <a:schemeClr val="accent1"/>
-          </a:lnRef>
-          <a:fillRef idx="0">
-            <a:schemeClr val="accent1"/>
-          </a:fillRef>
-          <a:effectRef idx="1">
-            <a:schemeClr val="accent1"/>
-          </a:effectRef>
-          <a:fontRef idx="minor">
-            <a:schemeClr val="tx1"/>
-          </a:fontRef>
-        </p:style>
-      </p:cxnSp>
-      <p:sp>
-        <p:nvSpPr>
-          <p:cNvPr id="33" name="Oval 32"/>
-          <p:cNvSpPr/>
-          <p:nvPr/>
-        </p:nvSpPr>
-        <p:spPr>
-          <a:xfrm>
-            <a:off x="1818103" y="808285"/>
-            <a:ext cx="4657558" cy="4657558"/>
-          </a:xfrm>
-          <a:prstGeom prst="ellipse">
-            <a:avLst/>
-          </a:prstGeom>
-          <a:noFill/>
-          <a:ln>
-            <a:solidFill>
-              <a:schemeClr val="tx1"/>
-            </a:solidFill>
-          </a:ln>
-        </p:spPr>
-        <p:style>
-          <a:lnRef idx="1">
-            <a:schemeClr val="accent1"/>
-          </a:lnRef>
-          <a:fillRef idx="3">
-            <a:schemeClr val="accent1"/>
-          </a:fillRef>
-          <a:effectRef idx="2">
-            <a:schemeClr val="accent1"/>
-          </a:effectRef>
-          <a:fontRef idx="minor">
-            <a:schemeClr val="lt1"/>
-          </a:fontRef>
-        </p:style>
-        <p:txBody>
-          <a:bodyPr rtlCol="0" anchor="ctr"/>
-          <a:lstStyle/>
-          <a:p>
-            <a:pPr algn="ctr"/>
-            <a:endParaRPr lang="en-US"/>
+            <a:off x="4914261" y="1073497"/>
+            <a:ext cx="595035" cy="400110"/>
+          </a:xfrm>
+          <a:prstGeom prst="rect">
+            <a:avLst/>
+          </a:prstGeom>
+          <a:noFill/>
+        </p:spPr>
+        <p:txBody>
+          <a:bodyPr wrap="none" rtlCol="0">
+            <a:spAutoFit/>
+          </a:bodyPr>
+          <a:lstStyle/>
+          <a:p>
+            <a:r>
+              <a:rPr lang="en-US" sz="1000" dirty="0"/>
+              <a:t>General</a:t>
+            </a:r>
+          </a:p>
+          <a:p>
+            <a:r>
+              <a:rPr lang="en-US" sz="1000" dirty="0"/>
+              <a:t>Nelson</a:t>
+            </a:r>
+          </a:p>
+        </p:txBody>
+      </p:sp>
+      <p:sp>
+        <p:nvSpPr>
+          <p:cNvPr id="22" name="TextBox 21"/>
+          <p:cNvSpPr txBox="1"/>
+          <p:nvPr/>
+        </p:nvSpPr>
+        <p:spPr>
+          <a:xfrm>
+            <a:off x="5793467" y="1073497"/>
+            <a:ext cx="554960" cy="246221"/>
+          </a:xfrm>
+          <a:prstGeom prst="rect">
+            <a:avLst/>
+          </a:prstGeom>
+          <a:noFill/>
+        </p:spPr>
+        <p:txBody>
+          <a:bodyPr wrap="none" rtlCol="0">
+            <a:spAutoFit/>
+          </a:bodyPr>
+          <a:lstStyle/>
+          <a:p>
+            <a:r>
+              <a:rPr lang="en-US" sz="1000" dirty="0"/>
+              <a:t>Church</a:t>
+            </a:r>
+          </a:p>
+        </p:txBody>
+      </p:sp>
+      <p:sp>
+        <p:nvSpPr>
+          <p:cNvPr id="23" name="TextBox 22"/>
+          <p:cNvSpPr txBox="1"/>
+          <p:nvPr/>
+        </p:nvSpPr>
+        <p:spPr>
+          <a:xfrm>
+            <a:off x="1711626" y="1876344"/>
+            <a:ext cx="731290" cy="246221"/>
+          </a:xfrm>
+          <a:prstGeom prst="rect">
+            <a:avLst/>
+          </a:prstGeom>
+          <a:noFill/>
+        </p:spPr>
+        <p:txBody>
+          <a:bodyPr wrap="none" rtlCol="0">
+            <a:spAutoFit/>
+          </a:bodyPr>
+          <a:lstStyle/>
+          <a:p>
+            <a:r>
+              <a:rPr lang="en-US" sz="1000" dirty="0"/>
+              <a:t>Cyclorama</a:t>
+            </a:r>
+          </a:p>
+        </p:txBody>
+      </p:sp>
+      <p:sp>
+        <p:nvSpPr>
+          <p:cNvPr id="24" name="TextBox 23"/>
+          <p:cNvSpPr txBox="1"/>
+          <p:nvPr/>
+        </p:nvSpPr>
+        <p:spPr>
+          <a:xfrm>
+            <a:off x="2515491" y="4779954"/>
+            <a:ext cx="851665" cy="400110"/>
+          </a:xfrm>
+          <a:prstGeom prst="rect">
+            <a:avLst/>
+          </a:prstGeom>
+          <a:noFill/>
+        </p:spPr>
+        <p:txBody>
+          <a:bodyPr wrap="none" rtlCol="0">
+            <a:spAutoFit/>
+          </a:bodyPr>
+          <a:lstStyle/>
+          <a:p>
+            <a:r>
+              <a:rPr lang="en-US" sz="1000" dirty="0" smtClean="0"/>
+              <a:t>Biological</a:t>
+            </a:r>
+          </a:p>
+          <a:p>
+            <a:r>
+              <a:rPr lang="en-US" sz="1000" dirty="0" smtClean="0"/>
+              <a:t>containment</a:t>
+            </a:r>
+          </a:p>
+        </p:txBody>
+      </p:sp>
+      <p:sp>
+        <p:nvSpPr>
+          <p:cNvPr id="25" name="TextBox 24"/>
+          <p:cNvSpPr txBox="1"/>
+          <p:nvPr/>
+        </p:nvSpPr>
+        <p:spPr>
+          <a:xfrm>
+            <a:off x="2501867" y="3977107"/>
+            <a:ext cx="620683" cy="400110"/>
+          </a:xfrm>
+          <a:prstGeom prst="rect">
+            <a:avLst/>
+          </a:prstGeom>
+          <a:noFill/>
+        </p:spPr>
+        <p:txBody>
+          <a:bodyPr wrap="none" rtlCol="0">
+            <a:spAutoFit/>
+          </a:bodyPr>
+          <a:lstStyle/>
+          <a:p>
+            <a:r>
+              <a:rPr lang="en-US" sz="1000" dirty="0" err="1"/>
+              <a:t>Margots</a:t>
+            </a:r>
+            <a:endParaRPr lang="en-US" sz="1000" dirty="0"/>
+          </a:p>
+          <a:p>
+            <a:r>
+              <a:rPr lang="en-US" sz="1000" dirty="0"/>
+              <a:t>Pantry</a:t>
+            </a:r>
+          </a:p>
+        </p:txBody>
+      </p:sp>
+      <p:sp>
+        <p:nvSpPr>
+          <p:cNvPr id="26" name="TextBox 25"/>
+          <p:cNvSpPr txBox="1"/>
+          <p:nvPr/>
+        </p:nvSpPr>
+        <p:spPr>
+          <a:xfrm>
+            <a:off x="6632596" y="5428910"/>
+            <a:ext cx="575799" cy="246221"/>
+          </a:xfrm>
+          <a:prstGeom prst="rect">
+            <a:avLst/>
+          </a:prstGeom>
+          <a:noFill/>
+        </p:spPr>
+        <p:txBody>
+          <a:bodyPr wrap="none" rtlCol="0">
+            <a:spAutoFit/>
+          </a:bodyPr>
+          <a:lstStyle/>
+          <a:p>
+            <a:r>
+              <a:rPr lang="en-US" sz="1000" dirty="0"/>
+              <a:t>Gazebo</a:t>
+            </a:r>
+          </a:p>
+        </p:txBody>
+      </p:sp>
+      <p:sp>
+        <p:nvSpPr>
+          <p:cNvPr id="27" name="TextBox 26"/>
+          <p:cNvSpPr txBox="1"/>
+          <p:nvPr/>
+        </p:nvSpPr>
+        <p:spPr>
+          <a:xfrm>
+            <a:off x="4044229" y="1876344"/>
+            <a:ext cx="413896" cy="400110"/>
+          </a:xfrm>
+          <a:prstGeom prst="rect">
+            <a:avLst/>
+          </a:prstGeom>
+          <a:noFill/>
+        </p:spPr>
+        <p:txBody>
+          <a:bodyPr wrap="none" rtlCol="0">
+            <a:spAutoFit/>
+          </a:bodyPr>
+          <a:lstStyle/>
+          <a:p>
+            <a:r>
+              <a:rPr lang="en-US" sz="1000" dirty="0"/>
+              <a:t>City</a:t>
+            </a:r>
+          </a:p>
+          <a:p>
+            <a:r>
+              <a:rPr lang="en-US" sz="1000" dirty="0"/>
+              <a:t>Park</a:t>
+            </a:r>
+          </a:p>
+        </p:txBody>
+      </p:sp>
+      <p:sp>
+        <p:nvSpPr>
+          <p:cNvPr id="28" name="TextBox 27"/>
+          <p:cNvSpPr txBox="1"/>
+          <p:nvPr/>
+        </p:nvSpPr>
+        <p:spPr>
+          <a:xfrm>
+            <a:off x="1711626" y="1073497"/>
+            <a:ext cx="519694" cy="400110"/>
+          </a:xfrm>
+          <a:prstGeom prst="rect">
+            <a:avLst/>
+          </a:prstGeom>
+          <a:noFill/>
+        </p:spPr>
+        <p:txBody>
+          <a:bodyPr wrap="none" rtlCol="0">
+            <a:spAutoFit/>
+          </a:bodyPr>
+          <a:lstStyle/>
+          <a:p>
+            <a:r>
+              <a:rPr lang="en-US" sz="1000" dirty="0"/>
+              <a:t>Dung</a:t>
+            </a:r>
+          </a:p>
+          <a:p>
+            <a:r>
+              <a:rPr lang="en-US" sz="1000" dirty="0"/>
+              <a:t>Beetle</a:t>
+            </a:r>
+          </a:p>
+        </p:txBody>
+      </p:sp>
+      <p:sp>
+        <p:nvSpPr>
+          <p:cNvPr id="29" name="TextBox 28"/>
+          <p:cNvSpPr txBox="1"/>
+          <p:nvPr/>
+        </p:nvSpPr>
+        <p:spPr>
+          <a:xfrm>
+            <a:off x="5793467" y="5428910"/>
+            <a:ext cx="542136" cy="400110"/>
+          </a:xfrm>
+          <a:prstGeom prst="rect">
+            <a:avLst/>
+          </a:prstGeom>
+          <a:noFill/>
+        </p:spPr>
+        <p:txBody>
+          <a:bodyPr wrap="none" rtlCol="0">
+            <a:spAutoFit/>
+          </a:bodyPr>
+          <a:lstStyle/>
+          <a:p>
+            <a:r>
+              <a:rPr lang="en-US" sz="1000" dirty="0"/>
+              <a:t>Hank’s</a:t>
+            </a:r>
+          </a:p>
+          <a:p>
+            <a:r>
+              <a:rPr lang="en-US" sz="1000" dirty="0"/>
+              <a:t>Tavern</a:t>
+            </a:r>
+          </a:p>
+        </p:txBody>
+      </p:sp>
+      <p:sp>
+        <p:nvSpPr>
+          <p:cNvPr id="30" name="TextBox 29"/>
+          <p:cNvSpPr txBox="1"/>
+          <p:nvPr/>
+        </p:nvSpPr>
+        <p:spPr>
+          <a:xfrm>
+            <a:off x="4914261" y="5428910"/>
+            <a:ext cx="729687" cy="400110"/>
+          </a:xfrm>
+          <a:prstGeom prst="rect">
+            <a:avLst/>
+          </a:prstGeom>
+          <a:noFill/>
+        </p:spPr>
+        <p:txBody>
+          <a:bodyPr wrap="none" rtlCol="0">
+            <a:spAutoFit/>
+          </a:bodyPr>
+          <a:lstStyle/>
+          <a:p>
+            <a:r>
+              <a:rPr lang="en-US" sz="1000" dirty="0"/>
+              <a:t>Rottweiler</a:t>
+            </a:r>
+          </a:p>
+          <a:p>
+            <a:r>
+              <a:rPr lang="en-US" sz="1000" dirty="0"/>
+              <a:t>Art</a:t>
+            </a:r>
+          </a:p>
+        </p:txBody>
+      </p:sp>
+      <p:sp>
+        <p:nvSpPr>
+          <p:cNvPr id="31" name="TextBox 30"/>
+          <p:cNvSpPr txBox="1"/>
+          <p:nvPr/>
+        </p:nvSpPr>
+        <p:spPr>
+          <a:xfrm>
+            <a:off x="4914261" y="3977107"/>
+            <a:ext cx="729687" cy="400110"/>
+          </a:xfrm>
+          <a:prstGeom prst="rect">
+            <a:avLst/>
+          </a:prstGeom>
+          <a:noFill/>
+        </p:spPr>
+        <p:txBody>
+          <a:bodyPr wrap="none" rtlCol="0">
+            <a:spAutoFit/>
+          </a:bodyPr>
+          <a:lstStyle/>
+          <a:p>
+            <a:r>
+              <a:rPr lang="en-US" sz="1000" dirty="0"/>
+              <a:t>Friendship</a:t>
+            </a:r>
+          </a:p>
+          <a:p>
+            <a:r>
+              <a:rPr lang="en-US" sz="1000" dirty="0"/>
+              <a:t>Altar</a:t>
+            </a:r>
+          </a:p>
+        </p:txBody>
+      </p:sp>
+      <p:sp>
+        <p:nvSpPr>
+          <p:cNvPr id="32" name="TextBox 31"/>
+          <p:cNvSpPr txBox="1"/>
+          <p:nvPr/>
+        </p:nvSpPr>
+        <p:spPr>
+          <a:xfrm>
+            <a:off x="5793467" y="4779954"/>
+            <a:ext cx="447558" cy="246221"/>
+          </a:xfrm>
+          <a:prstGeom prst="rect">
+            <a:avLst/>
+          </a:prstGeom>
+          <a:noFill/>
+        </p:spPr>
+        <p:txBody>
+          <a:bodyPr wrap="none" rtlCol="0">
+            <a:spAutoFit/>
+          </a:bodyPr>
+          <a:lstStyle/>
+          <a:p>
+            <a:r>
+              <a:rPr lang="en-US" sz="1000" dirty="0"/>
+              <a:t>1893</a:t>
+            </a:r>
+          </a:p>
+        </p:txBody>
+      </p:sp>
+      <p:sp>
+        <p:nvSpPr>
+          <p:cNvPr id="33" name="TextBox 32"/>
+          <p:cNvSpPr txBox="1"/>
+          <p:nvPr/>
+        </p:nvSpPr>
+        <p:spPr>
+          <a:xfrm>
+            <a:off x="6632596" y="3977107"/>
+            <a:ext cx="588623" cy="400110"/>
+          </a:xfrm>
+          <a:prstGeom prst="rect">
+            <a:avLst/>
+          </a:prstGeom>
+          <a:noFill/>
+        </p:spPr>
+        <p:txBody>
+          <a:bodyPr wrap="none" rtlCol="0">
+            <a:spAutoFit/>
+          </a:bodyPr>
+          <a:lstStyle/>
+          <a:p>
+            <a:r>
+              <a:rPr lang="en-US" sz="1000" dirty="0"/>
+              <a:t>Eagle’s</a:t>
+            </a:r>
+          </a:p>
+          <a:p>
+            <a:r>
+              <a:rPr lang="en-US" sz="1000" dirty="0"/>
+              <a:t>Sojourn</a:t>
+            </a:r>
           </a:p>
         </p:txBody>
       </p:sp>
@@ -5424,116 +4515,840 @@
         </p:nvSpPr>
         <p:spPr>
           <a:xfrm>
-            <a:off x="5946588" y="5737412"/>
-            <a:ext cx="2298676" cy="646331"/>
-          </a:xfrm>
-          <a:prstGeom prst="rect">
-            <a:avLst/>
-          </a:prstGeom>
-          <a:noFill/>
-        </p:spPr>
-        <p:txBody>
-          <a:bodyPr wrap="none" rtlCol="0">
-            <a:spAutoFit/>
-          </a:bodyPr>
-          <a:lstStyle/>
-          <a:p>
-            <a:r>
-              <a:rPr lang="en-US" dirty="0" err="1" smtClean="0"/>
+            <a:off x="6632596" y="1876344"/>
+            <a:ext cx="707245" cy="400110"/>
+          </a:xfrm>
+          <a:prstGeom prst="rect">
+            <a:avLst/>
+          </a:prstGeom>
+          <a:noFill/>
+        </p:spPr>
+        <p:txBody>
+          <a:bodyPr wrap="none" rtlCol="0">
+            <a:spAutoFit/>
+          </a:bodyPr>
+          <a:lstStyle/>
+          <a:p>
+            <a:r>
+              <a:rPr lang="en-US" sz="1000" dirty="0"/>
+              <a:t>Telescope</a:t>
+            </a:r>
+          </a:p>
+          <a:p>
+            <a:r>
+              <a:rPr lang="en-US" sz="1000" dirty="0"/>
+              <a:t>Nymph</a:t>
+            </a:r>
+          </a:p>
+        </p:txBody>
+      </p:sp>
+      <p:sp>
+        <p:nvSpPr>
+          <p:cNvPr id="35" name="TextBox 34"/>
+          <p:cNvSpPr txBox="1"/>
+          <p:nvPr/>
+        </p:nvSpPr>
+        <p:spPr>
+          <a:xfrm>
+            <a:off x="4914261" y="4779954"/>
+            <a:ext cx="518091" cy="400110"/>
+          </a:xfrm>
+          <a:prstGeom prst="rect">
+            <a:avLst/>
+          </a:prstGeom>
+          <a:noFill/>
+        </p:spPr>
+        <p:txBody>
+          <a:bodyPr wrap="none" rtlCol="0">
+            <a:spAutoFit/>
+          </a:bodyPr>
+          <a:lstStyle/>
+          <a:p>
+            <a:r>
+              <a:rPr lang="en-US" sz="1000" dirty="0"/>
+              <a:t>Fire is </a:t>
+            </a:r>
+          </a:p>
+          <a:p>
+            <a:r>
+              <a:rPr lang="en-US" sz="1000" dirty="0"/>
+              <a:t>Friend</a:t>
+            </a:r>
+          </a:p>
+        </p:txBody>
+      </p:sp>
+      <p:sp>
+        <p:nvSpPr>
+          <p:cNvPr id="36" name="TextBox 35"/>
+          <p:cNvSpPr txBox="1"/>
+          <p:nvPr/>
+        </p:nvSpPr>
+        <p:spPr>
+          <a:xfrm>
+            <a:off x="1711626" y="5428910"/>
+            <a:ext cx="708848" cy="400110"/>
+          </a:xfrm>
+          <a:prstGeom prst="rect">
+            <a:avLst/>
+          </a:prstGeom>
+          <a:noFill/>
+        </p:spPr>
+        <p:txBody>
+          <a:bodyPr wrap="none" rtlCol="0">
+            <a:spAutoFit/>
+          </a:bodyPr>
+          <a:lstStyle/>
+          <a:p>
+            <a:r>
+              <a:rPr lang="en-US" sz="1000" dirty="0"/>
+              <a:t>Unearthly</a:t>
+            </a:r>
+          </a:p>
+          <a:p>
+            <a:r>
+              <a:rPr lang="en-US" sz="1000" dirty="0"/>
+              <a:t>Geometry</a:t>
+            </a:r>
+          </a:p>
+        </p:txBody>
+      </p:sp>
+      <p:sp>
+        <p:nvSpPr>
+          <p:cNvPr id="37" name="TextBox 36"/>
+          <p:cNvSpPr txBox="1"/>
+          <p:nvPr/>
+        </p:nvSpPr>
+        <p:spPr>
+          <a:xfrm>
+            <a:off x="5793467" y="3174260"/>
+            <a:ext cx="508473" cy="400110"/>
+          </a:xfrm>
+          <a:prstGeom prst="rect">
+            <a:avLst/>
+          </a:prstGeom>
+          <a:noFill/>
+        </p:spPr>
+        <p:txBody>
+          <a:bodyPr wrap="none" rtlCol="0">
+            <a:spAutoFit/>
+          </a:bodyPr>
+          <a:lstStyle/>
+          <a:p>
+            <a:r>
+              <a:rPr lang="en-US" sz="1000" dirty="0"/>
+              <a:t>Floyd</a:t>
+            </a:r>
+          </a:p>
+          <a:p>
+            <a:r>
+              <a:rPr lang="en-US" sz="1000" dirty="0"/>
+              <a:t>Bench</a:t>
+            </a:r>
+          </a:p>
+        </p:txBody>
+      </p:sp>
+      <p:sp>
+        <p:nvSpPr>
+          <p:cNvPr id="38" name="TextBox 37"/>
+          <p:cNvSpPr txBox="1"/>
+          <p:nvPr/>
+        </p:nvSpPr>
+        <p:spPr>
+          <a:xfrm>
+            <a:off x="5793467" y="1876344"/>
+            <a:ext cx="593432" cy="246221"/>
+          </a:xfrm>
+          <a:prstGeom prst="rect">
+            <a:avLst/>
+          </a:prstGeom>
+          <a:noFill/>
+        </p:spPr>
+        <p:txBody>
+          <a:bodyPr wrap="none" rtlCol="0">
+            <a:spAutoFit/>
+          </a:bodyPr>
+          <a:lstStyle/>
+          <a:p>
+            <a:r>
+              <a:rPr lang="en-US" sz="1000" dirty="0"/>
+              <a:t>Chicken</a:t>
+            </a:r>
+          </a:p>
+        </p:txBody>
+      </p:sp>
+      <p:sp>
+        <p:nvSpPr>
+          <p:cNvPr id="39" name="TextBox 38"/>
+          <p:cNvSpPr txBox="1"/>
+          <p:nvPr/>
+        </p:nvSpPr>
+        <p:spPr>
+          <a:xfrm>
+            <a:off x="5793467" y="2525302"/>
+            <a:ext cx="769763" cy="400110"/>
+          </a:xfrm>
+          <a:prstGeom prst="rect">
+            <a:avLst/>
+          </a:prstGeom>
+          <a:noFill/>
+        </p:spPr>
+        <p:txBody>
+          <a:bodyPr wrap="none" rtlCol="0">
+            <a:spAutoFit/>
+          </a:bodyPr>
+          <a:lstStyle/>
+          <a:p>
+            <a:r>
+              <a:rPr lang="en-US" sz="1000" dirty="0" err="1"/>
+              <a:t>Welbourne</a:t>
+            </a:r>
+            <a:endParaRPr lang="en-US" sz="1000" dirty="0"/>
+          </a:p>
+          <a:p>
+            <a:r>
+              <a:rPr lang="en-US" sz="1000" dirty="0"/>
+              <a:t>Travel</a:t>
+            </a:r>
+          </a:p>
+        </p:txBody>
+      </p:sp>
+      <p:sp>
+        <p:nvSpPr>
+          <p:cNvPr id="40" name="TextBox 39"/>
+          <p:cNvSpPr txBox="1"/>
+          <p:nvPr/>
+        </p:nvSpPr>
+        <p:spPr>
+          <a:xfrm>
+            <a:off x="2515491" y="1073497"/>
+            <a:ext cx="506870" cy="246221"/>
+          </a:xfrm>
+          <a:prstGeom prst="rect">
+            <a:avLst/>
+          </a:prstGeom>
+          <a:noFill/>
+        </p:spPr>
+        <p:txBody>
+          <a:bodyPr wrap="none" rtlCol="0">
+            <a:spAutoFit/>
+          </a:bodyPr>
+          <a:lstStyle/>
+          <a:p>
+            <a:r>
+              <a:rPr lang="en-US" sz="1000" dirty="0"/>
+              <a:t>Pillory</a:t>
+            </a:r>
+          </a:p>
+        </p:txBody>
+      </p:sp>
+      <p:sp>
+        <p:nvSpPr>
+          <p:cNvPr id="41" name="TextBox 40"/>
+          <p:cNvSpPr txBox="1"/>
+          <p:nvPr/>
+        </p:nvSpPr>
+        <p:spPr>
+          <a:xfrm>
+            <a:off x="3306532" y="1073497"/>
+            <a:ext cx="344966" cy="246221"/>
+          </a:xfrm>
+          <a:prstGeom prst="rect">
+            <a:avLst/>
+          </a:prstGeom>
+          <a:noFill/>
+        </p:spPr>
+        <p:txBody>
+          <a:bodyPr wrap="none" rtlCol="0">
+            <a:spAutoFit/>
+          </a:bodyPr>
+          <a:lstStyle/>
+          <a:p>
+            <a:r>
+              <a:rPr lang="en-US" sz="1000" dirty="0"/>
+              <a:t>Jail</a:t>
+            </a:r>
+          </a:p>
+        </p:txBody>
+      </p:sp>
+      <p:sp>
+        <p:nvSpPr>
+          <p:cNvPr id="42" name="TextBox 41"/>
+          <p:cNvSpPr txBox="1"/>
+          <p:nvPr/>
+        </p:nvSpPr>
+        <p:spPr>
+          <a:xfrm>
+            <a:off x="3306532" y="1876344"/>
+            <a:ext cx="513282" cy="400110"/>
+          </a:xfrm>
+          <a:prstGeom prst="rect">
+            <a:avLst/>
+          </a:prstGeom>
+          <a:noFill/>
+        </p:spPr>
+        <p:txBody>
+          <a:bodyPr wrap="none" rtlCol="0">
+            <a:spAutoFit/>
+          </a:bodyPr>
+          <a:lstStyle/>
+          <a:p>
+            <a:r>
+              <a:rPr lang="en-US" sz="1000" dirty="0"/>
+              <a:t>Court</a:t>
+            </a:r>
+          </a:p>
+          <a:p>
+            <a:r>
+              <a:rPr lang="en-US" sz="1000" dirty="0"/>
+              <a:t>House</a:t>
+            </a:r>
+          </a:p>
+        </p:txBody>
+      </p:sp>
+      <p:sp>
+        <p:nvSpPr>
+          <p:cNvPr id="43" name="TextBox 42"/>
+          <p:cNvSpPr txBox="1"/>
+          <p:nvPr/>
+        </p:nvSpPr>
+        <p:spPr>
+          <a:xfrm>
+            <a:off x="6632596" y="3174260"/>
+            <a:ext cx="554960" cy="400110"/>
+          </a:xfrm>
+          <a:prstGeom prst="rect">
+            <a:avLst/>
+          </a:prstGeom>
+          <a:noFill/>
+        </p:spPr>
+        <p:txBody>
+          <a:bodyPr wrap="none" rtlCol="0">
+            <a:spAutoFit/>
+          </a:bodyPr>
+          <a:lstStyle/>
+          <a:p>
+            <a:r>
+              <a:rPr lang="en-US" sz="1000" dirty="0"/>
+              <a:t>Train</a:t>
+            </a:r>
+          </a:p>
+          <a:p>
+            <a:r>
+              <a:rPr lang="en-US" sz="1000" dirty="0"/>
+              <a:t>Station</a:t>
+            </a:r>
+          </a:p>
+        </p:txBody>
+      </p:sp>
+      <p:sp>
+        <p:nvSpPr>
+          <p:cNvPr id="44" name="TextBox 43"/>
+          <p:cNvSpPr txBox="1"/>
+          <p:nvPr/>
+        </p:nvSpPr>
+        <p:spPr>
+          <a:xfrm>
+            <a:off x="6632596" y="2525302"/>
+            <a:ext cx="609462" cy="400110"/>
+          </a:xfrm>
+          <a:prstGeom prst="rect">
+            <a:avLst/>
+          </a:prstGeom>
+          <a:noFill/>
+        </p:spPr>
+        <p:txBody>
+          <a:bodyPr wrap="none" rtlCol="0">
+            <a:spAutoFit/>
+          </a:bodyPr>
+          <a:lstStyle/>
+          <a:p>
+            <a:r>
+              <a:rPr lang="en-US" sz="1000" dirty="0"/>
+              <a:t>Dog</a:t>
+            </a:r>
+          </a:p>
+          <a:p>
+            <a:r>
+              <a:rPr lang="en-US" sz="1000" dirty="0"/>
+              <a:t>Exercise</a:t>
+            </a:r>
+          </a:p>
+        </p:txBody>
+      </p:sp>
+      <p:sp>
+        <p:nvSpPr>
+          <p:cNvPr id="45" name="TextBox 44"/>
+          <p:cNvSpPr txBox="1"/>
+          <p:nvPr/>
+        </p:nvSpPr>
+        <p:spPr>
+          <a:xfrm>
+            <a:off x="1711626" y="3174260"/>
+            <a:ext cx="643125" cy="400110"/>
+          </a:xfrm>
+          <a:prstGeom prst="rect">
+            <a:avLst/>
+          </a:prstGeom>
+          <a:noFill/>
+        </p:spPr>
+        <p:txBody>
+          <a:bodyPr wrap="none" rtlCol="0">
+            <a:spAutoFit/>
+          </a:bodyPr>
+          <a:lstStyle/>
+          <a:p>
+            <a:r>
+              <a:rPr lang="en-US" sz="1000" dirty="0"/>
+              <a:t>Bottle</a:t>
+            </a:r>
+          </a:p>
+          <a:p>
+            <a:r>
+              <a:rPr lang="en-US" sz="1000" dirty="0"/>
+              <a:t>Cap Wall</a:t>
+            </a:r>
+          </a:p>
+        </p:txBody>
+      </p:sp>
+      <p:sp>
+        <p:nvSpPr>
+          <p:cNvPr id="46" name="TextBox 45"/>
+          <p:cNvSpPr txBox="1"/>
+          <p:nvPr/>
+        </p:nvSpPr>
+        <p:spPr>
+          <a:xfrm>
+            <a:off x="3306532" y="3977107"/>
+            <a:ext cx="705642" cy="400110"/>
+          </a:xfrm>
+          <a:prstGeom prst="rect">
+            <a:avLst/>
+          </a:prstGeom>
+          <a:noFill/>
+        </p:spPr>
+        <p:txBody>
+          <a:bodyPr wrap="none" rtlCol="0">
+            <a:spAutoFit/>
+          </a:bodyPr>
+          <a:lstStyle/>
+          <a:p>
+            <a:r>
+              <a:rPr lang="en-US" sz="1000" dirty="0"/>
+              <a:t>Cranberry</a:t>
+            </a:r>
+          </a:p>
+          <a:p>
+            <a:r>
+              <a:rPr lang="en-US" sz="1000" dirty="0"/>
+              <a:t>Bog</a:t>
+            </a:r>
+          </a:p>
+        </p:txBody>
+      </p:sp>
+      <p:sp>
+        <p:nvSpPr>
+          <p:cNvPr id="47" name="TextBox 46"/>
+          <p:cNvSpPr txBox="1"/>
+          <p:nvPr/>
+        </p:nvSpPr>
+        <p:spPr>
+          <a:xfrm>
+            <a:off x="4040133" y="5428910"/>
+            <a:ext cx="704039" cy="246221"/>
+          </a:xfrm>
+          <a:prstGeom prst="rect">
+            <a:avLst/>
+          </a:prstGeom>
+          <a:noFill/>
+        </p:spPr>
+        <p:txBody>
+          <a:bodyPr wrap="none" rtlCol="0">
+            <a:spAutoFit/>
+          </a:bodyPr>
+          <a:lstStyle/>
+          <a:p>
+            <a:r>
+              <a:rPr lang="en-US" sz="1000" dirty="0"/>
+              <a:t>Found Art</a:t>
+            </a:r>
+          </a:p>
+        </p:txBody>
+      </p:sp>
+      <p:sp>
+        <p:nvSpPr>
+          <p:cNvPr id="48" name="TextBox 47"/>
+          <p:cNvSpPr txBox="1"/>
+          <p:nvPr/>
+        </p:nvSpPr>
+        <p:spPr>
+          <a:xfrm>
+            <a:off x="6632596" y="1073497"/>
+            <a:ext cx="567784" cy="400110"/>
+          </a:xfrm>
+          <a:prstGeom prst="rect">
+            <a:avLst/>
+          </a:prstGeom>
+          <a:noFill/>
+        </p:spPr>
+        <p:txBody>
+          <a:bodyPr wrap="none" rtlCol="0">
+            <a:spAutoFit/>
+          </a:bodyPr>
+          <a:lstStyle/>
+          <a:p>
+            <a:r>
+              <a:rPr lang="en-US" sz="1000" dirty="0"/>
+              <a:t>Crystal </a:t>
+            </a:r>
+          </a:p>
+          <a:p>
+            <a:r>
+              <a:rPr lang="en-US" sz="1000" dirty="0"/>
+              <a:t>Skull</a:t>
+            </a:r>
+          </a:p>
+        </p:txBody>
+      </p:sp>
+      <p:sp>
+        <p:nvSpPr>
+          <p:cNvPr id="49" name="TextBox 48"/>
+          <p:cNvSpPr txBox="1"/>
+          <p:nvPr/>
+        </p:nvSpPr>
+        <p:spPr>
+          <a:xfrm>
+            <a:off x="4040133" y="2525302"/>
+            <a:ext cx="574196" cy="400110"/>
+          </a:xfrm>
+          <a:prstGeom prst="rect">
+            <a:avLst/>
+          </a:prstGeom>
+          <a:noFill/>
+        </p:spPr>
+        <p:txBody>
+          <a:bodyPr wrap="none" rtlCol="0">
+            <a:spAutoFit/>
+          </a:bodyPr>
+          <a:lstStyle/>
+          <a:p>
+            <a:r>
+              <a:rPr lang="en-US" sz="1000" dirty="0"/>
+              <a:t>Hook &amp;</a:t>
+            </a:r>
+          </a:p>
+          <a:p>
+            <a:r>
+              <a:rPr lang="en-US" sz="1000" dirty="0"/>
+              <a:t>Ladder</a:t>
+            </a:r>
+          </a:p>
+        </p:txBody>
+      </p:sp>
+      <p:sp>
+        <p:nvSpPr>
+          <p:cNvPr id="50" name="TextBox 49"/>
+          <p:cNvSpPr txBox="1"/>
+          <p:nvPr/>
+        </p:nvSpPr>
+        <p:spPr>
+          <a:xfrm>
+            <a:off x="2515491" y="1876344"/>
+            <a:ext cx="649537" cy="246221"/>
+          </a:xfrm>
+          <a:prstGeom prst="rect">
+            <a:avLst/>
+          </a:prstGeom>
+          <a:noFill/>
+        </p:spPr>
+        <p:txBody>
+          <a:bodyPr wrap="none" rtlCol="0">
+            <a:spAutoFit/>
+          </a:bodyPr>
+          <a:lstStyle/>
+          <a:p>
+            <a:r>
+              <a:rPr lang="en-US" sz="1000" dirty="0"/>
+              <a:t>Flag Pole</a:t>
+            </a:r>
+          </a:p>
+        </p:txBody>
+      </p:sp>
+      <p:sp>
+        <p:nvSpPr>
+          <p:cNvPr id="51" name="TextBox 50"/>
+          <p:cNvSpPr txBox="1"/>
+          <p:nvPr/>
+        </p:nvSpPr>
+        <p:spPr>
+          <a:xfrm>
+            <a:off x="2515491" y="5428910"/>
+            <a:ext cx="566181" cy="400110"/>
+          </a:xfrm>
+          <a:prstGeom prst="rect">
+            <a:avLst/>
+          </a:prstGeom>
+          <a:noFill/>
+        </p:spPr>
+        <p:txBody>
+          <a:bodyPr wrap="none" rtlCol="0">
+            <a:spAutoFit/>
+          </a:bodyPr>
+          <a:lstStyle/>
+          <a:p>
+            <a:r>
+              <a:rPr lang="en-US" sz="1000" dirty="0"/>
+              <a:t>Marker</a:t>
+            </a:r>
+          </a:p>
+          <a:p>
+            <a:r>
+              <a:rPr lang="en-US" sz="1000" dirty="0"/>
+              <a:t>0.7</a:t>
+            </a:r>
+          </a:p>
+        </p:txBody>
+      </p:sp>
+      <p:sp>
+        <p:nvSpPr>
+          <p:cNvPr id="52" name="TextBox 51"/>
+          <p:cNvSpPr txBox="1"/>
+          <p:nvPr/>
+        </p:nvSpPr>
+        <p:spPr>
+          <a:xfrm>
+            <a:off x="4040133" y="3174260"/>
+            <a:ext cx="683200" cy="400110"/>
+          </a:xfrm>
+          <a:prstGeom prst="rect">
+            <a:avLst/>
+          </a:prstGeom>
+          <a:noFill/>
+        </p:spPr>
+        <p:txBody>
+          <a:bodyPr wrap="none" rtlCol="0">
+            <a:spAutoFit/>
+          </a:bodyPr>
+          <a:lstStyle/>
+          <a:p>
+            <a:r>
+              <a:rPr lang="en-US" sz="1000" dirty="0" err="1"/>
               <a:t>Nyantech</a:t>
             </a:r>
-            <a:r>
-              <a:rPr lang="en-US" dirty="0" smtClean="0"/>
-              <a:t> Tower</a:t>
-            </a:r>
-          </a:p>
-          <a:p>
-            <a:r>
-              <a:rPr lang="en-US" dirty="0" smtClean="0"/>
-              <a:t>Restaurant/Deck Level</a:t>
-            </a:r>
-            <a:endParaRPr lang="en-US" dirty="0"/>
-          </a:p>
-        </p:txBody>
-      </p:sp>
-      <p:sp>
-        <p:nvSpPr>
-          <p:cNvPr id="22" name="Rectangle 21"/>
-          <p:cNvSpPr/>
-          <p:nvPr/>
-        </p:nvSpPr>
-        <p:spPr>
-          <a:xfrm>
-            <a:off x="3741664" y="5220385"/>
-            <a:ext cx="828194" cy="490915"/>
-          </a:xfrm>
-          <a:prstGeom prst="rect">
-            <a:avLst/>
-          </a:prstGeom>
-          <a:noFill/>
-          <a:ln>
-            <a:solidFill>
-              <a:schemeClr val="tx1"/>
-            </a:solidFill>
-          </a:ln>
-        </p:spPr>
-        <p:style>
-          <a:lnRef idx="1">
-            <a:schemeClr val="accent1"/>
-          </a:lnRef>
-          <a:fillRef idx="3">
-            <a:schemeClr val="accent1"/>
-          </a:fillRef>
-          <a:effectRef idx="2">
-            <a:schemeClr val="accent1"/>
-          </a:effectRef>
-          <a:fontRef idx="minor">
-            <a:schemeClr val="lt1"/>
-          </a:fontRef>
-        </p:style>
-        <p:txBody>
-          <a:bodyPr rtlCol="0" anchor="ctr"/>
-          <a:lstStyle/>
-          <a:p>
-            <a:pPr algn="ctr"/>
-            <a:endParaRPr lang="en-US"/>
-          </a:p>
-        </p:txBody>
-      </p:sp>
-      <p:sp>
-        <p:nvSpPr>
-          <p:cNvPr id="2" name="TextBox 1"/>
-          <p:cNvSpPr txBox="1"/>
-          <p:nvPr/>
-        </p:nvSpPr>
-        <p:spPr>
-          <a:xfrm>
-            <a:off x="3856012" y="5256285"/>
-            <a:ext cx="713845" cy="369332"/>
-          </a:xfrm>
-          <a:prstGeom prst="rect">
-            <a:avLst/>
-          </a:prstGeom>
-          <a:noFill/>
-        </p:spPr>
-        <p:txBody>
-          <a:bodyPr wrap="none" rtlCol="0">
-            <a:spAutoFit/>
-          </a:bodyPr>
-          <a:lstStyle/>
-          <a:p>
-            <a:r>
-              <a:rPr lang="en-US" dirty="0" smtClean="0"/>
-              <a:t>Chain</a:t>
-            </a:r>
-            <a:endParaRPr lang="en-US" dirty="0"/>
+            <a:endParaRPr lang="en-US" sz="1000" dirty="0"/>
+          </a:p>
+          <a:p>
+            <a:r>
+              <a:rPr lang="en-US" sz="1000" dirty="0"/>
+              <a:t>Tower</a:t>
+            </a:r>
+          </a:p>
+        </p:txBody>
+      </p:sp>
+      <p:sp>
+        <p:nvSpPr>
+          <p:cNvPr id="53" name="TextBox 52"/>
+          <p:cNvSpPr txBox="1"/>
+          <p:nvPr/>
+        </p:nvSpPr>
+        <p:spPr>
+          <a:xfrm>
+            <a:off x="3306532" y="3174260"/>
+            <a:ext cx="657552" cy="400110"/>
+          </a:xfrm>
+          <a:prstGeom prst="rect">
+            <a:avLst/>
+          </a:prstGeom>
+          <a:noFill/>
+        </p:spPr>
+        <p:txBody>
+          <a:bodyPr wrap="none" rtlCol="0">
+            <a:spAutoFit/>
+          </a:bodyPr>
+          <a:lstStyle/>
+          <a:p>
+            <a:r>
+              <a:rPr lang="en-US" sz="1000" dirty="0"/>
+              <a:t>Prissy</a:t>
+            </a:r>
+          </a:p>
+          <a:p>
+            <a:r>
+              <a:rPr lang="en-US" sz="1000" dirty="0"/>
+              <a:t>Sausages</a:t>
+            </a:r>
+          </a:p>
+        </p:txBody>
+      </p:sp>
+      <p:sp>
+        <p:nvSpPr>
+          <p:cNvPr id="54" name="TextBox 53"/>
+          <p:cNvSpPr txBox="1"/>
+          <p:nvPr/>
+        </p:nvSpPr>
+        <p:spPr>
+          <a:xfrm>
+            <a:off x="2515491" y="3174260"/>
+            <a:ext cx="591829" cy="400110"/>
+          </a:xfrm>
+          <a:prstGeom prst="rect">
+            <a:avLst/>
+          </a:prstGeom>
+          <a:noFill/>
+        </p:spPr>
+        <p:txBody>
+          <a:bodyPr wrap="none" rtlCol="0">
+            <a:spAutoFit/>
+          </a:bodyPr>
+          <a:lstStyle/>
+          <a:p>
+            <a:r>
+              <a:rPr lang="en-US" sz="1000" dirty="0" err="1"/>
+              <a:t>Krusty</a:t>
+            </a:r>
+            <a:endParaRPr lang="en-US" sz="1000" dirty="0"/>
+          </a:p>
+          <a:p>
+            <a:r>
+              <a:rPr lang="en-US" sz="1000" dirty="0" err="1"/>
+              <a:t>Kronuts</a:t>
+            </a:r>
+            <a:endParaRPr lang="en-US" sz="1000" dirty="0"/>
+          </a:p>
+        </p:txBody>
+      </p:sp>
+      <p:sp>
+        <p:nvSpPr>
+          <p:cNvPr id="55" name="TextBox 54"/>
+          <p:cNvSpPr txBox="1"/>
+          <p:nvPr/>
+        </p:nvSpPr>
+        <p:spPr>
+          <a:xfrm>
+            <a:off x="1773741" y="2525302"/>
+            <a:ext cx="381836" cy="246221"/>
+          </a:xfrm>
+          <a:prstGeom prst="rect">
+            <a:avLst/>
+          </a:prstGeom>
+          <a:noFill/>
+        </p:spPr>
+        <p:txBody>
+          <a:bodyPr wrap="none" rtlCol="0">
+            <a:spAutoFit/>
+          </a:bodyPr>
+          <a:lstStyle/>
+          <a:p>
+            <a:r>
+              <a:rPr lang="en-US" sz="1000" dirty="0"/>
+              <a:t>Orb</a:t>
+            </a:r>
+          </a:p>
+        </p:txBody>
+      </p:sp>
+      <p:sp>
+        <p:nvSpPr>
+          <p:cNvPr id="56" name="TextBox 55"/>
+          <p:cNvSpPr txBox="1"/>
+          <p:nvPr/>
+        </p:nvSpPr>
+        <p:spPr>
+          <a:xfrm>
+            <a:off x="1711626" y="3977107"/>
+            <a:ext cx="530915" cy="400110"/>
+          </a:xfrm>
+          <a:prstGeom prst="rect">
+            <a:avLst/>
+          </a:prstGeom>
+          <a:noFill/>
+        </p:spPr>
+        <p:txBody>
+          <a:bodyPr wrap="none" rtlCol="0">
+            <a:spAutoFit/>
+          </a:bodyPr>
+          <a:lstStyle/>
+          <a:p>
+            <a:r>
+              <a:rPr lang="en-US" sz="1000" dirty="0"/>
+              <a:t>Poison</a:t>
+            </a:r>
+          </a:p>
+          <a:p>
+            <a:r>
+              <a:rPr lang="en-US" sz="1000" dirty="0"/>
+              <a:t>Ivy</a:t>
+            </a:r>
+          </a:p>
+        </p:txBody>
+      </p:sp>
+      <p:sp>
+        <p:nvSpPr>
+          <p:cNvPr id="57" name="TextBox 56"/>
+          <p:cNvSpPr txBox="1"/>
+          <p:nvPr/>
+        </p:nvSpPr>
+        <p:spPr>
+          <a:xfrm>
+            <a:off x="1711626" y="4779954"/>
+            <a:ext cx="704039" cy="246221"/>
+          </a:xfrm>
+          <a:prstGeom prst="rect">
+            <a:avLst/>
+          </a:prstGeom>
+          <a:noFill/>
+        </p:spPr>
+        <p:txBody>
+          <a:bodyPr wrap="none" rtlCol="0">
+            <a:spAutoFit/>
+          </a:bodyPr>
+          <a:lstStyle/>
+          <a:p>
+            <a:r>
+              <a:rPr lang="en-US" sz="1000" dirty="0"/>
+              <a:t>Vuvuzelas</a:t>
+            </a:r>
+          </a:p>
+        </p:txBody>
+      </p:sp>
+      <p:sp>
+        <p:nvSpPr>
+          <p:cNvPr id="58" name="TextBox 57"/>
+          <p:cNvSpPr txBox="1"/>
+          <p:nvPr/>
+        </p:nvSpPr>
+        <p:spPr>
+          <a:xfrm>
+            <a:off x="5833543" y="3962400"/>
+            <a:ext cx="603450" cy="400110"/>
+          </a:xfrm>
+          <a:prstGeom prst="rect">
+            <a:avLst/>
+          </a:prstGeom>
+          <a:noFill/>
+        </p:spPr>
+        <p:txBody>
+          <a:bodyPr wrap="none" rtlCol="0">
+            <a:spAutoFit/>
+          </a:bodyPr>
+          <a:lstStyle/>
+          <a:p>
+            <a:r>
+              <a:rPr lang="en-US" sz="1000" dirty="0" smtClean="0"/>
+              <a:t>Perilous</a:t>
+            </a:r>
+          </a:p>
+          <a:p>
+            <a:r>
+              <a:rPr lang="en-US" sz="1000" dirty="0" smtClean="0"/>
+              <a:t>Passage</a:t>
+            </a:r>
+            <a:endParaRPr lang="en-US" sz="1000" dirty="0"/>
           </a:p>
         </p:txBody>
       </p:sp>
     </p:spTree>
     <p:extLst>
       <p:ext uri="{BB962C8B-B14F-4D97-AF65-F5344CB8AC3E}">
-        <p14:creationId xmlns:p14="http://schemas.microsoft.com/office/powerpoint/2010/main" val="721255204"/>
+        <p14:creationId xmlns:p14="http://schemas.microsoft.com/office/powerpoint/2010/main" val="3523255695"/>
       </p:ext>
     </p:extLst>
   </p:cSld>
@@ -5562,19 +5377,21 @@
       </p:grpSpPr>
       <p:sp>
         <p:nvSpPr>
-          <p:cNvPr id="4" name="Rectangle 3"/>
+          <p:cNvPr id="12" name="Oval 11"/>
           <p:cNvSpPr/>
           <p:nvPr/>
         </p:nvSpPr>
         <p:spPr>
           <a:xfrm>
-            <a:off x="2073676" y="1240119"/>
-            <a:ext cx="4873811" cy="4141694"/>
-          </a:xfrm>
-          <a:prstGeom prst="rect">
-            <a:avLst/>
-          </a:prstGeom>
-          <a:noFill/>
+            <a:off x="3763682" y="5190546"/>
+            <a:ext cx="1090706" cy="974166"/>
+          </a:xfrm>
+          <a:prstGeom prst="ellipse">
+            <a:avLst/>
+          </a:prstGeom>
+          <a:solidFill>
+            <a:schemeClr val="bg1"/>
+          </a:solidFill>
           <a:ln>
             <a:solidFill>
               <a:schemeClr val="tx1"/>
@@ -5606,14 +5423,14 @@
       </p:sp>
       <p:sp>
         <p:nvSpPr>
-          <p:cNvPr id="5" name="Rectangle 4"/>
+          <p:cNvPr id="4" name="Rectangle 3"/>
           <p:cNvSpPr/>
           <p:nvPr/>
         </p:nvSpPr>
         <p:spPr>
           <a:xfrm>
-            <a:off x="4437530" y="3288633"/>
-            <a:ext cx="268942" cy="243776"/>
+            <a:off x="3765176" y="1240118"/>
+            <a:ext cx="1075765" cy="1045883"/>
           </a:xfrm>
           <a:prstGeom prst="rect">
             <a:avLst/>
@@ -5650,44 +5467,146 @@
       </p:sp>
       <p:sp>
         <p:nvSpPr>
-          <p:cNvPr id="6" name="TextBox 5"/>
-          <p:cNvSpPr txBox="1"/>
-          <p:nvPr/>
-        </p:nvSpPr>
-        <p:spPr>
-          <a:xfrm>
-            <a:off x="2667000" y="2101334"/>
-            <a:ext cx="1070801" cy="369332"/>
-          </a:xfrm>
-          <a:prstGeom prst="rect">
-            <a:avLst/>
-          </a:prstGeom>
-          <a:noFill/>
-        </p:spPr>
-        <p:txBody>
-          <a:bodyPr wrap="none" rtlCol="0">
-            <a:spAutoFit/>
-          </a:bodyPr>
-          <a:lstStyle/>
-          <a:p>
-            <a:r>
-              <a:rPr lang="en-US" dirty="0" smtClean="0"/>
-              <a:t>The town</a:t>
-            </a:r>
-            <a:endParaRPr lang="en-US" dirty="0"/>
-          </a:p>
-        </p:txBody>
-      </p:sp>
-      <p:sp>
-        <p:nvSpPr>
-          <p:cNvPr id="7" name="TextBox 6"/>
-          <p:cNvSpPr txBox="1"/>
-          <p:nvPr/>
-        </p:nvSpPr>
-        <p:spPr>
-          <a:xfrm>
-            <a:off x="4669040" y="3657600"/>
-            <a:ext cx="1081058" cy="646331"/>
+          <p:cNvPr id="5" name="Rectangle 4"/>
+          <p:cNvSpPr/>
+          <p:nvPr/>
+        </p:nvSpPr>
+        <p:spPr>
+          <a:xfrm>
+            <a:off x="5590985" y="2752164"/>
+            <a:ext cx="1075765" cy="1045883"/>
+          </a:xfrm>
+          <a:prstGeom prst="rect">
+            <a:avLst/>
+          </a:prstGeom>
+          <a:noFill/>
+          <a:ln>
+            <a:solidFill>
+              <a:schemeClr val="tx1"/>
+            </a:solidFill>
+          </a:ln>
+        </p:spPr>
+        <p:style>
+          <a:lnRef idx="1">
+            <a:schemeClr val="accent1"/>
+          </a:lnRef>
+          <a:fillRef idx="3">
+            <a:schemeClr val="accent1"/>
+          </a:fillRef>
+          <a:effectRef idx="2">
+            <a:schemeClr val="accent1"/>
+          </a:effectRef>
+          <a:fontRef idx="minor">
+            <a:schemeClr val="lt1"/>
+          </a:fontRef>
+        </p:style>
+        <p:txBody>
+          <a:bodyPr rtlCol="0" anchor="ctr"/>
+          <a:lstStyle/>
+          <a:p>
+            <a:pPr algn="ctr"/>
+            <a:endParaRPr lang="en-US"/>
+          </a:p>
+        </p:txBody>
+      </p:sp>
+      <p:sp>
+        <p:nvSpPr>
+          <p:cNvPr id="6" name="Rectangle 5"/>
+          <p:cNvSpPr/>
+          <p:nvPr/>
+        </p:nvSpPr>
+        <p:spPr>
+          <a:xfrm>
+            <a:off x="1795925" y="2856753"/>
+            <a:ext cx="1075765" cy="1045883"/>
+          </a:xfrm>
+          <a:prstGeom prst="rect">
+            <a:avLst/>
+          </a:prstGeom>
+          <a:noFill/>
+          <a:ln>
+            <a:solidFill>
+              <a:schemeClr val="tx1"/>
+            </a:solidFill>
+          </a:ln>
+        </p:spPr>
+        <p:style>
+          <a:lnRef idx="1">
+            <a:schemeClr val="accent1"/>
+          </a:lnRef>
+          <a:fillRef idx="3">
+            <a:schemeClr val="accent1"/>
+          </a:fillRef>
+          <a:effectRef idx="2">
+            <a:schemeClr val="accent1"/>
+          </a:effectRef>
+          <a:fontRef idx="minor">
+            <a:schemeClr val="lt1"/>
+          </a:fontRef>
+        </p:style>
+        <p:txBody>
+          <a:bodyPr rtlCol="0" anchor="ctr"/>
+          <a:lstStyle/>
+          <a:p>
+            <a:pPr algn="ctr"/>
+            <a:endParaRPr lang="en-US"/>
+          </a:p>
+        </p:txBody>
+      </p:sp>
+      <p:sp>
+        <p:nvSpPr>
+          <p:cNvPr id="8" name="Rectangle 7"/>
+          <p:cNvSpPr/>
+          <p:nvPr/>
+        </p:nvSpPr>
+        <p:spPr>
+          <a:xfrm>
+            <a:off x="1792939" y="1240119"/>
+            <a:ext cx="4873811" cy="4141694"/>
+          </a:xfrm>
+          <a:prstGeom prst="rect">
+            <a:avLst/>
+          </a:prstGeom>
+          <a:noFill/>
+          <a:ln>
+            <a:solidFill>
+              <a:schemeClr val="tx1"/>
+            </a:solidFill>
+          </a:ln>
+        </p:spPr>
+        <p:style>
+          <a:lnRef idx="1">
+            <a:schemeClr val="accent1"/>
+          </a:lnRef>
+          <a:fillRef idx="3">
+            <a:schemeClr val="accent1"/>
+          </a:fillRef>
+          <a:effectRef idx="2">
+            <a:schemeClr val="accent1"/>
+          </a:effectRef>
+          <a:fontRef idx="minor">
+            <a:schemeClr val="lt1"/>
+          </a:fontRef>
+        </p:style>
+        <p:txBody>
+          <a:bodyPr rtlCol="0" anchor="ctr"/>
+          <a:lstStyle/>
+          <a:p>
+            <a:pPr algn="ctr"/>
+            <a:endParaRPr lang="en-US"/>
+          </a:p>
+        </p:txBody>
+      </p:sp>
+      <p:sp>
+        <p:nvSpPr>
+          <p:cNvPr id="9" name="TextBox 8"/>
+          <p:cNvSpPr txBox="1"/>
+          <p:nvPr/>
+        </p:nvSpPr>
+        <p:spPr>
+          <a:xfrm>
+            <a:off x="5946588" y="5737412"/>
+            <a:ext cx="1727794" cy="646331"/>
           </a:xfrm>
           <a:prstGeom prst="rect">
             <a:avLst/>
@@ -5704,12 +5623,15 @@
               <a:rPr lang="en-US" dirty="0" err="1" smtClean="0"/>
               <a:t>Nyantech</a:t>
             </a:r>
-            <a:endParaRPr lang="en-US" dirty="0" smtClean="0"/>
-          </a:p>
-          <a:p>
             <a:r>
               <a:rPr lang="en-US" dirty="0" smtClean="0"/>
-              <a:t>HQ</a:t>
+              <a:t> Tower</a:t>
+            </a:r>
+          </a:p>
+          <a:p>
+            <a:r>
+              <a:rPr lang="en-US" dirty="0" smtClean="0"/>
+              <a:t>Ground Level</a:t>
             </a:r>
             <a:endParaRPr lang="en-US" dirty="0"/>
           </a:p>
@@ -5717,14 +5639,14 @@
       </p:sp>
       <p:sp>
         <p:nvSpPr>
-          <p:cNvPr id="8" name="TextBox 7"/>
-          <p:cNvSpPr txBox="1"/>
-          <p:nvPr/>
-        </p:nvSpPr>
-        <p:spPr>
-          <a:xfrm rot="16200000">
-            <a:off x="841419" y="3472934"/>
-            <a:ext cx="1799028" cy="369332"/>
+          <p:cNvPr id="10" name="TextBox 9"/>
+          <p:cNvSpPr txBox="1"/>
+          <p:nvPr/>
+        </p:nvSpPr>
+        <p:spPr>
+          <a:xfrm>
+            <a:off x="3914586" y="6199077"/>
+            <a:ext cx="901283" cy="369332"/>
           </a:xfrm>
           <a:prstGeom prst="rect">
             <a:avLst/>
@@ -5739,7 +5661,7 @@
           <a:p>
             <a:r>
               <a:rPr lang="en-US" dirty="0" smtClean="0"/>
-              <a:t>Superhighway 17</a:t>
+              <a:t>unicorn</a:t>
             </a:r>
             <a:endParaRPr lang="en-US" dirty="0"/>
           </a:p>
@@ -5747,29 +5669,37 @@
       </p:sp>
       <p:sp>
         <p:nvSpPr>
-          <p:cNvPr id="9" name="TextBox 8"/>
-          <p:cNvSpPr txBox="1"/>
-          <p:nvPr/>
-        </p:nvSpPr>
-        <p:spPr>
-          <a:xfrm>
-            <a:off x="3812818" y="711564"/>
-            <a:ext cx="1597726" cy="369332"/>
-          </a:xfrm>
-          <a:prstGeom prst="rect">
-            <a:avLst/>
-          </a:prstGeom>
-          <a:noFill/>
-        </p:spPr>
-        <p:txBody>
-          <a:bodyPr wrap="none" rtlCol="0">
-            <a:spAutoFit/>
-          </a:bodyPr>
-          <a:lstStyle/>
-          <a:p>
+          <p:cNvPr id="11" name="TextBox 10"/>
+          <p:cNvSpPr txBox="1"/>
+          <p:nvPr/>
+        </p:nvSpPr>
+        <p:spPr>
+          <a:xfrm>
+            <a:off x="3799869" y="5347448"/>
+            <a:ext cx="1090976" cy="646331"/>
+          </a:xfrm>
+          <a:prstGeom prst="rect">
+            <a:avLst/>
+          </a:prstGeom>
+          <a:noFill/>
+        </p:spPr>
+        <p:txBody>
+          <a:bodyPr wrap="none" rtlCol="0">
+            <a:spAutoFit/>
+          </a:bodyPr>
+          <a:lstStyle/>
+          <a:p>
+            <a:pPr algn="ctr"/>
             <a:r>
               <a:rPr lang="en-US" dirty="0" smtClean="0"/>
-              <a:t>Town reservoir</a:t>
+              <a:t>Revolving</a:t>
+            </a:r>
+          </a:p>
+          <a:p>
+            <a:pPr algn="ctr"/>
+            <a:r>
+              <a:rPr lang="en-US" dirty="0" smtClean="0"/>
+              <a:t>Door</a:t>
             </a:r>
             <a:endParaRPr lang="en-US" dirty="0"/>
           </a:p>
@@ -5777,14 +5707,14 @@
       </p:sp>
       <p:sp>
         <p:nvSpPr>
-          <p:cNvPr id="10" name="TextBox 9"/>
-          <p:cNvSpPr txBox="1"/>
-          <p:nvPr/>
-        </p:nvSpPr>
-        <p:spPr>
-          <a:xfrm rot="5400000">
-            <a:off x="5456546" y="3217598"/>
-            <a:ext cx="3562055" cy="369332"/>
+          <p:cNvPr id="13" name="TextBox 12"/>
+          <p:cNvSpPr txBox="1"/>
+          <p:nvPr/>
+        </p:nvSpPr>
+        <p:spPr>
+          <a:xfrm>
+            <a:off x="1850879" y="3185459"/>
+            <a:ext cx="961697" cy="369332"/>
           </a:xfrm>
           <a:prstGeom prst="rect">
             <a:avLst/>
@@ -5799,7 +5729,7 @@
           <a:p>
             <a:r>
               <a:rPr lang="en-US" dirty="0" smtClean="0"/>
-              <a:t>Missouri, Texas, and Kansas Railway</a:t>
+              <a:t>elevator</a:t>
             </a:r>
             <a:endParaRPr lang="en-US" dirty="0"/>
           </a:p>
@@ -5807,33 +5737,142 @@
       </p:sp>
       <p:sp>
         <p:nvSpPr>
-          <p:cNvPr id="11" name="TextBox 10"/>
-          <p:cNvSpPr txBox="1"/>
-          <p:nvPr/>
-        </p:nvSpPr>
-        <p:spPr>
-          <a:xfrm>
-            <a:off x="3828860" y="5562600"/>
-            <a:ext cx="1236236" cy="369332"/>
-          </a:xfrm>
-          <a:prstGeom prst="rect">
-            <a:avLst/>
-          </a:prstGeom>
-          <a:noFill/>
-        </p:spPr>
-        <p:txBody>
-          <a:bodyPr wrap="none" rtlCol="0">
-            <a:spAutoFit/>
-          </a:bodyPr>
-          <a:lstStyle/>
-          <a:p>
+          <p:cNvPr id="14" name="TextBox 13"/>
+          <p:cNvSpPr txBox="1"/>
+          <p:nvPr/>
+        </p:nvSpPr>
+        <p:spPr>
+          <a:xfrm>
+            <a:off x="5740395" y="2990016"/>
+            <a:ext cx="764903" cy="646331"/>
+          </a:xfrm>
+          <a:prstGeom prst="rect">
+            <a:avLst/>
+          </a:prstGeom>
+          <a:noFill/>
+        </p:spPr>
+        <p:txBody>
+          <a:bodyPr wrap="none" rtlCol="0">
+            <a:spAutoFit/>
+          </a:bodyPr>
+          <a:lstStyle/>
+          <a:p>
+            <a:pPr algn="ctr"/>
             <a:r>
               <a:rPr lang="en-US" dirty="0" smtClean="0"/>
-              <a:t>The </a:t>
-            </a:r>
-            <a:r>
-              <a:rPr lang="en-US" dirty="0" err="1" smtClean="0"/>
-              <a:t>Tarpits</a:t>
+              <a:t>LAN </a:t>
+            </a:r>
+          </a:p>
+          <a:p>
+            <a:pPr algn="ctr"/>
+            <a:r>
+              <a:rPr lang="en-US" dirty="0" smtClean="0"/>
+              <a:t>Closet</a:t>
+            </a:r>
+            <a:endParaRPr lang="en-US" dirty="0"/>
+          </a:p>
+        </p:txBody>
+      </p:sp>
+      <p:sp>
+        <p:nvSpPr>
+          <p:cNvPr id="15" name="TextBox 14"/>
+          <p:cNvSpPr txBox="1"/>
+          <p:nvPr/>
+        </p:nvSpPr>
+        <p:spPr>
+          <a:xfrm>
+            <a:off x="3945864" y="1409240"/>
+            <a:ext cx="702348" cy="369332"/>
+          </a:xfrm>
+          <a:prstGeom prst="rect">
+            <a:avLst/>
+          </a:prstGeom>
+          <a:noFill/>
+        </p:spPr>
+        <p:txBody>
+          <a:bodyPr wrap="none" rtlCol="0">
+            <a:spAutoFit/>
+          </a:bodyPr>
+          <a:lstStyle/>
+          <a:p>
+            <a:pPr algn="ctr"/>
+            <a:r>
+              <a:rPr lang="en-US" dirty="0" smtClean="0"/>
+              <a:t>Stairs</a:t>
+            </a:r>
+            <a:endParaRPr lang="en-US" dirty="0"/>
+          </a:p>
+        </p:txBody>
+      </p:sp>
+      <p:sp>
+        <p:nvSpPr>
+          <p:cNvPr id="16" name="Rectangle 15"/>
+          <p:cNvSpPr/>
+          <p:nvPr/>
+        </p:nvSpPr>
+        <p:spPr>
+          <a:xfrm>
+            <a:off x="3750235" y="4335930"/>
+            <a:ext cx="1075765" cy="1045883"/>
+          </a:xfrm>
+          <a:prstGeom prst="rect">
+            <a:avLst/>
+          </a:prstGeom>
+          <a:noFill/>
+          <a:ln>
+            <a:solidFill>
+              <a:schemeClr val="tx1"/>
+            </a:solidFill>
+          </a:ln>
+        </p:spPr>
+        <p:style>
+          <a:lnRef idx="1">
+            <a:schemeClr val="accent1"/>
+          </a:lnRef>
+          <a:fillRef idx="3">
+            <a:schemeClr val="accent1"/>
+          </a:fillRef>
+          <a:effectRef idx="2">
+            <a:schemeClr val="accent1"/>
+          </a:effectRef>
+          <a:fontRef idx="minor">
+            <a:schemeClr val="lt1"/>
+          </a:fontRef>
+        </p:style>
+        <p:txBody>
+          <a:bodyPr rtlCol="0" anchor="ctr"/>
+          <a:lstStyle/>
+          <a:p>
+            <a:pPr algn="ctr"/>
+            <a:endParaRPr lang="en-US"/>
+          </a:p>
+        </p:txBody>
+      </p:sp>
+      <p:sp>
+        <p:nvSpPr>
+          <p:cNvPr id="2" name="TextBox 1"/>
+          <p:cNvSpPr txBox="1"/>
+          <p:nvPr/>
+        </p:nvSpPr>
+        <p:spPr>
+          <a:xfrm>
+            <a:off x="3841715" y="4572000"/>
+            <a:ext cx="941283" cy="369332"/>
+          </a:xfrm>
+          <a:prstGeom prst="rect">
+            <a:avLst/>
+          </a:prstGeom>
+          <a:noFill/>
+        </p:spPr>
+        <p:txBody>
+          <a:bodyPr wrap="none" rtlCol="0">
+            <a:spAutoFit/>
+          </a:bodyPr>
+          <a:lstStyle/>
+          <a:p>
+            <a:r>
+              <a:rPr lang="en-US" dirty="0" smtClean="0"/>
+              <a:t>Security</a:t>
             </a:r>
             <a:endParaRPr lang="en-US" dirty="0"/>
           </a:p>
@@ -5842,7 +5881,7 @@
     </p:spTree>
     <p:extLst>
       <p:ext uri="{BB962C8B-B14F-4D97-AF65-F5344CB8AC3E}">
-        <p14:creationId xmlns:p14="http://schemas.microsoft.com/office/powerpoint/2010/main" val="2030375263"/>
+        <p14:creationId xmlns:p14="http://schemas.microsoft.com/office/powerpoint/2010/main" val="2016897946"/>
       </p:ext>
     </p:extLst>
   </p:cSld>
@@ -5871,14 +5910,14 @@
       </p:grpSpPr>
       <p:sp>
         <p:nvSpPr>
-          <p:cNvPr id="4" name="Rectangle 3"/>
+          <p:cNvPr id="5" name="Rectangle 4"/>
           <p:cNvSpPr/>
           <p:nvPr/>
         </p:nvSpPr>
         <p:spPr>
           <a:xfrm>
-            <a:off x="1517852" y="702342"/>
-            <a:ext cx="5960321" cy="5505450"/>
+            <a:off x="3684969" y="1056677"/>
+            <a:ext cx="850524" cy="490915"/>
           </a:xfrm>
           <a:prstGeom prst="rect">
             <a:avLst/>
@@ -5891,15 +5930,13 @@
           </a:ln>
         </p:spPr>
         <p:style>
-          <a:lnRef idx="2">
-            <a:schemeClr val="accent1">
-              <a:shade val="50000"/>
-            </a:schemeClr>
+          <a:lnRef idx="1">
+            <a:schemeClr val="accent1"/>
           </a:lnRef>
-          <a:fillRef idx="1">
+          <a:fillRef idx="3">
             <a:schemeClr val="accent1"/>
           </a:fillRef>
-          <a:effectRef idx="0">
+          <a:effectRef idx="2">
             <a:schemeClr val="accent1"/>
           </a:effectRef>
           <a:fontRef idx="minor">
@@ -5917,91 +5954,73 @@
       </p:sp>
       <p:sp>
         <p:nvSpPr>
-          <p:cNvPr id="5" name="TextBox 4"/>
-          <p:cNvSpPr txBox="1"/>
-          <p:nvPr/>
-        </p:nvSpPr>
-        <p:spPr>
-          <a:xfrm>
-            <a:off x="3689040" y="271382"/>
-            <a:ext cx="1617943" cy="369332"/>
-          </a:xfrm>
-          <a:prstGeom prst="rect">
-            <a:avLst/>
-          </a:prstGeom>
-          <a:noFill/>
-        </p:spPr>
-        <p:txBody>
-          <a:bodyPr wrap="none" rtlCol="0">
-            <a:spAutoFit/>
-          </a:bodyPr>
-          <a:lstStyle/>
-          <a:p>
-            <a:r>
-              <a:rPr lang="en-US" dirty="0"/>
-              <a:t>Town Reservoir</a:t>
-            </a:r>
-          </a:p>
-        </p:txBody>
-      </p:sp>
-      <p:sp>
-        <p:nvSpPr>
-          <p:cNvPr id="6" name="TextBox 5"/>
-          <p:cNvSpPr txBox="1"/>
-          <p:nvPr/>
-        </p:nvSpPr>
-        <p:spPr>
-          <a:xfrm rot="5400000">
-            <a:off x="6988696" y="3199236"/>
-            <a:ext cx="1381660" cy="369332"/>
-          </a:xfrm>
-          <a:prstGeom prst="rect">
-            <a:avLst/>
-          </a:prstGeom>
-          <a:noFill/>
-        </p:spPr>
-        <p:txBody>
-          <a:bodyPr wrap="none" rtlCol="0">
-            <a:spAutoFit/>
-          </a:bodyPr>
-          <a:lstStyle/>
-          <a:p>
-            <a:r>
-              <a:rPr lang="en-US" dirty="0"/>
-              <a:t>MTK Railway</a:t>
-            </a:r>
-          </a:p>
-        </p:txBody>
-      </p:sp>
-      <p:sp>
-        <p:nvSpPr>
-          <p:cNvPr id="7" name="TextBox 6"/>
-          <p:cNvSpPr txBox="1"/>
-          <p:nvPr/>
-        </p:nvSpPr>
-        <p:spPr>
-          <a:xfrm>
-            <a:off x="3645056" y="6336268"/>
-            <a:ext cx="1736566" cy="369332"/>
-          </a:xfrm>
-          <a:prstGeom prst="rect">
-            <a:avLst/>
-          </a:prstGeom>
-          <a:noFill/>
-        </p:spPr>
-        <p:txBody>
-          <a:bodyPr wrap="none" rtlCol="0">
-            <a:spAutoFit/>
-          </a:bodyPr>
-          <a:lstStyle/>
-          <a:p>
-            <a:r>
-              <a:rPr lang="en-US" dirty="0"/>
-              <a:t>Infamous </a:t>
-            </a:r>
-            <a:r>
-              <a:rPr lang="en-US" dirty="0" err="1"/>
-              <a:t>Tarpits</a:t>
+          <p:cNvPr id="6" name="Rectangle 5"/>
+          <p:cNvSpPr/>
+          <p:nvPr/>
+        </p:nvSpPr>
+        <p:spPr>
+          <a:xfrm>
+            <a:off x="4840941" y="2990016"/>
+            <a:ext cx="829562" cy="522941"/>
+          </a:xfrm>
+          <a:prstGeom prst="rect">
+            <a:avLst/>
+          </a:prstGeom>
+          <a:noFill/>
+          <a:ln>
+            <a:solidFill>
+              <a:schemeClr val="tx1"/>
+            </a:solidFill>
+          </a:ln>
+        </p:spPr>
+        <p:style>
+          <a:lnRef idx="1">
+            <a:schemeClr val="accent1"/>
+          </a:lnRef>
+          <a:fillRef idx="3">
+            <a:schemeClr val="accent1"/>
+          </a:fillRef>
+          <a:effectRef idx="2">
+            <a:schemeClr val="accent1"/>
+          </a:effectRef>
+          <a:fontRef idx="minor">
+            <a:schemeClr val="lt1"/>
+          </a:fontRef>
+        </p:style>
+        <p:txBody>
+          <a:bodyPr rtlCol="0" anchor="ctr"/>
+          <a:lstStyle/>
+          <a:p>
+            <a:pPr algn="ctr"/>
+            <a:endParaRPr lang="en-US"/>
+          </a:p>
+        </p:txBody>
+      </p:sp>
+      <p:sp>
+        <p:nvSpPr>
+          <p:cNvPr id="12" name="TextBox 11"/>
+          <p:cNvSpPr txBox="1"/>
+          <p:nvPr/>
+        </p:nvSpPr>
+        <p:spPr>
+          <a:xfrm>
+            <a:off x="2536978" y="3009651"/>
+            <a:ext cx="961697" cy="369332"/>
+          </a:xfrm>
+          <a:prstGeom prst="rect">
+            <a:avLst/>
+          </a:prstGeom>
+          <a:noFill/>
+        </p:spPr>
+        <p:txBody>
+          <a:bodyPr wrap="none" rtlCol="0">
+            <a:spAutoFit/>
+          </a:bodyPr>
+          <a:lstStyle/>
+          <a:p>
+            <a:r>
+              <a:rPr lang="en-US" dirty="0" smtClean="0"/>
+              <a:t>elevator</a:t>
             </a:r>
             <a:endParaRPr lang="en-US" dirty="0"/>
           </a:p>
@@ -6009,199 +6028,32 @@
       </p:sp>
       <p:sp>
         <p:nvSpPr>
-          <p:cNvPr id="8" name="TextBox 7"/>
-          <p:cNvSpPr txBox="1"/>
-          <p:nvPr/>
-        </p:nvSpPr>
-        <p:spPr>
-          <a:xfrm rot="16200000">
-            <a:off x="278450" y="3160683"/>
-            <a:ext cx="1793633" cy="369332"/>
-          </a:xfrm>
-          <a:prstGeom prst="rect">
-            <a:avLst/>
-          </a:prstGeom>
-          <a:noFill/>
-        </p:spPr>
-        <p:txBody>
-          <a:bodyPr wrap="none" rtlCol="0">
-            <a:spAutoFit/>
-          </a:bodyPr>
-          <a:lstStyle/>
-          <a:p>
-            <a:r>
-              <a:rPr lang="en-US" dirty="0"/>
-              <a:t>Superhighway 17</a:t>
-            </a:r>
-          </a:p>
-        </p:txBody>
-      </p:sp>
-      <p:sp>
-        <p:nvSpPr>
-          <p:cNvPr id="9" name="TextBox 8"/>
-          <p:cNvSpPr txBox="1"/>
-          <p:nvPr/>
-        </p:nvSpPr>
-        <p:spPr>
-          <a:xfrm>
-            <a:off x="4040133" y="4779954"/>
-            <a:ext cx="745717" cy="400110"/>
-          </a:xfrm>
-          <a:prstGeom prst="rect">
-            <a:avLst/>
-          </a:prstGeom>
-          <a:noFill/>
-        </p:spPr>
-        <p:txBody>
-          <a:bodyPr wrap="none" rtlCol="0">
-            <a:spAutoFit/>
-          </a:bodyPr>
-          <a:lstStyle/>
-          <a:p>
-            <a:r>
-              <a:rPr lang="en-US" sz="1000" dirty="0"/>
-              <a:t>Ashwell-</a:t>
-            </a:r>
-          </a:p>
-          <a:p>
-            <a:r>
-              <a:rPr lang="en-US" sz="1000" dirty="0"/>
-              <a:t>Lott Estate</a:t>
-            </a:r>
-          </a:p>
-        </p:txBody>
-      </p:sp>
-      <p:sp>
-        <p:nvSpPr>
-          <p:cNvPr id="10" name="TextBox 9"/>
-          <p:cNvSpPr txBox="1"/>
-          <p:nvPr/>
-        </p:nvSpPr>
-        <p:spPr>
-          <a:xfrm>
-            <a:off x="3306532" y="5428910"/>
-            <a:ext cx="566181" cy="246221"/>
-          </a:xfrm>
-          <a:prstGeom prst="rect">
-            <a:avLst/>
-          </a:prstGeom>
-          <a:noFill/>
-        </p:spPr>
-        <p:txBody>
-          <a:bodyPr wrap="none" rtlCol="0">
-            <a:spAutoFit/>
-          </a:bodyPr>
-          <a:lstStyle/>
-          <a:p>
-            <a:r>
-              <a:rPr lang="en-US" sz="1000" dirty="0"/>
-              <a:t>Gnome</a:t>
-            </a:r>
-          </a:p>
-        </p:txBody>
-      </p:sp>
-      <p:sp>
-        <p:nvSpPr>
-          <p:cNvPr id="11" name="TextBox 10"/>
-          <p:cNvSpPr txBox="1"/>
-          <p:nvPr/>
-        </p:nvSpPr>
-        <p:spPr>
-          <a:xfrm>
-            <a:off x="3306532" y="4779954"/>
-            <a:ext cx="570990" cy="400110"/>
-          </a:xfrm>
-          <a:prstGeom prst="rect">
-            <a:avLst/>
-          </a:prstGeom>
-          <a:noFill/>
-        </p:spPr>
-        <p:txBody>
-          <a:bodyPr wrap="none" rtlCol="0">
-            <a:spAutoFit/>
-          </a:bodyPr>
-          <a:lstStyle/>
-          <a:p>
-            <a:r>
-              <a:rPr lang="en-US" sz="1000" dirty="0"/>
-              <a:t>Parking</a:t>
-            </a:r>
-          </a:p>
-          <a:p>
-            <a:r>
-              <a:rPr lang="en-US" sz="1000" dirty="0"/>
-              <a:t>Lot</a:t>
-            </a:r>
-          </a:p>
-        </p:txBody>
-      </p:sp>
-      <p:sp>
-        <p:nvSpPr>
-          <p:cNvPr id="12" name="TextBox 11"/>
-          <p:cNvSpPr txBox="1"/>
-          <p:nvPr/>
-        </p:nvSpPr>
-        <p:spPr>
-          <a:xfrm>
-            <a:off x="4040133" y="3977107"/>
-            <a:ext cx="473206" cy="400110"/>
-          </a:xfrm>
-          <a:prstGeom prst="rect">
-            <a:avLst/>
-          </a:prstGeom>
-          <a:noFill/>
-        </p:spPr>
-        <p:txBody>
-          <a:bodyPr wrap="none" rtlCol="0">
-            <a:spAutoFit/>
-          </a:bodyPr>
-          <a:lstStyle/>
-          <a:p>
-            <a:r>
-              <a:rPr lang="en-US" sz="1000" dirty="0"/>
-              <a:t>Town</a:t>
-            </a:r>
-          </a:p>
-          <a:p>
-            <a:r>
-              <a:rPr lang="en-US" sz="1000" dirty="0"/>
-              <a:t>Hall</a:t>
-            </a:r>
-          </a:p>
-        </p:txBody>
-      </p:sp>
-      <p:sp>
-        <p:nvSpPr>
           <p:cNvPr id="13" name="TextBox 12"/>
           <p:cNvSpPr txBox="1"/>
           <p:nvPr/>
         </p:nvSpPr>
         <p:spPr>
           <a:xfrm>
-            <a:off x="3306532" y="2525302"/>
-            <a:ext cx="511679" cy="400110"/>
-          </a:xfrm>
-          <a:prstGeom prst="rect">
-            <a:avLst/>
-          </a:prstGeom>
-          <a:noFill/>
-        </p:spPr>
-        <p:txBody>
-          <a:bodyPr wrap="none" rtlCol="0">
-            <a:spAutoFit/>
-          </a:bodyPr>
-          <a:lstStyle/>
-          <a:p>
-            <a:r>
-              <a:rPr lang="en-US" sz="1000" dirty="0"/>
-              <a:t>Spit n’</a:t>
-            </a:r>
-          </a:p>
-          <a:p>
-            <a:r>
-              <a:rPr lang="en-US" sz="1000" dirty="0"/>
-              <a:t>Solder</a:t>
-            </a:r>
+            <a:off x="4895131" y="3094026"/>
+            <a:ext cx="830501" cy="369332"/>
+          </a:xfrm>
+          <a:prstGeom prst="rect">
+            <a:avLst/>
+          </a:prstGeom>
+          <a:noFill/>
+        </p:spPr>
+        <p:txBody>
+          <a:bodyPr wrap="none" rtlCol="0">
+            <a:spAutoFit/>
+          </a:bodyPr>
+          <a:lstStyle/>
+          <a:p>
+            <a:pPr algn="ctr"/>
+            <a:r>
+              <a:rPr lang="en-US" dirty="0" smtClean="0"/>
+              <a:t>ball pit</a:t>
+            </a:r>
+            <a:endParaRPr lang="en-US" dirty="0"/>
           </a:p>
         </p:txBody>
       </p:sp>
@@ -6213,131 +6065,202 @@
         </p:nvSpPr>
         <p:spPr>
           <a:xfrm>
-            <a:off x="4914261" y="3174260"/>
-            <a:ext cx="461986" cy="246221"/>
-          </a:xfrm>
-          <a:prstGeom prst="rect">
-            <a:avLst/>
-          </a:prstGeom>
-          <a:noFill/>
-        </p:spPr>
-        <p:txBody>
-          <a:bodyPr wrap="none" rtlCol="0">
-            <a:spAutoFit/>
-          </a:bodyPr>
-          <a:lstStyle/>
-          <a:p>
-            <a:r>
-              <a:rPr lang="en-US" sz="1000" dirty="0"/>
-              <a:t>Clock</a:t>
-            </a:r>
-          </a:p>
-        </p:txBody>
-      </p:sp>
-      <p:sp>
-        <p:nvSpPr>
-          <p:cNvPr id="16" name="TextBox 15"/>
-          <p:cNvSpPr txBox="1"/>
-          <p:nvPr/>
-        </p:nvSpPr>
-        <p:spPr>
-          <a:xfrm>
-            <a:off x="4914261" y="1836179"/>
-            <a:ext cx="548548" cy="400110"/>
-          </a:xfrm>
-          <a:prstGeom prst="rect">
-            <a:avLst/>
-          </a:prstGeom>
-          <a:noFill/>
-        </p:spPr>
-        <p:txBody>
-          <a:bodyPr wrap="none" rtlCol="0">
-            <a:spAutoFit/>
-          </a:bodyPr>
-          <a:lstStyle/>
-          <a:p>
-            <a:r>
-              <a:rPr lang="en-US" sz="1000" dirty="0" err="1"/>
-              <a:t>Yummi</a:t>
-            </a:r>
-            <a:endParaRPr lang="en-US" sz="1000" dirty="0"/>
-          </a:p>
-          <a:p>
-            <a:r>
-              <a:rPr lang="en-US" sz="1000" dirty="0" err="1"/>
-              <a:t>Tummi</a:t>
-            </a:r>
-            <a:endParaRPr lang="en-US" sz="1000" dirty="0"/>
-          </a:p>
-        </p:txBody>
-      </p:sp>
-      <p:sp>
-        <p:nvSpPr>
-          <p:cNvPr id="17" name="TextBox 16"/>
-          <p:cNvSpPr txBox="1"/>
-          <p:nvPr/>
-        </p:nvSpPr>
-        <p:spPr>
-          <a:xfrm>
-            <a:off x="2515491" y="2525302"/>
-            <a:ext cx="558166" cy="400110"/>
-          </a:xfrm>
-          <a:prstGeom prst="rect">
-            <a:avLst/>
-          </a:prstGeom>
-          <a:noFill/>
-        </p:spPr>
-        <p:txBody>
-          <a:bodyPr wrap="none" rtlCol="0">
-            <a:spAutoFit/>
-          </a:bodyPr>
-          <a:lstStyle/>
-          <a:p>
-            <a:r>
-              <a:rPr lang="en-US" sz="1000" dirty="0"/>
-              <a:t>Service</a:t>
-            </a:r>
-          </a:p>
-          <a:p>
-            <a:r>
-              <a:rPr lang="en-US" sz="1000" dirty="0"/>
-              <a:t>Dog</a:t>
-            </a:r>
-          </a:p>
-        </p:txBody>
-      </p:sp>
-      <p:sp>
-        <p:nvSpPr>
-          <p:cNvPr id="18" name="TextBox 17"/>
-          <p:cNvSpPr txBox="1"/>
-          <p:nvPr/>
-        </p:nvSpPr>
-        <p:spPr>
-          <a:xfrm>
-            <a:off x="4914261" y="2525302"/>
-            <a:ext cx="619080" cy="400110"/>
-          </a:xfrm>
-          <a:prstGeom prst="rect">
-            <a:avLst/>
-          </a:prstGeom>
-          <a:noFill/>
-        </p:spPr>
-        <p:txBody>
-          <a:bodyPr wrap="none" rtlCol="0">
-            <a:spAutoFit/>
-          </a:bodyPr>
-          <a:lstStyle/>
-          <a:p>
-            <a:r>
-              <a:rPr lang="en-US" sz="1000" dirty="0"/>
-              <a:t>Zarf</a:t>
-            </a:r>
-          </a:p>
-          <a:p>
-            <a:r>
-              <a:rPr lang="en-US" sz="1000" dirty="0"/>
-              <a:t>Gardens</a:t>
-            </a:r>
+            <a:off x="3766304" y="1070045"/>
+            <a:ext cx="702348" cy="369332"/>
+          </a:xfrm>
+          <a:prstGeom prst="rect">
+            <a:avLst/>
+          </a:prstGeom>
+          <a:noFill/>
+        </p:spPr>
+        <p:txBody>
+          <a:bodyPr wrap="none" rtlCol="0">
+            <a:spAutoFit/>
+          </a:bodyPr>
+          <a:lstStyle/>
+          <a:p>
+            <a:pPr algn="ctr"/>
+            <a:r>
+              <a:rPr lang="en-US" dirty="0" smtClean="0"/>
+              <a:t>Stairs</a:t>
+            </a:r>
+            <a:endParaRPr lang="en-US" dirty="0"/>
+          </a:p>
+        </p:txBody>
+      </p:sp>
+      <p:sp>
+        <p:nvSpPr>
+          <p:cNvPr id="15" name="Oval 14"/>
+          <p:cNvSpPr/>
+          <p:nvPr/>
+        </p:nvSpPr>
+        <p:spPr>
+          <a:xfrm>
+            <a:off x="2535988" y="1526170"/>
+            <a:ext cx="3221789" cy="3221789"/>
+          </a:xfrm>
+          <a:prstGeom prst="ellipse">
+            <a:avLst/>
+          </a:prstGeom>
+          <a:noFill/>
+          <a:ln>
+            <a:solidFill>
+              <a:schemeClr val="tx1"/>
+            </a:solidFill>
+          </a:ln>
+        </p:spPr>
+        <p:style>
+          <a:lnRef idx="1">
+            <a:schemeClr val="accent1"/>
+          </a:lnRef>
+          <a:fillRef idx="3">
+            <a:schemeClr val="accent1"/>
+          </a:fillRef>
+          <a:effectRef idx="2">
+            <a:schemeClr val="accent1"/>
+          </a:effectRef>
+          <a:fontRef idx="minor">
+            <a:schemeClr val="lt1"/>
+          </a:fontRef>
+        </p:style>
+        <p:txBody>
+          <a:bodyPr rtlCol="0" anchor="ctr"/>
+          <a:lstStyle/>
+          <a:p>
+            <a:pPr algn="ctr"/>
+            <a:endParaRPr lang="en-US"/>
+          </a:p>
+        </p:txBody>
+      </p:sp>
+      <p:sp>
+        <p:nvSpPr>
+          <p:cNvPr id="16" name="Rectangle 15"/>
+          <p:cNvSpPr/>
+          <p:nvPr/>
+        </p:nvSpPr>
+        <p:spPr>
+          <a:xfrm>
+            <a:off x="2999878" y="1985074"/>
+            <a:ext cx="798938" cy="522941"/>
+          </a:xfrm>
+          <a:prstGeom prst="rect">
+            <a:avLst/>
+          </a:prstGeom>
+          <a:noFill/>
+          <a:ln>
+            <a:solidFill>
+              <a:schemeClr val="tx1"/>
+            </a:solidFill>
+          </a:ln>
+        </p:spPr>
+        <p:style>
+          <a:lnRef idx="1">
+            <a:schemeClr val="accent1"/>
+          </a:lnRef>
+          <a:fillRef idx="3">
+            <a:schemeClr val="accent1"/>
+          </a:fillRef>
+          <a:effectRef idx="2">
+            <a:schemeClr val="accent1"/>
+          </a:effectRef>
+          <a:fontRef idx="minor">
+            <a:schemeClr val="lt1"/>
+          </a:fontRef>
+        </p:style>
+        <p:txBody>
+          <a:bodyPr rtlCol="0" anchor="ctr"/>
+          <a:lstStyle/>
+          <a:p>
+            <a:pPr algn="ctr"/>
+            <a:endParaRPr lang="en-US"/>
+          </a:p>
+        </p:txBody>
+      </p:sp>
+      <p:sp>
+        <p:nvSpPr>
+          <p:cNvPr id="17" name="Rectangle 16"/>
+          <p:cNvSpPr/>
+          <p:nvPr/>
+        </p:nvSpPr>
+        <p:spPr>
+          <a:xfrm>
+            <a:off x="4264526" y="1985074"/>
+            <a:ext cx="831561" cy="522941"/>
+          </a:xfrm>
+          <a:prstGeom prst="rect">
+            <a:avLst/>
+          </a:prstGeom>
+          <a:noFill/>
+          <a:ln>
+            <a:solidFill>
+              <a:schemeClr val="tx1"/>
+            </a:solidFill>
+          </a:ln>
+        </p:spPr>
+        <p:style>
+          <a:lnRef idx="1">
+            <a:schemeClr val="accent1"/>
+          </a:lnRef>
+          <a:fillRef idx="3">
+            <a:schemeClr val="accent1"/>
+          </a:fillRef>
+          <a:effectRef idx="2">
+            <a:schemeClr val="accent1"/>
+          </a:effectRef>
+          <a:fontRef idx="minor">
+            <a:schemeClr val="lt1"/>
+          </a:fontRef>
+        </p:style>
+        <p:txBody>
+          <a:bodyPr rtlCol="0" anchor="ctr"/>
+          <a:lstStyle/>
+          <a:p>
+            <a:pPr algn="ctr"/>
+            <a:endParaRPr lang="en-US"/>
+          </a:p>
+        </p:txBody>
+      </p:sp>
+      <p:sp>
+        <p:nvSpPr>
+          <p:cNvPr id="18" name="Rectangle 17"/>
+          <p:cNvSpPr/>
+          <p:nvPr/>
+        </p:nvSpPr>
+        <p:spPr>
+          <a:xfrm>
+            <a:off x="2507535" y="2940417"/>
+            <a:ext cx="991140" cy="522941"/>
+          </a:xfrm>
+          <a:prstGeom prst="rect">
+            <a:avLst/>
+          </a:prstGeom>
+          <a:noFill/>
+          <a:ln>
+            <a:solidFill>
+              <a:schemeClr val="tx1"/>
+            </a:solidFill>
+          </a:ln>
+        </p:spPr>
+        <p:style>
+          <a:lnRef idx="1">
+            <a:schemeClr val="accent1"/>
+          </a:lnRef>
+          <a:fillRef idx="3">
+            <a:schemeClr val="accent1"/>
+          </a:fillRef>
+          <a:effectRef idx="2">
+            <a:schemeClr val="accent1"/>
+          </a:effectRef>
+          <a:fontRef idx="minor">
+            <a:schemeClr val="lt1"/>
+          </a:fontRef>
+        </p:style>
+        <p:txBody>
+          <a:bodyPr rtlCol="0" anchor="ctr"/>
+          <a:lstStyle/>
+          <a:p>
+            <a:pPr algn="ctr"/>
+            <a:endParaRPr lang="en-US"/>
           </a:p>
         </p:txBody>
       </p:sp>
@@ -6349,30 +6272,25 @@
         </p:nvSpPr>
         <p:spPr>
           <a:xfrm>
-            <a:off x="6632596" y="4779954"/>
-            <a:ext cx="728084" cy="400110"/>
-          </a:xfrm>
-          <a:prstGeom prst="rect">
-            <a:avLst/>
-          </a:prstGeom>
-          <a:noFill/>
-        </p:spPr>
-        <p:txBody>
-          <a:bodyPr wrap="none" rtlCol="0">
-            <a:spAutoFit/>
-          </a:bodyPr>
-          <a:lstStyle/>
-          <a:p>
-            <a:r>
-              <a:rPr lang="en-US" sz="1000" dirty="0"/>
-              <a:t>Flan</a:t>
-            </a:r>
-          </a:p>
-          <a:p>
-            <a:r>
-              <a:rPr lang="en-US" sz="1000" dirty="0"/>
-              <a:t>Emporium</a:t>
-            </a:r>
+            <a:off x="2984167" y="2082273"/>
+            <a:ext cx="761747" cy="369332"/>
+          </a:xfrm>
+          <a:prstGeom prst="rect">
+            <a:avLst/>
+          </a:prstGeom>
+          <a:noFill/>
+        </p:spPr>
+        <p:txBody>
+          <a:bodyPr wrap="none" rtlCol="0">
+            <a:spAutoFit/>
+          </a:bodyPr>
+          <a:lstStyle/>
+          <a:p>
+            <a:r>
+              <a:rPr lang="en-US" dirty="0" smtClean="0"/>
+              <a:t>drinks</a:t>
+            </a:r>
+            <a:endParaRPr lang="en-US" dirty="0"/>
           </a:p>
         </p:txBody>
       </p:sp>
@@ -6384,31 +6302,25 @@
         </p:nvSpPr>
         <p:spPr>
           <a:xfrm>
-            <a:off x="4001948" y="1073497"/>
-            <a:ext cx="694421" cy="400110"/>
-          </a:xfrm>
-          <a:prstGeom prst="rect">
-            <a:avLst/>
-          </a:prstGeom>
-          <a:noFill/>
-        </p:spPr>
-        <p:txBody>
-          <a:bodyPr wrap="none" rtlCol="0">
-            <a:spAutoFit/>
-          </a:bodyPr>
-          <a:lstStyle/>
-          <a:p>
-            <a:r>
-              <a:rPr lang="en-US" sz="1000" dirty="0"/>
-              <a:t>Johnson’s</a:t>
-            </a:r>
-          </a:p>
-          <a:p>
-            <a:r>
-              <a:rPr lang="en-US" sz="1000"/>
-              <a:t>Rock</a:t>
-            </a:r>
-            <a:endParaRPr lang="en-US" sz="1000" dirty="0"/>
+            <a:off x="4233976" y="2082273"/>
+            <a:ext cx="800219" cy="369332"/>
+          </a:xfrm>
+          <a:prstGeom prst="rect">
+            <a:avLst/>
+          </a:prstGeom>
+          <a:noFill/>
+        </p:spPr>
+        <p:txBody>
+          <a:bodyPr wrap="none" rtlCol="0">
+            <a:spAutoFit/>
+          </a:bodyPr>
+          <a:lstStyle/>
+          <a:p>
+            <a:r>
+              <a:rPr lang="en-US" dirty="0" smtClean="0"/>
+              <a:t>snacks</a:t>
+            </a:r>
+            <a:endParaRPr lang="en-US" dirty="0"/>
           </a:p>
         </p:txBody>
       </p:sp>
@@ -6420,427 +6332,193 @@
         </p:nvSpPr>
         <p:spPr>
           <a:xfrm>
-            <a:off x="4914261" y="1073497"/>
-            <a:ext cx="595035" cy="400110"/>
-          </a:xfrm>
-          <a:prstGeom prst="rect">
-            <a:avLst/>
-          </a:prstGeom>
-          <a:noFill/>
-        </p:spPr>
-        <p:txBody>
-          <a:bodyPr wrap="none" rtlCol="0">
-            <a:spAutoFit/>
-          </a:bodyPr>
-          <a:lstStyle/>
-          <a:p>
-            <a:r>
-              <a:rPr lang="en-US" sz="1000" dirty="0"/>
-              <a:t>General</a:t>
-            </a:r>
-          </a:p>
-          <a:p>
-            <a:r>
-              <a:rPr lang="en-US" sz="1000" dirty="0"/>
-              <a:t>Nelson</a:t>
-            </a:r>
-          </a:p>
-        </p:txBody>
-      </p:sp>
-      <p:sp>
-        <p:nvSpPr>
-          <p:cNvPr id="22" name="TextBox 21"/>
-          <p:cNvSpPr txBox="1"/>
-          <p:nvPr/>
-        </p:nvSpPr>
-        <p:spPr>
-          <a:xfrm>
-            <a:off x="5793467" y="1073497"/>
-            <a:ext cx="554960" cy="246221"/>
-          </a:xfrm>
-          <a:prstGeom prst="rect">
-            <a:avLst/>
-          </a:prstGeom>
-          <a:noFill/>
-        </p:spPr>
-        <p:txBody>
-          <a:bodyPr wrap="none" rtlCol="0">
-            <a:spAutoFit/>
-          </a:bodyPr>
-          <a:lstStyle/>
-          <a:p>
-            <a:r>
-              <a:rPr lang="en-US" sz="1000" dirty="0"/>
-              <a:t>Church</a:t>
-            </a:r>
-          </a:p>
-        </p:txBody>
-      </p:sp>
-      <p:sp>
-        <p:nvSpPr>
-          <p:cNvPr id="23" name="TextBox 22"/>
-          <p:cNvSpPr txBox="1"/>
-          <p:nvPr/>
-        </p:nvSpPr>
-        <p:spPr>
-          <a:xfrm>
-            <a:off x="1711626" y="1876344"/>
-            <a:ext cx="731290" cy="246221"/>
-          </a:xfrm>
-          <a:prstGeom prst="rect">
-            <a:avLst/>
-          </a:prstGeom>
-          <a:noFill/>
-        </p:spPr>
-        <p:txBody>
-          <a:bodyPr wrap="none" rtlCol="0">
-            <a:spAutoFit/>
-          </a:bodyPr>
-          <a:lstStyle/>
-          <a:p>
-            <a:r>
-              <a:rPr lang="en-US" sz="1000" dirty="0"/>
-              <a:t>Cyclorama</a:t>
-            </a:r>
-          </a:p>
-        </p:txBody>
-      </p:sp>
-      <p:sp>
-        <p:nvSpPr>
-          <p:cNvPr id="24" name="TextBox 23"/>
-          <p:cNvSpPr txBox="1"/>
-          <p:nvPr/>
-        </p:nvSpPr>
-        <p:spPr>
-          <a:xfrm>
-            <a:off x="2515491" y="4779954"/>
-            <a:ext cx="851665" cy="400110"/>
-          </a:xfrm>
-          <a:prstGeom prst="rect">
-            <a:avLst/>
-          </a:prstGeom>
-          <a:noFill/>
-        </p:spPr>
-        <p:txBody>
-          <a:bodyPr wrap="none" rtlCol="0">
-            <a:spAutoFit/>
-          </a:bodyPr>
-          <a:lstStyle/>
-          <a:p>
-            <a:r>
-              <a:rPr lang="en-US" sz="1000" dirty="0" smtClean="0"/>
-              <a:t>Biological</a:t>
-            </a:r>
-          </a:p>
-          <a:p>
-            <a:r>
-              <a:rPr lang="en-US" sz="1000" dirty="0" smtClean="0"/>
-              <a:t>containment</a:t>
-            </a:r>
-          </a:p>
-        </p:txBody>
-      </p:sp>
-      <p:sp>
-        <p:nvSpPr>
-          <p:cNvPr id="25" name="TextBox 24"/>
-          <p:cNvSpPr txBox="1"/>
-          <p:nvPr/>
-        </p:nvSpPr>
-        <p:spPr>
-          <a:xfrm>
-            <a:off x="2501867" y="3977107"/>
-            <a:ext cx="620683" cy="400110"/>
-          </a:xfrm>
-          <a:prstGeom prst="rect">
-            <a:avLst/>
-          </a:prstGeom>
-          <a:noFill/>
-        </p:spPr>
-        <p:txBody>
-          <a:bodyPr wrap="none" rtlCol="0">
-            <a:spAutoFit/>
-          </a:bodyPr>
-          <a:lstStyle/>
-          <a:p>
-            <a:r>
-              <a:rPr lang="en-US" sz="1000" dirty="0" err="1"/>
-              <a:t>Margots</a:t>
-            </a:r>
-            <a:endParaRPr lang="en-US" sz="1000" dirty="0"/>
-          </a:p>
-          <a:p>
-            <a:r>
-              <a:rPr lang="en-US" sz="1000" dirty="0"/>
-              <a:t>Pantry</a:t>
-            </a:r>
-          </a:p>
-        </p:txBody>
-      </p:sp>
-      <p:sp>
-        <p:nvSpPr>
-          <p:cNvPr id="26" name="TextBox 25"/>
-          <p:cNvSpPr txBox="1"/>
-          <p:nvPr/>
-        </p:nvSpPr>
-        <p:spPr>
-          <a:xfrm>
-            <a:off x="6632596" y="5428910"/>
-            <a:ext cx="575799" cy="246221"/>
-          </a:xfrm>
-          <a:prstGeom prst="rect">
-            <a:avLst/>
-          </a:prstGeom>
-          <a:noFill/>
-        </p:spPr>
-        <p:txBody>
-          <a:bodyPr wrap="none" rtlCol="0">
-            <a:spAutoFit/>
-          </a:bodyPr>
-          <a:lstStyle/>
-          <a:p>
-            <a:r>
-              <a:rPr lang="en-US" sz="1000" dirty="0"/>
-              <a:t>Gazebo</a:t>
-            </a:r>
-          </a:p>
-        </p:txBody>
-      </p:sp>
-      <p:sp>
-        <p:nvSpPr>
-          <p:cNvPr id="27" name="TextBox 26"/>
-          <p:cNvSpPr txBox="1"/>
-          <p:nvPr/>
-        </p:nvSpPr>
-        <p:spPr>
-          <a:xfrm>
-            <a:off x="4044229" y="1876344"/>
-            <a:ext cx="413896" cy="400110"/>
-          </a:xfrm>
-          <a:prstGeom prst="rect">
-            <a:avLst/>
-          </a:prstGeom>
-          <a:noFill/>
-        </p:spPr>
-        <p:txBody>
-          <a:bodyPr wrap="none" rtlCol="0">
-            <a:spAutoFit/>
-          </a:bodyPr>
-          <a:lstStyle/>
-          <a:p>
-            <a:r>
-              <a:rPr lang="en-US" sz="1000" dirty="0"/>
-              <a:t>City</a:t>
-            </a:r>
-          </a:p>
-          <a:p>
-            <a:r>
-              <a:rPr lang="en-US" sz="1000" dirty="0"/>
-              <a:t>Park</a:t>
-            </a:r>
-          </a:p>
-        </p:txBody>
-      </p:sp>
-      <p:sp>
-        <p:nvSpPr>
-          <p:cNvPr id="28" name="TextBox 27"/>
-          <p:cNvSpPr txBox="1"/>
-          <p:nvPr/>
-        </p:nvSpPr>
-        <p:spPr>
-          <a:xfrm>
-            <a:off x="1711626" y="1073497"/>
-            <a:ext cx="519694" cy="400110"/>
-          </a:xfrm>
-          <a:prstGeom prst="rect">
-            <a:avLst/>
-          </a:prstGeom>
-          <a:noFill/>
-        </p:spPr>
-        <p:txBody>
-          <a:bodyPr wrap="none" rtlCol="0">
-            <a:spAutoFit/>
-          </a:bodyPr>
-          <a:lstStyle/>
-          <a:p>
-            <a:r>
-              <a:rPr lang="en-US" sz="1000" dirty="0"/>
-              <a:t>Dung</a:t>
-            </a:r>
-          </a:p>
-          <a:p>
-            <a:r>
-              <a:rPr lang="en-US" sz="1000" dirty="0"/>
-              <a:t>Beetle</a:t>
-            </a:r>
-          </a:p>
-        </p:txBody>
-      </p:sp>
-      <p:sp>
-        <p:nvSpPr>
-          <p:cNvPr id="29" name="TextBox 28"/>
-          <p:cNvSpPr txBox="1"/>
-          <p:nvPr/>
-        </p:nvSpPr>
-        <p:spPr>
-          <a:xfrm>
-            <a:off x="5793467" y="5428910"/>
-            <a:ext cx="542136" cy="400110"/>
-          </a:xfrm>
-          <a:prstGeom prst="rect">
-            <a:avLst/>
-          </a:prstGeom>
-          <a:noFill/>
-        </p:spPr>
-        <p:txBody>
-          <a:bodyPr wrap="none" rtlCol="0">
-            <a:spAutoFit/>
-          </a:bodyPr>
-          <a:lstStyle/>
-          <a:p>
-            <a:r>
-              <a:rPr lang="en-US" sz="1000" dirty="0"/>
-              <a:t>Hank’s</a:t>
-            </a:r>
-          </a:p>
-          <a:p>
-            <a:r>
-              <a:rPr lang="en-US" sz="1000" dirty="0"/>
-              <a:t>Tavern</a:t>
-            </a:r>
-          </a:p>
-        </p:txBody>
-      </p:sp>
-      <p:sp>
-        <p:nvSpPr>
-          <p:cNvPr id="30" name="TextBox 29"/>
-          <p:cNvSpPr txBox="1"/>
-          <p:nvPr/>
-        </p:nvSpPr>
-        <p:spPr>
-          <a:xfrm>
-            <a:off x="4914261" y="5428910"/>
-            <a:ext cx="729687" cy="400110"/>
-          </a:xfrm>
-          <a:prstGeom prst="rect">
-            <a:avLst/>
-          </a:prstGeom>
-          <a:noFill/>
-        </p:spPr>
-        <p:txBody>
-          <a:bodyPr wrap="none" rtlCol="0">
-            <a:spAutoFit/>
-          </a:bodyPr>
-          <a:lstStyle/>
-          <a:p>
-            <a:r>
-              <a:rPr lang="en-US" sz="1000" dirty="0"/>
-              <a:t>Rottweiler</a:t>
-            </a:r>
-          </a:p>
-          <a:p>
-            <a:r>
-              <a:rPr lang="en-US" sz="1000" dirty="0"/>
-              <a:t>Art</a:t>
-            </a:r>
-          </a:p>
-        </p:txBody>
-      </p:sp>
-      <p:sp>
-        <p:nvSpPr>
-          <p:cNvPr id="31" name="TextBox 30"/>
-          <p:cNvSpPr txBox="1"/>
-          <p:nvPr/>
-        </p:nvSpPr>
-        <p:spPr>
-          <a:xfrm>
-            <a:off x="4914261" y="3977107"/>
-            <a:ext cx="729687" cy="400110"/>
-          </a:xfrm>
-          <a:prstGeom prst="rect">
-            <a:avLst/>
-          </a:prstGeom>
-          <a:noFill/>
-        </p:spPr>
-        <p:txBody>
-          <a:bodyPr wrap="none" rtlCol="0">
-            <a:spAutoFit/>
-          </a:bodyPr>
-          <a:lstStyle/>
-          <a:p>
-            <a:r>
-              <a:rPr lang="en-US" sz="1000" dirty="0"/>
-              <a:t>Friendship</a:t>
-            </a:r>
-          </a:p>
-          <a:p>
-            <a:r>
-              <a:rPr lang="en-US" sz="1000" dirty="0"/>
-              <a:t>Altar</a:t>
-            </a:r>
-          </a:p>
-        </p:txBody>
-      </p:sp>
-      <p:sp>
-        <p:nvSpPr>
-          <p:cNvPr id="32" name="TextBox 31"/>
-          <p:cNvSpPr txBox="1"/>
-          <p:nvPr/>
-        </p:nvSpPr>
-        <p:spPr>
-          <a:xfrm>
-            <a:off x="5793467" y="4779954"/>
-            <a:ext cx="447558" cy="246221"/>
-          </a:xfrm>
-          <a:prstGeom prst="rect">
-            <a:avLst/>
-          </a:prstGeom>
-          <a:noFill/>
-        </p:spPr>
-        <p:txBody>
-          <a:bodyPr wrap="none" rtlCol="0">
-            <a:spAutoFit/>
-          </a:bodyPr>
-          <a:lstStyle/>
-          <a:p>
-            <a:r>
-              <a:rPr lang="en-US" sz="1000" dirty="0"/>
-              <a:t>1893</a:t>
-            </a:r>
-          </a:p>
-        </p:txBody>
-      </p:sp>
-      <p:sp>
-        <p:nvSpPr>
-          <p:cNvPr id="33" name="TextBox 32"/>
-          <p:cNvSpPr txBox="1"/>
-          <p:nvPr/>
-        </p:nvSpPr>
-        <p:spPr>
-          <a:xfrm>
-            <a:off x="6632596" y="3977107"/>
-            <a:ext cx="588623" cy="400110"/>
-          </a:xfrm>
-          <a:prstGeom prst="rect">
-            <a:avLst/>
-          </a:prstGeom>
-          <a:noFill/>
-        </p:spPr>
-        <p:txBody>
-          <a:bodyPr wrap="none" rtlCol="0">
-            <a:spAutoFit/>
-          </a:bodyPr>
-          <a:lstStyle/>
-          <a:p>
-            <a:r>
-              <a:rPr lang="en-US" sz="1000" dirty="0"/>
-              <a:t>Eagle’s</a:t>
-            </a:r>
-          </a:p>
-          <a:p>
-            <a:r>
-              <a:rPr lang="en-US" sz="1000" dirty="0"/>
-              <a:t>Sojourn</a:t>
-            </a:r>
+            <a:off x="3679072" y="2996037"/>
+            <a:ext cx="1014333" cy="369332"/>
+          </a:xfrm>
+          <a:prstGeom prst="rect">
+            <a:avLst/>
+          </a:prstGeom>
+          <a:noFill/>
+        </p:spPr>
+        <p:txBody>
+          <a:bodyPr wrap="none" rtlCol="0">
+            <a:spAutoFit/>
+          </a:bodyPr>
+          <a:lstStyle/>
+          <a:p>
+            <a:r>
+              <a:rPr lang="en-US" dirty="0" smtClean="0"/>
+              <a:t>cafeteria</a:t>
+            </a:r>
+            <a:endParaRPr lang="en-US" dirty="0"/>
+          </a:p>
+        </p:txBody>
+      </p:sp>
+      <p:cxnSp>
+        <p:nvCxnSpPr>
+          <p:cNvPr id="23" name="Straight Connector 22"/>
+          <p:cNvCxnSpPr/>
+          <p:nvPr/>
+        </p:nvCxnSpPr>
+        <p:spPr>
+          <a:xfrm>
+            <a:off x="3384967" y="3221790"/>
+            <a:ext cx="360947" cy="0"/>
+          </a:xfrm>
+          <a:prstGeom prst="line">
+            <a:avLst/>
+          </a:prstGeom>
+        </p:spPr>
+        <p:style>
+          <a:lnRef idx="2">
+            <a:schemeClr val="accent1"/>
+          </a:lnRef>
+          <a:fillRef idx="0">
+            <a:schemeClr val="accent1"/>
+          </a:fillRef>
+          <a:effectRef idx="1">
+            <a:schemeClr val="accent1"/>
+          </a:effectRef>
+          <a:fontRef idx="minor">
+            <a:schemeClr val="tx1"/>
+          </a:fontRef>
+        </p:style>
+      </p:cxnSp>
+      <p:cxnSp>
+        <p:nvCxnSpPr>
+          <p:cNvPr id="24" name="Straight Connector 23"/>
+          <p:cNvCxnSpPr/>
+          <p:nvPr/>
+        </p:nvCxnSpPr>
+        <p:spPr>
+          <a:xfrm>
+            <a:off x="4648212" y="3221790"/>
+            <a:ext cx="360947" cy="0"/>
+          </a:xfrm>
+          <a:prstGeom prst="line">
+            <a:avLst/>
+          </a:prstGeom>
+        </p:spPr>
+        <p:style>
+          <a:lnRef idx="2">
+            <a:schemeClr val="accent1"/>
+          </a:lnRef>
+          <a:fillRef idx="0">
+            <a:schemeClr val="accent1"/>
+          </a:fillRef>
+          <a:effectRef idx="1">
+            <a:schemeClr val="accent1"/>
+          </a:effectRef>
+          <a:fontRef idx="minor">
+            <a:schemeClr val="tx1"/>
+          </a:fontRef>
+        </p:style>
+      </p:cxnSp>
+      <p:cxnSp>
+        <p:nvCxnSpPr>
+          <p:cNvPr id="25" name="Straight Connector 24"/>
+          <p:cNvCxnSpPr>
+            <a:stCxn id="16" idx="2"/>
+          </p:cNvCxnSpPr>
+          <p:nvPr/>
+        </p:nvCxnSpPr>
+        <p:spPr>
+          <a:xfrm>
+            <a:off x="3399347" y="2508015"/>
+            <a:ext cx="546517" cy="501636"/>
+          </a:xfrm>
+          <a:prstGeom prst="line">
+            <a:avLst/>
+          </a:prstGeom>
+        </p:spPr>
+        <p:style>
+          <a:lnRef idx="2">
+            <a:schemeClr val="accent1"/>
+          </a:lnRef>
+          <a:fillRef idx="0">
+            <a:schemeClr val="accent1"/>
+          </a:fillRef>
+          <a:effectRef idx="1">
+            <a:schemeClr val="accent1"/>
+          </a:effectRef>
+          <a:fontRef idx="minor">
+            <a:schemeClr val="tx1"/>
+          </a:fontRef>
+        </p:style>
+      </p:cxnSp>
+      <p:cxnSp>
+        <p:nvCxnSpPr>
+          <p:cNvPr id="28" name="Straight Connector 27"/>
+          <p:cNvCxnSpPr>
+            <a:stCxn id="17" idx="2"/>
+          </p:cNvCxnSpPr>
+          <p:nvPr/>
+        </p:nvCxnSpPr>
+        <p:spPr>
+          <a:xfrm flipH="1">
+            <a:off x="4264526" y="2508015"/>
+            <a:ext cx="415781" cy="482001"/>
+          </a:xfrm>
+          <a:prstGeom prst="line">
+            <a:avLst/>
+          </a:prstGeom>
+        </p:spPr>
+        <p:style>
+          <a:lnRef idx="2">
+            <a:schemeClr val="accent1"/>
+          </a:lnRef>
+          <a:fillRef idx="0">
+            <a:schemeClr val="accent1"/>
+          </a:fillRef>
+          <a:effectRef idx="1">
+            <a:schemeClr val="accent1"/>
+          </a:effectRef>
+          <a:fontRef idx="minor">
+            <a:schemeClr val="tx1"/>
+          </a:fontRef>
+        </p:style>
+      </p:cxnSp>
+      <p:sp>
+        <p:nvSpPr>
+          <p:cNvPr id="33" name="Oval 32"/>
+          <p:cNvSpPr/>
+          <p:nvPr/>
+        </p:nvSpPr>
+        <p:spPr>
+          <a:xfrm>
+            <a:off x="1818103" y="808285"/>
+            <a:ext cx="4657558" cy="4657558"/>
+          </a:xfrm>
+          <a:prstGeom prst="ellipse">
+            <a:avLst/>
+          </a:prstGeom>
+          <a:noFill/>
+          <a:ln>
+            <a:solidFill>
+              <a:schemeClr val="tx1"/>
+            </a:solidFill>
+          </a:ln>
+        </p:spPr>
+        <p:style>
+          <a:lnRef idx="1">
+            <a:schemeClr val="accent1"/>
+          </a:lnRef>
+          <a:fillRef idx="3">
+            <a:schemeClr val="accent1"/>
+          </a:fillRef>
+          <a:effectRef idx="2">
+            <a:schemeClr val="accent1"/>
+          </a:effectRef>
+          <a:fontRef idx="minor">
+            <a:schemeClr val="lt1"/>
+          </a:fontRef>
+        </p:style>
+        <p:txBody>
+          <a:bodyPr rtlCol="0" anchor="ctr"/>
+          <a:lstStyle/>
+          <a:p>
+            <a:pPr algn="ctr"/>
+            <a:endParaRPr lang="en-US"/>
           </a:p>
         </p:txBody>
       </p:sp>
@@ -6852,840 +6530,116 @@
         </p:nvSpPr>
         <p:spPr>
           <a:xfrm>
-            <a:off x="6632596" y="1876344"/>
-            <a:ext cx="707245" cy="400110"/>
-          </a:xfrm>
-          <a:prstGeom prst="rect">
-            <a:avLst/>
-          </a:prstGeom>
-          <a:noFill/>
-        </p:spPr>
-        <p:txBody>
-          <a:bodyPr wrap="none" rtlCol="0">
-            <a:spAutoFit/>
-          </a:bodyPr>
-          <a:lstStyle/>
-          <a:p>
-            <a:r>
-              <a:rPr lang="en-US" sz="1000" dirty="0"/>
-              <a:t>Telescope</a:t>
-            </a:r>
-          </a:p>
-          <a:p>
-            <a:r>
-              <a:rPr lang="en-US" sz="1000" dirty="0"/>
-              <a:t>Nymph</a:t>
-            </a:r>
-          </a:p>
-        </p:txBody>
-      </p:sp>
-      <p:sp>
-        <p:nvSpPr>
-          <p:cNvPr id="35" name="TextBox 34"/>
-          <p:cNvSpPr txBox="1"/>
-          <p:nvPr/>
-        </p:nvSpPr>
-        <p:spPr>
-          <a:xfrm>
-            <a:off x="4914261" y="4779954"/>
-            <a:ext cx="518091" cy="400110"/>
-          </a:xfrm>
-          <a:prstGeom prst="rect">
-            <a:avLst/>
-          </a:prstGeom>
-          <a:noFill/>
-        </p:spPr>
-        <p:txBody>
-          <a:bodyPr wrap="none" rtlCol="0">
-            <a:spAutoFit/>
-          </a:bodyPr>
-          <a:lstStyle/>
-          <a:p>
-            <a:r>
-              <a:rPr lang="en-US" sz="1000" dirty="0"/>
-              <a:t>Fire is </a:t>
-            </a:r>
-          </a:p>
-          <a:p>
-            <a:r>
-              <a:rPr lang="en-US" sz="1000" dirty="0"/>
-              <a:t>Friend</a:t>
-            </a:r>
-          </a:p>
-        </p:txBody>
-      </p:sp>
-      <p:sp>
-        <p:nvSpPr>
-          <p:cNvPr id="36" name="TextBox 35"/>
-          <p:cNvSpPr txBox="1"/>
-          <p:nvPr/>
-        </p:nvSpPr>
-        <p:spPr>
-          <a:xfrm>
-            <a:off x="1711626" y="5428910"/>
-            <a:ext cx="708848" cy="400110"/>
-          </a:xfrm>
-          <a:prstGeom prst="rect">
-            <a:avLst/>
-          </a:prstGeom>
-          <a:noFill/>
-        </p:spPr>
-        <p:txBody>
-          <a:bodyPr wrap="none" rtlCol="0">
-            <a:spAutoFit/>
-          </a:bodyPr>
-          <a:lstStyle/>
-          <a:p>
-            <a:r>
-              <a:rPr lang="en-US" sz="1000" dirty="0"/>
-              <a:t>Unearthly</a:t>
-            </a:r>
-          </a:p>
-          <a:p>
-            <a:r>
-              <a:rPr lang="en-US" sz="1000" dirty="0"/>
-              <a:t>Geometry</a:t>
-            </a:r>
-          </a:p>
-        </p:txBody>
-      </p:sp>
-      <p:sp>
-        <p:nvSpPr>
-          <p:cNvPr id="37" name="TextBox 36"/>
-          <p:cNvSpPr txBox="1"/>
-          <p:nvPr/>
-        </p:nvSpPr>
-        <p:spPr>
-          <a:xfrm>
-            <a:off x="5793467" y="3174260"/>
-            <a:ext cx="508473" cy="400110"/>
-          </a:xfrm>
-          <a:prstGeom prst="rect">
-            <a:avLst/>
-          </a:prstGeom>
-          <a:noFill/>
-        </p:spPr>
-        <p:txBody>
-          <a:bodyPr wrap="none" rtlCol="0">
-            <a:spAutoFit/>
-          </a:bodyPr>
-          <a:lstStyle/>
-          <a:p>
-            <a:r>
-              <a:rPr lang="en-US" sz="1000" dirty="0"/>
-              <a:t>Floyd</a:t>
-            </a:r>
-          </a:p>
-          <a:p>
-            <a:r>
-              <a:rPr lang="en-US" sz="1000" dirty="0"/>
-              <a:t>Bench</a:t>
-            </a:r>
-          </a:p>
-        </p:txBody>
-      </p:sp>
-      <p:sp>
-        <p:nvSpPr>
-          <p:cNvPr id="38" name="TextBox 37"/>
-          <p:cNvSpPr txBox="1"/>
-          <p:nvPr/>
-        </p:nvSpPr>
-        <p:spPr>
-          <a:xfrm>
-            <a:off x="5793467" y="1876344"/>
-            <a:ext cx="593432" cy="246221"/>
-          </a:xfrm>
-          <a:prstGeom prst="rect">
-            <a:avLst/>
-          </a:prstGeom>
-          <a:noFill/>
-        </p:spPr>
-        <p:txBody>
-          <a:bodyPr wrap="none" rtlCol="0">
-            <a:spAutoFit/>
-          </a:bodyPr>
-          <a:lstStyle/>
-          <a:p>
-            <a:r>
-              <a:rPr lang="en-US" sz="1000" dirty="0"/>
-              <a:t>Chicken</a:t>
-            </a:r>
-          </a:p>
-        </p:txBody>
-      </p:sp>
-      <p:sp>
-        <p:nvSpPr>
-          <p:cNvPr id="39" name="TextBox 38"/>
-          <p:cNvSpPr txBox="1"/>
-          <p:nvPr/>
-        </p:nvSpPr>
-        <p:spPr>
-          <a:xfrm>
-            <a:off x="5793467" y="2525302"/>
-            <a:ext cx="769763" cy="400110"/>
-          </a:xfrm>
-          <a:prstGeom prst="rect">
-            <a:avLst/>
-          </a:prstGeom>
-          <a:noFill/>
-        </p:spPr>
-        <p:txBody>
-          <a:bodyPr wrap="none" rtlCol="0">
-            <a:spAutoFit/>
-          </a:bodyPr>
-          <a:lstStyle/>
-          <a:p>
-            <a:r>
-              <a:rPr lang="en-US" sz="1000" dirty="0" err="1"/>
-              <a:t>Welbourne</a:t>
-            </a:r>
-            <a:endParaRPr lang="en-US" sz="1000" dirty="0"/>
-          </a:p>
-          <a:p>
-            <a:r>
-              <a:rPr lang="en-US" sz="1000" dirty="0"/>
-              <a:t>Travel</a:t>
-            </a:r>
-          </a:p>
-        </p:txBody>
-      </p:sp>
-      <p:sp>
-        <p:nvSpPr>
-          <p:cNvPr id="40" name="TextBox 39"/>
-          <p:cNvSpPr txBox="1"/>
-          <p:nvPr/>
-        </p:nvSpPr>
-        <p:spPr>
-          <a:xfrm>
-            <a:off x="2515491" y="1073497"/>
-            <a:ext cx="506870" cy="246221"/>
-          </a:xfrm>
-          <a:prstGeom prst="rect">
-            <a:avLst/>
-          </a:prstGeom>
-          <a:noFill/>
-        </p:spPr>
-        <p:txBody>
-          <a:bodyPr wrap="none" rtlCol="0">
-            <a:spAutoFit/>
-          </a:bodyPr>
-          <a:lstStyle/>
-          <a:p>
-            <a:r>
-              <a:rPr lang="en-US" sz="1000" dirty="0"/>
-              <a:t>Pillory</a:t>
-            </a:r>
-          </a:p>
-        </p:txBody>
-      </p:sp>
-      <p:sp>
-        <p:nvSpPr>
-          <p:cNvPr id="41" name="TextBox 40"/>
-          <p:cNvSpPr txBox="1"/>
-          <p:nvPr/>
-        </p:nvSpPr>
-        <p:spPr>
-          <a:xfrm>
-            <a:off x="3306532" y="1073497"/>
-            <a:ext cx="344966" cy="246221"/>
-          </a:xfrm>
-          <a:prstGeom prst="rect">
-            <a:avLst/>
-          </a:prstGeom>
-          <a:noFill/>
-        </p:spPr>
-        <p:txBody>
-          <a:bodyPr wrap="none" rtlCol="0">
-            <a:spAutoFit/>
-          </a:bodyPr>
-          <a:lstStyle/>
-          <a:p>
-            <a:r>
-              <a:rPr lang="en-US" sz="1000" dirty="0"/>
-              <a:t>Jail</a:t>
-            </a:r>
-          </a:p>
-        </p:txBody>
-      </p:sp>
-      <p:sp>
-        <p:nvSpPr>
-          <p:cNvPr id="42" name="TextBox 41"/>
-          <p:cNvSpPr txBox="1"/>
-          <p:nvPr/>
-        </p:nvSpPr>
-        <p:spPr>
-          <a:xfrm>
-            <a:off x="3306532" y="1876344"/>
-            <a:ext cx="513282" cy="400110"/>
-          </a:xfrm>
-          <a:prstGeom prst="rect">
-            <a:avLst/>
-          </a:prstGeom>
-          <a:noFill/>
-        </p:spPr>
-        <p:txBody>
-          <a:bodyPr wrap="none" rtlCol="0">
-            <a:spAutoFit/>
-          </a:bodyPr>
-          <a:lstStyle/>
-          <a:p>
-            <a:r>
-              <a:rPr lang="en-US" sz="1000" dirty="0"/>
-              <a:t>Court</a:t>
-            </a:r>
-          </a:p>
-          <a:p>
-            <a:r>
-              <a:rPr lang="en-US" sz="1000" dirty="0"/>
-              <a:t>House</a:t>
-            </a:r>
-          </a:p>
-        </p:txBody>
-      </p:sp>
-      <p:sp>
-        <p:nvSpPr>
-          <p:cNvPr id="43" name="TextBox 42"/>
-          <p:cNvSpPr txBox="1"/>
-          <p:nvPr/>
-        </p:nvSpPr>
-        <p:spPr>
-          <a:xfrm>
-            <a:off x="6632596" y="3174260"/>
-            <a:ext cx="554960" cy="400110"/>
-          </a:xfrm>
-          <a:prstGeom prst="rect">
-            <a:avLst/>
-          </a:prstGeom>
-          <a:noFill/>
-        </p:spPr>
-        <p:txBody>
-          <a:bodyPr wrap="none" rtlCol="0">
-            <a:spAutoFit/>
-          </a:bodyPr>
-          <a:lstStyle/>
-          <a:p>
-            <a:r>
-              <a:rPr lang="en-US" sz="1000" dirty="0"/>
-              <a:t>Train</a:t>
-            </a:r>
-          </a:p>
-          <a:p>
-            <a:r>
-              <a:rPr lang="en-US" sz="1000" dirty="0"/>
-              <a:t>Station</a:t>
-            </a:r>
-          </a:p>
-        </p:txBody>
-      </p:sp>
-      <p:sp>
-        <p:nvSpPr>
-          <p:cNvPr id="44" name="TextBox 43"/>
-          <p:cNvSpPr txBox="1"/>
-          <p:nvPr/>
-        </p:nvSpPr>
-        <p:spPr>
-          <a:xfrm>
-            <a:off x="6632596" y="2525302"/>
-            <a:ext cx="609462" cy="400110"/>
-          </a:xfrm>
-          <a:prstGeom prst="rect">
-            <a:avLst/>
-          </a:prstGeom>
-          <a:noFill/>
-        </p:spPr>
-        <p:txBody>
-          <a:bodyPr wrap="none" rtlCol="0">
-            <a:spAutoFit/>
-          </a:bodyPr>
-          <a:lstStyle/>
-          <a:p>
-            <a:r>
-              <a:rPr lang="en-US" sz="1000" dirty="0"/>
-              <a:t>Dog</a:t>
-            </a:r>
-          </a:p>
-          <a:p>
-            <a:r>
-              <a:rPr lang="en-US" sz="1000" dirty="0"/>
-              <a:t>Exercise</a:t>
-            </a:r>
-          </a:p>
-        </p:txBody>
-      </p:sp>
-      <p:sp>
-        <p:nvSpPr>
-          <p:cNvPr id="45" name="TextBox 44"/>
-          <p:cNvSpPr txBox="1"/>
-          <p:nvPr/>
-        </p:nvSpPr>
-        <p:spPr>
-          <a:xfrm>
-            <a:off x="1711626" y="3174260"/>
-            <a:ext cx="643125" cy="400110"/>
-          </a:xfrm>
-          <a:prstGeom prst="rect">
-            <a:avLst/>
-          </a:prstGeom>
-          <a:noFill/>
-        </p:spPr>
-        <p:txBody>
-          <a:bodyPr wrap="none" rtlCol="0">
-            <a:spAutoFit/>
-          </a:bodyPr>
-          <a:lstStyle/>
-          <a:p>
-            <a:r>
-              <a:rPr lang="en-US" sz="1000" dirty="0"/>
-              <a:t>Bottle</a:t>
-            </a:r>
-          </a:p>
-          <a:p>
-            <a:r>
-              <a:rPr lang="en-US" sz="1000" dirty="0"/>
-              <a:t>Cap Wall</a:t>
-            </a:r>
-          </a:p>
-        </p:txBody>
-      </p:sp>
-      <p:sp>
-        <p:nvSpPr>
-          <p:cNvPr id="46" name="TextBox 45"/>
-          <p:cNvSpPr txBox="1"/>
-          <p:nvPr/>
-        </p:nvSpPr>
-        <p:spPr>
-          <a:xfrm>
-            <a:off x="3306532" y="3977107"/>
-            <a:ext cx="705642" cy="400110"/>
-          </a:xfrm>
-          <a:prstGeom prst="rect">
-            <a:avLst/>
-          </a:prstGeom>
-          <a:noFill/>
-        </p:spPr>
-        <p:txBody>
-          <a:bodyPr wrap="none" rtlCol="0">
-            <a:spAutoFit/>
-          </a:bodyPr>
-          <a:lstStyle/>
-          <a:p>
-            <a:r>
-              <a:rPr lang="en-US" sz="1000" dirty="0"/>
-              <a:t>Cranberry</a:t>
-            </a:r>
-          </a:p>
-          <a:p>
-            <a:r>
-              <a:rPr lang="en-US" sz="1000" dirty="0"/>
-              <a:t>Bog</a:t>
-            </a:r>
-          </a:p>
-        </p:txBody>
-      </p:sp>
-      <p:sp>
-        <p:nvSpPr>
-          <p:cNvPr id="47" name="TextBox 46"/>
-          <p:cNvSpPr txBox="1"/>
-          <p:nvPr/>
-        </p:nvSpPr>
-        <p:spPr>
-          <a:xfrm>
-            <a:off x="4040133" y="5428910"/>
-            <a:ext cx="704039" cy="246221"/>
-          </a:xfrm>
-          <a:prstGeom prst="rect">
-            <a:avLst/>
-          </a:prstGeom>
-          <a:noFill/>
-        </p:spPr>
-        <p:txBody>
-          <a:bodyPr wrap="none" rtlCol="0">
-            <a:spAutoFit/>
-          </a:bodyPr>
-          <a:lstStyle/>
-          <a:p>
-            <a:r>
-              <a:rPr lang="en-US" sz="1000" dirty="0"/>
-              <a:t>Found Art</a:t>
-            </a:r>
-          </a:p>
-        </p:txBody>
-      </p:sp>
-      <p:sp>
-        <p:nvSpPr>
-          <p:cNvPr id="48" name="TextBox 47"/>
-          <p:cNvSpPr txBox="1"/>
-          <p:nvPr/>
-        </p:nvSpPr>
-        <p:spPr>
-          <a:xfrm>
-            <a:off x="6632596" y="1073497"/>
-            <a:ext cx="567784" cy="400110"/>
-          </a:xfrm>
-          <a:prstGeom prst="rect">
-            <a:avLst/>
-          </a:prstGeom>
-          <a:noFill/>
-        </p:spPr>
-        <p:txBody>
-          <a:bodyPr wrap="none" rtlCol="0">
-            <a:spAutoFit/>
-          </a:bodyPr>
-          <a:lstStyle/>
-          <a:p>
-            <a:r>
-              <a:rPr lang="en-US" sz="1000" dirty="0"/>
-              <a:t>Crystal </a:t>
-            </a:r>
-          </a:p>
-          <a:p>
-            <a:r>
-              <a:rPr lang="en-US" sz="1000" dirty="0"/>
-              <a:t>Skull</a:t>
-            </a:r>
-          </a:p>
-        </p:txBody>
-      </p:sp>
-      <p:sp>
-        <p:nvSpPr>
-          <p:cNvPr id="49" name="TextBox 48"/>
-          <p:cNvSpPr txBox="1"/>
-          <p:nvPr/>
-        </p:nvSpPr>
-        <p:spPr>
-          <a:xfrm>
-            <a:off x="4040133" y="2525302"/>
-            <a:ext cx="574196" cy="400110"/>
-          </a:xfrm>
-          <a:prstGeom prst="rect">
-            <a:avLst/>
-          </a:prstGeom>
-          <a:noFill/>
-        </p:spPr>
-        <p:txBody>
-          <a:bodyPr wrap="none" rtlCol="0">
-            <a:spAutoFit/>
-          </a:bodyPr>
-          <a:lstStyle/>
-          <a:p>
-            <a:r>
-              <a:rPr lang="en-US" sz="1000" dirty="0"/>
-              <a:t>Hook &amp;</a:t>
-            </a:r>
-          </a:p>
-          <a:p>
-            <a:r>
-              <a:rPr lang="en-US" sz="1000" dirty="0"/>
-              <a:t>Ladder</a:t>
-            </a:r>
-          </a:p>
-        </p:txBody>
-      </p:sp>
-      <p:sp>
-        <p:nvSpPr>
-          <p:cNvPr id="50" name="TextBox 49"/>
-          <p:cNvSpPr txBox="1"/>
-          <p:nvPr/>
-        </p:nvSpPr>
-        <p:spPr>
-          <a:xfrm>
-            <a:off x="2515491" y="1876344"/>
-            <a:ext cx="649537" cy="246221"/>
-          </a:xfrm>
-          <a:prstGeom prst="rect">
-            <a:avLst/>
-          </a:prstGeom>
-          <a:noFill/>
-        </p:spPr>
-        <p:txBody>
-          <a:bodyPr wrap="none" rtlCol="0">
-            <a:spAutoFit/>
-          </a:bodyPr>
-          <a:lstStyle/>
-          <a:p>
-            <a:r>
-              <a:rPr lang="en-US" sz="1000" dirty="0"/>
-              <a:t>Flag Pole</a:t>
-            </a:r>
-          </a:p>
-        </p:txBody>
-      </p:sp>
-      <p:sp>
-        <p:nvSpPr>
-          <p:cNvPr id="51" name="TextBox 50"/>
-          <p:cNvSpPr txBox="1"/>
-          <p:nvPr/>
-        </p:nvSpPr>
-        <p:spPr>
-          <a:xfrm>
-            <a:off x="2515491" y="5428910"/>
-            <a:ext cx="566181" cy="400110"/>
-          </a:xfrm>
-          <a:prstGeom prst="rect">
-            <a:avLst/>
-          </a:prstGeom>
-          <a:noFill/>
-        </p:spPr>
-        <p:txBody>
-          <a:bodyPr wrap="none" rtlCol="0">
-            <a:spAutoFit/>
-          </a:bodyPr>
-          <a:lstStyle/>
-          <a:p>
-            <a:r>
-              <a:rPr lang="en-US" sz="1000" dirty="0"/>
-              <a:t>Marker</a:t>
-            </a:r>
-          </a:p>
-          <a:p>
-            <a:r>
-              <a:rPr lang="en-US" sz="1000" dirty="0"/>
-              <a:t>0.7</a:t>
-            </a:r>
-          </a:p>
-        </p:txBody>
-      </p:sp>
-      <p:sp>
-        <p:nvSpPr>
-          <p:cNvPr id="52" name="TextBox 51"/>
-          <p:cNvSpPr txBox="1"/>
-          <p:nvPr/>
-        </p:nvSpPr>
-        <p:spPr>
-          <a:xfrm>
-            <a:off x="4040133" y="3174260"/>
-            <a:ext cx="683200" cy="400110"/>
-          </a:xfrm>
-          <a:prstGeom prst="rect">
-            <a:avLst/>
-          </a:prstGeom>
-          <a:noFill/>
-        </p:spPr>
-        <p:txBody>
-          <a:bodyPr wrap="none" rtlCol="0">
-            <a:spAutoFit/>
-          </a:bodyPr>
-          <a:lstStyle/>
-          <a:p>
-            <a:r>
-              <a:rPr lang="en-US" sz="1000" dirty="0" err="1"/>
+            <a:off x="5946588" y="5737412"/>
+            <a:ext cx="2298676" cy="646331"/>
+          </a:xfrm>
+          <a:prstGeom prst="rect">
+            <a:avLst/>
+          </a:prstGeom>
+          <a:noFill/>
+        </p:spPr>
+        <p:txBody>
+          <a:bodyPr wrap="none" rtlCol="0">
+            <a:spAutoFit/>
+          </a:bodyPr>
+          <a:lstStyle/>
+          <a:p>
+            <a:r>
+              <a:rPr lang="en-US" dirty="0" err="1" smtClean="0"/>
               <a:t>Nyantech</a:t>
             </a:r>
-            <a:endParaRPr lang="en-US" sz="1000" dirty="0"/>
-          </a:p>
-          <a:p>
-            <a:r>
-              <a:rPr lang="en-US" sz="1000" dirty="0"/>
-              <a:t>Tower</a:t>
-            </a:r>
-          </a:p>
-        </p:txBody>
-      </p:sp>
-      <p:sp>
-        <p:nvSpPr>
-          <p:cNvPr id="53" name="TextBox 52"/>
-          <p:cNvSpPr txBox="1"/>
-          <p:nvPr/>
-        </p:nvSpPr>
-        <p:spPr>
-          <a:xfrm>
-            <a:off x="3306532" y="3174260"/>
-            <a:ext cx="657552" cy="400110"/>
-          </a:xfrm>
-          <a:prstGeom prst="rect">
-            <a:avLst/>
-          </a:prstGeom>
-          <a:noFill/>
-        </p:spPr>
-        <p:txBody>
-          <a:bodyPr wrap="none" rtlCol="0">
-            <a:spAutoFit/>
-          </a:bodyPr>
-          <a:lstStyle/>
-          <a:p>
-            <a:r>
-              <a:rPr lang="en-US" sz="1000" dirty="0"/>
-              <a:t>Prissy</a:t>
-            </a:r>
-          </a:p>
-          <a:p>
-            <a:r>
-              <a:rPr lang="en-US" sz="1000" dirty="0"/>
-              <a:t>Sausages</a:t>
-            </a:r>
-          </a:p>
-        </p:txBody>
-      </p:sp>
-      <p:sp>
-        <p:nvSpPr>
-          <p:cNvPr id="54" name="TextBox 53"/>
-          <p:cNvSpPr txBox="1"/>
-          <p:nvPr/>
-        </p:nvSpPr>
-        <p:spPr>
-          <a:xfrm>
-            <a:off x="2515491" y="3174260"/>
-            <a:ext cx="591829" cy="400110"/>
-          </a:xfrm>
-          <a:prstGeom prst="rect">
-            <a:avLst/>
-          </a:prstGeom>
-          <a:noFill/>
-        </p:spPr>
-        <p:txBody>
-          <a:bodyPr wrap="none" rtlCol="0">
-            <a:spAutoFit/>
-          </a:bodyPr>
-          <a:lstStyle/>
-          <a:p>
-            <a:r>
-              <a:rPr lang="en-US" sz="1000" dirty="0" err="1"/>
-              <a:t>Krusty</a:t>
-            </a:r>
-            <a:endParaRPr lang="en-US" sz="1000" dirty="0"/>
-          </a:p>
-          <a:p>
-            <a:r>
-              <a:rPr lang="en-US" sz="1000" dirty="0" err="1"/>
-              <a:t>Kronuts</a:t>
-            </a:r>
-            <a:endParaRPr lang="en-US" sz="1000" dirty="0"/>
-          </a:p>
-        </p:txBody>
-      </p:sp>
-      <p:sp>
-        <p:nvSpPr>
-          <p:cNvPr id="55" name="TextBox 54"/>
-          <p:cNvSpPr txBox="1"/>
-          <p:nvPr/>
-        </p:nvSpPr>
-        <p:spPr>
-          <a:xfrm>
-            <a:off x="1773741" y="2525302"/>
-            <a:ext cx="381836" cy="246221"/>
-          </a:xfrm>
-          <a:prstGeom prst="rect">
-            <a:avLst/>
-          </a:prstGeom>
-          <a:noFill/>
-        </p:spPr>
-        <p:txBody>
-          <a:bodyPr wrap="none" rtlCol="0">
-            <a:spAutoFit/>
-          </a:bodyPr>
-          <a:lstStyle/>
-          <a:p>
-            <a:r>
-              <a:rPr lang="en-US" sz="1000" dirty="0"/>
-              <a:t>Orb</a:t>
-            </a:r>
-          </a:p>
-        </p:txBody>
-      </p:sp>
-      <p:sp>
-        <p:nvSpPr>
-          <p:cNvPr id="56" name="TextBox 55"/>
-          <p:cNvSpPr txBox="1"/>
-          <p:nvPr/>
-        </p:nvSpPr>
-        <p:spPr>
-          <a:xfrm>
-            <a:off x="1711626" y="3977107"/>
-            <a:ext cx="530915" cy="400110"/>
-          </a:xfrm>
-          <a:prstGeom prst="rect">
-            <a:avLst/>
-          </a:prstGeom>
-          <a:noFill/>
-        </p:spPr>
-        <p:txBody>
-          <a:bodyPr wrap="none" rtlCol="0">
-            <a:spAutoFit/>
-          </a:bodyPr>
-          <a:lstStyle/>
-          <a:p>
-            <a:r>
-              <a:rPr lang="en-US" sz="1000" dirty="0"/>
-              <a:t>Poison</a:t>
-            </a:r>
-          </a:p>
-          <a:p>
-            <a:r>
-              <a:rPr lang="en-US" sz="1000" dirty="0"/>
-              <a:t>Ivy</a:t>
-            </a:r>
-          </a:p>
-        </p:txBody>
-      </p:sp>
-      <p:sp>
-        <p:nvSpPr>
-          <p:cNvPr id="57" name="TextBox 56"/>
-          <p:cNvSpPr txBox="1"/>
-          <p:nvPr/>
-        </p:nvSpPr>
-        <p:spPr>
-          <a:xfrm>
-            <a:off x="1711626" y="4779954"/>
-            <a:ext cx="704039" cy="246221"/>
-          </a:xfrm>
-          <a:prstGeom prst="rect">
-            <a:avLst/>
-          </a:prstGeom>
-          <a:noFill/>
-        </p:spPr>
-        <p:txBody>
-          <a:bodyPr wrap="none" rtlCol="0">
-            <a:spAutoFit/>
-          </a:bodyPr>
-          <a:lstStyle/>
-          <a:p>
-            <a:r>
-              <a:rPr lang="en-US" sz="1000" dirty="0"/>
-              <a:t>Vuvuzelas</a:t>
-            </a:r>
-          </a:p>
-        </p:txBody>
-      </p:sp>
-      <p:sp>
-        <p:nvSpPr>
-          <p:cNvPr id="58" name="TextBox 57"/>
-          <p:cNvSpPr txBox="1"/>
-          <p:nvPr/>
-        </p:nvSpPr>
-        <p:spPr>
-          <a:xfrm>
-            <a:off x="5833543" y="3962400"/>
-            <a:ext cx="603450" cy="400110"/>
-          </a:xfrm>
-          <a:prstGeom prst="rect">
-            <a:avLst/>
-          </a:prstGeom>
-          <a:noFill/>
-        </p:spPr>
-        <p:txBody>
-          <a:bodyPr wrap="none" rtlCol="0">
-            <a:spAutoFit/>
-          </a:bodyPr>
-          <a:lstStyle/>
-          <a:p>
-            <a:r>
-              <a:rPr lang="en-US" sz="1000" dirty="0" smtClean="0"/>
-              <a:t>Perilous</a:t>
-            </a:r>
-          </a:p>
-          <a:p>
-            <a:r>
-              <a:rPr lang="en-US" sz="1000" dirty="0" smtClean="0"/>
-              <a:t>Passage</a:t>
-            </a:r>
-            <a:endParaRPr lang="en-US" sz="1000" dirty="0"/>
+            <a:r>
+              <a:rPr lang="en-US" dirty="0" smtClean="0"/>
+              <a:t> Tower</a:t>
+            </a:r>
+          </a:p>
+          <a:p>
+            <a:r>
+              <a:rPr lang="en-US" dirty="0" smtClean="0"/>
+              <a:t>Restaurant/Deck Level</a:t>
+            </a:r>
+            <a:endParaRPr lang="en-US" dirty="0"/>
+          </a:p>
+        </p:txBody>
+      </p:sp>
+      <p:sp>
+        <p:nvSpPr>
+          <p:cNvPr id="22" name="Rectangle 21"/>
+          <p:cNvSpPr/>
+          <p:nvPr/>
+        </p:nvSpPr>
+        <p:spPr>
+          <a:xfrm>
+            <a:off x="3741664" y="5220385"/>
+            <a:ext cx="828194" cy="490915"/>
+          </a:xfrm>
+          <a:prstGeom prst="rect">
+            <a:avLst/>
+          </a:prstGeom>
+          <a:noFill/>
+          <a:ln>
+            <a:solidFill>
+              <a:schemeClr val="tx1"/>
+            </a:solidFill>
+          </a:ln>
+        </p:spPr>
+        <p:style>
+          <a:lnRef idx="1">
+            <a:schemeClr val="accent1"/>
+          </a:lnRef>
+          <a:fillRef idx="3">
+            <a:schemeClr val="accent1"/>
+          </a:fillRef>
+          <a:effectRef idx="2">
+            <a:schemeClr val="accent1"/>
+          </a:effectRef>
+          <a:fontRef idx="minor">
+            <a:schemeClr val="lt1"/>
+          </a:fontRef>
+        </p:style>
+        <p:txBody>
+          <a:bodyPr rtlCol="0" anchor="ctr"/>
+          <a:lstStyle/>
+          <a:p>
+            <a:pPr algn="ctr"/>
+            <a:endParaRPr lang="en-US"/>
+          </a:p>
+        </p:txBody>
+      </p:sp>
+      <p:sp>
+        <p:nvSpPr>
+          <p:cNvPr id="2" name="TextBox 1"/>
+          <p:cNvSpPr txBox="1"/>
+          <p:nvPr/>
+        </p:nvSpPr>
+        <p:spPr>
+          <a:xfrm>
+            <a:off x="3856012" y="5256285"/>
+            <a:ext cx="713845" cy="369332"/>
+          </a:xfrm>
+          <a:prstGeom prst="rect">
+            <a:avLst/>
+          </a:prstGeom>
+          <a:noFill/>
+        </p:spPr>
+        <p:txBody>
+          <a:bodyPr wrap="none" rtlCol="0">
+            <a:spAutoFit/>
+          </a:bodyPr>
+          <a:lstStyle/>
+          <a:p>
+            <a:r>
+              <a:rPr lang="en-US" dirty="0" smtClean="0"/>
+              <a:t>Chain</a:t>
+            </a:r>
+            <a:endParaRPr lang="en-US" dirty="0"/>
           </a:p>
         </p:txBody>
       </p:sp>
     </p:spTree>
     <p:extLst>
       <p:ext uri="{BB962C8B-B14F-4D97-AF65-F5344CB8AC3E}">
-        <p14:creationId xmlns:p14="http://schemas.microsoft.com/office/powerpoint/2010/main" val="3523255695"/>
+        <p14:creationId xmlns:p14="http://schemas.microsoft.com/office/powerpoint/2010/main" val="721255204"/>
       </p:ext>
     </p:extLst>
   </p:cSld>
@@ -7696,6 +6650,1291 @@
 </file>
 
 <file path=ppt/slides/slide6.xml><?xml version="1.0" encoding="utf-8"?>
+<p:sld xmlns:a="http://schemas.openxmlformats.org/drawingml/2006/main" xmlns:r="http://schemas.openxmlformats.org/officeDocument/2006/relationships" xmlns:p="http://schemas.openxmlformats.org/presentationml/2006/main">
+  <p:cSld>
+    <p:spTree>
+      <p:nvGrpSpPr>
+        <p:cNvPr id="1" name=""/>
+        <p:cNvGrpSpPr/>
+        <p:nvPr/>
+      </p:nvGrpSpPr>
+      <p:grpSpPr>
+        <a:xfrm>
+          <a:off x="0" y="0"/>
+          <a:ext cx="0" cy="0"/>
+          <a:chOff x="0" y="0"/>
+          <a:chExt cx="0" cy="0"/>
+        </a:xfrm>
+      </p:grpSpPr>
+      <p:sp>
+        <p:nvSpPr>
+          <p:cNvPr id="33" name="Rectangle 32"/>
+          <p:cNvSpPr/>
+          <p:nvPr/>
+        </p:nvSpPr>
+        <p:spPr>
+          <a:xfrm>
+            <a:off x="2763253" y="4338890"/>
+            <a:ext cx="3197412" cy="328704"/>
+          </a:xfrm>
+          <a:prstGeom prst="rect">
+            <a:avLst/>
+          </a:prstGeom>
+          <a:solidFill>
+            <a:schemeClr val="bg1"/>
+          </a:solidFill>
+          <a:ln>
+            <a:solidFill>
+              <a:schemeClr val="tx1"/>
+            </a:solidFill>
+          </a:ln>
+        </p:spPr>
+        <p:style>
+          <a:lnRef idx="1">
+            <a:schemeClr val="accent1"/>
+          </a:lnRef>
+          <a:fillRef idx="3">
+            <a:schemeClr val="accent1"/>
+          </a:fillRef>
+          <a:effectRef idx="2">
+            <a:schemeClr val="accent1"/>
+          </a:effectRef>
+          <a:fontRef idx="minor">
+            <a:schemeClr val="lt1"/>
+          </a:fontRef>
+        </p:style>
+        <p:txBody>
+          <a:bodyPr rtlCol="0" anchor="ctr"/>
+          <a:lstStyle/>
+          <a:p>
+            <a:pPr algn="ctr"/>
+            <a:endParaRPr lang="en-US"/>
+          </a:p>
+        </p:txBody>
+      </p:sp>
+      <p:sp>
+        <p:nvSpPr>
+          <p:cNvPr id="34" name="Rectangle 33"/>
+          <p:cNvSpPr/>
+          <p:nvPr/>
+        </p:nvSpPr>
+        <p:spPr>
+          <a:xfrm>
+            <a:off x="2763253" y="4667594"/>
+            <a:ext cx="3197412" cy="328704"/>
+          </a:xfrm>
+          <a:prstGeom prst="rect">
+            <a:avLst/>
+          </a:prstGeom>
+          <a:solidFill>
+            <a:schemeClr val="bg1"/>
+          </a:solidFill>
+          <a:ln>
+            <a:solidFill>
+              <a:schemeClr val="tx1"/>
+            </a:solidFill>
+          </a:ln>
+        </p:spPr>
+        <p:style>
+          <a:lnRef idx="1">
+            <a:schemeClr val="accent1"/>
+          </a:lnRef>
+          <a:fillRef idx="3">
+            <a:schemeClr val="accent1"/>
+          </a:fillRef>
+          <a:effectRef idx="2">
+            <a:schemeClr val="accent1"/>
+          </a:effectRef>
+          <a:fontRef idx="minor">
+            <a:schemeClr val="lt1"/>
+          </a:fontRef>
+        </p:style>
+        <p:txBody>
+          <a:bodyPr rtlCol="0" anchor="ctr"/>
+          <a:lstStyle/>
+          <a:p>
+            <a:pPr algn="ctr"/>
+            <a:endParaRPr lang="en-US"/>
+          </a:p>
+        </p:txBody>
+      </p:sp>
+      <p:sp>
+        <p:nvSpPr>
+          <p:cNvPr id="35" name="Rectangle 34"/>
+          <p:cNvSpPr/>
+          <p:nvPr/>
+        </p:nvSpPr>
+        <p:spPr>
+          <a:xfrm>
+            <a:off x="2764117" y="4957445"/>
+            <a:ext cx="3197412" cy="328704"/>
+          </a:xfrm>
+          <a:prstGeom prst="rect">
+            <a:avLst/>
+          </a:prstGeom>
+          <a:solidFill>
+            <a:schemeClr val="bg1"/>
+          </a:solidFill>
+          <a:ln>
+            <a:solidFill>
+              <a:schemeClr val="tx1"/>
+            </a:solidFill>
+          </a:ln>
+        </p:spPr>
+        <p:style>
+          <a:lnRef idx="1">
+            <a:schemeClr val="accent1"/>
+          </a:lnRef>
+          <a:fillRef idx="3">
+            <a:schemeClr val="accent1"/>
+          </a:fillRef>
+          <a:effectRef idx="2">
+            <a:schemeClr val="accent1"/>
+          </a:effectRef>
+          <a:fontRef idx="minor">
+            <a:schemeClr val="lt1"/>
+          </a:fontRef>
+        </p:style>
+        <p:txBody>
+          <a:bodyPr rtlCol="0" anchor="ctr"/>
+          <a:lstStyle/>
+          <a:p>
+            <a:pPr algn="ctr"/>
+            <a:endParaRPr lang="en-US"/>
+          </a:p>
+        </p:txBody>
+      </p:sp>
+      <p:sp>
+        <p:nvSpPr>
+          <p:cNvPr id="4" name="Rectangle 3"/>
+          <p:cNvSpPr/>
+          <p:nvPr/>
+        </p:nvSpPr>
+        <p:spPr>
+          <a:xfrm>
+            <a:off x="1374588" y="1150469"/>
+            <a:ext cx="6110941" cy="164353"/>
+          </a:xfrm>
+          <a:prstGeom prst="rect">
+            <a:avLst/>
+          </a:prstGeom>
+          <a:noFill/>
+          <a:ln>
+            <a:solidFill>
+              <a:schemeClr val="tx1"/>
+            </a:solidFill>
+          </a:ln>
+        </p:spPr>
+        <p:style>
+          <a:lnRef idx="1">
+            <a:schemeClr val="accent1"/>
+          </a:lnRef>
+          <a:fillRef idx="3">
+            <a:schemeClr val="accent1"/>
+          </a:fillRef>
+          <a:effectRef idx="2">
+            <a:schemeClr val="accent1"/>
+          </a:effectRef>
+          <a:fontRef idx="minor">
+            <a:schemeClr val="lt1"/>
+          </a:fontRef>
+        </p:style>
+        <p:txBody>
+          <a:bodyPr rtlCol="0" anchor="ctr"/>
+          <a:lstStyle/>
+          <a:p>
+            <a:pPr algn="ctr"/>
+            <a:endParaRPr lang="en-US"/>
+          </a:p>
+        </p:txBody>
+      </p:sp>
+      <p:sp>
+        <p:nvSpPr>
+          <p:cNvPr id="5" name="Rectangle 4"/>
+          <p:cNvSpPr/>
+          <p:nvPr/>
+        </p:nvSpPr>
+        <p:spPr>
+          <a:xfrm>
+            <a:off x="2763253" y="986118"/>
+            <a:ext cx="3197412" cy="328704"/>
+          </a:xfrm>
+          <a:prstGeom prst="rect">
+            <a:avLst/>
+          </a:prstGeom>
+          <a:solidFill>
+            <a:schemeClr val="bg1"/>
+          </a:solidFill>
+          <a:ln>
+            <a:solidFill>
+              <a:schemeClr val="tx1"/>
+            </a:solidFill>
+          </a:ln>
+        </p:spPr>
+        <p:style>
+          <a:lnRef idx="1">
+            <a:schemeClr val="accent1"/>
+          </a:lnRef>
+          <a:fillRef idx="3">
+            <a:schemeClr val="accent1"/>
+          </a:fillRef>
+          <a:effectRef idx="2">
+            <a:schemeClr val="accent1"/>
+          </a:effectRef>
+          <a:fontRef idx="minor">
+            <a:schemeClr val="lt1"/>
+          </a:fontRef>
+        </p:style>
+        <p:txBody>
+          <a:bodyPr rtlCol="0" anchor="ctr"/>
+          <a:lstStyle/>
+          <a:p>
+            <a:pPr algn="ctr"/>
+            <a:endParaRPr lang="en-US" dirty="0"/>
+          </a:p>
+        </p:txBody>
+      </p:sp>
+      <p:sp>
+        <p:nvSpPr>
+          <p:cNvPr id="6" name="Rectangle 5"/>
+          <p:cNvSpPr/>
+          <p:nvPr/>
+        </p:nvSpPr>
+        <p:spPr>
+          <a:xfrm>
+            <a:off x="2763253" y="1314822"/>
+            <a:ext cx="3197412" cy="552825"/>
+          </a:xfrm>
+          <a:prstGeom prst="rect">
+            <a:avLst/>
+          </a:prstGeom>
+          <a:noFill/>
+          <a:ln>
+            <a:solidFill>
+              <a:schemeClr val="tx1"/>
+            </a:solidFill>
+          </a:ln>
+        </p:spPr>
+        <p:style>
+          <a:lnRef idx="1">
+            <a:schemeClr val="accent1"/>
+          </a:lnRef>
+          <a:fillRef idx="3">
+            <a:schemeClr val="accent1"/>
+          </a:fillRef>
+          <a:effectRef idx="2">
+            <a:schemeClr val="accent1"/>
+          </a:effectRef>
+          <a:fontRef idx="minor">
+            <a:schemeClr val="lt1"/>
+          </a:fontRef>
+        </p:style>
+        <p:txBody>
+          <a:bodyPr rtlCol="0" anchor="ctr"/>
+          <a:lstStyle/>
+          <a:p>
+            <a:pPr algn="ctr"/>
+            <a:endParaRPr lang="en-US"/>
+          </a:p>
+        </p:txBody>
+      </p:sp>
+      <p:sp>
+        <p:nvSpPr>
+          <p:cNvPr id="10" name="Rectangle 9"/>
+          <p:cNvSpPr/>
+          <p:nvPr/>
+        </p:nvSpPr>
+        <p:spPr>
+          <a:xfrm>
+            <a:off x="2763253" y="1867647"/>
+            <a:ext cx="3197412" cy="552825"/>
+          </a:xfrm>
+          <a:prstGeom prst="rect">
+            <a:avLst/>
+          </a:prstGeom>
+          <a:noFill/>
+          <a:ln>
+            <a:solidFill>
+              <a:schemeClr val="tx1"/>
+            </a:solidFill>
+          </a:ln>
+        </p:spPr>
+        <p:style>
+          <a:lnRef idx="1">
+            <a:schemeClr val="accent1"/>
+          </a:lnRef>
+          <a:fillRef idx="3">
+            <a:schemeClr val="accent1"/>
+          </a:fillRef>
+          <a:effectRef idx="2">
+            <a:schemeClr val="accent1"/>
+          </a:effectRef>
+          <a:fontRef idx="minor">
+            <a:schemeClr val="lt1"/>
+          </a:fontRef>
+        </p:style>
+        <p:txBody>
+          <a:bodyPr rtlCol="0" anchor="ctr"/>
+          <a:lstStyle/>
+          <a:p>
+            <a:pPr algn="ctr"/>
+            <a:endParaRPr lang="en-US"/>
+          </a:p>
+        </p:txBody>
+      </p:sp>
+      <p:sp>
+        <p:nvSpPr>
+          <p:cNvPr id="13" name="Rectangle 12"/>
+          <p:cNvSpPr/>
+          <p:nvPr/>
+        </p:nvSpPr>
+        <p:spPr>
+          <a:xfrm>
+            <a:off x="2763253" y="2420472"/>
+            <a:ext cx="3197412" cy="328704"/>
+          </a:xfrm>
+          <a:prstGeom prst="rect">
+            <a:avLst/>
+          </a:prstGeom>
+          <a:solidFill>
+            <a:schemeClr val="bg1"/>
+          </a:solidFill>
+          <a:ln>
+            <a:solidFill>
+              <a:schemeClr val="tx1"/>
+            </a:solidFill>
+          </a:ln>
+        </p:spPr>
+        <p:style>
+          <a:lnRef idx="1">
+            <a:schemeClr val="accent1"/>
+          </a:lnRef>
+          <a:fillRef idx="3">
+            <a:schemeClr val="accent1"/>
+          </a:fillRef>
+          <a:effectRef idx="2">
+            <a:schemeClr val="accent1"/>
+          </a:effectRef>
+          <a:fontRef idx="minor">
+            <a:schemeClr val="lt1"/>
+          </a:fontRef>
+        </p:style>
+        <p:txBody>
+          <a:bodyPr rtlCol="0" anchor="ctr"/>
+          <a:lstStyle/>
+          <a:p>
+            <a:pPr algn="ctr"/>
+            <a:r>
+              <a:rPr lang="en-US" dirty="0" smtClean="0"/>
+              <a:t>44</a:t>
+            </a:r>
+            <a:endParaRPr lang="en-US" dirty="0"/>
+          </a:p>
+        </p:txBody>
+      </p:sp>
+      <p:sp>
+        <p:nvSpPr>
+          <p:cNvPr id="14" name="Rectangle 13"/>
+          <p:cNvSpPr/>
+          <p:nvPr/>
+        </p:nvSpPr>
+        <p:spPr>
+          <a:xfrm>
+            <a:off x="2763253" y="2752166"/>
+            <a:ext cx="3197412" cy="328704"/>
+          </a:xfrm>
+          <a:prstGeom prst="rect">
+            <a:avLst/>
+          </a:prstGeom>
+          <a:solidFill>
+            <a:schemeClr val="bg1"/>
+          </a:solidFill>
+          <a:ln>
+            <a:solidFill>
+              <a:schemeClr val="tx1"/>
+            </a:solidFill>
+          </a:ln>
+        </p:spPr>
+        <p:style>
+          <a:lnRef idx="1">
+            <a:schemeClr val="accent1"/>
+          </a:lnRef>
+          <a:fillRef idx="3">
+            <a:schemeClr val="accent1"/>
+          </a:fillRef>
+          <a:effectRef idx="2">
+            <a:schemeClr val="accent1"/>
+          </a:effectRef>
+          <a:fontRef idx="minor">
+            <a:schemeClr val="lt1"/>
+          </a:fontRef>
+        </p:style>
+        <p:txBody>
+          <a:bodyPr rtlCol="0" anchor="ctr"/>
+          <a:lstStyle/>
+          <a:p>
+            <a:pPr algn="ctr"/>
+            <a:endParaRPr lang="en-US"/>
+          </a:p>
+        </p:txBody>
+      </p:sp>
+      <p:sp>
+        <p:nvSpPr>
+          <p:cNvPr id="15" name="Rectangle 14"/>
+          <p:cNvSpPr/>
+          <p:nvPr/>
+        </p:nvSpPr>
+        <p:spPr>
+          <a:xfrm>
+            <a:off x="2763253" y="3080870"/>
+            <a:ext cx="3197412" cy="328704"/>
+          </a:xfrm>
+          <a:prstGeom prst="rect">
+            <a:avLst/>
+          </a:prstGeom>
+          <a:solidFill>
+            <a:schemeClr val="bg1"/>
+          </a:solidFill>
+          <a:ln>
+            <a:solidFill>
+              <a:schemeClr val="tx1"/>
+            </a:solidFill>
+          </a:ln>
+        </p:spPr>
+        <p:style>
+          <a:lnRef idx="1">
+            <a:schemeClr val="accent1"/>
+          </a:lnRef>
+          <a:fillRef idx="3">
+            <a:schemeClr val="accent1"/>
+          </a:fillRef>
+          <a:effectRef idx="2">
+            <a:schemeClr val="accent1"/>
+          </a:effectRef>
+          <a:fontRef idx="minor">
+            <a:schemeClr val="lt1"/>
+          </a:fontRef>
+        </p:style>
+        <p:txBody>
+          <a:bodyPr rtlCol="0" anchor="ctr"/>
+          <a:lstStyle/>
+          <a:p>
+            <a:pPr algn="ctr"/>
+            <a:endParaRPr lang="en-US"/>
+          </a:p>
+        </p:txBody>
+      </p:sp>
+      <p:sp>
+        <p:nvSpPr>
+          <p:cNvPr id="16" name="Rectangle 15"/>
+          <p:cNvSpPr/>
+          <p:nvPr/>
+        </p:nvSpPr>
+        <p:spPr>
+          <a:xfrm>
+            <a:off x="2763253" y="3409574"/>
+            <a:ext cx="3197412" cy="328704"/>
+          </a:xfrm>
+          <a:prstGeom prst="rect">
+            <a:avLst/>
+          </a:prstGeom>
+          <a:solidFill>
+            <a:schemeClr val="bg1"/>
+          </a:solidFill>
+          <a:ln>
+            <a:solidFill>
+              <a:schemeClr val="tx1"/>
+            </a:solidFill>
+          </a:ln>
+        </p:spPr>
+        <p:style>
+          <a:lnRef idx="1">
+            <a:schemeClr val="accent1"/>
+          </a:lnRef>
+          <a:fillRef idx="3">
+            <a:schemeClr val="accent1"/>
+          </a:fillRef>
+          <a:effectRef idx="2">
+            <a:schemeClr val="accent1"/>
+          </a:effectRef>
+          <a:fontRef idx="minor">
+            <a:schemeClr val="lt1"/>
+          </a:fontRef>
+        </p:style>
+        <p:txBody>
+          <a:bodyPr rtlCol="0" anchor="ctr"/>
+          <a:lstStyle/>
+          <a:p>
+            <a:pPr algn="ctr"/>
+            <a:endParaRPr lang="en-US"/>
+          </a:p>
+        </p:txBody>
+      </p:sp>
+      <p:sp>
+        <p:nvSpPr>
+          <p:cNvPr id="17" name="Rectangle 16"/>
+          <p:cNvSpPr/>
+          <p:nvPr/>
+        </p:nvSpPr>
+        <p:spPr>
+          <a:xfrm>
+            <a:off x="2763253" y="3738278"/>
+            <a:ext cx="3197412" cy="328704"/>
+          </a:xfrm>
+          <a:prstGeom prst="rect">
+            <a:avLst/>
+          </a:prstGeom>
+          <a:solidFill>
+            <a:schemeClr val="bg1"/>
+          </a:solidFill>
+          <a:ln>
+            <a:solidFill>
+              <a:schemeClr val="tx1"/>
+            </a:solidFill>
+          </a:ln>
+        </p:spPr>
+        <p:style>
+          <a:lnRef idx="1">
+            <a:schemeClr val="accent1"/>
+          </a:lnRef>
+          <a:fillRef idx="3">
+            <a:schemeClr val="accent1"/>
+          </a:fillRef>
+          <a:effectRef idx="2">
+            <a:schemeClr val="accent1"/>
+          </a:effectRef>
+          <a:fontRef idx="minor">
+            <a:schemeClr val="lt1"/>
+          </a:fontRef>
+        </p:style>
+        <p:txBody>
+          <a:bodyPr rtlCol="0" anchor="ctr"/>
+          <a:lstStyle/>
+          <a:p>
+            <a:pPr algn="ctr"/>
+            <a:endParaRPr lang="en-US"/>
+          </a:p>
+        </p:txBody>
+      </p:sp>
+      <p:sp>
+        <p:nvSpPr>
+          <p:cNvPr id="18" name="Rectangle 17"/>
+          <p:cNvSpPr/>
+          <p:nvPr/>
+        </p:nvSpPr>
+        <p:spPr>
+          <a:xfrm>
+            <a:off x="2763253" y="4028129"/>
+            <a:ext cx="3197412" cy="328704"/>
+          </a:xfrm>
+          <a:prstGeom prst="rect">
+            <a:avLst/>
+          </a:prstGeom>
+          <a:solidFill>
+            <a:schemeClr val="bg1"/>
+          </a:solidFill>
+          <a:ln>
+            <a:solidFill>
+              <a:schemeClr val="tx1"/>
+            </a:solidFill>
+          </a:ln>
+        </p:spPr>
+        <p:style>
+          <a:lnRef idx="1">
+            <a:schemeClr val="accent1"/>
+          </a:lnRef>
+          <a:fillRef idx="3">
+            <a:schemeClr val="accent1"/>
+          </a:fillRef>
+          <a:effectRef idx="2">
+            <a:schemeClr val="accent1"/>
+          </a:effectRef>
+          <a:fontRef idx="minor">
+            <a:schemeClr val="lt1"/>
+          </a:fontRef>
+        </p:style>
+        <p:txBody>
+          <a:bodyPr rtlCol="0" anchor="ctr"/>
+          <a:lstStyle/>
+          <a:p>
+            <a:pPr algn="ctr"/>
+            <a:endParaRPr lang="en-US"/>
+          </a:p>
+        </p:txBody>
+      </p:sp>
+      <p:sp>
+        <p:nvSpPr>
+          <p:cNvPr id="19" name="TextBox 18"/>
+          <p:cNvSpPr txBox="1"/>
+          <p:nvPr/>
+        </p:nvSpPr>
+        <p:spPr>
+          <a:xfrm>
+            <a:off x="3036574" y="1473805"/>
+            <a:ext cx="2650786" cy="369332"/>
+          </a:xfrm>
+          <a:prstGeom prst="rect">
+            <a:avLst/>
+          </a:prstGeom>
+          <a:noFill/>
+        </p:spPr>
+        <p:txBody>
+          <a:bodyPr wrap="none" rtlCol="0">
+            <a:spAutoFit/>
+          </a:bodyPr>
+          <a:lstStyle/>
+          <a:p>
+            <a:pPr algn="ctr"/>
+            <a:r>
+              <a:rPr lang="en-US" dirty="0" smtClean="0"/>
+              <a:t>WTH&gt;4: Packaging: Purple </a:t>
+            </a:r>
+            <a:endParaRPr lang="en-US" dirty="0"/>
+          </a:p>
+        </p:txBody>
+      </p:sp>
+      <p:sp>
+        <p:nvSpPr>
+          <p:cNvPr id="20" name="TextBox 19"/>
+          <p:cNvSpPr txBox="1"/>
+          <p:nvPr/>
+        </p:nvSpPr>
+        <p:spPr>
+          <a:xfrm>
+            <a:off x="3235957" y="1920831"/>
+            <a:ext cx="2252014" cy="369332"/>
+          </a:xfrm>
+          <a:prstGeom prst="rect">
+            <a:avLst/>
+          </a:prstGeom>
+          <a:noFill/>
+        </p:spPr>
+        <p:txBody>
+          <a:bodyPr wrap="none" rtlCol="0">
+            <a:spAutoFit/>
+          </a:bodyPr>
+          <a:lstStyle/>
+          <a:p>
+            <a:pPr algn="ctr"/>
+            <a:r>
+              <a:rPr lang="en-US" dirty="0" smtClean="0"/>
+              <a:t>&gt;4: Processing: Purple</a:t>
+            </a:r>
+            <a:endParaRPr lang="en-US" dirty="0"/>
+          </a:p>
+        </p:txBody>
+      </p:sp>
+      <p:sp>
+        <p:nvSpPr>
+          <p:cNvPr id="21" name="TextBox 20"/>
+          <p:cNvSpPr txBox="1"/>
+          <p:nvPr/>
+        </p:nvSpPr>
+        <p:spPr>
+          <a:xfrm>
+            <a:off x="3466957" y="2389992"/>
+            <a:ext cx="1790011" cy="369332"/>
+          </a:xfrm>
+          <a:prstGeom prst="rect">
+            <a:avLst/>
+          </a:prstGeom>
+          <a:noFill/>
+        </p:spPr>
+        <p:txBody>
+          <a:bodyPr wrap="none" rtlCol="0">
+            <a:spAutoFit/>
+          </a:bodyPr>
+          <a:lstStyle/>
+          <a:p>
+            <a:pPr algn="ctr"/>
+            <a:r>
+              <a:rPr lang="en-US" dirty="0" smtClean="0"/>
+              <a:t>4: Infirmary: Pink</a:t>
+            </a:r>
+            <a:endParaRPr lang="en-US" dirty="0"/>
+          </a:p>
+        </p:txBody>
+      </p:sp>
+      <p:sp>
+        <p:nvSpPr>
+          <p:cNvPr id="22" name="TextBox 21"/>
+          <p:cNvSpPr txBox="1"/>
+          <p:nvPr/>
+        </p:nvSpPr>
+        <p:spPr>
+          <a:xfrm>
+            <a:off x="3384340" y="2719900"/>
+            <a:ext cx="1955245" cy="369332"/>
+          </a:xfrm>
+          <a:prstGeom prst="rect">
+            <a:avLst/>
+          </a:prstGeom>
+          <a:noFill/>
+        </p:spPr>
+        <p:txBody>
+          <a:bodyPr wrap="none" rtlCol="0">
+            <a:spAutoFit/>
+          </a:bodyPr>
+          <a:lstStyle/>
+          <a:p>
+            <a:pPr algn="ctr"/>
+            <a:r>
+              <a:rPr lang="en-US" dirty="0" smtClean="0"/>
+              <a:t>3: Managers: Black</a:t>
+            </a:r>
+            <a:endParaRPr lang="en-US" dirty="0"/>
+          </a:p>
+        </p:txBody>
+      </p:sp>
+      <p:sp>
+        <p:nvSpPr>
+          <p:cNvPr id="23" name="TextBox 22"/>
+          <p:cNvSpPr txBox="1"/>
+          <p:nvPr/>
+        </p:nvSpPr>
+        <p:spPr>
+          <a:xfrm>
+            <a:off x="3391185" y="3058752"/>
+            <a:ext cx="1941557" cy="369332"/>
+          </a:xfrm>
+          <a:prstGeom prst="rect">
+            <a:avLst/>
+          </a:prstGeom>
+          <a:noFill/>
+        </p:spPr>
+        <p:txBody>
+          <a:bodyPr wrap="none" rtlCol="0">
+            <a:spAutoFit/>
+          </a:bodyPr>
+          <a:lstStyle/>
+          <a:p>
+            <a:pPr algn="ctr"/>
+            <a:r>
+              <a:rPr lang="en-US" dirty="0" smtClean="0"/>
+              <a:t>2: Engineers: Black</a:t>
+            </a:r>
+            <a:endParaRPr lang="en-US" dirty="0"/>
+          </a:p>
+        </p:txBody>
+      </p:sp>
+      <p:sp>
+        <p:nvSpPr>
+          <p:cNvPr id="25" name="TextBox 24"/>
+          <p:cNvSpPr txBox="1"/>
+          <p:nvPr/>
+        </p:nvSpPr>
+        <p:spPr>
+          <a:xfrm>
+            <a:off x="3519423" y="3379094"/>
+            <a:ext cx="1685077" cy="369332"/>
+          </a:xfrm>
+          <a:prstGeom prst="rect">
+            <a:avLst/>
+          </a:prstGeom>
+          <a:noFill/>
+        </p:spPr>
+        <p:txBody>
+          <a:bodyPr wrap="none" rtlCol="0">
+            <a:spAutoFit/>
+          </a:bodyPr>
+          <a:lstStyle/>
+          <a:p>
+            <a:pPr algn="ctr"/>
+            <a:r>
+              <a:rPr lang="en-US" dirty="0" smtClean="0"/>
+              <a:t>1: Interns: Black</a:t>
+            </a:r>
+            <a:endParaRPr lang="en-US" dirty="0"/>
+          </a:p>
+        </p:txBody>
+      </p:sp>
+      <p:sp>
+        <p:nvSpPr>
+          <p:cNvPr id="26" name="TextBox 25"/>
+          <p:cNvSpPr txBox="1"/>
+          <p:nvPr/>
+        </p:nvSpPr>
+        <p:spPr>
+          <a:xfrm>
+            <a:off x="3570930" y="3707798"/>
+            <a:ext cx="1582059" cy="369332"/>
+          </a:xfrm>
+          <a:prstGeom prst="rect">
+            <a:avLst/>
+          </a:prstGeom>
+          <a:noFill/>
+        </p:spPr>
+        <p:txBody>
+          <a:bodyPr wrap="none" rtlCol="0">
+            <a:spAutoFit/>
+          </a:bodyPr>
+          <a:lstStyle/>
+          <a:p>
+            <a:pPr algn="ctr"/>
+            <a:r>
+              <a:rPr lang="en-US" dirty="0" smtClean="0"/>
+              <a:t>Ground: White</a:t>
+            </a:r>
+            <a:endParaRPr lang="en-US" dirty="0"/>
+          </a:p>
+        </p:txBody>
+      </p:sp>
+      <p:sp>
+        <p:nvSpPr>
+          <p:cNvPr id="27" name="TextBox 26"/>
+          <p:cNvSpPr txBox="1"/>
+          <p:nvPr/>
+        </p:nvSpPr>
+        <p:spPr>
+          <a:xfrm>
+            <a:off x="3741406" y="4007218"/>
+            <a:ext cx="1241107" cy="369332"/>
+          </a:xfrm>
+          <a:prstGeom prst="rect">
+            <a:avLst/>
+          </a:prstGeom>
+          <a:noFill/>
+        </p:spPr>
+        <p:txBody>
+          <a:bodyPr wrap="none" rtlCol="0">
+            <a:spAutoFit/>
+          </a:bodyPr>
+          <a:lstStyle/>
+          <a:p>
+            <a:pPr algn="ctr"/>
+            <a:r>
+              <a:rPr lang="en-US" dirty="0" smtClean="0"/>
+              <a:t>-1: B Green</a:t>
+            </a:r>
+            <a:endParaRPr lang="en-US" dirty="0"/>
+          </a:p>
+        </p:txBody>
+      </p:sp>
+      <p:sp>
+        <p:nvSpPr>
+          <p:cNvPr id="28" name="TextBox 27"/>
+          <p:cNvSpPr txBox="1"/>
+          <p:nvPr/>
+        </p:nvSpPr>
+        <p:spPr>
+          <a:xfrm>
+            <a:off x="3743153" y="4616806"/>
+            <a:ext cx="1237613" cy="369332"/>
+          </a:xfrm>
+          <a:prstGeom prst="rect">
+            <a:avLst/>
+          </a:prstGeom>
+          <a:noFill/>
+        </p:spPr>
+        <p:txBody>
+          <a:bodyPr wrap="none" rtlCol="0">
+            <a:spAutoFit/>
+          </a:bodyPr>
+          <a:lstStyle/>
+          <a:p>
+            <a:pPr algn="ctr"/>
+            <a:r>
+              <a:rPr lang="en-US" dirty="0" smtClean="0"/>
+              <a:t>-3: SSB Red</a:t>
+            </a:r>
+            <a:endParaRPr lang="en-US" dirty="0"/>
+          </a:p>
+        </p:txBody>
+      </p:sp>
+      <p:sp>
+        <p:nvSpPr>
+          <p:cNvPr id="37" name="TextBox 36"/>
+          <p:cNvSpPr txBox="1"/>
+          <p:nvPr/>
+        </p:nvSpPr>
+        <p:spPr>
+          <a:xfrm>
+            <a:off x="3769583" y="4336513"/>
+            <a:ext cx="1184752" cy="369332"/>
+          </a:xfrm>
+          <a:prstGeom prst="rect">
+            <a:avLst/>
+          </a:prstGeom>
+          <a:noFill/>
+        </p:spPr>
+        <p:txBody>
+          <a:bodyPr wrap="none" rtlCol="0">
+            <a:spAutoFit/>
+          </a:bodyPr>
+          <a:lstStyle/>
+          <a:p>
+            <a:pPr algn="ctr"/>
+            <a:r>
+              <a:rPr lang="en-US" dirty="0" smtClean="0"/>
+              <a:t>-2: SB Blue</a:t>
+            </a:r>
+            <a:endParaRPr lang="en-US" dirty="0"/>
+          </a:p>
+        </p:txBody>
+      </p:sp>
+      <p:sp>
+        <p:nvSpPr>
+          <p:cNvPr id="38" name="TextBox 37"/>
+          <p:cNvSpPr txBox="1"/>
+          <p:nvPr/>
+        </p:nvSpPr>
+        <p:spPr>
+          <a:xfrm>
+            <a:off x="3665269" y="4916817"/>
+            <a:ext cx="1393380" cy="369332"/>
+          </a:xfrm>
+          <a:prstGeom prst="rect">
+            <a:avLst/>
+          </a:prstGeom>
+          <a:noFill/>
+        </p:spPr>
+        <p:txBody>
+          <a:bodyPr wrap="none" rtlCol="0">
+            <a:spAutoFit/>
+          </a:bodyPr>
+          <a:lstStyle/>
+          <a:p>
+            <a:r>
+              <a:rPr lang="en-US" dirty="0" smtClean="0"/>
+              <a:t>-4: Musk Lair</a:t>
+            </a:r>
+            <a:endParaRPr lang="en-US" dirty="0"/>
+          </a:p>
+        </p:txBody>
+      </p:sp>
+      <p:sp>
+        <p:nvSpPr>
+          <p:cNvPr id="39" name="TextBox 38"/>
+          <p:cNvSpPr txBox="1"/>
+          <p:nvPr/>
+        </p:nvSpPr>
+        <p:spPr>
+          <a:xfrm>
+            <a:off x="3137837" y="955638"/>
+            <a:ext cx="2448244" cy="369332"/>
+          </a:xfrm>
+          <a:prstGeom prst="rect">
+            <a:avLst/>
+          </a:prstGeom>
+          <a:noFill/>
+        </p:spPr>
+        <p:txBody>
+          <a:bodyPr wrap="none" rtlCol="0">
+            <a:spAutoFit/>
+          </a:bodyPr>
+          <a:lstStyle/>
+          <a:p>
+            <a:pPr algn="ctr"/>
+            <a:r>
+              <a:rPr lang="en-US" dirty="0" smtClean="0"/>
+              <a:t>Restaurant/Deck: White</a:t>
+            </a:r>
+            <a:endParaRPr lang="en-US" dirty="0"/>
+          </a:p>
+        </p:txBody>
+      </p:sp>
+      <p:sp>
+        <p:nvSpPr>
+          <p:cNvPr id="2" name="Rectangle 1"/>
+          <p:cNvSpPr/>
+          <p:nvPr/>
+        </p:nvSpPr>
+        <p:spPr>
+          <a:xfrm>
+            <a:off x="2764117" y="990599"/>
+            <a:ext cx="373720" cy="3966845"/>
+          </a:xfrm>
+          <a:prstGeom prst="rect">
+            <a:avLst/>
+          </a:prstGeom>
+          <a:solidFill>
+            <a:schemeClr val="accent3">
+              <a:lumMod val="20000"/>
+              <a:lumOff val="80000"/>
+            </a:schemeClr>
+          </a:solidFill>
+        </p:spPr>
+        <p:style>
+          <a:lnRef idx="1">
+            <a:schemeClr val="accent1"/>
+          </a:lnRef>
+          <a:fillRef idx="3">
+            <a:schemeClr val="accent1"/>
+          </a:fillRef>
+          <a:effectRef idx="2">
+            <a:schemeClr val="accent1"/>
+          </a:effectRef>
+          <a:fontRef idx="minor">
+            <a:schemeClr val="lt1"/>
+          </a:fontRef>
+        </p:style>
+        <p:txBody>
+          <a:bodyPr rtlCol="0" anchor="ctr"/>
+          <a:lstStyle/>
+          <a:p>
+            <a:pPr algn="ctr"/>
+            <a:endParaRPr lang="en-US"/>
+          </a:p>
+        </p:txBody>
+      </p:sp>
+      <p:sp>
+        <p:nvSpPr>
+          <p:cNvPr id="36" name="Rectangle 35"/>
+          <p:cNvSpPr/>
+          <p:nvPr/>
+        </p:nvSpPr>
+        <p:spPr>
+          <a:xfrm>
+            <a:off x="2389533" y="1001010"/>
+            <a:ext cx="373720" cy="3355823"/>
+          </a:xfrm>
+          <a:prstGeom prst="rect">
+            <a:avLst/>
+          </a:prstGeom>
+          <a:solidFill>
+            <a:schemeClr val="tx2">
+              <a:lumMod val="20000"/>
+              <a:lumOff val="80000"/>
+            </a:schemeClr>
+          </a:solidFill>
+        </p:spPr>
+        <p:style>
+          <a:lnRef idx="1">
+            <a:schemeClr val="accent1"/>
+          </a:lnRef>
+          <a:fillRef idx="3">
+            <a:schemeClr val="accent1"/>
+          </a:fillRef>
+          <a:effectRef idx="2">
+            <a:schemeClr val="accent1"/>
+          </a:effectRef>
+          <a:fontRef idx="minor">
+            <a:schemeClr val="lt1"/>
+          </a:fontRef>
+        </p:style>
+        <p:txBody>
+          <a:bodyPr rtlCol="0" anchor="ctr"/>
+          <a:lstStyle/>
+          <a:p>
+            <a:pPr algn="ctr"/>
+            <a:endParaRPr lang="en-US"/>
+          </a:p>
+        </p:txBody>
+      </p:sp>
+      <p:sp>
+        <p:nvSpPr>
+          <p:cNvPr id="3" name="TextBox 2"/>
+          <p:cNvSpPr txBox="1"/>
+          <p:nvPr/>
+        </p:nvSpPr>
+        <p:spPr>
+          <a:xfrm rot="16200000">
+            <a:off x="2094422" y="2535233"/>
+            <a:ext cx="959555" cy="369332"/>
+          </a:xfrm>
+          <a:prstGeom prst="rect">
+            <a:avLst/>
+          </a:prstGeom>
+          <a:noFill/>
+        </p:spPr>
+        <p:txBody>
+          <a:bodyPr wrap="none" rtlCol="0">
+            <a:spAutoFit/>
+          </a:bodyPr>
+          <a:lstStyle/>
+          <a:p>
+            <a:r>
+              <a:rPr lang="en-US" dirty="0" smtClean="0"/>
+              <a:t>Elevator</a:t>
+            </a:r>
+            <a:endParaRPr lang="en-US" dirty="0"/>
+          </a:p>
+        </p:txBody>
+      </p:sp>
+      <p:sp>
+        <p:nvSpPr>
+          <p:cNvPr id="46" name="TextBox 45"/>
+          <p:cNvSpPr txBox="1"/>
+          <p:nvPr/>
+        </p:nvSpPr>
+        <p:spPr>
+          <a:xfrm rot="16200000">
+            <a:off x="2601997" y="2545030"/>
+            <a:ext cx="702348" cy="369332"/>
+          </a:xfrm>
+          <a:prstGeom prst="rect">
+            <a:avLst/>
+          </a:prstGeom>
+          <a:noFill/>
+        </p:spPr>
+        <p:txBody>
+          <a:bodyPr wrap="none" rtlCol="0">
+            <a:spAutoFit/>
+          </a:bodyPr>
+          <a:lstStyle/>
+          <a:p>
+            <a:r>
+              <a:rPr lang="en-US" dirty="0" smtClean="0"/>
+              <a:t>Stairs</a:t>
+            </a:r>
+            <a:endParaRPr lang="en-US" dirty="0"/>
+          </a:p>
+        </p:txBody>
+      </p:sp>
+      <p:pic>
+        <p:nvPicPr>
+          <p:cNvPr id="7" name="Picture 6"/>
+          <p:cNvPicPr>
+            <a:picLocks noChangeAspect="1"/>
+          </p:cNvPicPr>
+          <p:nvPr/>
+        </p:nvPicPr>
+        <p:blipFill>
+          <a:blip r:embed="rId2"/>
+          <a:stretch>
+            <a:fillRect/>
+          </a:stretch>
+        </p:blipFill>
+        <p:spPr>
+          <a:xfrm>
+            <a:off x="5364798" y="1543638"/>
+            <a:ext cx="1143000" cy="694178"/>
+          </a:xfrm>
+          <a:prstGeom prst="rect">
+            <a:avLst/>
+          </a:prstGeom>
+        </p:spPr>
+      </p:pic>
+      <p:sp>
+        <p:nvSpPr>
+          <p:cNvPr id="8" name="Oval 7"/>
+          <p:cNvSpPr/>
+          <p:nvPr/>
+        </p:nvSpPr>
+        <p:spPr>
+          <a:xfrm>
+            <a:off x="6096000" y="1905000"/>
+            <a:ext cx="76200" cy="76200"/>
+          </a:xfrm>
+          <a:prstGeom prst="ellipse">
+            <a:avLst/>
+          </a:prstGeom>
+          <a:solidFill>
+            <a:srgbClr val="FF6600"/>
+          </a:solidFill>
+          <a:ln>
+            <a:solidFill>
+              <a:schemeClr val="tx1"/>
+            </a:solidFill>
+          </a:ln>
+          <a:effectLst>
+            <a:glow rad="63500">
+              <a:srgbClr val="FF0000">
+                <a:alpha val="35000"/>
+              </a:srgbClr>
+            </a:glow>
+            <a:outerShdw blurRad="40000" dist="23000" dir="5400000" rotWithShape="0">
+              <a:srgbClr val="000000">
+                <a:alpha val="35000"/>
+              </a:srgbClr>
+            </a:outerShdw>
+          </a:effectLst>
+        </p:spPr>
+        <p:style>
+          <a:lnRef idx="1">
+            <a:schemeClr val="accent1"/>
+          </a:lnRef>
+          <a:fillRef idx="3">
+            <a:schemeClr val="accent1"/>
+          </a:fillRef>
+          <a:effectRef idx="2">
+            <a:schemeClr val="accent1"/>
+          </a:effectRef>
+          <a:fontRef idx="minor">
+            <a:schemeClr val="lt1"/>
+          </a:fontRef>
+        </p:style>
+        <p:txBody>
+          <a:bodyPr rtlCol="0" anchor="ctr"/>
+          <a:lstStyle/>
+          <a:p>
+            <a:pPr algn="ctr"/>
+            <a:endParaRPr lang="en-US"/>
+          </a:p>
+        </p:txBody>
+      </p:sp>
+      <p:sp>
+        <p:nvSpPr>
+          <p:cNvPr id="41" name="Oval 40"/>
+          <p:cNvSpPr/>
+          <p:nvPr/>
+        </p:nvSpPr>
+        <p:spPr>
+          <a:xfrm>
+            <a:off x="6324600" y="1905000"/>
+            <a:ext cx="76200" cy="76200"/>
+          </a:xfrm>
+          <a:prstGeom prst="ellipse">
+            <a:avLst/>
+          </a:prstGeom>
+          <a:solidFill>
+            <a:srgbClr val="FF6600"/>
+          </a:solidFill>
+          <a:ln>
+            <a:solidFill>
+              <a:schemeClr val="tx1"/>
+            </a:solidFill>
+          </a:ln>
+          <a:effectLst>
+            <a:glow rad="63500">
+              <a:srgbClr val="FF0000">
+                <a:alpha val="35000"/>
+              </a:srgbClr>
+            </a:glow>
+            <a:outerShdw blurRad="40000" dist="23000" dir="5400000" rotWithShape="0">
+              <a:srgbClr val="000000">
+                <a:alpha val="35000"/>
+              </a:srgbClr>
+            </a:outerShdw>
+          </a:effectLst>
+        </p:spPr>
+        <p:style>
+          <a:lnRef idx="1">
+            <a:schemeClr val="accent1"/>
+          </a:lnRef>
+          <a:fillRef idx="3">
+            <a:schemeClr val="accent1"/>
+          </a:fillRef>
+          <a:effectRef idx="2">
+            <a:schemeClr val="accent1"/>
+          </a:effectRef>
+          <a:fontRef idx="minor">
+            <a:schemeClr val="lt1"/>
+          </a:fontRef>
+        </p:style>
+        <p:txBody>
+          <a:bodyPr rtlCol="0" anchor="ctr"/>
+          <a:lstStyle/>
+          <a:p>
+            <a:pPr algn="ctr"/>
+            <a:endParaRPr lang="en-US"/>
+          </a:p>
+        </p:txBody>
+      </p:sp>
+    </p:spTree>
+    <p:extLst>
+      <p:ext uri="{BB962C8B-B14F-4D97-AF65-F5344CB8AC3E}">
+        <p14:creationId xmlns:p14="http://schemas.microsoft.com/office/powerpoint/2010/main" val="1046036021"/>
+      </p:ext>
+    </p:extLst>
+  </p:cSld>
+  <p:clrMapOvr>
+    <a:masterClrMapping/>
+  </p:clrMapOvr>
+</p:sld>
+</file>
+
+<file path=ppt/slides/slide7.xml><?xml version="1.0" encoding="utf-8"?>
 <p:sld xmlns:a="http://schemas.openxmlformats.org/drawingml/2006/main" xmlns:r="http://schemas.openxmlformats.org/officeDocument/2006/relationships" xmlns:p="http://schemas.openxmlformats.org/presentationml/2006/main">
   <p:cSld>
     <p:spTree>
